--- a/Notes/1_Intro_Classical_Waves.pptx
+++ b/Notes/1_Intro_Classical_Waves.pptx
@@ -129,6 +129,22 @@
       </a:defRPr>
     </a:lvl9pPr>
   </p:defaultTextStyle>
+  <p:extLst>
+    <p:ext uri="{EFAFB233-063F-42B5-8137-9DF3F51BA10A}">
+      <p15:sldGuideLst xmlns:p15="http://schemas.microsoft.com/office/powerpoint/2012/main">
+        <p15:guide id="1" orient="horz" pos="2160">
+          <p15:clr>
+            <a:srgbClr val="A4A3A4"/>
+          </p15:clr>
+        </p15:guide>
+        <p15:guide id="2" pos="2880">
+          <p15:clr>
+            <a:srgbClr val="A4A3A4"/>
+          </p15:clr>
+        </p15:guide>
+      </p15:sldGuideLst>
+    </p:ext>
+  </p:extLst>
 </p:presentation>
 </file>
 
@@ -214,7 +230,7 @@
           <a:p>
             <a:fld id="{47B5508F-B9DA-3A4B-92BF-6A4138802024}" type="datetimeFigureOut">
               <a:rPr lang="en-US" smtClean="0"/>
-              <a:t>8/31/15</a:t>
+              <a:t>8/31/20</a:t>
             </a:fld>
             <a:endParaRPr lang="en-US"/>
           </a:p>
@@ -278,38 +294,37 @@
           <a:p>
             <a:pPr lvl="0"/>
             <a:r>
-              <a:rPr lang="en-US" smtClean="0"/>
+              <a:rPr lang="en-US"/>
               <a:t>Click to edit Master text styles</a:t>
             </a:r>
           </a:p>
           <a:p>
             <a:pPr lvl="1"/>
             <a:r>
-              <a:rPr lang="en-US" smtClean="0"/>
+              <a:rPr lang="en-US"/>
               <a:t>Second level</a:t>
             </a:r>
           </a:p>
           <a:p>
             <a:pPr lvl="2"/>
             <a:r>
-              <a:rPr lang="en-US" smtClean="0"/>
+              <a:rPr lang="en-US"/>
               <a:t>Third level</a:t>
             </a:r>
           </a:p>
           <a:p>
             <a:pPr lvl="3"/>
             <a:r>
-              <a:rPr lang="en-US" smtClean="0"/>
+              <a:rPr lang="en-US"/>
               <a:t>Fourth level</a:t>
             </a:r>
           </a:p>
           <a:p>
             <a:pPr lvl="4"/>
             <a:r>
-              <a:rPr lang="en-US" smtClean="0"/>
+              <a:rPr lang="en-US"/>
               <a:t>Fifth level</a:t>
             </a:r>
-            <a:endParaRPr lang="en-US"/>
           </a:p>
         </p:txBody>
       </p:sp>
@@ -607,10 +622,9 @@
           <a:lstStyle/>
           <a:p>
             <a:r>
-              <a:rPr lang="en-US" smtClean="0"/>
+              <a:rPr lang="en-US"/>
               <a:t>Click to edit Master title style</a:t>
             </a:r>
-            <a:endParaRPr lang="en-US"/>
           </a:p>
         </p:txBody>
       </p:sp>
@@ -726,10 +740,9 @@
           </a:lstStyle>
           <a:p>
             <a:r>
-              <a:rPr lang="en-US" smtClean="0"/>
+              <a:rPr lang="en-US"/>
               <a:t>Click to edit Master subtitle style</a:t>
             </a:r>
-            <a:endParaRPr lang="en-US"/>
           </a:p>
         </p:txBody>
       </p:sp>
@@ -751,7 +764,7 @@
             <a:fld id="{B2F2B4BC-311C-574E-AB1F-5BCC7E00BDAB}" type="datetimeFigureOut">
               <a:rPr lang="en-US" smtClean="0"/>
               <a:pPr/>
-              <a:t>8/31/15</a:t>
+              <a:t>8/31/20</a:t>
             </a:fld>
             <a:endParaRPr lang="en-US"/>
           </a:p>
@@ -841,10 +854,9 @@
           <a:lstStyle/>
           <a:p>
             <a:r>
-              <a:rPr lang="en-US" smtClean="0"/>
+              <a:rPr lang="en-US"/>
               <a:t>Click to edit Master title style</a:t>
             </a:r>
-            <a:endParaRPr lang="en-US"/>
           </a:p>
         </p:txBody>
       </p:sp>
@@ -865,38 +877,37 @@
           <a:p>
             <a:pPr lvl="0"/>
             <a:r>
-              <a:rPr lang="en-US" smtClean="0"/>
+              <a:rPr lang="en-US"/>
               <a:t>Click to edit Master text styles</a:t>
             </a:r>
           </a:p>
           <a:p>
             <a:pPr lvl="1"/>
             <a:r>
-              <a:rPr lang="en-US" smtClean="0"/>
+              <a:rPr lang="en-US"/>
               <a:t>Second level</a:t>
             </a:r>
           </a:p>
           <a:p>
             <a:pPr lvl="2"/>
             <a:r>
-              <a:rPr lang="en-US" smtClean="0"/>
+              <a:rPr lang="en-US"/>
               <a:t>Third level</a:t>
             </a:r>
           </a:p>
           <a:p>
             <a:pPr lvl="3"/>
             <a:r>
-              <a:rPr lang="en-US" smtClean="0"/>
+              <a:rPr lang="en-US"/>
               <a:t>Fourth level</a:t>
             </a:r>
           </a:p>
           <a:p>
             <a:pPr lvl="4"/>
             <a:r>
-              <a:rPr lang="en-US" smtClean="0"/>
+              <a:rPr lang="en-US"/>
               <a:t>Fifth level</a:t>
             </a:r>
-            <a:endParaRPr lang="en-US"/>
           </a:p>
         </p:txBody>
       </p:sp>
@@ -918,7 +929,7 @@
             <a:fld id="{B2F2B4BC-311C-574E-AB1F-5BCC7E00BDAB}" type="datetimeFigureOut">
               <a:rPr lang="en-US" smtClean="0"/>
               <a:pPr/>
-              <a:t>8/31/15</a:t>
+              <a:t>8/31/20</a:t>
             </a:fld>
             <a:endParaRPr lang="en-US"/>
           </a:p>
@@ -1013,10 +1024,9 @@
           <a:lstStyle/>
           <a:p>
             <a:r>
-              <a:rPr lang="en-US" smtClean="0"/>
+              <a:rPr lang="en-US"/>
               <a:t>Click to edit Master title style</a:t>
             </a:r>
-            <a:endParaRPr lang="en-US"/>
           </a:p>
         </p:txBody>
       </p:sp>
@@ -1042,38 +1052,37 @@
           <a:p>
             <a:pPr lvl="0"/>
             <a:r>
-              <a:rPr lang="en-US" smtClean="0"/>
+              <a:rPr lang="en-US"/>
               <a:t>Click to edit Master text styles</a:t>
             </a:r>
           </a:p>
           <a:p>
             <a:pPr lvl="1"/>
             <a:r>
-              <a:rPr lang="en-US" smtClean="0"/>
+              <a:rPr lang="en-US"/>
               <a:t>Second level</a:t>
             </a:r>
           </a:p>
           <a:p>
             <a:pPr lvl="2"/>
             <a:r>
-              <a:rPr lang="en-US" smtClean="0"/>
+              <a:rPr lang="en-US"/>
               <a:t>Third level</a:t>
             </a:r>
           </a:p>
           <a:p>
             <a:pPr lvl="3"/>
             <a:r>
-              <a:rPr lang="en-US" smtClean="0"/>
+              <a:rPr lang="en-US"/>
               <a:t>Fourth level</a:t>
             </a:r>
           </a:p>
           <a:p>
             <a:pPr lvl="4"/>
             <a:r>
-              <a:rPr lang="en-US" smtClean="0"/>
+              <a:rPr lang="en-US"/>
               <a:t>Fifth level</a:t>
             </a:r>
-            <a:endParaRPr lang="en-US"/>
           </a:p>
         </p:txBody>
       </p:sp>
@@ -1095,7 +1104,7 @@
             <a:fld id="{B2F2B4BC-311C-574E-AB1F-5BCC7E00BDAB}" type="datetimeFigureOut">
               <a:rPr lang="en-US" smtClean="0"/>
               <a:pPr/>
-              <a:t>8/31/15</a:t>
+              <a:t>8/31/20</a:t>
             </a:fld>
             <a:endParaRPr lang="en-US"/>
           </a:p>
@@ -1185,10 +1194,9 @@
           <a:lstStyle/>
           <a:p>
             <a:r>
-              <a:rPr lang="en-US" smtClean="0"/>
+              <a:rPr lang="en-US"/>
               <a:t>Click to edit Master title style</a:t>
             </a:r>
-            <a:endParaRPr lang="en-US"/>
           </a:p>
         </p:txBody>
       </p:sp>
@@ -1209,38 +1217,37 @@
           <a:p>
             <a:pPr lvl="0"/>
             <a:r>
-              <a:rPr lang="en-US" smtClean="0"/>
+              <a:rPr lang="en-US"/>
               <a:t>Click to edit Master text styles</a:t>
             </a:r>
           </a:p>
           <a:p>
             <a:pPr lvl="1"/>
             <a:r>
-              <a:rPr lang="en-US" smtClean="0"/>
+              <a:rPr lang="en-US"/>
               <a:t>Second level</a:t>
             </a:r>
           </a:p>
           <a:p>
             <a:pPr lvl="2"/>
             <a:r>
-              <a:rPr lang="en-US" smtClean="0"/>
+              <a:rPr lang="en-US"/>
               <a:t>Third level</a:t>
             </a:r>
           </a:p>
           <a:p>
             <a:pPr lvl="3"/>
             <a:r>
-              <a:rPr lang="en-US" smtClean="0"/>
+              <a:rPr lang="en-US"/>
               <a:t>Fourth level</a:t>
             </a:r>
           </a:p>
           <a:p>
             <a:pPr lvl="4"/>
             <a:r>
-              <a:rPr lang="en-US" smtClean="0"/>
+              <a:rPr lang="en-US"/>
               <a:t>Fifth level</a:t>
             </a:r>
-            <a:endParaRPr lang="en-US"/>
           </a:p>
         </p:txBody>
       </p:sp>
@@ -1262,7 +1269,7 @@
             <a:fld id="{B2F2B4BC-311C-574E-AB1F-5BCC7E00BDAB}" type="datetimeFigureOut">
               <a:rPr lang="en-US" smtClean="0"/>
               <a:pPr/>
-              <a:t>8/31/15</a:t>
+              <a:t>8/31/20</a:t>
             </a:fld>
             <a:endParaRPr lang="en-US"/>
           </a:p>
@@ -1361,10 +1368,9 @@
           </a:lstStyle>
           <a:p>
             <a:r>
-              <a:rPr lang="en-US" smtClean="0"/>
+              <a:rPr lang="en-US"/>
               <a:t>Click to edit Master title style</a:t>
             </a:r>
-            <a:endParaRPr lang="en-US"/>
           </a:p>
         </p:txBody>
       </p:sp>
@@ -1481,7 +1487,7 @@
           <a:p>
             <a:pPr lvl="0"/>
             <a:r>
-              <a:rPr lang="en-US" smtClean="0"/>
+              <a:rPr lang="en-US"/>
               <a:t>Click to edit Master text styles</a:t>
             </a:r>
           </a:p>
@@ -1505,7 +1511,7 @@
             <a:fld id="{B2F2B4BC-311C-574E-AB1F-5BCC7E00BDAB}" type="datetimeFigureOut">
               <a:rPr lang="en-US" smtClean="0"/>
               <a:pPr/>
-              <a:t>8/31/15</a:t>
+              <a:t>8/31/20</a:t>
             </a:fld>
             <a:endParaRPr lang="en-US"/>
           </a:p>
@@ -1595,10 +1601,9 @@
           <a:lstStyle/>
           <a:p>
             <a:r>
-              <a:rPr lang="en-US" smtClean="0"/>
+              <a:rPr lang="en-US"/>
               <a:t>Click to edit Master title style</a:t>
             </a:r>
-            <a:endParaRPr lang="en-US"/>
           </a:p>
         </p:txBody>
       </p:sp>
@@ -1652,38 +1657,37 @@
           <a:p>
             <a:pPr lvl="0"/>
             <a:r>
-              <a:rPr lang="en-US" smtClean="0"/>
+              <a:rPr lang="en-US"/>
               <a:t>Click to edit Master text styles</a:t>
             </a:r>
           </a:p>
           <a:p>
             <a:pPr lvl="1"/>
             <a:r>
-              <a:rPr lang="en-US" smtClean="0"/>
+              <a:rPr lang="en-US"/>
               <a:t>Second level</a:t>
             </a:r>
           </a:p>
           <a:p>
             <a:pPr lvl="2"/>
             <a:r>
-              <a:rPr lang="en-US" smtClean="0"/>
+              <a:rPr lang="en-US"/>
               <a:t>Third level</a:t>
             </a:r>
           </a:p>
           <a:p>
             <a:pPr lvl="3"/>
             <a:r>
-              <a:rPr lang="en-US" smtClean="0"/>
+              <a:rPr lang="en-US"/>
               <a:t>Fourth level</a:t>
             </a:r>
           </a:p>
           <a:p>
             <a:pPr lvl="4"/>
             <a:r>
-              <a:rPr lang="en-US" smtClean="0"/>
+              <a:rPr lang="en-US"/>
               <a:t>Fifth level</a:t>
             </a:r>
-            <a:endParaRPr lang="en-US"/>
           </a:p>
         </p:txBody>
       </p:sp>
@@ -1737,38 +1741,37 @@
           <a:p>
             <a:pPr lvl="0"/>
             <a:r>
-              <a:rPr lang="en-US" smtClean="0"/>
+              <a:rPr lang="en-US"/>
               <a:t>Click to edit Master text styles</a:t>
             </a:r>
           </a:p>
           <a:p>
             <a:pPr lvl="1"/>
             <a:r>
-              <a:rPr lang="en-US" smtClean="0"/>
+              <a:rPr lang="en-US"/>
               <a:t>Second level</a:t>
             </a:r>
           </a:p>
           <a:p>
             <a:pPr lvl="2"/>
             <a:r>
-              <a:rPr lang="en-US" smtClean="0"/>
+              <a:rPr lang="en-US"/>
               <a:t>Third level</a:t>
             </a:r>
           </a:p>
           <a:p>
             <a:pPr lvl="3"/>
             <a:r>
-              <a:rPr lang="en-US" smtClean="0"/>
+              <a:rPr lang="en-US"/>
               <a:t>Fourth level</a:t>
             </a:r>
           </a:p>
           <a:p>
             <a:pPr lvl="4"/>
             <a:r>
-              <a:rPr lang="en-US" smtClean="0"/>
+              <a:rPr lang="en-US"/>
               <a:t>Fifth level</a:t>
             </a:r>
-            <a:endParaRPr lang="en-US"/>
           </a:p>
         </p:txBody>
       </p:sp>
@@ -1790,7 +1793,7 @@
             <a:fld id="{B2F2B4BC-311C-574E-AB1F-5BCC7E00BDAB}" type="datetimeFigureOut">
               <a:rPr lang="en-US" smtClean="0"/>
               <a:pPr/>
-              <a:t>8/31/15</a:t>
+              <a:t>8/31/20</a:t>
             </a:fld>
             <a:endParaRPr lang="en-US"/>
           </a:p>
@@ -1884,10 +1887,9 @@
           </a:lstStyle>
           <a:p>
             <a:r>
-              <a:rPr lang="en-US" smtClean="0"/>
+              <a:rPr lang="en-US"/>
               <a:t>Click to edit Master title style</a:t>
             </a:r>
-            <a:endParaRPr lang="en-US"/>
           </a:p>
         </p:txBody>
       </p:sp>
@@ -1950,7 +1952,7 @@
           <a:p>
             <a:pPr lvl="0"/>
             <a:r>
-              <a:rPr lang="en-US" smtClean="0"/>
+              <a:rPr lang="en-US"/>
               <a:t>Click to edit Master text styles</a:t>
             </a:r>
           </a:p>
@@ -2006,38 +2008,37 @@
           <a:p>
             <a:pPr lvl="0"/>
             <a:r>
-              <a:rPr lang="en-US" smtClean="0"/>
+              <a:rPr lang="en-US"/>
               <a:t>Click to edit Master text styles</a:t>
             </a:r>
           </a:p>
           <a:p>
             <a:pPr lvl="1"/>
             <a:r>
-              <a:rPr lang="en-US" smtClean="0"/>
+              <a:rPr lang="en-US"/>
               <a:t>Second level</a:t>
             </a:r>
           </a:p>
           <a:p>
             <a:pPr lvl="2"/>
             <a:r>
-              <a:rPr lang="en-US" smtClean="0"/>
+              <a:rPr lang="en-US"/>
               <a:t>Third level</a:t>
             </a:r>
           </a:p>
           <a:p>
             <a:pPr lvl="3"/>
             <a:r>
-              <a:rPr lang="en-US" smtClean="0"/>
+              <a:rPr lang="en-US"/>
               <a:t>Fourth level</a:t>
             </a:r>
           </a:p>
           <a:p>
             <a:pPr lvl="4"/>
             <a:r>
-              <a:rPr lang="en-US" smtClean="0"/>
+              <a:rPr lang="en-US"/>
               <a:t>Fifth level</a:t>
             </a:r>
-            <a:endParaRPr lang="en-US"/>
           </a:p>
         </p:txBody>
       </p:sp>
@@ -2100,7 +2101,7 @@
           <a:p>
             <a:pPr lvl="0"/>
             <a:r>
-              <a:rPr lang="en-US" smtClean="0"/>
+              <a:rPr lang="en-US"/>
               <a:t>Click to edit Master text styles</a:t>
             </a:r>
           </a:p>
@@ -2156,38 +2157,37 @@
           <a:p>
             <a:pPr lvl="0"/>
             <a:r>
-              <a:rPr lang="en-US" smtClean="0"/>
+              <a:rPr lang="en-US"/>
               <a:t>Click to edit Master text styles</a:t>
             </a:r>
           </a:p>
           <a:p>
             <a:pPr lvl="1"/>
             <a:r>
-              <a:rPr lang="en-US" smtClean="0"/>
+              <a:rPr lang="en-US"/>
               <a:t>Second level</a:t>
             </a:r>
           </a:p>
           <a:p>
             <a:pPr lvl="2"/>
             <a:r>
-              <a:rPr lang="en-US" smtClean="0"/>
+              <a:rPr lang="en-US"/>
               <a:t>Third level</a:t>
             </a:r>
           </a:p>
           <a:p>
             <a:pPr lvl="3"/>
             <a:r>
-              <a:rPr lang="en-US" smtClean="0"/>
+              <a:rPr lang="en-US"/>
               <a:t>Fourth level</a:t>
             </a:r>
           </a:p>
           <a:p>
             <a:pPr lvl="4"/>
             <a:r>
-              <a:rPr lang="en-US" smtClean="0"/>
+              <a:rPr lang="en-US"/>
               <a:t>Fifth level</a:t>
             </a:r>
-            <a:endParaRPr lang="en-US"/>
           </a:p>
         </p:txBody>
       </p:sp>
@@ -2209,7 +2209,7 @@
             <a:fld id="{B2F2B4BC-311C-574E-AB1F-5BCC7E00BDAB}" type="datetimeFigureOut">
               <a:rPr lang="en-US" smtClean="0"/>
               <a:pPr/>
-              <a:t>8/31/15</a:t>
+              <a:t>8/31/20</a:t>
             </a:fld>
             <a:endParaRPr lang="en-US"/>
           </a:p>
@@ -2299,10 +2299,9 @@
           <a:lstStyle/>
           <a:p>
             <a:r>
-              <a:rPr lang="en-US" smtClean="0"/>
+              <a:rPr lang="en-US"/>
               <a:t>Click to edit Master title style</a:t>
             </a:r>
-            <a:endParaRPr lang="en-US"/>
           </a:p>
         </p:txBody>
       </p:sp>
@@ -2324,7 +2323,7 @@
             <a:fld id="{B2F2B4BC-311C-574E-AB1F-5BCC7E00BDAB}" type="datetimeFigureOut">
               <a:rPr lang="en-US" smtClean="0"/>
               <a:pPr/>
-              <a:t>8/31/15</a:t>
+              <a:t>8/31/20</a:t>
             </a:fld>
             <a:endParaRPr lang="en-US"/>
           </a:p>
@@ -2416,7 +2415,7 @@
             <a:fld id="{B2F2B4BC-311C-574E-AB1F-5BCC7E00BDAB}" type="datetimeFigureOut">
               <a:rPr lang="en-US" smtClean="0"/>
               <a:pPr/>
-              <a:t>8/31/15</a:t>
+              <a:t>8/31/20</a:t>
             </a:fld>
             <a:endParaRPr lang="en-US"/>
           </a:p>
@@ -2515,10 +2514,9 @@
           </a:lstStyle>
           <a:p>
             <a:r>
-              <a:rPr lang="en-US" smtClean="0"/>
+              <a:rPr lang="en-US"/>
               <a:t>Click to edit Master title style</a:t>
             </a:r>
-            <a:endParaRPr lang="en-US"/>
           </a:p>
         </p:txBody>
       </p:sp>
@@ -2572,38 +2570,37 @@
           <a:p>
             <a:pPr lvl="0"/>
             <a:r>
-              <a:rPr lang="en-US" smtClean="0"/>
+              <a:rPr lang="en-US"/>
               <a:t>Click to edit Master text styles</a:t>
             </a:r>
           </a:p>
           <a:p>
             <a:pPr lvl="1"/>
             <a:r>
-              <a:rPr lang="en-US" smtClean="0"/>
+              <a:rPr lang="en-US"/>
               <a:t>Second level</a:t>
             </a:r>
           </a:p>
           <a:p>
             <a:pPr lvl="2"/>
             <a:r>
-              <a:rPr lang="en-US" smtClean="0"/>
+              <a:rPr lang="en-US"/>
               <a:t>Third level</a:t>
             </a:r>
           </a:p>
           <a:p>
             <a:pPr lvl="3"/>
             <a:r>
-              <a:rPr lang="en-US" smtClean="0"/>
+              <a:rPr lang="en-US"/>
               <a:t>Fourth level</a:t>
             </a:r>
           </a:p>
           <a:p>
             <a:pPr lvl="4"/>
             <a:r>
-              <a:rPr lang="en-US" smtClean="0"/>
+              <a:rPr lang="en-US"/>
               <a:t>Fifth level</a:t>
             </a:r>
-            <a:endParaRPr lang="en-US"/>
           </a:p>
         </p:txBody>
       </p:sp>
@@ -2666,7 +2663,7 @@
           <a:p>
             <a:pPr lvl="0"/>
             <a:r>
-              <a:rPr lang="en-US" smtClean="0"/>
+              <a:rPr lang="en-US"/>
               <a:t>Click to edit Master text styles</a:t>
             </a:r>
           </a:p>
@@ -2690,7 +2687,7 @@
             <a:fld id="{B2F2B4BC-311C-574E-AB1F-5BCC7E00BDAB}" type="datetimeFigureOut">
               <a:rPr lang="en-US" smtClean="0"/>
               <a:pPr/>
-              <a:t>8/31/15</a:t>
+              <a:t>8/31/20</a:t>
             </a:fld>
             <a:endParaRPr lang="en-US"/>
           </a:p>
@@ -2789,10 +2786,9 @@
           </a:lstStyle>
           <a:p>
             <a:r>
-              <a:rPr lang="en-US" smtClean="0"/>
+              <a:rPr lang="en-US"/>
               <a:t>Click to edit Master title style</a:t>
             </a:r>
-            <a:endParaRPr lang="en-US"/>
           </a:p>
         </p:txBody>
       </p:sp>
@@ -2916,7 +2912,7 @@
           <a:p>
             <a:pPr lvl="0"/>
             <a:r>
-              <a:rPr lang="en-US" smtClean="0"/>
+              <a:rPr lang="en-US"/>
               <a:t>Click to edit Master text styles</a:t>
             </a:r>
           </a:p>
@@ -2940,7 +2936,7 @@
             <a:fld id="{B2F2B4BC-311C-574E-AB1F-5BCC7E00BDAB}" type="datetimeFigureOut">
               <a:rPr lang="en-US" smtClean="0"/>
               <a:pPr/>
-              <a:t>8/31/15</a:t>
+              <a:t>8/31/20</a:t>
             </a:fld>
             <a:endParaRPr lang="en-US"/>
           </a:p>
@@ -3045,10 +3041,9 @@
           <a:lstStyle/>
           <a:p>
             <a:r>
-              <a:rPr lang="en-US" smtClean="0"/>
+              <a:rPr lang="en-US"/>
               <a:t>Click to edit Master title style</a:t>
             </a:r>
-            <a:endParaRPr lang="en-US"/>
           </a:p>
         </p:txBody>
       </p:sp>
@@ -3079,38 +3074,37 @@
           <a:p>
             <a:pPr lvl="0"/>
             <a:r>
-              <a:rPr lang="en-US" smtClean="0"/>
+              <a:rPr lang="en-US"/>
               <a:t>Click to edit Master text styles</a:t>
             </a:r>
           </a:p>
           <a:p>
             <a:pPr lvl="1"/>
             <a:r>
-              <a:rPr lang="en-US" smtClean="0"/>
+              <a:rPr lang="en-US"/>
               <a:t>Second level</a:t>
             </a:r>
           </a:p>
           <a:p>
             <a:pPr lvl="2"/>
             <a:r>
-              <a:rPr lang="en-US" smtClean="0"/>
+              <a:rPr lang="en-US"/>
               <a:t>Third level</a:t>
             </a:r>
           </a:p>
           <a:p>
             <a:pPr lvl="3"/>
             <a:r>
-              <a:rPr lang="en-US" smtClean="0"/>
+              <a:rPr lang="en-US"/>
               <a:t>Fourth level</a:t>
             </a:r>
           </a:p>
           <a:p>
             <a:pPr lvl="4"/>
             <a:r>
-              <a:rPr lang="en-US" smtClean="0"/>
+              <a:rPr lang="en-US"/>
               <a:t>Fifth level</a:t>
             </a:r>
-            <a:endParaRPr lang="en-US"/>
           </a:p>
         </p:txBody>
       </p:sp>
@@ -3150,7 +3144,7 @@
             <a:fld id="{B2F2B4BC-311C-574E-AB1F-5BCC7E00BDAB}" type="datetimeFigureOut">
               <a:rPr lang="en-US" smtClean="0"/>
               <a:pPr/>
-              <a:t>8/31/15</a:t>
+              <a:t>8/31/20</a:t>
             </a:fld>
             <a:endParaRPr lang="en-US"/>
           </a:p>
@@ -3619,7 +3613,7 @@
           <a:p>
             <a:pPr algn="ctr"/>
             <a:r>
-              <a:rPr lang="en-US" sz="4400" dirty="0" smtClean="0">
+              <a:rPr lang="en-US" sz="4400" dirty="0">
                 <a:latin typeface="Times New Roman"/>
                 <a:cs typeface="Times New Roman"/>
               </a:rPr>
@@ -3629,13 +3623,13 @@
           <a:p>
             <a:pPr algn="ctr"/>
             <a:r>
-              <a:rPr lang="en-US" sz="3600" dirty="0" smtClean="0">
+              <a:rPr lang="en-US" sz="3600" dirty="0">
                 <a:latin typeface="Times New Roman"/>
                 <a:cs typeface="Times New Roman"/>
               </a:rPr>
               <a:t>Calculus/Differential Equations Refresher</a:t>
             </a:r>
-            <a:endParaRPr lang="en-US" sz="3600" dirty="0" smtClean="0">
+            <a:endParaRPr lang="en-US" sz="3600" dirty="0">
               <a:solidFill>
                 <a:schemeClr val="tx1"/>
               </a:solidFill>
@@ -3667,7 +3661,7 @@
           <a:graphicData uri="http://schemas.openxmlformats.org/presentationml/2006/ole">
             <mc:AlternateContent xmlns:mc="http://schemas.openxmlformats.org/markup-compatibility/2006">
               <mc:Choice xmlns:v="urn:schemas-microsoft-com:vml" Requires="v">
-                <p:oleObj spid="_x0000_s45161" r:id="rId5" imgW="723960" imgH="361800" progId="">
+                <p:oleObj spid="_x0000_s45163" r:id="rId5" imgW="723960" imgH="361800" progId="">
                   <p:embed/>
                 </p:oleObj>
               </mc:Choice>
@@ -3706,7 +3700,7 @@
                       <a:noFill/>
                       <a:extLst>
                         <a:ext uri="{909E8E84-426E-40dd-AFC4-6F175D3DCCD1}">
-                          <a14:hiddenFill xmlns:a14="http://schemas.microsoft.com/office/drawing/2010/main">
+                          <a14:hiddenFill xmlns:a14="http://schemas.microsoft.com/office/drawing/2010/main" xmlns="">
                             <a:blipFill dpi="0" rotWithShape="0">
                               <a:blip/>
                               <a:srcRect/>
@@ -3747,7 +3741,7 @@
           <a:graphicData uri="http://schemas.openxmlformats.org/presentationml/2006/ole">
             <mc:AlternateContent xmlns:mc="http://schemas.openxmlformats.org/markup-compatibility/2006">
               <mc:Choice xmlns:v="urn:schemas-microsoft-com:vml" Requires="v">
-                <p:oleObj spid="_x0000_s45162" r:id="rId7" imgW="76320" imgH="181080" progId="">
+                <p:oleObj spid="_x0000_s45164" r:id="rId7" imgW="76320" imgH="181080" progId="">
                   <p:embed/>
                 </p:oleObj>
               </mc:Choice>
@@ -3786,7 +3780,7 @@
                       <a:noFill/>
                       <a:extLst>
                         <a:ext uri="{909E8E84-426E-40dd-AFC4-6F175D3DCCD1}">
-                          <a14:hiddenFill xmlns:a14="http://schemas.microsoft.com/office/drawing/2010/main">
+                          <a14:hiddenFill xmlns:a14="http://schemas.microsoft.com/office/drawing/2010/main" xmlns="">
                             <a:blipFill dpi="0" rotWithShape="0">
                               <a:blip/>
                               <a:srcRect/>
@@ -3839,11 +3833,11 @@
   <p:clrMapOvr>
     <a:masterClrMapping/>
   </p:clrMapOvr>
-  <p:transition xmlns:p14="http://schemas.microsoft.com/office/powerpoint/2010/main" spd="med"/>
+  <p:transition spd="med"/>
   <p:timing>
     <p:tnLst>
       <p:par>
-        <p:cTn xmlns:p14="http://schemas.microsoft.com/office/powerpoint/2010/main" id="1" dur="indefinite" restart="never" nodeType="tmRoot">
+        <p:cTn id="1" dur="indefinite" restart="never" nodeType="tmRoot">
           <p:childTnLst>
             <p:seq concurrent="1" nextAc="seek">
               <p:cTn id="2" dur="0" nodeType="mainSeq"/>
@@ -3970,7 +3964,7 @@
               </a:tabLst>
             </a:pPr>
             <a:r>
-              <a:rPr lang="en-GB" sz="4000" dirty="0" smtClean="0">
+              <a:rPr lang="en-GB" sz="4000" dirty="0">
                 <a:solidFill>
                   <a:srgbClr val="000000"/>
                 </a:solidFill>
@@ -3978,12 +3972,6 @@
               </a:rPr>
               <a:t>Classical Wave Equation</a:t>
             </a:r>
-            <a:endParaRPr lang="en-GB" sz="4000" dirty="0">
-              <a:solidFill>
-                <a:srgbClr val="000000"/>
-              </a:solidFill>
-              <a:latin typeface="Times New Roman" pitchFamily="18" charset="0"/>
-            </a:endParaRPr>
           </a:p>
         </p:txBody>
       </p:sp>
@@ -4040,7 +4028,7 @@
               </a:tabLst>
             </a:pPr>
             <a:r>
-              <a:rPr lang="en-GB" sz="3200" dirty="0" smtClean="0">
+              <a:rPr lang="en-GB" sz="3200" dirty="0">
                 <a:solidFill>
                   <a:srgbClr val="000000"/>
                 </a:solidFill>
@@ -4072,7 +4060,7 @@
               </a:tabLst>
             </a:pPr>
             <a:r>
-              <a:rPr lang="en-GB" sz="2800" dirty="0" smtClean="0">
+              <a:rPr lang="en-GB" sz="2800" dirty="0">
                 <a:solidFill>
                   <a:srgbClr val="000000"/>
                 </a:solidFill>
@@ -4080,7 +4068,7 @@
               </a:rPr>
               <a:t>Rearrange according to who the derivative affects</a:t>
             </a:r>
-            <a:endParaRPr lang="en-GB" sz="2800" i="1" dirty="0" smtClean="0">
+            <a:endParaRPr lang="en-GB" sz="2800" i="1" dirty="0">
               <a:solidFill>
                 <a:srgbClr val="000000"/>
               </a:solidFill>
@@ -4265,7 +4253,7 @@
   <p:timing>
     <p:tnLst>
       <p:par>
-        <p:cTn xmlns:p14="http://schemas.microsoft.com/office/powerpoint/2010/main" id="1" dur="indefinite" restart="never" nodeType="tmRoot">
+        <p:cTn id="1" dur="indefinite" restart="never" nodeType="tmRoot">
           <p:childTnLst>
             <p:seq concurrent="1" nextAc="seek">
               <p:cTn id="2" dur="indefinite" nodeType="mainSeq">
@@ -4486,7 +4474,7 @@
               </a:tabLst>
             </a:pPr>
             <a:r>
-              <a:rPr lang="en-GB" sz="4000" dirty="0" smtClean="0">
+              <a:rPr lang="en-GB" sz="4000" dirty="0">
                 <a:solidFill>
                   <a:srgbClr val="000000"/>
                 </a:solidFill>
@@ -4494,12 +4482,6 @@
               </a:rPr>
               <a:t>Classical Wave Equation</a:t>
             </a:r>
-            <a:endParaRPr lang="en-GB" sz="4000" dirty="0">
-              <a:solidFill>
-                <a:srgbClr val="000000"/>
-              </a:solidFill>
-              <a:latin typeface="Times New Roman" pitchFamily="18" charset="0"/>
-            </a:endParaRPr>
           </a:p>
         </p:txBody>
       </p:sp>
@@ -4556,7 +4538,7 @@
               </a:tabLst>
             </a:pPr>
             <a:r>
-              <a:rPr lang="en-GB" sz="3200" dirty="0" smtClean="0">
+              <a:rPr lang="en-GB" sz="3200" dirty="0">
                 <a:solidFill>
                   <a:srgbClr val="000000"/>
                 </a:solidFill>
@@ -4588,7 +4570,7 @@
               </a:tabLst>
             </a:pPr>
             <a:r>
-              <a:rPr lang="en-GB" sz="2800" dirty="0" smtClean="0">
+              <a:rPr lang="en-GB" sz="2800" dirty="0">
                 <a:solidFill>
                   <a:srgbClr val="000000"/>
                 </a:solidFill>
@@ -4596,7 +4578,7 @@
               </a:rPr>
               <a:t>Clean up the notation and set equal to a constant</a:t>
             </a:r>
-            <a:endParaRPr lang="en-GB" sz="2800" i="1" dirty="0" smtClean="0">
+            <a:endParaRPr lang="en-GB" sz="2800" i="1" dirty="0">
               <a:solidFill>
                 <a:srgbClr val="000000"/>
               </a:solidFill>
@@ -4674,7 +4656,7 @@
           <a:lstStyle/>
           <a:p>
             <a:r>
-              <a:rPr lang="en-GB" sz="2800" dirty="0" smtClean="0">
+              <a:rPr lang="en-GB" sz="2800" dirty="0">
                 <a:solidFill>
                   <a:srgbClr val="000000"/>
                 </a:solidFill>
@@ -4712,7 +4694,7 @@
               <a:buChar char="•"/>
             </a:pPr>
             <a:r>
-              <a:rPr lang="en-GB" sz="2000" dirty="0" smtClean="0">
+              <a:rPr lang="en-GB" sz="2000" dirty="0">
                 <a:solidFill>
                   <a:srgbClr val="000000"/>
                 </a:solidFill>
@@ -4751,25 +4733,7 @@
                 </a:solidFill>
                 <a:latin typeface="Times New Roman" pitchFamily="18" charset="0"/>
               </a:rPr>
-              <a:t>“Clever” choice for </a:t>
-            </a:r>
-            <a:r>
-              <a:rPr lang="en-GB" dirty="0" smtClean="0">
-                <a:solidFill>
-                  <a:srgbClr val="000000"/>
-                </a:solidFill>
-                <a:latin typeface="Times New Roman" pitchFamily="18" charset="0"/>
-              </a:rPr>
-              <a:t>the </a:t>
-            </a:r>
-            <a:r>
-              <a:rPr lang="en-GB" dirty="0">
-                <a:solidFill>
-                  <a:srgbClr val="000000"/>
-                </a:solidFill>
-                <a:latin typeface="Times New Roman" pitchFamily="18" charset="0"/>
-              </a:rPr>
-              <a:t>constant</a:t>
+              <a:t>“Clever” choice for the constant</a:t>
             </a:r>
             <a:endParaRPr lang="en-US" dirty="0"/>
           </a:p>
@@ -4957,7 +4921,7 @@
   <p:timing>
     <p:tnLst>
       <p:par>
-        <p:cTn xmlns:p14="http://schemas.microsoft.com/office/powerpoint/2010/main" id="1" dur="indefinite" restart="never" nodeType="tmRoot">
+        <p:cTn id="1" dur="indefinite" restart="never" nodeType="tmRoot">
           <p:childTnLst>
             <p:seq concurrent="1" nextAc="seek">
               <p:cTn id="2" dur="indefinite" nodeType="mainSeq">
@@ -6047,7 +6011,7 @@
               </a:tabLst>
             </a:pPr>
             <a:r>
-              <a:rPr lang="en-GB" sz="4000" dirty="0" smtClean="0">
+              <a:rPr lang="en-GB" sz="4000" dirty="0">
                 <a:solidFill>
                   <a:srgbClr val="000000"/>
                 </a:solidFill>
@@ -6055,12 +6019,6 @@
               </a:rPr>
               <a:t>Classical Wave Equation</a:t>
             </a:r>
-            <a:endParaRPr lang="en-GB" sz="4000" dirty="0">
-              <a:solidFill>
-                <a:srgbClr val="000000"/>
-              </a:solidFill>
-              <a:latin typeface="Times New Roman" pitchFamily="18" charset="0"/>
-            </a:endParaRPr>
           </a:p>
         </p:txBody>
       </p:sp>
@@ -6117,7 +6075,7 @@
               </a:tabLst>
             </a:pPr>
             <a:r>
-              <a:rPr lang="en-GB" sz="3200" dirty="0" smtClean="0">
+              <a:rPr lang="en-GB" sz="3200" dirty="0">
                 <a:solidFill>
                   <a:srgbClr val="000000"/>
                 </a:solidFill>
@@ -6162,13 +6120,6 @@
   <p:clrMapOvr>
     <a:masterClrMapping/>
   </p:clrMapOvr>
-  <p:timing>
-    <p:tnLst>
-      <p:par>
-        <p:cTn xmlns:p14="http://schemas.microsoft.com/office/powerpoint/2010/main" id="1" dur="indefinite" restart="never" nodeType="tmRoot"/>
-      </p:par>
-    </p:tnLst>
-  </p:timing>
 </p:sld>
 </file>
 
@@ -6272,7 +6223,7 @@
               </a:tabLst>
             </a:pPr>
             <a:r>
-              <a:rPr lang="en-GB" sz="4000" dirty="0" smtClean="0">
+              <a:rPr lang="en-GB" sz="4000" dirty="0">
                 <a:solidFill>
                   <a:srgbClr val="000000"/>
                 </a:solidFill>
@@ -6280,12 +6231,6 @@
               </a:rPr>
               <a:t>Classical Wave Equation</a:t>
             </a:r>
-            <a:endParaRPr lang="en-GB" sz="4000" dirty="0">
-              <a:solidFill>
-                <a:srgbClr val="000000"/>
-              </a:solidFill>
-              <a:latin typeface="Times New Roman" pitchFamily="18" charset="0"/>
-            </a:endParaRPr>
           </a:p>
         </p:txBody>
       </p:sp>
@@ -6342,7 +6287,7 @@
               </a:tabLst>
             </a:pPr>
             <a:r>
-              <a:rPr lang="en-GB" sz="3200" dirty="0" smtClean="0">
+              <a:rPr lang="en-GB" sz="3200" dirty="0">
                 <a:solidFill>
                   <a:srgbClr val="000000"/>
                 </a:solidFill>
@@ -6455,13 +6400,6 @@
   <p:clrMapOvr>
     <a:masterClrMapping/>
   </p:clrMapOvr>
-  <p:timing>
-    <p:tnLst>
-      <p:par>
-        <p:cTn xmlns:p14="http://schemas.microsoft.com/office/powerpoint/2010/main" id="1" dur="indefinite" restart="never" nodeType="tmRoot"/>
-      </p:par>
-    </p:tnLst>
-  </p:timing>
 </p:sld>
 </file>
 
@@ -6565,7 +6503,7 @@
               </a:tabLst>
             </a:pPr>
             <a:r>
-              <a:rPr lang="en-GB" sz="4000" dirty="0" smtClean="0">
+              <a:rPr lang="en-GB" sz="4000" dirty="0">
                 <a:solidFill>
                   <a:srgbClr val="000000"/>
                 </a:solidFill>
@@ -6573,12 +6511,6 @@
               </a:rPr>
               <a:t>Classical Wave Equation</a:t>
             </a:r>
-            <a:endParaRPr lang="en-GB" sz="4000" dirty="0">
-              <a:solidFill>
-                <a:srgbClr val="000000"/>
-              </a:solidFill>
-              <a:latin typeface="Times New Roman" pitchFamily="18" charset="0"/>
-            </a:endParaRPr>
           </a:p>
         </p:txBody>
       </p:sp>
@@ -6635,7 +6567,7 @@
               </a:tabLst>
             </a:pPr>
             <a:r>
-              <a:rPr lang="en-GB" sz="3200" dirty="0" smtClean="0">
+              <a:rPr lang="en-GB" sz="3200" dirty="0">
                 <a:solidFill>
                   <a:srgbClr val="000000"/>
                 </a:solidFill>
@@ -6667,7 +6599,7 @@
               </a:tabLst>
             </a:pPr>
             <a:r>
-              <a:rPr lang="en-GB" sz="2800" dirty="0" smtClean="0">
+              <a:rPr lang="en-GB" sz="2800" dirty="0">
                 <a:solidFill>
                   <a:srgbClr val="000000"/>
                 </a:solidFill>
@@ -6736,13 +6668,6 @@
   <p:clrMapOvr>
     <a:masterClrMapping/>
   </p:clrMapOvr>
-  <p:timing>
-    <p:tnLst>
-      <p:par>
-        <p:cTn xmlns:p14="http://schemas.microsoft.com/office/powerpoint/2010/main" id="1" dur="indefinite" restart="never" nodeType="tmRoot"/>
-      </p:par>
-    </p:tnLst>
-  </p:timing>
 </p:sld>
 </file>
 
@@ -6846,7 +6771,7 @@
               </a:tabLst>
             </a:pPr>
             <a:r>
-              <a:rPr lang="en-GB" sz="4000" dirty="0" smtClean="0">
+              <a:rPr lang="en-GB" sz="4000" dirty="0">
                 <a:solidFill>
                   <a:srgbClr val="000000"/>
                 </a:solidFill>
@@ -6854,12 +6779,6 @@
               </a:rPr>
               <a:t>Classical Wave Equation</a:t>
             </a:r>
-            <a:endParaRPr lang="en-GB" sz="4000" dirty="0">
-              <a:solidFill>
-                <a:srgbClr val="000000"/>
-              </a:solidFill>
-              <a:latin typeface="Times New Roman" pitchFamily="18" charset="0"/>
-            </a:endParaRPr>
           </a:p>
         </p:txBody>
       </p:sp>
@@ -6916,7 +6835,7 @@
               </a:tabLst>
             </a:pPr>
             <a:r>
-              <a:rPr lang="en-GB" sz="3200" dirty="0" smtClean="0">
+              <a:rPr lang="en-GB" sz="3200" dirty="0">
                 <a:solidFill>
                   <a:srgbClr val="000000"/>
                 </a:solidFill>
@@ -6948,7 +6867,7 @@
               </a:tabLst>
             </a:pPr>
             <a:r>
-              <a:rPr lang="en-GB" sz="2800" dirty="0" smtClean="0">
+              <a:rPr lang="en-GB" sz="2800" dirty="0">
                 <a:solidFill>
                   <a:srgbClr val="000000"/>
                 </a:solidFill>
@@ -6981,7 +6900,7 @@
           <a:lstStyle/>
           <a:p>
             <a:r>
-              <a:rPr lang="en-GB" sz="2400" dirty="0" smtClean="0">
+              <a:rPr lang="en-GB" sz="2400" dirty="0">
                 <a:solidFill>
                   <a:srgbClr val="000000"/>
                 </a:solidFill>
@@ -7021,16 +6940,7 @@
                 </a:solidFill>
                 <a:latin typeface="Times New Roman" pitchFamily="18" charset="0"/>
               </a:rPr>
-              <a:t>O</a:t>
-            </a:r>
-            <a:r>
-              <a:rPr lang="en-GB" sz="2400" dirty="0" smtClean="0">
-                <a:solidFill>
-                  <a:srgbClr val="000000"/>
-                </a:solidFill>
-                <a:latin typeface="Times New Roman" pitchFamily="18" charset="0"/>
-              </a:rPr>
-              <a:t>urs:</a:t>
+              <a:t>Ours:</a:t>
             </a:r>
             <a:endParaRPr lang="en-US" sz="2400" dirty="0"/>
           </a:p>
@@ -7112,19 +7022,10 @@
                 </a:solidFill>
                 <a:latin typeface="Times New Roman" pitchFamily="18" charset="0"/>
               </a:rPr>
-              <a:t>w</a:t>
-            </a:r>
-            <a:r>
-              <a:rPr lang="en-GB" sz="2800" dirty="0" smtClean="0">
-                <a:solidFill>
-                  <a:srgbClr val="000000"/>
-                </a:solidFill>
-                <a:latin typeface="Times New Roman" pitchFamily="18" charset="0"/>
-              </a:rPr>
-              <a:t>ith </a:t>
-            </a:r>
-            <a:r>
-              <a:rPr lang="en-GB" sz="2800" i="1" dirty="0" smtClean="0">
+              <a:t>with </a:t>
+            </a:r>
+            <a:r>
+              <a:rPr lang="en-GB" sz="2800" i="1" dirty="0">
                 <a:solidFill>
                   <a:srgbClr val="000000"/>
                 </a:solidFill>
@@ -7133,7 +7034,7 @@
               <a:t>c</a:t>
             </a:r>
             <a:r>
-              <a:rPr lang="en-GB" sz="2800" dirty="0" smtClean="0">
+              <a:rPr lang="en-GB" sz="2800" dirty="0">
                 <a:solidFill>
                   <a:srgbClr val="000000"/>
                 </a:solidFill>
@@ -7142,7 +7043,7 @@
               <a:t> = -</a:t>
             </a:r>
             <a:r>
-              <a:rPr lang="en-GB" sz="2800" i="1" dirty="0" smtClean="0">
+              <a:rPr lang="en-GB" sz="2800" i="1" dirty="0">
                 <a:solidFill>
                   <a:srgbClr val="000000"/>
                 </a:solidFill>
@@ -7167,7 +7068,7 @@
   <p:timing>
     <p:tnLst>
       <p:par>
-        <p:cTn xmlns:p14="http://schemas.microsoft.com/office/powerpoint/2010/main" id="1" dur="indefinite" restart="never" nodeType="tmRoot">
+        <p:cTn id="1" dur="indefinite" restart="never" nodeType="tmRoot">
           <p:childTnLst>
             <p:seq concurrent="1" nextAc="seek">
               <p:cTn id="2" dur="indefinite" nodeType="mainSeq">
@@ -7712,7 +7613,7 @@
               </a:tabLst>
             </a:pPr>
             <a:r>
-              <a:rPr lang="en-GB" sz="4000" dirty="0" smtClean="0">
+              <a:rPr lang="en-GB" sz="4000" dirty="0">
                 <a:solidFill>
                   <a:srgbClr val="000000"/>
                 </a:solidFill>
@@ -7720,12 +7621,6 @@
               </a:rPr>
               <a:t>Classical Wave Equation</a:t>
             </a:r>
-            <a:endParaRPr lang="en-GB" sz="4000" dirty="0">
-              <a:solidFill>
-                <a:srgbClr val="000000"/>
-              </a:solidFill>
-              <a:latin typeface="Times New Roman" pitchFamily="18" charset="0"/>
-            </a:endParaRPr>
           </a:p>
         </p:txBody>
       </p:sp>
@@ -7782,7 +7677,7 @@
               </a:tabLst>
             </a:pPr>
             <a:r>
-              <a:rPr lang="en-GB" sz="3200" dirty="0" smtClean="0">
+              <a:rPr lang="en-GB" sz="3200" dirty="0">
                 <a:solidFill>
                   <a:srgbClr val="000000"/>
                 </a:solidFill>
@@ -7814,7 +7709,7 @@
               </a:tabLst>
             </a:pPr>
             <a:r>
-              <a:rPr lang="en-GB" sz="2800" dirty="0" smtClean="0">
+              <a:rPr lang="en-GB" sz="2800" dirty="0">
                 <a:solidFill>
                   <a:srgbClr val="000000"/>
                 </a:solidFill>
@@ -7875,7 +7770,7 @@
               <a:buChar char="•"/>
             </a:pPr>
             <a:r>
-              <a:rPr lang="en-GB" sz="2400" dirty="0" smtClean="0">
+              <a:rPr lang="en-GB" sz="2400" dirty="0">
                 <a:solidFill>
                   <a:srgbClr val="000000"/>
                 </a:solidFill>
@@ -7884,7 +7779,7 @@
               <a:t>Set up and solve the corresponding </a:t>
             </a:r>
             <a:r>
-              <a:rPr lang="en-GB" sz="2400" b="1" dirty="0" smtClean="0">
+              <a:rPr lang="en-GB" sz="2400" b="1" dirty="0">
                 <a:solidFill>
                   <a:srgbClr val="000000"/>
                 </a:solidFill>
@@ -7893,7 +7788,7 @@
               <a:t>characteristic equation</a:t>
             </a:r>
             <a:r>
-              <a:rPr lang="en-GB" sz="2400" dirty="0" smtClean="0">
+              <a:rPr lang="en-GB" sz="2400" dirty="0">
                 <a:solidFill>
                   <a:srgbClr val="000000"/>
                 </a:solidFill>
@@ -7902,7 +7797,7 @@
               <a:t>:</a:t>
             </a:r>
             <a:r>
-              <a:rPr lang="en-GB" dirty="0" smtClean="0">
+              <a:rPr lang="en-GB" dirty="0">
                 <a:solidFill>
                   <a:srgbClr val="000000"/>
                 </a:solidFill>
@@ -7940,7 +7835,7 @@
               <a:buChar char="•"/>
             </a:pPr>
             <a:r>
-              <a:rPr lang="en-GB" sz="2400" dirty="0" smtClean="0">
+              <a:rPr lang="en-GB" sz="2400" dirty="0">
                 <a:solidFill>
                   <a:srgbClr val="000000"/>
                 </a:solidFill>
@@ -7949,7 +7844,7 @@
               <a:t>It’s just the quadratic equation! Solution is the </a:t>
             </a:r>
             <a:r>
-              <a:rPr lang="en-GB" sz="2400" b="1" dirty="0" smtClean="0">
+              <a:rPr lang="en-GB" sz="2400" b="1" dirty="0">
                 <a:solidFill>
                   <a:srgbClr val="000000"/>
                 </a:solidFill>
@@ -7958,7 +7853,7 @@
               <a:t>quadratic formula</a:t>
             </a:r>
             <a:r>
-              <a:rPr lang="en-GB" sz="2400" dirty="0" smtClean="0">
+              <a:rPr lang="en-GB" sz="2400" dirty="0">
                 <a:solidFill>
                   <a:srgbClr val="000000"/>
                 </a:solidFill>
@@ -8031,7 +7926,7 @@
   <p:timing>
     <p:tnLst>
       <p:par>
-        <p:cTn xmlns:p14="http://schemas.microsoft.com/office/powerpoint/2010/main" id="1" dur="indefinite" restart="never" nodeType="tmRoot">
+        <p:cTn id="1" dur="indefinite" restart="never" nodeType="tmRoot">
           <p:childTnLst>
             <p:seq concurrent="1" nextAc="seek">
               <p:cTn id="2" dur="indefinite" nodeType="mainSeq">
@@ -8493,7 +8388,7 @@
               </a:tabLst>
             </a:pPr>
             <a:r>
-              <a:rPr lang="en-GB" sz="4000" dirty="0" smtClean="0">
+              <a:rPr lang="en-GB" sz="4000" dirty="0">
                 <a:solidFill>
                   <a:srgbClr val="000000"/>
                 </a:solidFill>
@@ -8501,12 +8396,6 @@
               </a:rPr>
               <a:t>Classical Wave Equation</a:t>
             </a:r>
-            <a:endParaRPr lang="en-GB" sz="4000" dirty="0">
-              <a:solidFill>
-                <a:srgbClr val="000000"/>
-              </a:solidFill>
-              <a:latin typeface="Times New Roman" pitchFamily="18" charset="0"/>
-            </a:endParaRPr>
           </a:p>
         </p:txBody>
       </p:sp>
@@ -8563,7 +8452,7 @@
               </a:tabLst>
             </a:pPr>
             <a:r>
-              <a:rPr lang="en-GB" sz="3200" dirty="0" smtClean="0">
+              <a:rPr lang="en-GB" sz="3200" dirty="0">
                 <a:solidFill>
                   <a:srgbClr val="000000"/>
                 </a:solidFill>
@@ -8572,7 +8461,7 @@
               <a:t>Case 1: The </a:t>
             </a:r>
             <a:r>
-              <a:rPr lang="en-GB" sz="3200" b="1" dirty="0" smtClean="0">
+              <a:rPr lang="en-GB" sz="3200" b="1" dirty="0">
                 <a:solidFill>
                   <a:srgbClr val="000000"/>
                 </a:solidFill>
@@ -8604,7 +8493,7 @@
               </a:tabLst>
             </a:pPr>
             <a:r>
-              <a:rPr lang="en-GB" sz="2800" dirty="0" smtClean="0">
+              <a:rPr lang="en-GB" sz="2800" dirty="0">
                 <a:solidFill>
                   <a:srgbClr val="000000"/>
                 </a:solidFill>
@@ -8614,7 +8503,7 @@
               <a:t>l</a:t>
             </a:r>
             <a:r>
-              <a:rPr lang="en-GB" sz="2800" dirty="0" smtClean="0">
+              <a:rPr lang="en-GB" sz="2800" dirty="0">
                 <a:solidFill>
                   <a:srgbClr val="000000"/>
                 </a:solidFill>
@@ -8647,7 +8536,7 @@
           <a:lstStyle/>
           <a:p>
             <a:r>
-              <a:rPr lang="en-GB" sz="2400" dirty="0" smtClean="0">
+              <a:rPr lang="en-GB" sz="2400" dirty="0">
                 <a:solidFill>
                   <a:srgbClr val="000000"/>
                 </a:solidFill>
@@ -8735,16 +8624,7 @@
                 </a:solidFill>
                 <a:latin typeface="Times New Roman" pitchFamily="18" charset="0"/>
               </a:rPr>
-              <a:t>c</a:t>
-            </a:r>
-            <a:r>
-              <a:rPr lang="en-GB" sz="2400" dirty="0" smtClean="0">
-                <a:solidFill>
-                  <a:srgbClr val="000000"/>
-                </a:solidFill>
-                <a:latin typeface="Times New Roman" pitchFamily="18" charset="0"/>
-              </a:rPr>
-              <a:t>onstants</a:t>
+              <a:t>constants</a:t>
             </a:r>
             <a:endParaRPr lang="en-US" sz="2400" dirty="0"/>
           </a:p>
@@ -8772,7 +8652,7 @@
           <a:lstStyle/>
           <a:p>
             <a:r>
-              <a:rPr lang="en-GB" sz="2400" dirty="0" smtClean="0">
+              <a:rPr lang="en-GB" sz="2400" dirty="0">
                 <a:solidFill>
                   <a:srgbClr val="000000"/>
                 </a:solidFill>
@@ -8935,7 +8815,7 @@
   <p:timing>
     <p:tnLst>
       <p:par>
-        <p:cTn xmlns:p14="http://schemas.microsoft.com/office/powerpoint/2010/main" id="1" dur="indefinite" restart="never" nodeType="tmRoot">
+        <p:cTn id="1" dur="indefinite" restart="never" nodeType="tmRoot">
           <p:childTnLst>
             <p:seq concurrent="1" nextAc="seek">
               <p:cTn id="2" dur="indefinite" nodeType="mainSeq">
@@ -9690,7 +9570,7 @@
               </a:tabLst>
             </a:pPr>
             <a:r>
-              <a:rPr lang="en-GB" sz="4000" dirty="0" smtClean="0">
+              <a:rPr lang="en-GB" sz="4000" dirty="0">
                 <a:solidFill>
                   <a:srgbClr val="000000"/>
                 </a:solidFill>
@@ -9698,12 +9578,6 @@
               </a:rPr>
               <a:t>Classical Wave Equation</a:t>
             </a:r>
-            <a:endParaRPr lang="en-GB" sz="4000" dirty="0">
-              <a:solidFill>
-                <a:srgbClr val="000000"/>
-              </a:solidFill>
-              <a:latin typeface="Times New Roman" pitchFamily="18" charset="0"/>
-            </a:endParaRPr>
           </a:p>
         </p:txBody>
       </p:sp>
@@ -9760,7 +9634,7 @@
               </a:tabLst>
             </a:pPr>
             <a:r>
-              <a:rPr lang="en-GB" sz="3200" dirty="0" smtClean="0">
+              <a:rPr lang="en-GB" sz="3200" dirty="0">
                 <a:solidFill>
                   <a:srgbClr val="000000"/>
                 </a:solidFill>
@@ -9769,7 +9643,7 @@
               <a:t>Case 2: The </a:t>
             </a:r>
             <a:r>
-              <a:rPr lang="en-GB" sz="3200" b="1" dirty="0" smtClean="0">
+              <a:rPr lang="en-GB" sz="3200" b="1" dirty="0">
                 <a:solidFill>
                   <a:srgbClr val="000000"/>
                 </a:solidFill>
@@ -9801,7 +9675,7 @@
               </a:tabLst>
             </a:pPr>
             <a:r>
-              <a:rPr lang="en-GB" sz="2800" dirty="0" smtClean="0">
+              <a:rPr lang="en-GB" sz="2800" dirty="0">
                 <a:solidFill>
                   <a:srgbClr val="000000"/>
                 </a:solidFill>
@@ -9811,7 +9685,7 @@
               <a:t>l</a:t>
             </a:r>
             <a:r>
-              <a:rPr lang="en-GB" sz="2800" dirty="0" smtClean="0">
+              <a:rPr lang="en-GB" sz="2800" dirty="0">
                 <a:solidFill>
                   <a:srgbClr val="000000"/>
                 </a:solidFill>
@@ -9844,7 +9718,7 @@
           <a:lstStyle/>
           <a:p>
             <a:r>
-              <a:rPr lang="en-GB" sz="2400" dirty="0" smtClean="0">
+              <a:rPr lang="en-GB" sz="2400" dirty="0">
                 <a:solidFill>
                   <a:srgbClr val="000000"/>
                 </a:solidFill>
@@ -9917,7 +9791,7 @@
   <p:timing>
     <p:tnLst>
       <p:par>
-        <p:cTn xmlns:p14="http://schemas.microsoft.com/office/powerpoint/2010/main" id="1" dur="indefinite" restart="never" nodeType="tmRoot">
+        <p:cTn id="1" dur="indefinite" restart="never" nodeType="tmRoot">
           <p:childTnLst>
             <p:seq concurrent="1" nextAc="seek">
               <p:cTn id="2" dur="indefinite" nodeType="mainSeq">
@@ -10214,7 +10088,7 @@
               </a:tabLst>
             </a:pPr>
             <a:r>
-              <a:rPr lang="en-GB" sz="4000" dirty="0" smtClean="0">
+              <a:rPr lang="en-GB" sz="4000" dirty="0">
                 <a:solidFill>
                   <a:srgbClr val="000000"/>
                 </a:solidFill>
@@ -10222,12 +10096,6 @@
               </a:rPr>
               <a:t>Classical Wave Equation</a:t>
             </a:r>
-            <a:endParaRPr lang="en-GB" sz="4000" dirty="0">
-              <a:solidFill>
-                <a:srgbClr val="000000"/>
-              </a:solidFill>
-              <a:latin typeface="Times New Roman" pitchFamily="18" charset="0"/>
-            </a:endParaRPr>
           </a:p>
         </p:txBody>
       </p:sp>
@@ -10284,7 +10152,7 @@
               </a:tabLst>
             </a:pPr>
             <a:r>
-              <a:rPr lang="en-GB" sz="3200" dirty="0" smtClean="0">
+              <a:rPr lang="en-GB" sz="3200" dirty="0">
                 <a:solidFill>
                   <a:srgbClr val="000000"/>
                 </a:solidFill>
@@ -10293,7 +10161,7 @@
               <a:t>Case 3: The </a:t>
             </a:r>
             <a:r>
-              <a:rPr lang="en-GB" sz="3200" b="1" dirty="0" smtClean="0">
+              <a:rPr lang="en-GB" sz="3200" b="1" dirty="0">
                 <a:solidFill>
                   <a:srgbClr val="000000"/>
                 </a:solidFill>
@@ -10325,7 +10193,7 @@
               </a:tabLst>
             </a:pPr>
             <a:r>
-              <a:rPr lang="en-GB" sz="2800" dirty="0" smtClean="0">
+              <a:rPr lang="en-GB" sz="2800" dirty="0">
                 <a:solidFill>
                   <a:srgbClr val="000000"/>
                 </a:solidFill>
@@ -10335,7 +10203,7 @@
               <a:t>l</a:t>
             </a:r>
             <a:r>
-              <a:rPr lang="en-GB" sz="2800" dirty="0" smtClean="0">
+              <a:rPr lang="en-GB" sz="2800" dirty="0">
                 <a:solidFill>
                   <a:srgbClr val="000000"/>
                 </a:solidFill>
@@ -10344,7 +10212,7 @@
               <a:t> is complex. </a:t>
             </a:r>
             <a:r>
-              <a:rPr lang="en-GB" sz="2800" b="1" i="1" u="sng" dirty="0" smtClean="0">
+              <a:rPr lang="en-GB" sz="2800" b="1" i="1" u="sng" dirty="0">
                 <a:solidFill>
                   <a:srgbClr val="000000"/>
                 </a:solidFill>
@@ -10584,7 +10452,7 @@
   <p:timing>
     <p:tnLst>
       <p:par>
-        <p:cTn xmlns:p14="http://schemas.microsoft.com/office/powerpoint/2010/main" id="1" dur="indefinite" restart="never" nodeType="tmRoot">
+        <p:cTn id="1" dur="indefinite" restart="never" nodeType="tmRoot">
           <p:childTnLst>
             <p:seq concurrent="1" nextAc="seek">
               <p:cTn id="2" dur="indefinite" nodeType="mainSeq">
@@ -11101,7 +10969,7 @@
               </a:tabLst>
             </a:pPr>
             <a:r>
-              <a:rPr lang="en-GB" sz="4000" dirty="0" smtClean="0">
+              <a:rPr lang="en-GB" sz="4000" dirty="0">
                 <a:solidFill>
                   <a:srgbClr val="000000"/>
                 </a:solidFill>
@@ -11109,12 +10977,6 @@
               </a:rPr>
               <a:t>Introduction</a:t>
             </a:r>
-            <a:endParaRPr lang="en-GB" sz="4000" dirty="0">
-              <a:solidFill>
-                <a:srgbClr val="000000"/>
-              </a:solidFill>
-              <a:latin typeface="Times New Roman" pitchFamily="18" charset="0"/>
-            </a:endParaRPr>
           </a:p>
         </p:txBody>
       </p:sp>
@@ -11171,7 +11033,7 @@
               </a:tabLst>
             </a:pPr>
             <a:r>
-              <a:rPr lang="en-GB" sz="3200" b="1" dirty="0" smtClean="0">
+              <a:rPr lang="en-GB" sz="3200" b="1" dirty="0">
                 <a:solidFill>
                   <a:srgbClr val="000000"/>
                 </a:solidFill>
@@ -11180,7 +11042,7 @@
               <a:t>Quantum Mechanics</a:t>
             </a:r>
             <a:r>
-              <a:rPr lang="en-GB" sz="3200" dirty="0" smtClean="0">
+              <a:rPr lang="en-GB" sz="3200" dirty="0">
                 <a:solidFill>
                   <a:srgbClr val="000000"/>
                 </a:solidFill>
@@ -11211,7 +11073,7 @@
                 <a:tab pos="10488613" algn="l"/>
               </a:tabLst>
             </a:pPr>
-            <a:endParaRPr lang="en-GB" sz="2800" dirty="0" smtClean="0">
+            <a:endParaRPr lang="en-GB" sz="2800" dirty="0">
               <a:solidFill>
                 <a:srgbClr val="000000"/>
               </a:solidFill>
@@ -11241,7 +11103,7 @@
               </a:tabLst>
             </a:pPr>
             <a:r>
-              <a:rPr lang="en-GB" sz="2800" dirty="0" smtClean="0">
+              <a:rPr lang="en-GB" sz="2800" dirty="0">
                 <a:solidFill>
                   <a:srgbClr val="000000"/>
                 </a:solidFill>
@@ -11272,7 +11134,7 @@
                 <a:tab pos="10488613" algn="l"/>
               </a:tabLst>
             </a:pPr>
-            <a:endParaRPr lang="en-GB" sz="2800" dirty="0" smtClean="0">
+            <a:endParaRPr lang="en-GB" sz="2800" dirty="0">
               <a:solidFill>
                 <a:srgbClr val="000000"/>
               </a:solidFill>
@@ -11302,7 +11164,7 @@
               </a:tabLst>
             </a:pPr>
             <a:r>
-              <a:rPr lang="en-GB" sz="2800" dirty="0" smtClean="0">
+              <a:rPr lang="en-GB" sz="2800" dirty="0">
                 <a:solidFill>
                   <a:srgbClr val="000000"/>
                 </a:solidFill>
@@ -11311,7 +11173,7 @@
               <a:t>Most of the math we use in this course is from the language of </a:t>
             </a:r>
             <a:r>
-              <a:rPr lang="en-GB" sz="2800" b="1" dirty="0" smtClean="0">
+              <a:rPr lang="en-GB" sz="2800" b="1" dirty="0">
                 <a:solidFill>
                   <a:srgbClr val="000000"/>
                 </a:solidFill>
@@ -11332,13 +11194,6 @@
   <p:clrMapOvr>
     <a:masterClrMapping/>
   </p:clrMapOvr>
-  <p:timing>
-    <p:tnLst>
-      <p:par>
-        <p:cTn xmlns:p14="http://schemas.microsoft.com/office/powerpoint/2010/main" id="1" dur="indefinite" restart="never" nodeType="tmRoot"/>
-      </p:par>
-    </p:tnLst>
-  </p:timing>
 </p:sld>
 </file>
 
@@ -11442,7 +11297,7 @@
               </a:tabLst>
             </a:pPr>
             <a:r>
-              <a:rPr lang="en-GB" sz="4000" dirty="0" smtClean="0">
+              <a:rPr lang="en-GB" sz="4000" dirty="0">
                 <a:solidFill>
                   <a:srgbClr val="000000"/>
                 </a:solidFill>
@@ -11450,12 +11305,6 @@
               </a:rPr>
               <a:t>Classical Wave Equation</a:t>
             </a:r>
-            <a:endParaRPr lang="en-GB" sz="4000" dirty="0">
-              <a:solidFill>
-                <a:srgbClr val="000000"/>
-              </a:solidFill>
-              <a:latin typeface="Times New Roman" pitchFamily="18" charset="0"/>
-            </a:endParaRPr>
           </a:p>
         </p:txBody>
       </p:sp>
@@ -11512,7 +11361,7 @@
               </a:tabLst>
             </a:pPr>
             <a:r>
-              <a:rPr lang="en-GB" sz="3200" dirty="0" smtClean="0">
+              <a:rPr lang="en-GB" sz="3200" dirty="0">
                 <a:solidFill>
                   <a:srgbClr val="000000"/>
                 </a:solidFill>
@@ -11521,7 +11370,7 @@
               <a:t>Case 3: The </a:t>
             </a:r>
             <a:r>
-              <a:rPr lang="en-GB" sz="3200" b="1" dirty="0" smtClean="0">
+              <a:rPr lang="en-GB" sz="3200" b="1" dirty="0">
                 <a:solidFill>
                   <a:srgbClr val="000000"/>
                 </a:solidFill>
@@ -11553,7 +11402,7 @@
               </a:tabLst>
             </a:pPr>
             <a:r>
-              <a:rPr lang="en-GB" sz="2800" dirty="0" smtClean="0">
+              <a:rPr lang="en-GB" sz="2800" dirty="0">
                 <a:solidFill>
                   <a:srgbClr val="000000"/>
                 </a:solidFill>
@@ -11563,7 +11412,7 @@
               <a:t>l</a:t>
             </a:r>
             <a:r>
-              <a:rPr lang="en-GB" sz="2800" dirty="0" smtClean="0">
+              <a:rPr lang="en-GB" sz="2800" dirty="0">
                 <a:solidFill>
                   <a:srgbClr val="000000"/>
                 </a:solidFill>
@@ -11572,7 +11421,7 @@
               <a:t> is complex. </a:t>
             </a:r>
             <a:r>
-              <a:rPr lang="en-GB" sz="2800" b="1" i="1" u="sng" dirty="0" smtClean="0">
+              <a:rPr lang="en-GB" sz="2800" b="1" i="1" u="sng" dirty="0">
                 <a:solidFill>
                   <a:srgbClr val="000000"/>
                 </a:solidFill>
@@ -11653,7 +11502,7 @@
           <a:lstStyle/>
           <a:p>
             <a:r>
-              <a:rPr lang="en-GB" sz="2400" dirty="0" smtClean="0">
+              <a:rPr lang="en-GB" sz="2400" dirty="0">
                 <a:solidFill>
                   <a:srgbClr val="000000"/>
                 </a:solidFill>
@@ -11711,7 +11560,7 @@
           <a:lstStyle/>
           <a:p>
             <a:r>
-              <a:rPr lang="en-GB" sz="2400" b="1" dirty="0" smtClean="0">
+              <a:rPr lang="en-GB" sz="2400" b="1" dirty="0">
                 <a:solidFill>
                   <a:srgbClr val="000000"/>
                 </a:solidFill>
@@ -11826,7 +11675,7 @@
   <p:timing>
     <p:tnLst>
       <p:par>
-        <p:cTn xmlns:p14="http://schemas.microsoft.com/office/powerpoint/2010/main" id="1" dur="indefinite" restart="never" nodeType="tmRoot">
+        <p:cTn id="1" dur="indefinite" restart="never" nodeType="tmRoot">
           <p:childTnLst>
             <p:seq concurrent="1" nextAc="seek">
               <p:cTn id="2" dur="indefinite" nodeType="mainSeq">
@@ -11916,21 +11765,39 @@
                                   </p:childTnLst>
                                 </p:cTn>
                               </p:par>
+                            </p:childTnLst>
+                          </p:cTn>
+                        </p:par>
+                      </p:childTnLst>
+                    </p:cTn>
+                  </p:par>
+                  <p:par>
+                    <p:cTn id="9" fill="hold">
+                      <p:stCondLst>
+                        <p:cond delay="indefinite"/>
+                      </p:stCondLst>
+                      <p:childTnLst>
+                        <p:par>
+                          <p:cTn id="10" fill="hold">
+                            <p:stCondLst>
+                              <p:cond delay="0"/>
+                            </p:stCondLst>
+                            <p:childTnLst>
                               <p:par>
-                                <p:cTn id="9" presetID="2" presetClass="entr" presetSubtype="4" fill="hold" nodeType="withEffect">
+                                <p:cTn id="11" presetID="2" presetClass="entr" presetSubtype="4" fill="hold" nodeType="clickEffect">
                                   <p:stCondLst>
                                     <p:cond delay="0"/>
                                   </p:stCondLst>
                                   <p:childTnLst>
                                     <p:set>
                                       <p:cBhvr>
-                                        <p:cTn id="10" dur="1" fill="hold">
+                                        <p:cTn id="12" dur="1" fill="hold">
                                           <p:stCondLst>
                                             <p:cond delay="0"/>
                                           </p:stCondLst>
                                         </p:cTn>
                                         <p:tgtEl>
-                                          <p:spTgt spid="7"/>
+                                          <p:spTgt spid="9"/>
                                         </p:tgtEl>
                                         <p:attrNameLst>
                                           <p:attrName>style.visibility</p:attrName>
@@ -11942,9 +11809,9 @@
                                     </p:set>
                                     <p:anim calcmode="lin" valueType="num">
                                       <p:cBhvr additive="base">
-                                        <p:cTn id="11" dur="500" fill="hold"/>
-                                        <p:tgtEl>
-                                          <p:spTgt spid="7"/>
+                                        <p:cTn id="13" dur="500" fill="hold"/>
+                                        <p:tgtEl>
+                                          <p:spTgt spid="9"/>
                                         </p:tgtEl>
                                         <p:attrNameLst>
                                           <p:attrName>ppt_x</p:attrName>
@@ -11965,82 +11832,9 @@
                                     </p:anim>
                                     <p:anim calcmode="lin" valueType="num">
                                       <p:cBhvr additive="base">
-                                        <p:cTn id="12" dur="500" fill="hold"/>
-                                        <p:tgtEl>
-                                          <p:spTgt spid="7"/>
-                                        </p:tgtEl>
-                                        <p:attrNameLst>
-                                          <p:attrName>ppt_y</p:attrName>
-                                        </p:attrNameLst>
-                                      </p:cBhvr>
-                                      <p:tavLst>
-                                        <p:tav tm="0">
-                                          <p:val>
-                                            <p:strVal val="1+#ppt_h/2"/>
-                                          </p:val>
-                                        </p:tav>
-                                        <p:tav tm="100000">
-                                          <p:val>
-                                            <p:strVal val="#ppt_y"/>
-                                          </p:val>
-                                        </p:tav>
-                                      </p:tavLst>
-                                    </p:anim>
-                                  </p:childTnLst>
-                                </p:cTn>
-                              </p:par>
-                              <p:par>
-                                <p:cTn id="13" presetID="2" presetClass="entr" presetSubtype="4" fill="hold" grpId="0" nodeType="withEffect">
-                                  <p:stCondLst>
-                                    <p:cond delay="0"/>
-                                  </p:stCondLst>
-                                  <p:childTnLst>
-                                    <p:set>
-                                      <p:cBhvr>
-                                        <p:cTn id="14" dur="1" fill="hold">
-                                          <p:stCondLst>
-                                            <p:cond delay="0"/>
-                                          </p:stCondLst>
-                                        </p:cTn>
-                                        <p:tgtEl>
-                                          <p:spTgt spid="17"/>
-                                        </p:tgtEl>
-                                        <p:attrNameLst>
-                                          <p:attrName>style.visibility</p:attrName>
-                                        </p:attrNameLst>
-                                      </p:cBhvr>
-                                      <p:to>
-                                        <p:strVal val="visible"/>
-                                      </p:to>
-                                    </p:set>
-                                    <p:anim calcmode="lin" valueType="num">
-                                      <p:cBhvr additive="base">
-                                        <p:cTn id="15" dur="500" fill="hold"/>
-                                        <p:tgtEl>
-                                          <p:spTgt spid="17"/>
-                                        </p:tgtEl>
-                                        <p:attrNameLst>
-                                          <p:attrName>ppt_x</p:attrName>
-                                        </p:attrNameLst>
-                                      </p:cBhvr>
-                                      <p:tavLst>
-                                        <p:tav tm="0">
-                                          <p:val>
-                                            <p:strVal val="#ppt_x"/>
-                                          </p:val>
-                                        </p:tav>
-                                        <p:tav tm="100000">
-                                          <p:val>
-                                            <p:strVal val="#ppt_x"/>
-                                          </p:val>
-                                        </p:tav>
-                                      </p:tavLst>
-                                    </p:anim>
-                                    <p:anim calcmode="lin" valueType="num">
-                                      <p:cBhvr additive="base">
-                                        <p:cTn id="16" dur="500" fill="hold"/>
-                                        <p:tgtEl>
-                                          <p:spTgt spid="17"/>
+                                        <p:cTn id="14" dur="500" fill="hold"/>
+                                        <p:tgtEl>
+                                          <p:spTgt spid="9"/>
                                         </p:tgtEl>
                                         <p:attrNameLst>
                                           <p:attrName>ppt_y</p:attrName>
@@ -12069,32 +11863,32 @@
                     </p:cTn>
                   </p:par>
                   <p:par>
-                    <p:cTn id="17" fill="hold">
+                    <p:cTn id="15" fill="hold">
                       <p:stCondLst>
                         <p:cond delay="indefinite"/>
                       </p:stCondLst>
                       <p:childTnLst>
                         <p:par>
-                          <p:cTn id="18" fill="hold">
+                          <p:cTn id="16" fill="hold">
                             <p:stCondLst>
                               <p:cond delay="0"/>
                             </p:stCondLst>
                             <p:childTnLst>
                               <p:par>
-                                <p:cTn id="19" presetID="2" presetClass="entr" presetSubtype="4" fill="hold" nodeType="clickEffect">
+                                <p:cTn id="17" presetID="2" presetClass="entr" presetSubtype="4" fill="hold" nodeType="clickEffect">
                                   <p:stCondLst>
                                     <p:cond delay="0"/>
                                   </p:stCondLst>
                                   <p:childTnLst>
                                     <p:set>
                                       <p:cBhvr>
-                                        <p:cTn id="20" dur="1" fill="hold">
+                                        <p:cTn id="18" dur="1" fill="hold">
                                           <p:stCondLst>
                                             <p:cond delay="0"/>
                                           </p:stCondLst>
                                         </p:cTn>
                                         <p:tgtEl>
-                                          <p:spTgt spid="9"/>
+                                          <p:spTgt spid="18"/>
                                         </p:tgtEl>
                                         <p:attrNameLst>
                                           <p:attrName>style.visibility</p:attrName>
@@ -12106,9 +11900,9 @@
                                     </p:set>
                                     <p:anim calcmode="lin" valueType="num">
                                       <p:cBhvr additive="base">
-                                        <p:cTn id="21" dur="500" fill="hold"/>
-                                        <p:tgtEl>
-                                          <p:spTgt spid="9"/>
+                                        <p:cTn id="19" dur="500" fill="hold"/>
+                                        <p:tgtEl>
+                                          <p:spTgt spid="18"/>
                                         </p:tgtEl>
                                         <p:attrNameLst>
                                           <p:attrName>ppt_x</p:attrName>
@@ -12129,9 +11923,9 @@
                                     </p:anim>
                                     <p:anim calcmode="lin" valueType="num">
                                       <p:cBhvr additive="base">
-                                        <p:cTn id="22" dur="500" fill="hold"/>
-                                        <p:tgtEl>
-                                          <p:spTgt spid="9"/>
+                                        <p:cTn id="20" dur="500" fill="hold"/>
+                                        <p:tgtEl>
+                                          <p:spTgt spid="18"/>
                                         </p:tgtEl>
                                         <p:attrNameLst>
                                           <p:attrName>ppt_y</p:attrName>
@@ -12153,26 +11947,81 @@
                                   </p:childTnLst>
                                 </p:cTn>
                               </p:par>
-                            </p:childTnLst>
-                          </p:cTn>
-                        </p:par>
-                      </p:childTnLst>
-                    </p:cTn>
-                  </p:par>
-                  <p:par>
-                    <p:cTn id="23" fill="hold">
-                      <p:stCondLst>
-                        <p:cond delay="indefinite"/>
-                      </p:stCondLst>
-                      <p:childTnLst>
-                        <p:par>
-                          <p:cTn id="24" fill="hold">
-                            <p:stCondLst>
-                              <p:cond delay="0"/>
-                            </p:stCondLst>
-                            <p:childTnLst>
                               <p:par>
-                                <p:cTn id="25" presetID="2" presetClass="entr" presetSubtype="4" fill="hold" nodeType="clickEffect">
+                                <p:cTn id="21" presetID="2" presetClass="entr" presetSubtype="4" fill="hold" nodeType="withEffect">
+                                  <p:stCondLst>
+                                    <p:cond delay="0"/>
+                                  </p:stCondLst>
+                                  <p:childTnLst>
+                                    <p:set>
+                                      <p:cBhvr>
+                                        <p:cTn id="22" dur="1" fill="hold">
+                                          <p:stCondLst>
+                                            <p:cond delay="0"/>
+                                          </p:stCondLst>
+                                        </p:cTn>
+                                        <p:tgtEl>
+                                          <p:spTgt spid="20"/>
+                                        </p:tgtEl>
+                                        <p:attrNameLst>
+                                          <p:attrName>style.visibility</p:attrName>
+                                        </p:attrNameLst>
+                                      </p:cBhvr>
+                                      <p:to>
+                                        <p:strVal val="visible"/>
+                                      </p:to>
+                                    </p:set>
+                                    <p:anim calcmode="lin" valueType="num">
+                                      <p:cBhvr additive="base">
+                                        <p:cTn id="23" dur="500" fill="hold"/>
+                                        <p:tgtEl>
+                                          <p:spTgt spid="20"/>
+                                        </p:tgtEl>
+                                        <p:attrNameLst>
+                                          <p:attrName>ppt_x</p:attrName>
+                                        </p:attrNameLst>
+                                      </p:cBhvr>
+                                      <p:tavLst>
+                                        <p:tav tm="0">
+                                          <p:val>
+                                            <p:strVal val="#ppt_x"/>
+                                          </p:val>
+                                        </p:tav>
+                                        <p:tav tm="100000">
+                                          <p:val>
+                                            <p:strVal val="#ppt_x"/>
+                                          </p:val>
+                                        </p:tav>
+                                      </p:tavLst>
+                                    </p:anim>
+                                    <p:anim calcmode="lin" valueType="num">
+                                      <p:cBhvr additive="base">
+                                        <p:cTn id="24" dur="500" fill="hold"/>
+                                        <p:tgtEl>
+                                          <p:spTgt spid="20"/>
+                                        </p:tgtEl>
+                                        <p:attrNameLst>
+                                          <p:attrName>ppt_y</p:attrName>
+                                        </p:attrNameLst>
+                                      </p:cBhvr>
+                                      <p:tavLst>
+                                        <p:tav tm="0">
+                                          <p:val>
+                                            <p:strVal val="1+#ppt_h/2"/>
+                                          </p:val>
+                                        </p:tav>
+                                        <p:tav tm="100000">
+                                          <p:val>
+                                            <p:strVal val="#ppt_y"/>
+                                          </p:val>
+                                        </p:tav>
+                                      </p:tavLst>
+                                    </p:anim>
+                                  </p:childTnLst>
+                                </p:cTn>
+                              </p:par>
+                              <p:par>
+                                <p:cTn id="25" presetID="2" presetClass="entr" presetSubtype="4" fill="hold" nodeType="withEffect">
                                   <p:stCondLst>
                                     <p:cond delay="0"/>
                                   </p:stCondLst>
@@ -12185,7 +12034,7 @@
                                           </p:stCondLst>
                                         </p:cTn>
                                         <p:tgtEl>
-                                          <p:spTgt spid="18"/>
+                                          <p:spTgt spid="7"/>
                                         </p:tgtEl>
                                         <p:attrNameLst>
                                           <p:attrName>style.visibility</p:attrName>
@@ -12199,7 +12048,7 @@
                                       <p:cBhvr additive="base">
                                         <p:cTn id="27" dur="500" fill="hold"/>
                                         <p:tgtEl>
-                                          <p:spTgt spid="18"/>
+                                          <p:spTgt spid="7"/>
                                         </p:tgtEl>
                                         <p:attrNameLst>
                                           <p:attrName>ppt_x</p:attrName>
@@ -12222,7 +12071,7 @@
                                       <p:cBhvr additive="base">
                                         <p:cTn id="28" dur="500" fill="hold"/>
                                         <p:tgtEl>
-                                          <p:spTgt spid="18"/>
+                                          <p:spTgt spid="7"/>
                                         </p:tgtEl>
                                         <p:attrNameLst>
                                           <p:attrName>ppt_y</p:attrName>
@@ -12245,7 +12094,7 @@
                                 </p:cTn>
                               </p:par>
                               <p:par>
-                                <p:cTn id="29" presetID="2" presetClass="entr" presetSubtype="4" fill="hold" nodeType="withEffect">
+                                <p:cTn id="29" presetID="2" presetClass="entr" presetSubtype="4" fill="hold" grpId="0" nodeType="withEffect">
                                   <p:stCondLst>
                                     <p:cond delay="0"/>
                                   </p:stCondLst>
@@ -12258,7 +12107,7 @@
                                           </p:stCondLst>
                                         </p:cTn>
                                         <p:tgtEl>
-                                          <p:spTgt spid="20"/>
+                                          <p:spTgt spid="17"/>
                                         </p:tgtEl>
                                         <p:attrNameLst>
                                           <p:attrName>style.visibility</p:attrName>
@@ -12272,7 +12121,7 @@
                                       <p:cBhvr additive="base">
                                         <p:cTn id="31" dur="500" fill="hold"/>
                                         <p:tgtEl>
-                                          <p:spTgt spid="20"/>
+                                          <p:spTgt spid="17"/>
                                         </p:tgtEl>
                                         <p:attrNameLst>
                                           <p:attrName>ppt_x</p:attrName>
@@ -12295,7 +12144,7 @@
                                       <p:cBhvr additive="base">
                                         <p:cTn id="32" dur="500" fill="hold"/>
                                         <p:tgtEl>
-                                          <p:spTgt spid="20"/>
+                                          <p:spTgt spid="17"/>
                                         </p:tgtEl>
                                         <p:attrNameLst>
                                           <p:attrName>ppt_y</p:attrName>
@@ -12451,7 +12300,7 @@
               </a:tabLst>
             </a:pPr>
             <a:r>
-              <a:rPr lang="en-GB" sz="4000" dirty="0" smtClean="0">
+              <a:rPr lang="en-GB" sz="4000" dirty="0">
                 <a:solidFill>
                   <a:srgbClr val="000000"/>
                 </a:solidFill>
@@ -12459,12 +12308,6 @@
               </a:rPr>
               <a:t>Classical Wave Equation</a:t>
             </a:r>
-            <a:endParaRPr lang="en-GB" sz="4000" dirty="0">
-              <a:solidFill>
-                <a:srgbClr val="000000"/>
-              </a:solidFill>
-              <a:latin typeface="Times New Roman" pitchFamily="18" charset="0"/>
-            </a:endParaRPr>
           </a:p>
         </p:txBody>
       </p:sp>
@@ -12521,7 +12364,7 @@
               </a:tabLst>
             </a:pPr>
             <a:r>
-              <a:rPr lang="en-GB" sz="3200" dirty="0" smtClean="0">
+              <a:rPr lang="en-GB" sz="3200" dirty="0">
                 <a:solidFill>
                   <a:srgbClr val="000000"/>
                 </a:solidFill>
@@ -12530,7 +12373,7 @@
               <a:t>Case 3: The </a:t>
             </a:r>
             <a:r>
-              <a:rPr lang="en-GB" sz="3200" b="1" dirty="0" smtClean="0">
+              <a:rPr lang="en-GB" sz="3200" b="1" dirty="0">
                 <a:solidFill>
                   <a:srgbClr val="000000"/>
                 </a:solidFill>
@@ -12562,7 +12405,7 @@
               </a:tabLst>
             </a:pPr>
             <a:r>
-              <a:rPr lang="en-GB" sz="2800" dirty="0" smtClean="0">
+              <a:rPr lang="en-GB" sz="2800" dirty="0">
                 <a:solidFill>
                   <a:srgbClr val="000000"/>
                 </a:solidFill>
@@ -12571,7 +12414,7 @@
               </a:rPr>
               <a:t>Using Euler’s Formula and rearranging:</a:t>
             </a:r>
-            <a:endParaRPr lang="en-GB" sz="2800" b="1" i="1" u="sng" dirty="0" smtClean="0">
+            <a:endParaRPr lang="en-GB" sz="2800" b="1" i="1" u="sng" dirty="0">
               <a:solidFill>
                 <a:srgbClr val="000000"/>
               </a:solidFill>
@@ -12627,7 +12470,7 @@
           <a:lstStyle/>
           <a:p>
             <a:r>
-              <a:rPr lang="en-GB" sz="2400" dirty="0" smtClean="0">
+              <a:rPr lang="en-GB" sz="2400" dirty="0">
                 <a:solidFill>
                   <a:srgbClr val="000000"/>
                 </a:solidFill>
@@ -12776,44 +12619,40 @@
           <a:lstStyle/>
           <a:p>
             <a:r>
-              <a:rPr lang="en-US" dirty="0" smtClean="0">
+              <a:rPr lang="en-US" dirty="0">
                 <a:latin typeface="Times New Roman"/>
                 <a:cs typeface="Times New Roman"/>
               </a:rPr>
               <a:t>In physics, </a:t>
             </a:r>
             <a:r>
-              <a:rPr lang="en-US" i="1" dirty="0" smtClean="0">
+              <a:rPr lang="en-US" i="1" dirty="0">
                 <a:latin typeface="Symbol" charset="2"/>
                 <a:cs typeface="Symbol" charset="2"/>
               </a:rPr>
               <a:t>b</a:t>
             </a:r>
             <a:r>
-              <a:rPr lang="en-US" dirty="0" smtClean="0">
+              <a:rPr lang="en-US" dirty="0">
                 <a:latin typeface="Times New Roman"/>
                 <a:cs typeface="Times New Roman"/>
               </a:rPr>
               <a:t> is the “</a:t>
             </a:r>
             <a:r>
-              <a:rPr lang="en-US" b="1" u="sng" dirty="0" smtClean="0">
+              <a:rPr lang="en-US" b="1" u="sng" dirty="0">
                 <a:latin typeface="Times New Roman"/>
                 <a:cs typeface="Times New Roman"/>
               </a:rPr>
               <a:t>angular frequency</a:t>
             </a:r>
             <a:r>
-              <a:rPr lang="en-US" dirty="0" smtClean="0">
+              <a:rPr lang="en-US" dirty="0">
                 <a:latin typeface="Times New Roman"/>
                 <a:cs typeface="Times New Roman"/>
               </a:rPr>
               <a:t>” and usually denoted:</a:t>
             </a:r>
-            <a:endParaRPr lang="en-US" dirty="0">
-              <a:latin typeface="Times New Roman"/>
-              <a:cs typeface="Times New Roman"/>
-            </a:endParaRPr>
           </a:p>
         </p:txBody>
       </p:sp>
@@ -12840,21 +12679,21 @@
           <a:lstStyle/>
           <a:p>
             <a:r>
-              <a:rPr lang="en-US" dirty="0" smtClean="0">
+              <a:rPr lang="en-US" dirty="0">
                 <a:latin typeface="Times New Roman"/>
                 <a:cs typeface="Times New Roman"/>
               </a:rPr>
               <a:t>“</a:t>
             </a:r>
             <a:r>
-              <a:rPr lang="en-US" b="1" u="sng" dirty="0" smtClean="0">
+              <a:rPr lang="en-US" b="1" u="sng" dirty="0">
                 <a:latin typeface="Times New Roman"/>
                 <a:cs typeface="Times New Roman"/>
               </a:rPr>
               <a:t>linear frequency</a:t>
             </a:r>
             <a:r>
-              <a:rPr lang="en-US" dirty="0" smtClean="0">
+              <a:rPr lang="en-US" dirty="0">
                 <a:latin typeface="Times New Roman"/>
                 <a:cs typeface="Times New Roman"/>
               </a:rPr>
@@ -12954,7 +12793,7 @@
   <p:timing>
     <p:tnLst>
       <p:par>
-        <p:cTn xmlns:p14="http://schemas.microsoft.com/office/powerpoint/2010/main" id="1" dur="indefinite" restart="never" nodeType="tmRoot">
+        <p:cTn id="1" dur="indefinite" restart="never" nodeType="tmRoot">
           <p:childTnLst>
             <p:seq concurrent="1" nextAc="seek">
               <p:cTn id="2" dur="indefinite" nodeType="mainSeq">
@@ -13819,7 +13658,7 @@
               </a:tabLst>
             </a:pPr>
             <a:r>
-              <a:rPr lang="en-GB" sz="4000" dirty="0" smtClean="0">
+              <a:rPr lang="en-GB" sz="4000" dirty="0">
                 <a:solidFill>
                   <a:srgbClr val="000000"/>
                 </a:solidFill>
@@ -13827,12 +13666,6 @@
               </a:rPr>
               <a:t>Classical Wave Equation</a:t>
             </a:r>
-            <a:endParaRPr lang="en-GB" sz="4000" dirty="0">
-              <a:solidFill>
-                <a:srgbClr val="000000"/>
-              </a:solidFill>
-              <a:latin typeface="Times New Roman" pitchFamily="18" charset="0"/>
-            </a:endParaRPr>
           </a:p>
         </p:txBody>
       </p:sp>
@@ -13889,7 +13722,7 @@
               </a:tabLst>
             </a:pPr>
             <a:r>
-              <a:rPr lang="en-GB" sz="3200" dirty="0" smtClean="0">
+              <a:rPr lang="en-GB" sz="3200" dirty="0">
                 <a:solidFill>
                   <a:srgbClr val="000000"/>
                 </a:solidFill>
@@ -13897,7 +13730,7 @@
               </a:rPr>
               <a:t>Back to where we were:</a:t>
             </a:r>
-            <a:endParaRPr lang="en-GB" sz="3200" b="1" dirty="0" smtClean="0">
+            <a:endParaRPr lang="en-GB" sz="3200" b="1" dirty="0">
               <a:solidFill>
                 <a:srgbClr val="000000"/>
               </a:solidFill>
@@ -14119,26 +13952,6 @@
               </a:tabLst>
             </a:pPr>
             <a:r>
-              <a:rPr lang="en-GB" sz="2800" i="1" dirty="0" smtClean="0">
-                <a:solidFill>
-                  <a:srgbClr val="000000"/>
-                </a:solidFill>
-                <a:latin typeface="Times New Roman"/>
-                <a:cs typeface="Times New Roman"/>
-              </a:rPr>
-              <a:t>x</a:t>
-            </a:r>
-            <a:r>
-              <a:rPr lang="en-GB" sz="2800" dirty="0" smtClean="0">
-                <a:solidFill>
-                  <a:srgbClr val="000000"/>
-                </a:solidFill>
-                <a:latin typeface="Times New Roman"/>
-                <a:cs typeface="Times New Roman"/>
-              </a:rPr>
-              <a:t>(0) = 0, </a:t>
-            </a:r>
-            <a:r>
               <a:rPr lang="en-GB" sz="2800" i="1" dirty="0">
                 <a:solidFill>
                   <a:srgbClr val="000000"/>
@@ -14149,7 +13962,27 @@
               <a:t>x</a:t>
             </a:r>
             <a:r>
-              <a:rPr lang="en-GB" sz="2800" dirty="0" smtClean="0">
+              <a:rPr lang="en-GB" sz="2800" dirty="0">
+                <a:solidFill>
+                  <a:srgbClr val="000000"/>
+                </a:solidFill>
+                <a:latin typeface="Times New Roman"/>
+                <a:cs typeface="Times New Roman"/>
+              </a:rPr>
+              <a:t>(0) = 0, </a:t>
+            </a:r>
+            <a:r>
+              <a:rPr lang="en-GB" sz="2800" i="1" dirty="0">
+                <a:solidFill>
+                  <a:srgbClr val="000000"/>
+                </a:solidFill>
+                <a:latin typeface="Times New Roman"/>
+                <a:cs typeface="Times New Roman"/>
+              </a:rPr>
+              <a:t>x</a:t>
+            </a:r>
+            <a:r>
+              <a:rPr lang="en-GB" sz="2800" dirty="0">
                 <a:solidFill>
                   <a:srgbClr val="000000"/>
                 </a:solidFill>
@@ -14159,7 +13992,7 @@
               <a:t>(</a:t>
             </a:r>
             <a:r>
-              <a:rPr lang="en-GB" sz="2800" i="1" dirty="0" smtClean="0">
+              <a:rPr lang="en-GB" sz="2800" i="1" dirty="0">
                 <a:solidFill>
                   <a:srgbClr val="000000"/>
                 </a:solidFill>
@@ -14169,16 +14002,6 @@
               <a:t>l</a:t>
             </a:r>
             <a:r>
-              <a:rPr lang="en-GB" sz="2800" dirty="0" smtClean="0">
-                <a:solidFill>
-                  <a:srgbClr val="000000"/>
-                </a:solidFill>
-                <a:latin typeface="Times New Roman"/>
-                <a:cs typeface="Times New Roman"/>
-              </a:rPr>
-              <a:t>) </a:t>
-            </a:r>
-            <a:r>
               <a:rPr lang="en-GB" sz="2800" dirty="0">
                 <a:solidFill>
                   <a:srgbClr val="000000"/>
@@ -14186,7 +14009,7 @@
                 <a:latin typeface="Times New Roman"/>
                 <a:cs typeface="Times New Roman"/>
               </a:rPr>
-              <a:t>= 0</a:t>
+              <a:t>) = 0</a:t>
             </a:r>
             <a:endParaRPr lang="en-GB" sz="2800" b="1" u="sng" dirty="0">
               <a:solidFill>
@@ -14265,7 +14088,7 @@
               </a:tabLst>
             </a:pPr>
             <a:r>
-              <a:rPr lang="en-GB" sz="2800" dirty="0" smtClean="0">
+              <a:rPr lang="en-GB" sz="2800" dirty="0">
                 <a:solidFill>
                   <a:srgbClr val="000000"/>
                 </a:solidFill>
@@ -14275,7 +14098,7 @@
               <a:t>If k &gt; 0 or k = 0 (case 1 or 2) then </a:t>
             </a:r>
             <a:r>
-              <a:rPr lang="en-GB" sz="2800" i="1" dirty="0" smtClean="0">
+              <a:rPr lang="en-GB" sz="2800" i="1" dirty="0">
                 <a:solidFill>
                   <a:srgbClr val="000000"/>
                 </a:solidFill>
@@ -14285,7 +14108,7 @@
               <a:t>X</a:t>
             </a:r>
             <a:r>
-              <a:rPr lang="en-GB" sz="2800" dirty="0" smtClean="0">
+              <a:rPr lang="en-GB" sz="2800" dirty="0">
                 <a:solidFill>
                   <a:srgbClr val="000000"/>
                 </a:solidFill>
@@ -14295,7 +14118,7 @@
               <a:t>(</a:t>
             </a:r>
             <a:r>
-              <a:rPr lang="en-GB" sz="2800" i="1" dirty="0" smtClean="0">
+              <a:rPr lang="en-GB" sz="2800" i="1" dirty="0">
                 <a:solidFill>
                   <a:srgbClr val="000000"/>
                 </a:solidFill>
@@ -14305,7 +14128,7 @@
               <a:t>x</a:t>
             </a:r>
             <a:r>
-              <a:rPr lang="en-GB" sz="2800" dirty="0" smtClean="0">
+              <a:rPr lang="en-GB" sz="2800" dirty="0">
                 <a:solidFill>
                   <a:srgbClr val="000000"/>
                 </a:solidFill>
@@ -14360,24 +14183,14 @@
               </a:tabLst>
             </a:pPr>
             <a:r>
-              <a:rPr lang="en-GB" sz="2800" dirty="0" smtClean="0">
+              <a:rPr lang="en-GB" sz="2800" dirty="0">
                 <a:solidFill>
                   <a:srgbClr val="000000"/>
                 </a:solidFill>
                 <a:latin typeface="Times New Roman"/>
                 <a:cs typeface="Times New Roman"/>
               </a:rPr>
-              <a:t>Therefore </a:t>
-            </a:r>
-            <a:r>
-              <a:rPr lang="en-GB" sz="2800" dirty="0" smtClean="0">
-                <a:solidFill>
-                  <a:srgbClr val="000000"/>
-                </a:solidFill>
-                <a:latin typeface="Times New Roman"/>
-                <a:cs typeface="Times New Roman"/>
-              </a:rPr>
-              <a:t>k must be &lt; 0</a:t>
+              <a:t>Therefore k must be &lt; 0</a:t>
             </a:r>
           </a:p>
         </p:txBody>
@@ -14404,7 +14217,7 @@
           <a:lstStyle/>
           <a:p>
             <a:r>
-              <a:rPr lang="en-GB" sz="2400" dirty="0" smtClean="0">
+              <a:rPr lang="en-GB" sz="2400" dirty="0">
                 <a:solidFill>
                   <a:srgbClr val="000000"/>
                 </a:solidFill>
@@ -14462,7 +14275,7 @@
           <a:lstStyle/>
           <a:p>
             <a:r>
-              <a:rPr lang="en-GB" sz="2800" dirty="0" smtClean="0">
+              <a:rPr lang="en-GB" sz="2800" dirty="0">
                 <a:solidFill>
                   <a:srgbClr val="000000"/>
                 </a:solidFill>
@@ -14488,7 +14301,7 @@
   <p:timing>
     <p:tnLst>
       <p:par>
-        <p:cTn xmlns:p14="http://schemas.microsoft.com/office/powerpoint/2010/main" id="1" dur="indefinite" restart="never" nodeType="tmRoot">
+        <p:cTn id="1" dur="indefinite" restart="never" nodeType="tmRoot">
           <p:childTnLst>
             <p:seq concurrent="1" nextAc="seek">
               <p:cTn id="2" dur="indefinite" nodeType="mainSeq">
@@ -15391,7 +15204,7 @@
               </a:tabLst>
             </a:pPr>
             <a:r>
-              <a:rPr lang="en-GB" sz="4000" dirty="0" smtClean="0">
+              <a:rPr lang="en-GB" sz="4000" dirty="0">
                 <a:solidFill>
                   <a:srgbClr val="000000"/>
                 </a:solidFill>
@@ -15399,12 +15212,6 @@
               </a:rPr>
               <a:t>Classical Wave Equation</a:t>
             </a:r>
-            <a:endParaRPr lang="en-GB" sz="4000" dirty="0">
-              <a:solidFill>
-                <a:srgbClr val="000000"/>
-              </a:solidFill>
-              <a:latin typeface="Times New Roman" pitchFamily="18" charset="0"/>
-            </a:endParaRPr>
           </a:p>
         </p:txBody>
       </p:sp>
@@ -15461,7 +15268,7 @@
               </a:tabLst>
             </a:pPr>
             <a:r>
-              <a:rPr lang="en-GB" sz="3200" dirty="0" smtClean="0">
+              <a:rPr lang="en-GB" sz="3200" dirty="0">
                 <a:solidFill>
                   <a:srgbClr val="000000"/>
                 </a:solidFill>
@@ -15470,7 +15277,7 @@
               <a:t>Or </a:t>
             </a:r>
             <a:r>
-              <a:rPr lang="en-GB" sz="3200" i="1" u="sng" dirty="0" smtClean="0">
+              <a:rPr lang="en-GB" sz="3200" i="1" u="sng" dirty="0">
                 <a:solidFill>
                   <a:srgbClr val="000000"/>
                 </a:solidFill>
@@ -15479,7 +15286,7 @@
               <a:t>we could do this whole lecture in one </a:t>
             </a:r>
             <a:r>
-              <a:rPr lang="en-GB" sz="3200" dirty="0" smtClean="0">
+              <a:rPr lang="en-GB" sz="3200" dirty="0">
                 <a:solidFill>
                   <a:srgbClr val="000000"/>
                 </a:solidFill>
@@ -15488,7 +15295,7 @@
               <a:t>line of </a:t>
             </a:r>
             <a:r>
-              <a:rPr lang="en-GB" sz="3200" dirty="0" err="1" smtClean="0">
+              <a:rPr lang="en-GB" sz="3200" dirty="0" err="1">
                 <a:solidFill>
                   <a:srgbClr val="000000"/>
                 </a:solidFill>
@@ -15497,7 +15304,7 @@
               <a:t>Mathematica</a:t>
             </a:r>
             <a:r>
-              <a:rPr lang="en-GB" sz="3200" dirty="0" smtClean="0">
+              <a:rPr lang="en-GB" sz="3200" dirty="0">
                 <a:solidFill>
                   <a:srgbClr val="000000"/>
                 </a:solidFill>
@@ -15505,7 +15312,7 @@
               </a:rPr>
               <a:t> or Maple </a:t>
             </a:r>
-            <a:endParaRPr lang="en-GB" sz="2800" b="1" i="1" u="sng" dirty="0" smtClean="0">
+            <a:endParaRPr lang="en-GB" sz="2800" b="1" i="1" u="sng" dirty="0">
               <a:solidFill>
                 <a:srgbClr val="000000"/>
               </a:solidFill>
@@ -15587,13 +15394,6 @@
   <p:clrMapOvr>
     <a:masterClrMapping/>
   </p:clrMapOvr>
-  <p:timing>
-    <p:tnLst>
-      <p:par>
-        <p:cTn xmlns:p14="http://schemas.microsoft.com/office/powerpoint/2010/main" id="1" dur="indefinite" restart="never" nodeType="tmRoot"/>
-      </p:par>
-    </p:tnLst>
-  </p:timing>
 </p:sld>
 </file>
 
@@ -15697,7 +15497,7 @@
               </a:tabLst>
             </a:pPr>
             <a:r>
-              <a:rPr lang="en-GB" sz="4000" dirty="0" smtClean="0">
+              <a:rPr lang="en-GB" sz="4000" dirty="0">
                 <a:solidFill>
                   <a:srgbClr val="000000"/>
                 </a:solidFill>
@@ -15705,12 +15505,6 @@
               </a:rPr>
               <a:t>Classical Waves</a:t>
             </a:r>
-            <a:endParaRPr lang="en-GB" sz="4000" dirty="0">
-              <a:solidFill>
-                <a:srgbClr val="000000"/>
-              </a:solidFill>
-              <a:latin typeface="Times New Roman" pitchFamily="18" charset="0"/>
-            </a:endParaRPr>
           </a:p>
         </p:txBody>
       </p:sp>
@@ -15776,7 +15570,7 @@
               <a:t>u</a:t>
             </a:r>
             <a:r>
-              <a:rPr lang="en-GB" sz="3200" dirty="0" smtClean="0">
+              <a:rPr lang="en-GB" sz="3200" dirty="0">
                 <a:solidFill>
                   <a:srgbClr val="000000"/>
                 </a:solidFill>
@@ -15785,7 +15579,7 @@
               <a:t>(</a:t>
             </a:r>
             <a:r>
-              <a:rPr lang="en-GB" sz="3200" i="1" dirty="0" smtClean="0">
+              <a:rPr lang="en-GB" sz="3200" i="1" dirty="0">
                 <a:solidFill>
                   <a:srgbClr val="000000"/>
                 </a:solidFill>
@@ -15794,7 +15588,7 @@
               <a:t>x, t</a:t>
             </a:r>
             <a:r>
-              <a:rPr lang="en-GB" sz="3200" dirty="0" smtClean="0">
+              <a:rPr lang="en-GB" sz="3200" dirty="0">
                 <a:solidFill>
                   <a:srgbClr val="000000"/>
                 </a:solidFill>
@@ -15803,7 +15597,7 @@
               <a:t>) = Amplitude of the wave at position </a:t>
             </a:r>
             <a:r>
-              <a:rPr lang="en-GB" sz="3200" i="1" dirty="0" smtClean="0">
+              <a:rPr lang="en-GB" sz="3200" i="1" dirty="0">
                 <a:solidFill>
                   <a:srgbClr val="000000"/>
                 </a:solidFill>
@@ -15812,7 +15606,7 @@
               <a:t>x</a:t>
             </a:r>
             <a:r>
-              <a:rPr lang="en-GB" sz="3200" dirty="0" smtClean="0">
+              <a:rPr lang="en-GB" sz="3200" dirty="0">
                 <a:solidFill>
                   <a:srgbClr val="000000"/>
                 </a:solidFill>
@@ -15821,7 +15615,7 @@
               <a:t> and time </a:t>
             </a:r>
             <a:r>
-              <a:rPr lang="en-GB" sz="3200" i="1" dirty="0" smtClean="0">
+              <a:rPr lang="en-GB" sz="3200" i="1" dirty="0">
                 <a:solidFill>
                   <a:srgbClr val="000000"/>
                 </a:solidFill>
@@ -16070,7 +15864,7 @@
               <a:t>x</a:t>
             </a:r>
             <a:r>
-              <a:rPr lang="en-GB" i="1" baseline="-25000" dirty="0" smtClean="0">
+              <a:rPr lang="en-GB" i="1" baseline="-25000" dirty="0">
                 <a:solidFill>
                   <a:srgbClr val="000000"/>
                 </a:solidFill>
@@ -16079,7 +15873,7 @@
               <a:t>1</a:t>
             </a:r>
             <a:r>
-              <a:rPr lang="en-GB" dirty="0" smtClean="0">
+              <a:rPr lang="en-GB" dirty="0">
                 <a:solidFill>
                   <a:srgbClr val="000000"/>
                 </a:solidFill>
@@ -16113,7 +15907,7 @@
           <a:lstStyle/>
           <a:p>
             <a:r>
-              <a:rPr lang="en-GB" i="1" dirty="0" smtClean="0">
+              <a:rPr lang="en-GB" i="1" dirty="0">
                 <a:solidFill>
                   <a:srgbClr val="000000"/>
                 </a:solidFill>
@@ -16122,7 +15916,7 @@
               <a:t>u</a:t>
             </a:r>
             <a:r>
-              <a:rPr lang="en-GB" dirty="0" smtClean="0">
+              <a:rPr lang="en-GB" dirty="0">
                 <a:solidFill>
                   <a:srgbClr val="000000"/>
                 </a:solidFill>
@@ -16131,7 +15925,7 @@
               <a:t>(</a:t>
             </a:r>
             <a:r>
-              <a:rPr lang="en-GB" i="1" dirty="0" smtClean="0">
+              <a:rPr lang="en-GB" i="1" dirty="0">
                 <a:solidFill>
                   <a:srgbClr val="000000"/>
                 </a:solidFill>
@@ -16140,7 +15934,7 @@
               <a:t>x</a:t>
             </a:r>
             <a:r>
-              <a:rPr lang="en-GB" i="1" baseline="-25000" dirty="0" smtClean="0">
+              <a:rPr lang="en-GB" i="1" baseline="-25000" dirty="0">
                 <a:solidFill>
                   <a:srgbClr val="000000"/>
                 </a:solidFill>
@@ -16149,7 +15943,7 @@
               <a:t>1</a:t>
             </a:r>
             <a:r>
-              <a:rPr lang="en-GB" i="1" dirty="0" smtClean="0">
+              <a:rPr lang="en-GB" i="1" dirty="0">
                 <a:solidFill>
                   <a:srgbClr val="000000"/>
                 </a:solidFill>
@@ -16158,7 +15952,7 @@
               <a:t>,t</a:t>
             </a:r>
             <a:r>
-              <a:rPr lang="en-GB" i="1" baseline="-25000" dirty="0" smtClean="0">
+              <a:rPr lang="en-GB" i="1" baseline="-25000" dirty="0">
                 <a:solidFill>
                   <a:srgbClr val="000000"/>
                 </a:solidFill>
@@ -16167,7 +15961,7 @@
               <a:t>1</a:t>
             </a:r>
             <a:r>
-              <a:rPr lang="en-GB" dirty="0" smtClean="0">
+              <a:rPr lang="en-GB" dirty="0">
                 <a:solidFill>
                   <a:srgbClr val="000000"/>
                 </a:solidFill>
@@ -16240,7 +16034,7 @@
               <a:t>x</a:t>
             </a:r>
             <a:r>
-              <a:rPr lang="en-GB" i="1" baseline="-25000" dirty="0" smtClean="0">
+              <a:rPr lang="en-GB" i="1" baseline="-25000" dirty="0">
                 <a:solidFill>
                   <a:srgbClr val="000000"/>
                 </a:solidFill>
@@ -16249,7 +16043,7 @@
               <a:t>1</a:t>
             </a:r>
             <a:r>
-              <a:rPr lang="en-GB" dirty="0" smtClean="0">
+              <a:rPr lang="en-GB" dirty="0">
                 <a:solidFill>
                   <a:srgbClr val="000000"/>
                 </a:solidFill>
@@ -16283,7 +16077,7 @@
           <a:lstStyle/>
           <a:p>
             <a:r>
-              <a:rPr lang="en-GB" i="1" dirty="0" smtClean="0">
+              <a:rPr lang="en-GB" i="1" dirty="0">
                 <a:solidFill>
                   <a:srgbClr val="000000"/>
                 </a:solidFill>
@@ -16292,7 +16086,7 @@
               <a:t>u</a:t>
             </a:r>
             <a:r>
-              <a:rPr lang="en-GB" dirty="0" smtClean="0">
+              <a:rPr lang="en-GB" dirty="0">
                 <a:solidFill>
                   <a:srgbClr val="000000"/>
                 </a:solidFill>
@@ -16301,7 +16095,7 @@
               <a:t>(</a:t>
             </a:r>
             <a:r>
-              <a:rPr lang="en-GB" i="1" dirty="0" smtClean="0">
+              <a:rPr lang="en-GB" i="1" dirty="0">
                 <a:solidFill>
                   <a:srgbClr val="000000"/>
                 </a:solidFill>
@@ -16310,7 +16104,7 @@
               <a:t>x</a:t>
             </a:r>
             <a:r>
-              <a:rPr lang="en-GB" i="1" baseline="-25000" dirty="0" smtClean="0">
+              <a:rPr lang="en-GB" i="1" baseline="-25000" dirty="0">
                 <a:solidFill>
                   <a:srgbClr val="000000"/>
                 </a:solidFill>
@@ -16319,7 +16113,7 @@
               <a:t>1</a:t>
             </a:r>
             <a:r>
-              <a:rPr lang="en-GB" i="1" dirty="0" smtClean="0">
+              <a:rPr lang="en-GB" i="1" dirty="0">
                 <a:solidFill>
                   <a:srgbClr val="000000"/>
                 </a:solidFill>
@@ -16328,7 +16122,7 @@
               <a:t>,t</a:t>
             </a:r>
             <a:r>
-              <a:rPr lang="en-GB" i="1" baseline="-25000" dirty="0" smtClean="0">
+              <a:rPr lang="en-GB" i="1" baseline="-25000" dirty="0">
                 <a:solidFill>
                   <a:srgbClr val="000000"/>
                 </a:solidFill>
@@ -16337,7 +16131,7 @@
               <a:t>1</a:t>
             </a:r>
             <a:r>
-              <a:rPr lang="en-GB" dirty="0" smtClean="0">
+              <a:rPr lang="en-GB" dirty="0">
                 <a:solidFill>
                   <a:srgbClr val="000000"/>
                 </a:solidFill>
@@ -16371,7 +16165,7 @@
           <a:lstStyle/>
           <a:p>
             <a:r>
-              <a:rPr lang="en-GB" i="1" dirty="0" smtClean="0">
+              <a:rPr lang="en-GB" i="1" dirty="0">
                 <a:solidFill>
                   <a:srgbClr val="000000"/>
                 </a:solidFill>
@@ -16380,7 +16174,7 @@
               <a:t>u</a:t>
             </a:r>
             <a:r>
-              <a:rPr lang="en-GB" dirty="0" smtClean="0">
+              <a:rPr lang="en-GB" dirty="0">
                 <a:solidFill>
                   <a:srgbClr val="000000"/>
                 </a:solidFill>
@@ -16389,7 +16183,7 @@
               <a:t>(</a:t>
             </a:r>
             <a:r>
-              <a:rPr lang="en-GB" i="1" dirty="0" smtClean="0">
+              <a:rPr lang="en-GB" i="1" dirty="0">
                 <a:solidFill>
                   <a:srgbClr val="000000"/>
                 </a:solidFill>
@@ -16398,7 +16192,7 @@
               <a:t>x</a:t>
             </a:r>
             <a:r>
-              <a:rPr lang="en-GB" i="1" baseline="-25000" dirty="0" smtClean="0">
+              <a:rPr lang="en-GB" i="1" baseline="-25000" dirty="0">
                 <a:solidFill>
                   <a:srgbClr val="000000"/>
                 </a:solidFill>
@@ -16407,7 +16201,7 @@
               <a:t>1</a:t>
             </a:r>
             <a:r>
-              <a:rPr lang="en-GB" i="1" dirty="0" smtClean="0">
+              <a:rPr lang="en-GB" i="1" dirty="0">
                 <a:solidFill>
                   <a:srgbClr val="000000"/>
                 </a:solidFill>
@@ -16416,7 +16210,7 @@
               <a:t>,t</a:t>
             </a:r>
             <a:r>
-              <a:rPr lang="en-GB" i="1" baseline="-25000" dirty="0" smtClean="0">
+              <a:rPr lang="en-GB" i="1" baseline="-25000" dirty="0">
                 <a:solidFill>
                   <a:srgbClr val="000000"/>
                 </a:solidFill>
@@ -16425,7 +16219,7 @@
               <a:t>2</a:t>
             </a:r>
             <a:r>
-              <a:rPr lang="en-GB" dirty="0" smtClean="0">
+              <a:rPr lang="en-GB" dirty="0">
                 <a:solidFill>
                   <a:srgbClr val="000000"/>
                 </a:solidFill>
@@ -16527,7 +16321,7 @@
           <a:lstStyle/>
           <a:p>
             <a:r>
-              <a:rPr lang="en-GB" i="1" dirty="0" smtClean="0">
+              <a:rPr lang="en-GB" i="1" dirty="0">
                 <a:solidFill>
                   <a:srgbClr val="000000"/>
                 </a:solidFill>
@@ -16561,7 +16355,7 @@
           <a:lstStyle/>
           <a:p>
             <a:r>
-              <a:rPr lang="en-GB" i="1" dirty="0" smtClean="0">
+              <a:rPr lang="en-GB" i="1" dirty="0">
                 <a:solidFill>
                   <a:srgbClr val="000000"/>
                 </a:solidFill>
@@ -16586,7 +16380,7 @@
   <p:timing>
     <p:tnLst>
       <p:par>
-        <p:cTn xmlns:p14="http://schemas.microsoft.com/office/powerpoint/2010/main" id="1" dur="indefinite" restart="never" nodeType="tmRoot">
+        <p:cTn id="1" dur="indefinite" restart="never" nodeType="tmRoot">
           <p:childTnLst>
             <p:seq concurrent="1" nextAc="seek">
               <p:cTn id="2" dur="indefinite" nodeType="mainSeq">
@@ -17644,7 +17438,7 @@
               </a:tabLst>
             </a:pPr>
             <a:r>
-              <a:rPr lang="en-GB" sz="4000" dirty="0" smtClean="0">
+              <a:rPr lang="en-GB" sz="4000" dirty="0">
                 <a:solidFill>
                   <a:srgbClr val="000000"/>
                 </a:solidFill>
@@ -17652,12 +17446,6 @@
               </a:rPr>
               <a:t>Classical Waves</a:t>
             </a:r>
-            <a:endParaRPr lang="en-GB" sz="4000" dirty="0">
-              <a:solidFill>
-                <a:srgbClr val="000000"/>
-              </a:solidFill>
-              <a:latin typeface="Times New Roman" pitchFamily="18" charset="0"/>
-            </a:endParaRPr>
           </a:p>
         </p:txBody>
       </p:sp>
@@ -17714,7 +17502,7 @@
               </a:tabLst>
             </a:pPr>
             <a:r>
-              <a:rPr lang="en-GB" sz="3200" dirty="0" smtClean="0">
+              <a:rPr lang="en-GB" sz="3200" dirty="0">
                 <a:solidFill>
                   <a:srgbClr val="000000"/>
                 </a:solidFill>
@@ -17755,7 +17543,7 @@
               <a:t>u</a:t>
             </a:r>
             <a:r>
-              <a:rPr lang="en-GB" sz="2800" dirty="0" smtClean="0">
+              <a:rPr lang="en-GB" sz="2800" dirty="0">
                 <a:solidFill>
                   <a:srgbClr val="000000"/>
                 </a:solidFill>
@@ -17764,7 +17552,7 @@
               <a:t>(0,</a:t>
             </a:r>
             <a:r>
-              <a:rPr lang="en-GB" sz="2800" i="1" dirty="0" smtClean="0">
+              <a:rPr lang="en-GB" sz="2800" i="1" dirty="0">
                 <a:solidFill>
                   <a:srgbClr val="000000"/>
                 </a:solidFill>
@@ -17773,7 +17561,7 @@
               <a:t>t</a:t>
             </a:r>
             <a:r>
-              <a:rPr lang="en-GB" sz="2800" dirty="0" smtClean="0">
+              <a:rPr lang="en-GB" sz="2800" dirty="0">
                 <a:solidFill>
                   <a:srgbClr val="000000"/>
                 </a:solidFill>
@@ -17814,7 +17602,7 @@
               <a:t>u</a:t>
             </a:r>
             <a:r>
-              <a:rPr lang="en-GB" sz="2800" dirty="0" smtClean="0">
+              <a:rPr lang="en-GB" sz="2800" dirty="0">
                 <a:solidFill>
                   <a:srgbClr val="000000"/>
                 </a:solidFill>
@@ -17832,7 +17620,7 @@
               <a:t>l</a:t>
             </a:r>
             <a:r>
-              <a:rPr lang="en-GB" sz="2800" dirty="0" err="1" smtClean="0">
+              <a:rPr lang="en-GB" sz="2800" dirty="0" err="1">
                 <a:solidFill>
                   <a:srgbClr val="000000"/>
                 </a:solidFill>
@@ -17850,22 +17638,13 @@
               <a:t>t</a:t>
             </a:r>
             <a:r>
-              <a:rPr lang="en-GB" sz="2800" dirty="0" smtClean="0">
-                <a:solidFill>
-                  <a:srgbClr val="000000"/>
-                </a:solidFill>
-                <a:latin typeface="Times New Roman" pitchFamily="18" charset="0"/>
-              </a:rPr>
-              <a:t>) </a:t>
-            </a:r>
-            <a:r>
               <a:rPr lang="en-GB" sz="2800" dirty="0">
                 <a:solidFill>
                   <a:srgbClr val="000000"/>
                 </a:solidFill>
                 <a:latin typeface="Times New Roman" pitchFamily="18" charset="0"/>
               </a:rPr>
-              <a:t>= 0</a:t>
+              <a:t>) = 0</a:t>
             </a:r>
           </a:p>
           <a:p>
@@ -17890,7 +17669,7 @@
                 <a:tab pos="10488613" algn="l"/>
               </a:tabLst>
             </a:pPr>
-            <a:endParaRPr lang="en-GB" sz="2800" dirty="0" smtClean="0">
+            <a:endParaRPr lang="en-GB" sz="2800" dirty="0">
               <a:solidFill>
                 <a:srgbClr val="000000"/>
               </a:solidFill>
@@ -17945,7 +17724,7 @@
           <a:lstStyle/>
           <a:p>
             <a:r>
-              <a:rPr lang="en-GB" i="1" dirty="0" smtClean="0">
+              <a:rPr lang="en-GB" i="1" dirty="0">
                 <a:solidFill>
                   <a:srgbClr val="000000"/>
                 </a:solidFill>
@@ -17954,7 +17733,7 @@
               <a:t>x</a:t>
             </a:r>
             <a:r>
-              <a:rPr lang="en-GB" dirty="0" smtClean="0">
+              <a:rPr lang="en-GB" dirty="0">
                 <a:solidFill>
                   <a:srgbClr val="000000"/>
                 </a:solidFill>
@@ -17997,7 +17776,7 @@
               <a:t>u</a:t>
             </a:r>
             <a:r>
-              <a:rPr lang="en-GB" dirty="0" smtClean="0">
+              <a:rPr lang="en-GB" dirty="0">
                 <a:solidFill>
                   <a:srgbClr val="000000"/>
                 </a:solidFill>
@@ -18006,7 +17785,7 @@
               <a:t>(</a:t>
             </a:r>
             <a:r>
-              <a:rPr lang="en-GB" i="1" dirty="0" smtClean="0">
+              <a:rPr lang="en-GB" i="1" dirty="0">
                 <a:solidFill>
                   <a:srgbClr val="000000"/>
                 </a:solidFill>
@@ -18015,7 +17794,7 @@
               <a:t>x</a:t>
             </a:r>
             <a:r>
-              <a:rPr lang="en-GB" dirty="0" smtClean="0">
+              <a:rPr lang="en-GB" dirty="0">
                 <a:solidFill>
                   <a:srgbClr val="000000"/>
                 </a:solidFill>
@@ -18049,7 +17828,7 @@
           <a:lstStyle/>
           <a:p>
             <a:r>
-              <a:rPr lang="en-GB" sz="2800" dirty="0" smtClean="0">
+              <a:rPr lang="en-GB" sz="2800" dirty="0">
                 <a:solidFill>
                   <a:srgbClr val="000000"/>
                 </a:solidFill>
@@ -18058,7 +17837,7 @@
               <a:t>Means: </a:t>
             </a:r>
             <a:r>
-              <a:rPr lang="en-GB" sz="2800" i="1" u="sng" dirty="0" smtClean="0">
+              <a:rPr lang="en-GB" sz="2800" i="1" u="sng" dirty="0">
                 <a:solidFill>
                   <a:srgbClr val="000000"/>
                 </a:solidFill>
@@ -18067,7 +17846,7 @@
               <a:t>The wave is tied down at both ends!</a:t>
             </a:r>
             <a:r>
-              <a:rPr lang="en-GB" dirty="0" smtClean="0">
+              <a:rPr lang="en-GB" dirty="0">
                 <a:solidFill>
                   <a:srgbClr val="000000"/>
                 </a:solidFill>
@@ -18101,7 +17880,7 @@
           <a:lstStyle/>
           <a:p>
             <a:r>
-              <a:rPr lang="en-GB" sz="2800" i="1" dirty="0" smtClean="0">
+              <a:rPr lang="en-GB" sz="2800" i="1" dirty="0">
                 <a:solidFill>
                   <a:srgbClr val="000000"/>
                 </a:solidFill>
@@ -18170,7 +17949,7 @@
           <a:lstStyle/>
           <a:p>
             <a:r>
-              <a:rPr lang="en-GB" sz="2800" i="1" dirty="0" smtClean="0">
+              <a:rPr lang="en-GB" sz="2800" i="1" dirty="0">
                 <a:solidFill>
                   <a:srgbClr val="000000"/>
                 </a:solidFill>
@@ -18179,7 +17958,7 @@
               <a:t>x = </a:t>
             </a:r>
             <a:r>
-              <a:rPr lang="en-GB" sz="2800" dirty="0" smtClean="0">
+              <a:rPr lang="en-GB" sz="2800" dirty="0">
                 <a:solidFill>
                   <a:srgbClr val="000000"/>
                 </a:solidFill>
@@ -18236,13 +18015,6 @@
   <p:clrMapOvr>
     <a:masterClrMapping/>
   </p:clrMapOvr>
-  <p:timing>
-    <p:tnLst>
-      <p:par>
-        <p:cTn xmlns:p14="http://schemas.microsoft.com/office/powerpoint/2010/main" id="1" dur="indefinite" restart="never" nodeType="tmRoot"/>
-      </p:par>
-    </p:tnLst>
-  </p:timing>
 </p:sld>
 </file>
 
@@ -18346,7 +18118,7 @@
               </a:tabLst>
             </a:pPr>
             <a:r>
-              <a:rPr lang="en-GB" sz="4000" dirty="0" smtClean="0">
+              <a:rPr lang="en-GB" sz="4000" dirty="0">
                 <a:solidFill>
                   <a:srgbClr val="000000"/>
                 </a:solidFill>
@@ -18354,12 +18126,6 @@
               </a:rPr>
               <a:t>Classical Wave Equation</a:t>
             </a:r>
-            <a:endParaRPr lang="en-GB" sz="4000" dirty="0">
-              <a:solidFill>
-                <a:srgbClr val="000000"/>
-              </a:solidFill>
-              <a:latin typeface="Times New Roman" pitchFamily="18" charset="0"/>
-            </a:endParaRPr>
           </a:p>
         </p:txBody>
       </p:sp>
@@ -18416,7 +18182,7 @@
               </a:tabLst>
             </a:pPr>
             <a:r>
-              <a:rPr lang="en-GB" sz="3200" dirty="0" smtClean="0">
+              <a:rPr lang="en-GB" sz="3200" dirty="0">
                 <a:solidFill>
                   <a:srgbClr val="000000"/>
                 </a:solidFill>
@@ -18455,16 +18221,7 @@
                 </a:solidFill>
                 <a:latin typeface="Times New Roman" pitchFamily="18" charset="0"/>
               </a:rPr>
-              <a:t>p</a:t>
-            </a:r>
-            <a:r>
-              <a:rPr lang="en-GB" sz="2800" b="1" dirty="0" smtClean="0">
-                <a:solidFill>
-                  <a:srgbClr val="000000"/>
-                </a:solidFill>
-                <a:latin typeface="Times New Roman" pitchFamily="18" charset="0"/>
-              </a:rPr>
-              <a:t>artial derivatives</a:t>
+              <a:t>partial derivatives</a:t>
             </a:r>
             <a:endParaRPr lang="en-US" sz="2800" b="1" dirty="0"/>
           </a:p>
@@ -18498,16 +18255,7 @@
                 </a:solidFill>
                 <a:latin typeface="Times New Roman" pitchFamily="18" charset="0"/>
               </a:rPr>
-              <a:t>s</a:t>
-            </a:r>
-            <a:r>
-              <a:rPr lang="en-GB" sz="2800" dirty="0" smtClean="0">
-                <a:solidFill>
-                  <a:srgbClr val="000000"/>
-                </a:solidFill>
-                <a:latin typeface="Times New Roman" pitchFamily="18" charset="0"/>
-              </a:rPr>
-              <a:t>quared speed of the wave</a:t>
+              <a:t>squared speed of the wave</a:t>
             </a:r>
             <a:endParaRPr lang="en-US" sz="2800" dirty="0"/>
           </a:p>
@@ -18616,7 +18364,7 @@
   <p:timing>
     <p:tnLst>
       <p:par>
-        <p:cTn xmlns:p14="http://schemas.microsoft.com/office/powerpoint/2010/main" id="1" dur="indefinite" restart="never" nodeType="tmRoot">
+        <p:cTn id="1" dur="indefinite" restart="never" nodeType="tmRoot">
           <p:childTnLst>
             <p:seq concurrent="1" nextAc="seek">
               <p:cTn id="2" dur="indefinite" nodeType="mainSeq">
@@ -19060,7 +18808,7 @@
               </a:tabLst>
             </a:pPr>
             <a:r>
-              <a:rPr lang="en-GB" sz="4000" dirty="0" smtClean="0">
+              <a:rPr lang="en-GB" sz="4000" dirty="0">
                 <a:solidFill>
                   <a:srgbClr val="000000"/>
                 </a:solidFill>
@@ -19068,12 +18816,6 @@
               </a:rPr>
               <a:t>Classical Wave Equation</a:t>
             </a:r>
-            <a:endParaRPr lang="en-GB" sz="4000" dirty="0">
-              <a:solidFill>
-                <a:srgbClr val="000000"/>
-              </a:solidFill>
-              <a:latin typeface="Times New Roman" pitchFamily="18" charset="0"/>
-            </a:endParaRPr>
           </a:p>
         </p:txBody>
       </p:sp>
@@ -19130,7 +18872,7 @@
               </a:tabLst>
             </a:pPr>
             <a:r>
-              <a:rPr lang="en-GB" sz="3200" dirty="0" smtClean="0">
+              <a:rPr lang="en-GB" sz="3200" dirty="0">
                 <a:solidFill>
                   <a:srgbClr val="000000"/>
                 </a:solidFill>
@@ -19162,7 +18904,7 @@
               </a:tabLst>
             </a:pPr>
             <a:r>
-              <a:rPr lang="en-GB" sz="2800" dirty="0" smtClean="0">
+              <a:rPr lang="en-GB" sz="2800" dirty="0">
                 <a:solidFill>
                   <a:srgbClr val="000000"/>
                 </a:solidFill>
@@ -19170,7 +18912,7 @@
               </a:rPr>
               <a:t>Separate variables:</a:t>
             </a:r>
-            <a:endParaRPr lang="en-GB" sz="2400" dirty="0" smtClean="0">
+            <a:endParaRPr lang="en-GB" sz="2400" dirty="0">
               <a:solidFill>
                 <a:srgbClr val="000000"/>
               </a:solidFill>
@@ -19231,16 +18973,7 @@
                 </a:solidFill>
                 <a:latin typeface="Times New Roman" pitchFamily="18" charset="0"/>
               </a:rPr>
-              <a:t>f</a:t>
-            </a:r>
-            <a:r>
-              <a:rPr lang="en-GB" sz="2400" dirty="0" smtClean="0">
-                <a:solidFill>
-                  <a:srgbClr val="000000"/>
-                </a:solidFill>
-                <a:latin typeface="Times New Roman" pitchFamily="18" charset="0"/>
-              </a:rPr>
-              <a:t>unction of position</a:t>
+              <a:t>function of position</a:t>
             </a:r>
             <a:endParaRPr lang="en-US" sz="2400" dirty="0"/>
           </a:p>
@@ -19274,16 +19007,7 @@
                 </a:solidFill>
                 <a:latin typeface="Times New Roman" pitchFamily="18" charset="0"/>
               </a:rPr>
-              <a:t>f</a:t>
-            </a:r>
-            <a:r>
-              <a:rPr lang="en-GB" sz="2400" dirty="0" smtClean="0">
-                <a:solidFill>
-                  <a:srgbClr val="000000"/>
-                </a:solidFill>
-                <a:latin typeface="Times New Roman" pitchFamily="18" charset="0"/>
-              </a:rPr>
-              <a:t>unction of position</a:t>
+              <a:t>function of position</a:t>
             </a:r>
             <a:endParaRPr lang="en-US" sz="2400" dirty="0"/>
           </a:p>
@@ -19381,7 +19105,7 @@
           <a:lstStyle/>
           <a:p>
             <a:r>
-              <a:rPr lang="en-GB" sz="2400" dirty="0" smtClean="0">
+              <a:rPr lang="en-GB" sz="2400" dirty="0">
                 <a:solidFill>
                   <a:srgbClr val="000000"/>
                 </a:solidFill>
@@ -19406,7 +19130,7 @@
   <p:timing>
     <p:tnLst>
       <p:par>
-        <p:cTn xmlns:p14="http://schemas.microsoft.com/office/powerpoint/2010/main" id="1" dur="indefinite" restart="never" nodeType="tmRoot">
+        <p:cTn id="1" dur="indefinite" restart="never" nodeType="tmRoot">
           <p:childTnLst>
             <p:seq concurrent="1" nextAc="seek">
               <p:cTn id="2" dur="indefinite" nodeType="mainSeq">
@@ -19630,7 +19354,7 @@
               </a:tabLst>
             </a:pPr>
             <a:r>
-              <a:rPr lang="en-GB" sz="4000" dirty="0" smtClean="0">
+              <a:rPr lang="en-GB" sz="4000" dirty="0">
                 <a:solidFill>
                   <a:srgbClr val="000000"/>
                 </a:solidFill>
@@ -19638,12 +19362,6 @@
               </a:rPr>
               <a:t>Classical Wave Equation</a:t>
             </a:r>
-            <a:endParaRPr lang="en-GB" sz="4000" dirty="0">
-              <a:solidFill>
-                <a:srgbClr val="000000"/>
-              </a:solidFill>
-              <a:latin typeface="Times New Roman" pitchFamily="18" charset="0"/>
-            </a:endParaRPr>
           </a:p>
         </p:txBody>
       </p:sp>
@@ -19700,7 +19418,7 @@
               </a:tabLst>
             </a:pPr>
             <a:r>
-              <a:rPr lang="en-GB" sz="3200" dirty="0" smtClean="0">
+              <a:rPr lang="en-GB" sz="3200" dirty="0">
                 <a:solidFill>
                   <a:srgbClr val="000000"/>
                 </a:solidFill>
@@ -19817,13 +19535,6 @@
   <p:clrMapOvr>
     <a:masterClrMapping/>
   </p:clrMapOvr>
-  <p:timing>
-    <p:tnLst>
-      <p:par>
-        <p:cTn xmlns:p14="http://schemas.microsoft.com/office/powerpoint/2010/main" id="1" dur="indefinite" restart="never" nodeType="tmRoot"/>
-      </p:par>
-    </p:tnLst>
-  </p:timing>
 </p:sld>
 </file>
 
@@ -19927,7 +19638,7 @@
               </a:tabLst>
             </a:pPr>
             <a:r>
-              <a:rPr lang="en-GB" sz="4000" dirty="0" smtClean="0">
+              <a:rPr lang="en-GB" sz="4000" dirty="0">
                 <a:solidFill>
                   <a:srgbClr val="000000"/>
                 </a:solidFill>
@@ -19935,12 +19646,6 @@
               </a:rPr>
               <a:t>Classical Wave Equation</a:t>
             </a:r>
-            <a:endParaRPr lang="en-GB" sz="4000" dirty="0">
-              <a:solidFill>
-                <a:srgbClr val="000000"/>
-              </a:solidFill>
-              <a:latin typeface="Times New Roman" pitchFamily="18" charset="0"/>
-            </a:endParaRPr>
           </a:p>
         </p:txBody>
       </p:sp>
@@ -19997,7 +19702,7 @@
               </a:tabLst>
             </a:pPr>
             <a:r>
-              <a:rPr lang="en-GB" sz="3200" dirty="0" smtClean="0">
+              <a:rPr lang="en-GB" sz="3200" dirty="0">
                 <a:solidFill>
                   <a:srgbClr val="000000"/>
                 </a:solidFill>
@@ -20029,7 +19734,7 @@
               </a:tabLst>
             </a:pPr>
             <a:r>
-              <a:rPr lang="en-GB" sz="2800" dirty="0" smtClean="0">
+              <a:rPr lang="en-GB" sz="2800" dirty="0">
                 <a:solidFill>
                   <a:srgbClr val="000000"/>
                 </a:solidFill>
@@ -20038,7 +19743,7 @@
               <a:t>Substitute 		   for </a:t>
             </a:r>
             <a:r>
-              <a:rPr lang="en-GB" sz="2800" i="1" dirty="0" smtClean="0">
+              <a:rPr lang="en-GB" sz="2800" i="1" dirty="0">
                 <a:solidFill>
                   <a:srgbClr val="000000"/>
                 </a:solidFill>
@@ -20179,13 +19884,6 @@
   <p:clrMapOvr>
     <a:masterClrMapping/>
   </p:clrMapOvr>
-  <p:timing>
-    <p:tnLst>
-      <p:par>
-        <p:cTn xmlns:p14="http://schemas.microsoft.com/office/powerpoint/2010/main" id="1" dur="indefinite" restart="never" nodeType="tmRoot"/>
-      </p:par>
-    </p:tnLst>
-  </p:timing>
 </p:sld>
 </file>
 
@@ -20289,7 +19987,7 @@
               </a:tabLst>
             </a:pPr>
             <a:r>
-              <a:rPr lang="en-GB" sz="4000" dirty="0" smtClean="0">
+              <a:rPr lang="en-GB" sz="4000" dirty="0">
                 <a:solidFill>
                   <a:srgbClr val="000000"/>
                 </a:solidFill>
@@ -20297,12 +19995,6 @@
               </a:rPr>
               <a:t>Classical Wave Equation</a:t>
             </a:r>
-            <a:endParaRPr lang="en-GB" sz="4000" dirty="0">
-              <a:solidFill>
-                <a:srgbClr val="000000"/>
-              </a:solidFill>
-              <a:latin typeface="Times New Roman" pitchFamily="18" charset="0"/>
-            </a:endParaRPr>
           </a:p>
         </p:txBody>
       </p:sp>
@@ -20359,7 +20051,7 @@
               </a:tabLst>
             </a:pPr>
             <a:r>
-              <a:rPr lang="en-GB" sz="3200" dirty="0" smtClean="0">
+              <a:rPr lang="en-GB" sz="3200" dirty="0">
                 <a:solidFill>
                   <a:srgbClr val="000000"/>
                 </a:solidFill>
@@ -20391,7 +20083,7 @@
               </a:tabLst>
             </a:pPr>
             <a:r>
-              <a:rPr lang="en-GB" sz="2800" dirty="0" smtClean="0">
+              <a:rPr lang="en-GB" sz="2800" dirty="0">
                 <a:solidFill>
                   <a:srgbClr val="000000"/>
                 </a:solidFill>
@@ -20399,7 +20091,7 @@
               </a:rPr>
               <a:t>Make a bit easier to look at</a:t>
             </a:r>
-            <a:endParaRPr lang="en-GB" sz="2800" i="1" dirty="0" smtClean="0">
+            <a:endParaRPr lang="en-GB" sz="2800" i="1" dirty="0">
               <a:solidFill>
                 <a:srgbClr val="000000"/>
               </a:solidFill>
@@ -20514,13 +20206,6 @@
   <p:clrMapOvr>
     <a:masterClrMapping/>
   </p:clrMapOvr>
-  <p:timing>
-    <p:tnLst>
-      <p:par>
-        <p:cTn xmlns:p14="http://schemas.microsoft.com/office/powerpoint/2010/main" id="1" dur="indefinite" restart="never" nodeType="tmRoot"/>
-      </p:par>
-    </p:tnLst>
-  </p:timing>
 </p:sld>
 </file>
 

--- a/Notes/1_Intro_Classical_Waves.pptx
+++ b/Notes/1_Intro_Classical_Waves.pptx
@@ -5,32 +5,35 @@
     <p:sldMasterId id="2147483648" r:id="rId1"/>
   </p:sldMasterIdLst>
   <p:notesMasterIdLst>
-    <p:notesMasterId r:id="rId25"/>
+    <p:notesMasterId r:id="rId28"/>
   </p:notesMasterIdLst>
   <p:sldIdLst>
     <p:sldId id="278" r:id="rId2"/>
     <p:sldId id="280" r:id="rId3"/>
     <p:sldId id="281" r:id="rId4"/>
-    <p:sldId id="282" r:id="rId5"/>
-    <p:sldId id="283" r:id="rId6"/>
-    <p:sldId id="284" r:id="rId7"/>
-    <p:sldId id="286" r:id="rId8"/>
-    <p:sldId id="287" r:id="rId9"/>
-    <p:sldId id="288" r:id="rId10"/>
-    <p:sldId id="290" r:id="rId11"/>
-    <p:sldId id="291" r:id="rId12"/>
-    <p:sldId id="292" r:id="rId13"/>
-    <p:sldId id="293" r:id="rId14"/>
-    <p:sldId id="294" r:id="rId15"/>
-    <p:sldId id="295" r:id="rId16"/>
-    <p:sldId id="296" r:id="rId17"/>
-    <p:sldId id="297" r:id="rId18"/>
-    <p:sldId id="298" r:id="rId19"/>
-    <p:sldId id="299" r:id="rId20"/>
-    <p:sldId id="300" r:id="rId21"/>
-    <p:sldId id="301" r:id="rId22"/>
-    <p:sldId id="302" r:id="rId23"/>
-    <p:sldId id="303" r:id="rId24"/>
+    <p:sldId id="306" r:id="rId5"/>
+    <p:sldId id="282" r:id="rId6"/>
+    <p:sldId id="283" r:id="rId7"/>
+    <p:sldId id="284" r:id="rId8"/>
+    <p:sldId id="286" r:id="rId9"/>
+    <p:sldId id="287" r:id="rId10"/>
+    <p:sldId id="288" r:id="rId11"/>
+    <p:sldId id="290" r:id="rId12"/>
+    <p:sldId id="291" r:id="rId13"/>
+    <p:sldId id="292" r:id="rId14"/>
+    <p:sldId id="293" r:id="rId15"/>
+    <p:sldId id="294" r:id="rId16"/>
+    <p:sldId id="295" r:id="rId17"/>
+    <p:sldId id="296" r:id="rId18"/>
+    <p:sldId id="297" r:id="rId19"/>
+    <p:sldId id="298" r:id="rId20"/>
+    <p:sldId id="299" r:id="rId21"/>
+    <p:sldId id="307" r:id="rId22"/>
+    <p:sldId id="301" r:id="rId23"/>
+    <p:sldId id="308" r:id="rId24"/>
+    <p:sldId id="302" r:id="rId25"/>
+    <p:sldId id="303" r:id="rId26"/>
+    <p:sldId id="305" r:id="rId27"/>
   </p:sldIdLst>
   <p:sldSz cx="9144000" cy="6858000" type="screen4x3"/>
   <p:notesSz cx="6858000" cy="9144000"/>
@@ -230,7 +233,7 @@
           <a:p>
             <a:fld id="{47B5508F-B9DA-3A4B-92BF-6A4138802024}" type="datetimeFigureOut">
               <a:rPr lang="en-US" smtClean="0"/>
-              <a:t>8/31/20</a:t>
+              <a:t>9/6/24</a:t>
             </a:fld>
             <a:endParaRPr lang="en-US"/>
           </a:p>
@@ -764,7 +767,7 @@
             <a:fld id="{B2F2B4BC-311C-574E-AB1F-5BCC7E00BDAB}" type="datetimeFigureOut">
               <a:rPr lang="en-US" smtClean="0"/>
               <a:pPr/>
-              <a:t>8/31/20</a:t>
+              <a:t>9/6/24</a:t>
             </a:fld>
             <a:endParaRPr lang="en-US"/>
           </a:p>
@@ -929,7 +932,7 @@
             <a:fld id="{B2F2B4BC-311C-574E-AB1F-5BCC7E00BDAB}" type="datetimeFigureOut">
               <a:rPr lang="en-US" smtClean="0"/>
               <a:pPr/>
-              <a:t>8/31/20</a:t>
+              <a:t>9/6/24</a:t>
             </a:fld>
             <a:endParaRPr lang="en-US"/>
           </a:p>
@@ -1104,7 +1107,7 @@
             <a:fld id="{B2F2B4BC-311C-574E-AB1F-5BCC7E00BDAB}" type="datetimeFigureOut">
               <a:rPr lang="en-US" smtClean="0"/>
               <a:pPr/>
-              <a:t>8/31/20</a:t>
+              <a:t>9/6/24</a:t>
             </a:fld>
             <a:endParaRPr lang="en-US"/>
           </a:p>
@@ -1269,7 +1272,7 @@
             <a:fld id="{B2F2B4BC-311C-574E-AB1F-5BCC7E00BDAB}" type="datetimeFigureOut">
               <a:rPr lang="en-US" smtClean="0"/>
               <a:pPr/>
-              <a:t>8/31/20</a:t>
+              <a:t>9/6/24</a:t>
             </a:fld>
             <a:endParaRPr lang="en-US"/>
           </a:p>
@@ -1511,7 +1514,7 @@
             <a:fld id="{B2F2B4BC-311C-574E-AB1F-5BCC7E00BDAB}" type="datetimeFigureOut">
               <a:rPr lang="en-US" smtClean="0"/>
               <a:pPr/>
-              <a:t>8/31/20</a:t>
+              <a:t>9/6/24</a:t>
             </a:fld>
             <a:endParaRPr lang="en-US"/>
           </a:p>
@@ -1793,7 +1796,7 @@
             <a:fld id="{B2F2B4BC-311C-574E-AB1F-5BCC7E00BDAB}" type="datetimeFigureOut">
               <a:rPr lang="en-US" smtClean="0"/>
               <a:pPr/>
-              <a:t>8/31/20</a:t>
+              <a:t>9/6/24</a:t>
             </a:fld>
             <a:endParaRPr lang="en-US"/>
           </a:p>
@@ -2209,7 +2212,7 @@
             <a:fld id="{B2F2B4BC-311C-574E-AB1F-5BCC7E00BDAB}" type="datetimeFigureOut">
               <a:rPr lang="en-US" smtClean="0"/>
               <a:pPr/>
-              <a:t>8/31/20</a:t>
+              <a:t>9/6/24</a:t>
             </a:fld>
             <a:endParaRPr lang="en-US"/>
           </a:p>
@@ -2323,7 +2326,7 @@
             <a:fld id="{B2F2B4BC-311C-574E-AB1F-5BCC7E00BDAB}" type="datetimeFigureOut">
               <a:rPr lang="en-US" smtClean="0"/>
               <a:pPr/>
-              <a:t>8/31/20</a:t>
+              <a:t>9/6/24</a:t>
             </a:fld>
             <a:endParaRPr lang="en-US"/>
           </a:p>
@@ -2415,7 +2418,7 @@
             <a:fld id="{B2F2B4BC-311C-574E-AB1F-5BCC7E00BDAB}" type="datetimeFigureOut">
               <a:rPr lang="en-US" smtClean="0"/>
               <a:pPr/>
-              <a:t>8/31/20</a:t>
+              <a:t>9/6/24</a:t>
             </a:fld>
             <a:endParaRPr lang="en-US"/>
           </a:p>
@@ -2687,7 +2690,7 @@
             <a:fld id="{B2F2B4BC-311C-574E-AB1F-5BCC7E00BDAB}" type="datetimeFigureOut">
               <a:rPr lang="en-US" smtClean="0"/>
               <a:pPr/>
-              <a:t>8/31/20</a:t>
+              <a:t>9/6/24</a:t>
             </a:fld>
             <a:endParaRPr lang="en-US"/>
           </a:p>
@@ -2936,7 +2939,7 @@
             <a:fld id="{B2F2B4BC-311C-574E-AB1F-5BCC7E00BDAB}" type="datetimeFigureOut">
               <a:rPr lang="en-US" smtClean="0"/>
               <a:pPr/>
-              <a:t>8/31/20</a:t>
+              <a:t>9/6/24</a:t>
             </a:fld>
             <a:endParaRPr lang="en-US"/>
           </a:p>
@@ -3144,7 +3147,7 @@
             <a:fld id="{B2F2B4BC-311C-574E-AB1F-5BCC7E00BDAB}" type="datetimeFigureOut">
               <a:rPr lang="en-US" smtClean="0"/>
               <a:pPr/>
-              <a:t>8/31/20</a:t>
+              <a:t>9/6/24</a:t>
             </a:fld>
             <a:endParaRPr lang="en-US"/>
           </a:p>
@@ -3524,7 +3527,7 @@
           <p:nvPr/>
         </p:nvPicPr>
         <p:blipFill>
-          <a:blip r:embed="rId4"/>
+          <a:blip r:embed="rId3"/>
           <a:srcRect/>
           <a:stretch>
             <a:fillRect/>
@@ -3556,7 +3559,7 @@
           <p:nvPr/>
         </p:nvPicPr>
         <p:blipFill>
-          <a:blip r:embed="rId4"/>
+          <a:blip r:embed="rId3"/>
           <a:srcRect/>
           <a:stretch>
             <a:fillRect/>
@@ -3661,12 +3664,12 @@
           <a:graphicData uri="http://schemas.openxmlformats.org/presentationml/2006/ole">
             <mc:AlternateContent xmlns:mc="http://schemas.openxmlformats.org/markup-compatibility/2006">
               <mc:Choice xmlns:v="urn:schemas-microsoft-com:vml" Requires="v">
-                <p:oleObj spid="_x0000_s45163" r:id="rId5" imgW="723960" imgH="361800" progId="">
+                <p:oleObj r:id="rId4" imgW="723960" imgH="361800" progId="">
                   <p:embed/>
                 </p:oleObj>
               </mc:Choice>
               <mc:Fallback>
-                <p:oleObj r:id="rId5" imgW="723960" imgH="361800" progId="">
+                <p:oleObj r:id="rId4" imgW="723960" imgH="361800" progId="">
                   <p:embed/>
                   <p:pic>
                     <p:nvPicPr>
@@ -3677,7 +3680,7 @@
                       <p:nvPr/>
                     </p:nvPicPr>
                     <p:blipFill>
-                      <a:blip r:embed="rId6">
+                      <a:blip r:embed="rId5">
                         <a:extLst>
                           <a:ext uri="{28A0092B-C50C-407E-A947-70E740481C1C}">
                             <a14:useLocalDpi xmlns:a14="http://schemas.microsoft.com/office/drawing/2010/main" val="0"/>
@@ -3700,7 +3703,7 @@
                       <a:noFill/>
                       <a:extLst>
                         <a:ext uri="{909E8E84-426E-40dd-AFC4-6F175D3DCCD1}">
-                          <a14:hiddenFill xmlns:a14="http://schemas.microsoft.com/office/drawing/2010/main" xmlns="">
+                          <a14:hiddenFill xmlns="" xmlns:a14="http://schemas.microsoft.com/office/drawing/2010/main">
                             <a:blipFill dpi="0" rotWithShape="0">
                               <a:blip/>
                               <a:srcRect/>
@@ -3741,12 +3744,12 @@
           <a:graphicData uri="http://schemas.openxmlformats.org/presentationml/2006/ole">
             <mc:AlternateContent xmlns:mc="http://schemas.openxmlformats.org/markup-compatibility/2006">
               <mc:Choice xmlns:v="urn:schemas-microsoft-com:vml" Requires="v">
-                <p:oleObj spid="_x0000_s45164" r:id="rId7" imgW="76320" imgH="181080" progId="">
+                <p:oleObj r:id="rId6" imgW="76320" imgH="181080" progId="">
                   <p:embed/>
                 </p:oleObj>
               </mc:Choice>
               <mc:Fallback>
-                <p:oleObj r:id="rId7" imgW="76320" imgH="181080" progId="">
+                <p:oleObj r:id="rId6" imgW="76320" imgH="181080" progId="">
                   <p:embed/>
                   <p:pic>
                     <p:nvPicPr>
@@ -3757,7 +3760,7 @@
                       <p:nvPr/>
                     </p:nvPicPr>
                     <p:blipFill>
-                      <a:blip r:embed="rId8">
+                      <a:blip r:embed="rId7">
                         <a:extLst>
                           <a:ext uri="{28A0092B-C50C-407E-A947-70E740481C1C}">
                             <a14:useLocalDpi xmlns:a14="http://schemas.microsoft.com/office/drawing/2010/main" val="0"/>
@@ -3780,7 +3783,7 @@
                       <a:noFill/>
                       <a:extLst>
                         <a:ext uri="{909E8E84-426E-40dd-AFC4-6F175D3DCCD1}">
-                          <a14:hiddenFill xmlns:a14="http://schemas.microsoft.com/office/drawing/2010/main" xmlns="">
+                          <a14:hiddenFill xmlns="" xmlns:a14="http://schemas.microsoft.com/office/drawing/2010/main">
                             <a:blipFill dpi="0" rotWithShape="0">
                               <a:blip/>
                               <a:srcRect/>
@@ -3808,7 +3811,7 @@
           <p:nvPr/>
         </p:nvPicPr>
         <p:blipFill>
-          <a:blip r:embed="rId9"/>
+          <a:blip r:embed="rId8"/>
           <a:stretch>
             <a:fillRect/>
           </a:stretch>
@@ -4066,6 +4069,328 @@
                 </a:solidFill>
                 <a:latin typeface="Times New Roman" pitchFamily="18" charset="0"/>
               </a:rPr>
+              <a:t>Make a bit easier to look at</a:t>
+            </a:r>
+            <a:endParaRPr lang="en-GB" sz="2800" i="1" dirty="0">
+              <a:solidFill>
+                <a:srgbClr val="000000"/>
+              </a:solidFill>
+              <a:latin typeface="Times New Roman" pitchFamily="18" charset="0"/>
+            </a:endParaRPr>
+          </a:p>
+        </p:txBody>
+      </p:sp>
+      <p:pic>
+        <p:nvPicPr>
+          <p:cNvPr id="2" name="Picture 1"/>
+          <p:cNvPicPr>
+            <a:picLocks noChangeAspect="1"/>
+          </p:cNvPicPr>
+          <p:nvPr/>
+        </p:nvPicPr>
+        <p:blipFill>
+          <a:blip r:embed="rId3"/>
+          <a:stretch>
+            <a:fillRect/>
+          </a:stretch>
+        </p:blipFill>
+        <p:spPr>
+          <a:xfrm>
+            <a:off x="2501900" y="3117850"/>
+            <a:ext cx="1117600" cy="1384300"/>
+          </a:xfrm>
+          <a:prstGeom prst="rect">
+            <a:avLst/>
+          </a:prstGeom>
+        </p:spPr>
+      </p:pic>
+      <p:pic>
+        <p:nvPicPr>
+          <p:cNvPr id="3" name="Picture 2"/>
+          <p:cNvPicPr>
+            <a:picLocks noChangeAspect="1"/>
+          </p:cNvPicPr>
+          <p:nvPr/>
+        </p:nvPicPr>
+        <p:blipFill>
+          <a:blip r:embed="rId4"/>
+          <a:stretch>
+            <a:fillRect/>
+          </a:stretch>
+        </p:blipFill>
+        <p:spPr>
+          <a:xfrm>
+            <a:off x="4044950" y="3013075"/>
+            <a:ext cx="2247900" cy="1409700"/>
+          </a:xfrm>
+          <a:prstGeom prst="rect">
+            <a:avLst/>
+          </a:prstGeom>
+        </p:spPr>
+      </p:pic>
+      <p:pic>
+        <p:nvPicPr>
+          <p:cNvPr id="10" name="Picture 9"/>
+          <p:cNvPicPr>
+            <a:picLocks noChangeAspect="1"/>
+          </p:cNvPicPr>
+          <p:nvPr/>
+        </p:nvPicPr>
+        <p:blipFill>
+          <a:blip r:embed="rId5"/>
+          <a:stretch>
+            <a:fillRect/>
+          </a:stretch>
+        </p:blipFill>
+        <p:spPr>
+          <a:xfrm>
+            <a:off x="3346450" y="3162300"/>
+            <a:ext cx="863600" cy="520700"/>
+          </a:xfrm>
+          <a:prstGeom prst="rect">
+            <a:avLst/>
+          </a:prstGeom>
+        </p:spPr>
+      </p:pic>
+      <p:pic>
+        <p:nvPicPr>
+          <p:cNvPr id="13" name="Picture 12"/>
+          <p:cNvPicPr>
+            <a:picLocks noChangeAspect="1"/>
+          </p:cNvPicPr>
+          <p:nvPr/>
+        </p:nvPicPr>
+        <p:blipFill>
+          <a:blip r:embed="rId5"/>
+          <a:stretch>
+            <a:fillRect/>
+          </a:stretch>
+        </p:blipFill>
+        <p:spPr>
+          <a:xfrm>
+            <a:off x="6061075" y="3162300"/>
+            <a:ext cx="863600" cy="520700"/>
+          </a:xfrm>
+          <a:prstGeom prst="rect">
+            <a:avLst/>
+          </a:prstGeom>
+        </p:spPr>
+      </p:pic>
+    </p:spTree>
+    <p:extLst>
+      <p:ext uri="{BB962C8B-B14F-4D97-AF65-F5344CB8AC3E}">
+        <p14:creationId xmlns:p14="http://schemas.microsoft.com/office/powerpoint/2010/main" val="2501960029"/>
+      </p:ext>
+    </p:extLst>
+  </p:cSld>
+  <p:clrMapOvr>
+    <a:masterClrMapping/>
+  </p:clrMapOvr>
+</p:sld>
+</file>
+
+<file path=ppt/slides/slide11.xml><?xml version="1.0" encoding="utf-8"?>
+<p:sld xmlns:a="http://schemas.openxmlformats.org/drawingml/2006/main" xmlns:r="http://schemas.openxmlformats.org/officeDocument/2006/relationships" xmlns:p="http://schemas.openxmlformats.org/presentationml/2006/main">
+  <p:cSld>
+    <p:spTree>
+      <p:nvGrpSpPr>
+        <p:cNvPr id="1" name=""/>
+        <p:cNvGrpSpPr/>
+        <p:nvPr/>
+      </p:nvGrpSpPr>
+      <p:grpSpPr>
+        <a:xfrm>
+          <a:off x="0" y="0"/>
+          <a:ext cx="0" cy="0"/>
+          <a:chOff x="0" y="0"/>
+          <a:chExt cx="0" cy="0"/>
+        </a:xfrm>
+      </p:grpSpPr>
+      <p:pic>
+        <p:nvPicPr>
+          <p:cNvPr id="4" name="Picture 2"/>
+          <p:cNvPicPr>
+            <a:picLocks noChangeAspect="1" noChangeArrowheads="1"/>
+          </p:cNvPicPr>
+          <p:nvPr/>
+        </p:nvPicPr>
+        <p:blipFill>
+          <a:blip r:embed="rId2" cstate="print"/>
+          <a:srcRect/>
+          <a:stretch>
+            <a:fillRect/>
+          </a:stretch>
+        </p:blipFill>
+        <p:spPr bwMode="auto">
+          <a:xfrm>
+            <a:off x="484188" y="76200"/>
+            <a:ext cx="8202612" cy="239712"/>
+          </a:xfrm>
+          <a:prstGeom prst="rect">
+            <a:avLst/>
+          </a:prstGeom>
+          <a:noFill/>
+          <a:ln w="9525">
+            <a:noFill/>
+            <a:round/>
+            <a:headEnd/>
+            <a:tailEnd/>
+          </a:ln>
+        </p:spPr>
+      </p:pic>
+      <p:sp>
+        <p:nvSpPr>
+          <p:cNvPr id="5" name="Rectangle 4"/>
+          <p:cNvSpPr>
+            <a:spLocks noChangeArrowheads="1"/>
+          </p:cNvSpPr>
+          <p:nvPr/>
+        </p:nvSpPr>
+        <p:spPr bwMode="auto">
+          <a:xfrm>
+            <a:off x="135468" y="84667"/>
+            <a:ext cx="8991601" cy="1127125"/>
+          </a:xfrm>
+          <a:prstGeom prst="rect">
+            <a:avLst/>
+          </a:prstGeom>
+          <a:noFill/>
+          <a:ln w="9525">
+            <a:noFill/>
+            <a:round/>
+            <a:headEnd/>
+            <a:tailEnd/>
+          </a:ln>
+        </p:spPr>
+        <p:txBody>
+          <a:bodyPr lIns="0" tIns="0" rIns="0" bIns="0" anchor="ctr"/>
+          <a:lstStyle/>
+          <a:p>
+            <a:pPr algn="ctr">
+              <a:buClr>
+                <a:srgbClr val="000000"/>
+              </a:buClr>
+              <a:buSzPct val="100000"/>
+              <a:buFont typeface="Times New Roman" pitchFamily="18" charset="0"/>
+              <a:buNone/>
+              <a:tabLst>
+                <a:tab pos="0" algn="l"/>
+                <a:tab pos="914400" algn="l"/>
+                <a:tab pos="1828800" algn="l"/>
+                <a:tab pos="2743200" algn="l"/>
+                <a:tab pos="3657600" algn="l"/>
+                <a:tab pos="4572000" algn="l"/>
+                <a:tab pos="5486400" algn="l"/>
+                <a:tab pos="6400800" algn="l"/>
+                <a:tab pos="7315200" algn="l"/>
+                <a:tab pos="8229600" algn="l"/>
+                <a:tab pos="9144000" algn="l"/>
+                <a:tab pos="10058400" algn="l"/>
+              </a:tabLst>
+            </a:pPr>
+            <a:r>
+              <a:rPr lang="en-GB" sz="4000" dirty="0">
+                <a:solidFill>
+                  <a:srgbClr val="000000"/>
+                </a:solidFill>
+                <a:latin typeface="Times New Roman" pitchFamily="18" charset="0"/>
+              </a:rPr>
+              <a:t>Classical Wave Equation</a:t>
+            </a:r>
+          </a:p>
+        </p:txBody>
+      </p:sp>
+      <p:sp>
+        <p:nvSpPr>
+          <p:cNvPr id="8" name="Rectangle 5"/>
+          <p:cNvSpPr>
+            <a:spLocks noChangeArrowheads="1"/>
+          </p:cNvSpPr>
+          <p:nvPr/>
+        </p:nvSpPr>
+        <p:spPr bwMode="auto">
+          <a:xfrm>
+            <a:off x="228600" y="1219199"/>
+            <a:ext cx="8686800" cy="1431926"/>
+          </a:xfrm>
+          <a:prstGeom prst="rect">
+            <a:avLst/>
+          </a:prstGeom>
+          <a:noFill/>
+          <a:ln w="9525">
+            <a:noFill/>
+            <a:round/>
+            <a:headEnd/>
+            <a:tailEnd/>
+          </a:ln>
+        </p:spPr>
+        <p:txBody>
+          <a:bodyPr lIns="0" tIns="0" rIns="0" bIns="0"/>
+          <a:lstStyle/>
+          <a:p>
+            <a:pPr marL="430213" indent="-323850">
+              <a:lnSpc>
+                <a:spcPct val="100000"/>
+              </a:lnSpc>
+              <a:spcBef>
+                <a:spcPts val="800"/>
+              </a:spcBef>
+              <a:buFont typeface="Times New Roman" pitchFamily="18" charset="0"/>
+              <a:buChar char="•"/>
+              <a:tabLst>
+                <a:tab pos="430213" algn="l"/>
+                <a:tab pos="1344613" algn="l"/>
+                <a:tab pos="2259013" algn="l"/>
+                <a:tab pos="3173413" algn="l"/>
+                <a:tab pos="4087813" algn="l"/>
+                <a:tab pos="5002213" algn="l"/>
+                <a:tab pos="5916613" algn="l"/>
+                <a:tab pos="6831013" algn="l"/>
+                <a:tab pos="7745413" algn="l"/>
+                <a:tab pos="8659813" algn="l"/>
+                <a:tab pos="9574213" algn="l"/>
+                <a:tab pos="10488613" algn="l"/>
+              </a:tabLst>
+            </a:pPr>
+            <a:r>
+              <a:rPr lang="en-GB" sz="3200" dirty="0">
+                <a:solidFill>
+                  <a:srgbClr val="000000"/>
+                </a:solidFill>
+                <a:latin typeface="Times New Roman" pitchFamily="18" charset="0"/>
+              </a:rPr>
+              <a:t>Now let’s just plug and chug:</a:t>
+            </a:r>
+          </a:p>
+          <a:p>
+            <a:pPr marL="887413" lvl="1" indent="-323850">
+              <a:spcBef>
+                <a:spcPts val="800"/>
+              </a:spcBef>
+              <a:buFont typeface="Times New Roman" pitchFamily="18" charset="0"/>
+              <a:buChar char="•"/>
+              <a:tabLst>
+                <a:tab pos="430213" algn="l"/>
+                <a:tab pos="1344613" algn="l"/>
+                <a:tab pos="2259013" algn="l"/>
+                <a:tab pos="3173413" algn="l"/>
+                <a:tab pos="4087813" algn="l"/>
+                <a:tab pos="5002213" algn="l"/>
+                <a:tab pos="5916613" algn="l"/>
+                <a:tab pos="6831013" algn="l"/>
+                <a:tab pos="7745413" algn="l"/>
+                <a:tab pos="8659813" algn="l"/>
+                <a:tab pos="9574213" algn="l"/>
+                <a:tab pos="10488613" algn="l"/>
+              </a:tabLst>
+            </a:pPr>
+            <a:r>
+              <a:rPr lang="en-GB" sz="2800" dirty="0">
+                <a:solidFill>
+                  <a:srgbClr val="000000"/>
+                </a:solidFill>
+                <a:latin typeface="Times New Roman" pitchFamily="18" charset="0"/>
+              </a:rPr>
               <a:t>Rearrange according to who the derivative affects</a:t>
             </a:r>
             <a:endParaRPr lang="en-GB" sz="2800" i="1" dirty="0">
@@ -4374,7 +4699,7 @@
 </p:sld>
 </file>
 
-<file path=ppt/slides/slide11.xml><?xml version="1.0" encoding="utf-8"?>
+<file path=ppt/slides/slide12.xml><?xml version="1.0" encoding="utf-8"?>
 <p:sld xmlns:a="http://schemas.openxmlformats.org/drawingml/2006/main" xmlns:r="http://schemas.openxmlformats.org/officeDocument/2006/relationships" xmlns:p="http://schemas.openxmlformats.org/presentationml/2006/main">
   <p:cSld>
     <p:spTree>
@@ -5911,218 +6236,6 @@
 </p:sld>
 </file>
 
-<file path=ppt/slides/slide12.xml><?xml version="1.0" encoding="utf-8"?>
-<p:sld xmlns:a="http://schemas.openxmlformats.org/drawingml/2006/main" xmlns:r="http://schemas.openxmlformats.org/officeDocument/2006/relationships" xmlns:p="http://schemas.openxmlformats.org/presentationml/2006/main">
-  <p:cSld>
-    <p:spTree>
-      <p:nvGrpSpPr>
-        <p:cNvPr id="1" name=""/>
-        <p:cNvGrpSpPr/>
-        <p:nvPr/>
-      </p:nvGrpSpPr>
-      <p:grpSpPr>
-        <a:xfrm>
-          <a:off x="0" y="0"/>
-          <a:ext cx="0" cy="0"/>
-          <a:chOff x="0" y="0"/>
-          <a:chExt cx="0" cy="0"/>
-        </a:xfrm>
-      </p:grpSpPr>
-      <p:pic>
-        <p:nvPicPr>
-          <p:cNvPr id="4" name="Picture 2"/>
-          <p:cNvPicPr>
-            <a:picLocks noChangeAspect="1" noChangeArrowheads="1"/>
-          </p:cNvPicPr>
-          <p:nvPr/>
-        </p:nvPicPr>
-        <p:blipFill>
-          <a:blip r:embed="rId2" cstate="print"/>
-          <a:srcRect/>
-          <a:stretch>
-            <a:fillRect/>
-          </a:stretch>
-        </p:blipFill>
-        <p:spPr bwMode="auto">
-          <a:xfrm>
-            <a:off x="484188" y="76200"/>
-            <a:ext cx="8202612" cy="239712"/>
-          </a:xfrm>
-          <a:prstGeom prst="rect">
-            <a:avLst/>
-          </a:prstGeom>
-          <a:noFill/>
-          <a:ln w="9525">
-            <a:noFill/>
-            <a:round/>
-            <a:headEnd/>
-            <a:tailEnd/>
-          </a:ln>
-        </p:spPr>
-      </p:pic>
-      <p:sp>
-        <p:nvSpPr>
-          <p:cNvPr id="5" name="Rectangle 4"/>
-          <p:cNvSpPr>
-            <a:spLocks noChangeArrowheads="1"/>
-          </p:cNvSpPr>
-          <p:nvPr/>
-        </p:nvSpPr>
-        <p:spPr bwMode="auto">
-          <a:xfrm>
-            <a:off x="135468" y="84667"/>
-            <a:ext cx="8991601" cy="1127125"/>
-          </a:xfrm>
-          <a:prstGeom prst="rect">
-            <a:avLst/>
-          </a:prstGeom>
-          <a:noFill/>
-          <a:ln w="9525">
-            <a:noFill/>
-            <a:round/>
-            <a:headEnd/>
-            <a:tailEnd/>
-          </a:ln>
-        </p:spPr>
-        <p:txBody>
-          <a:bodyPr lIns="0" tIns="0" rIns="0" bIns="0" anchor="ctr"/>
-          <a:lstStyle/>
-          <a:p>
-            <a:pPr algn="ctr">
-              <a:buClr>
-                <a:srgbClr val="000000"/>
-              </a:buClr>
-              <a:buSzPct val="100000"/>
-              <a:buFont typeface="Times New Roman" pitchFamily="18" charset="0"/>
-              <a:buNone/>
-              <a:tabLst>
-                <a:tab pos="0" algn="l"/>
-                <a:tab pos="914400" algn="l"/>
-                <a:tab pos="1828800" algn="l"/>
-                <a:tab pos="2743200" algn="l"/>
-                <a:tab pos="3657600" algn="l"/>
-                <a:tab pos="4572000" algn="l"/>
-                <a:tab pos="5486400" algn="l"/>
-                <a:tab pos="6400800" algn="l"/>
-                <a:tab pos="7315200" algn="l"/>
-                <a:tab pos="8229600" algn="l"/>
-                <a:tab pos="9144000" algn="l"/>
-                <a:tab pos="10058400" algn="l"/>
-              </a:tabLst>
-            </a:pPr>
-            <a:r>
-              <a:rPr lang="en-GB" sz="4000" dirty="0">
-                <a:solidFill>
-                  <a:srgbClr val="000000"/>
-                </a:solidFill>
-                <a:latin typeface="Times New Roman" pitchFamily="18" charset="0"/>
-              </a:rPr>
-              <a:t>Classical Wave Equation</a:t>
-            </a:r>
-          </a:p>
-        </p:txBody>
-      </p:sp>
-      <p:sp>
-        <p:nvSpPr>
-          <p:cNvPr id="8" name="Rectangle 5"/>
-          <p:cNvSpPr>
-            <a:spLocks noChangeArrowheads="1"/>
-          </p:cNvSpPr>
-          <p:nvPr/>
-        </p:nvSpPr>
-        <p:spPr bwMode="auto">
-          <a:xfrm>
-            <a:off x="228600" y="1219199"/>
-            <a:ext cx="8686800" cy="1431926"/>
-          </a:xfrm>
-          <a:prstGeom prst="rect">
-            <a:avLst/>
-          </a:prstGeom>
-          <a:noFill/>
-          <a:ln w="9525">
-            <a:noFill/>
-            <a:round/>
-            <a:headEnd/>
-            <a:tailEnd/>
-          </a:ln>
-        </p:spPr>
-        <p:txBody>
-          <a:bodyPr lIns="0" tIns="0" rIns="0" bIns="0"/>
-          <a:lstStyle/>
-          <a:p>
-            <a:pPr marL="430213" indent="-323850">
-              <a:lnSpc>
-                <a:spcPct val="100000"/>
-              </a:lnSpc>
-              <a:spcBef>
-                <a:spcPts val="800"/>
-              </a:spcBef>
-              <a:buFont typeface="Times New Roman" pitchFamily="18" charset="0"/>
-              <a:buChar char="•"/>
-              <a:tabLst>
-                <a:tab pos="430213" algn="l"/>
-                <a:tab pos="1344613" algn="l"/>
-                <a:tab pos="2259013" algn="l"/>
-                <a:tab pos="3173413" algn="l"/>
-                <a:tab pos="4087813" algn="l"/>
-                <a:tab pos="5002213" algn="l"/>
-                <a:tab pos="5916613" algn="l"/>
-                <a:tab pos="6831013" algn="l"/>
-                <a:tab pos="7745413" algn="l"/>
-                <a:tab pos="8659813" algn="l"/>
-                <a:tab pos="9574213" algn="l"/>
-                <a:tab pos="10488613" algn="l"/>
-              </a:tabLst>
-            </a:pPr>
-            <a:r>
-              <a:rPr lang="en-GB" sz="3200" dirty="0">
-                <a:solidFill>
-                  <a:srgbClr val="000000"/>
-                </a:solidFill>
-                <a:latin typeface="Times New Roman" pitchFamily="18" charset="0"/>
-              </a:rPr>
-              <a:t>Now separate into two equations:</a:t>
-            </a:r>
-          </a:p>
-        </p:txBody>
-      </p:sp>
-      <p:pic>
-        <p:nvPicPr>
-          <p:cNvPr id="6" name="Picture 5"/>
-          <p:cNvPicPr>
-            <a:picLocks noChangeAspect="1"/>
-          </p:cNvPicPr>
-          <p:nvPr/>
-        </p:nvPicPr>
-        <p:blipFill>
-          <a:blip r:embed="rId3"/>
-          <a:stretch>
-            <a:fillRect/>
-          </a:stretch>
-        </p:blipFill>
-        <p:spPr>
-          <a:xfrm>
-            <a:off x="1562100" y="2952750"/>
-            <a:ext cx="5359400" cy="1371600"/>
-          </a:xfrm>
-          <a:prstGeom prst="rect">
-            <a:avLst/>
-          </a:prstGeom>
-        </p:spPr>
-      </p:pic>
-    </p:spTree>
-    <p:extLst>
-      <p:ext uri="{BB962C8B-B14F-4D97-AF65-F5344CB8AC3E}">
-        <p14:creationId xmlns:p14="http://schemas.microsoft.com/office/powerpoint/2010/main" val="1158456350"/>
-      </p:ext>
-    </p:extLst>
-  </p:cSld>
-  <p:clrMapOvr>
-    <a:masterClrMapping/>
-  </p:clrMapOvr>
-</p:sld>
-</file>
-
 <file path=ppt/slides/slide13.xml><?xml version="1.0" encoding="utf-8"?>
 <p:sld xmlns:a="http://schemas.openxmlformats.org/drawingml/2006/main" xmlns:r="http://schemas.openxmlformats.org/officeDocument/2006/relationships" xmlns:p="http://schemas.openxmlformats.org/presentationml/2006/main">
   <p:cSld>
@@ -6300,90 +6413,22 @@
       </p:sp>
       <p:pic>
         <p:nvPicPr>
-          <p:cNvPr id="12" name="Picture 11"/>
-          <p:cNvPicPr>
-            <a:picLocks noChangeAspect="1"/>
-          </p:cNvPicPr>
-          <p:nvPr/>
-        </p:nvPicPr>
-        <p:blipFill rotWithShape="1">
-          <a:blip r:embed="rId3"/>
-          <a:srcRect r="60187"/>
-          <a:stretch/>
-        </p:blipFill>
-        <p:spPr>
-          <a:xfrm>
-            <a:off x="2609850" y="2425700"/>
-            <a:ext cx="2295525" cy="1371600"/>
-          </a:xfrm>
-          <a:prstGeom prst="rect">
-            <a:avLst/>
-          </a:prstGeom>
-        </p:spPr>
-      </p:pic>
-      <p:pic>
-        <p:nvPicPr>
           <p:cNvPr id="6" name="Picture 5"/>
           <p:cNvPicPr>
             <a:picLocks noChangeAspect="1"/>
           </p:cNvPicPr>
           <p:nvPr/>
         </p:nvPicPr>
-        <p:blipFill rotWithShape="1">
+        <p:blipFill>
           <a:blip r:embed="rId3"/>
-          <a:srcRect l="39813" t="1" r="15859" b="-3009"/>
-          <a:stretch/>
+          <a:stretch>
+            <a:fillRect/>
+          </a:stretch>
         </p:blipFill>
         <p:spPr>
           <a:xfrm>
-            <a:off x="2292350" y="4175125"/>
-            <a:ext cx="2555876" cy="1412875"/>
-          </a:xfrm>
-          <a:prstGeom prst="rect">
-            <a:avLst/>
-          </a:prstGeom>
-        </p:spPr>
-      </p:pic>
-      <p:pic>
-        <p:nvPicPr>
-          <p:cNvPr id="9" name="Picture 8"/>
-          <p:cNvPicPr>
-            <a:picLocks noChangeAspect="1"/>
-          </p:cNvPicPr>
-          <p:nvPr/>
-        </p:nvPicPr>
-        <p:blipFill rotWithShape="1">
-          <a:blip r:embed="rId3"/>
-          <a:srcRect l="91300" r="4295"/>
-          <a:stretch/>
-        </p:blipFill>
-        <p:spPr>
-          <a:xfrm>
-            <a:off x="4810125" y="2425700"/>
-            <a:ext cx="254000" cy="1371600"/>
-          </a:xfrm>
-          <a:prstGeom prst="rect">
-            <a:avLst/>
-          </a:prstGeom>
-        </p:spPr>
-      </p:pic>
-      <p:pic>
-        <p:nvPicPr>
-          <p:cNvPr id="10" name="Picture 9"/>
-          <p:cNvPicPr>
-            <a:picLocks noChangeAspect="1"/>
-          </p:cNvPicPr>
-          <p:nvPr/>
-        </p:nvPicPr>
-        <p:blipFill rotWithShape="1">
-          <a:blip r:embed="rId3"/>
-          <a:srcRect l="91300" r="4295"/>
-          <a:stretch/>
-        </p:blipFill>
-        <p:spPr>
-          <a:xfrm>
-            <a:off x="4851400" y="4181475"/>
-            <a:ext cx="254000" cy="1371600"/>
+            <a:off x="1562100" y="2952750"/>
+            <a:ext cx="5359400" cy="1371600"/>
           </a:xfrm>
           <a:prstGeom prst="rect">
             <a:avLst/>
@@ -6393,7 +6438,7 @@
     </p:spTree>
     <p:extLst>
       <p:ext uri="{BB962C8B-B14F-4D97-AF65-F5344CB8AC3E}">
-        <p14:creationId xmlns:p14="http://schemas.microsoft.com/office/powerpoint/2010/main" val="4240592487"/>
+        <p14:creationId xmlns:p14="http://schemas.microsoft.com/office/powerpoint/2010/main" val="1158456350"/>
       </p:ext>
     </p:extLst>
   </p:cSld>
@@ -6576,58 +6621,25 @@
               <a:t>Now separate into two equations:</a:t>
             </a:r>
           </a:p>
-          <a:p>
-            <a:pPr marL="887413" lvl="1" indent="-323850">
-              <a:spcBef>
-                <a:spcPts val="800"/>
-              </a:spcBef>
-              <a:buFont typeface="Times New Roman" pitchFamily="18" charset="0"/>
-              <a:buChar char="•"/>
-              <a:tabLst>
-                <a:tab pos="430213" algn="l"/>
-                <a:tab pos="1344613" algn="l"/>
-                <a:tab pos="2259013" algn="l"/>
-                <a:tab pos="3173413" algn="l"/>
-                <a:tab pos="4087813" algn="l"/>
-                <a:tab pos="5002213" algn="l"/>
-                <a:tab pos="5916613" algn="l"/>
-                <a:tab pos="6831013" algn="l"/>
-                <a:tab pos="7745413" algn="l"/>
-                <a:tab pos="8659813" algn="l"/>
-                <a:tab pos="9574213" algn="l"/>
-                <a:tab pos="10488613" algn="l"/>
-              </a:tabLst>
-            </a:pPr>
-            <a:r>
-              <a:rPr lang="en-GB" sz="2800" dirty="0">
-                <a:solidFill>
-                  <a:srgbClr val="000000"/>
-                </a:solidFill>
-                <a:latin typeface="Times New Roman" pitchFamily="18" charset="0"/>
-              </a:rPr>
-              <a:t>And rearrange into standard form</a:t>
-            </a:r>
-          </a:p>
         </p:txBody>
       </p:sp>
       <p:pic>
         <p:nvPicPr>
-          <p:cNvPr id="11" name="Picture 10"/>
+          <p:cNvPr id="12" name="Picture 11"/>
           <p:cNvPicPr>
             <a:picLocks noChangeAspect="1"/>
           </p:cNvPicPr>
           <p:nvPr/>
         </p:nvPicPr>
-        <p:blipFill>
+        <p:blipFill rotWithShape="1">
           <a:blip r:embed="rId3"/>
-          <a:stretch>
-            <a:fillRect/>
-          </a:stretch>
+          <a:srcRect r="60187"/>
+          <a:stretch/>
         </p:blipFill>
         <p:spPr>
           <a:xfrm>
-            <a:off x="2959100" y="2768600"/>
-            <a:ext cx="3213100" cy="1320800"/>
+            <a:off x="2609850" y="2425700"/>
+            <a:ext cx="2295525" cy="1371600"/>
           </a:xfrm>
           <a:prstGeom prst="rect">
             <a:avLst/>
@@ -6636,22 +6648,67 @@
       </p:pic>
       <p:pic>
         <p:nvPicPr>
-          <p:cNvPr id="14" name="Picture 13"/>
+          <p:cNvPr id="6" name="Picture 5"/>
           <p:cNvPicPr>
             <a:picLocks noChangeAspect="1"/>
           </p:cNvPicPr>
           <p:nvPr/>
         </p:nvPicPr>
-        <p:blipFill>
-          <a:blip r:embed="rId4"/>
-          <a:stretch>
-            <a:fillRect/>
-          </a:stretch>
+        <p:blipFill rotWithShape="1">
+          <a:blip r:embed="rId3"/>
+          <a:srcRect l="39813" t="1" r="15859" b="-3009"/>
+          <a:stretch/>
         </p:blipFill>
         <p:spPr>
           <a:xfrm>
-            <a:off x="2552700" y="4432300"/>
-            <a:ext cx="3619500" cy="1384300"/>
+            <a:off x="2292350" y="4175125"/>
+            <a:ext cx="2555876" cy="1412875"/>
+          </a:xfrm>
+          <a:prstGeom prst="rect">
+            <a:avLst/>
+          </a:prstGeom>
+        </p:spPr>
+      </p:pic>
+      <p:pic>
+        <p:nvPicPr>
+          <p:cNvPr id="9" name="Picture 8"/>
+          <p:cNvPicPr>
+            <a:picLocks noChangeAspect="1"/>
+          </p:cNvPicPr>
+          <p:nvPr/>
+        </p:nvPicPr>
+        <p:blipFill rotWithShape="1">
+          <a:blip r:embed="rId3"/>
+          <a:srcRect l="91300" r="4295"/>
+          <a:stretch/>
+        </p:blipFill>
+        <p:spPr>
+          <a:xfrm>
+            <a:off x="4810125" y="2425700"/>
+            <a:ext cx="254000" cy="1371600"/>
+          </a:xfrm>
+          <a:prstGeom prst="rect">
+            <a:avLst/>
+          </a:prstGeom>
+        </p:spPr>
+      </p:pic>
+      <p:pic>
+        <p:nvPicPr>
+          <p:cNvPr id="10" name="Picture 9"/>
+          <p:cNvPicPr>
+            <a:picLocks noChangeAspect="1"/>
+          </p:cNvPicPr>
+          <p:nvPr/>
+        </p:nvPicPr>
+        <p:blipFill rotWithShape="1">
+          <a:blip r:embed="rId3"/>
+          <a:srcRect l="91300" r="4295"/>
+          <a:stretch/>
+        </p:blipFill>
+        <p:spPr>
+          <a:xfrm>
+            <a:off x="4851400" y="4181475"/>
+            <a:ext cx="254000" cy="1371600"/>
           </a:xfrm>
           <a:prstGeom prst="rect">
             <a:avLst/>
@@ -6661,7 +6718,7 @@
     </p:spTree>
     <p:extLst>
       <p:ext uri="{BB962C8B-B14F-4D97-AF65-F5344CB8AC3E}">
-        <p14:creationId xmlns:p14="http://schemas.microsoft.com/office/powerpoint/2010/main" val="3782598442"/>
+        <p14:creationId xmlns:p14="http://schemas.microsoft.com/office/powerpoint/2010/main" val="4240592487"/>
       </p:ext>
     </p:extLst>
   </p:cSld>
@@ -6793,7 +6850,7 @@
         <p:spPr bwMode="auto">
           <a:xfrm>
             <a:off x="228600" y="1219199"/>
-            <a:ext cx="8686800" cy="2066926"/>
+            <a:ext cx="8686800" cy="1431926"/>
           </a:xfrm>
           <a:prstGeom prst="rect">
             <a:avLst/>
@@ -6841,7 +6898,7 @@
                 </a:solidFill>
                 <a:latin typeface="Times New Roman" pitchFamily="18" charset="0"/>
               </a:rPr>
-              <a:t>These are just (the same!) standard differential equations with known solutions</a:t>
+              <a:t>Now separate into two equations:</a:t>
             </a:r>
           </a:p>
           <a:p>
@@ -6873,6 +6930,274 @@
                 </a:solidFill>
                 <a:latin typeface="Times New Roman" pitchFamily="18" charset="0"/>
               </a:rPr>
+              <a:t>And rearrange into standard form</a:t>
+            </a:r>
+          </a:p>
+        </p:txBody>
+      </p:sp>
+      <p:pic>
+        <p:nvPicPr>
+          <p:cNvPr id="11" name="Picture 10"/>
+          <p:cNvPicPr>
+            <a:picLocks noChangeAspect="1"/>
+          </p:cNvPicPr>
+          <p:nvPr/>
+        </p:nvPicPr>
+        <p:blipFill>
+          <a:blip r:embed="rId3"/>
+          <a:stretch>
+            <a:fillRect/>
+          </a:stretch>
+        </p:blipFill>
+        <p:spPr>
+          <a:xfrm>
+            <a:off x="2959100" y="2768600"/>
+            <a:ext cx="3213100" cy="1320800"/>
+          </a:xfrm>
+          <a:prstGeom prst="rect">
+            <a:avLst/>
+          </a:prstGeom>
+        </p:spPr>
+      </p:pic>
+      <p:pic>
+        <p:nvPicPr>
+          <p:cNvPr id="14" name="Picture 13"/>
+          <p:cNvPicPr>
+            <a:picLocks noChangeAspect="1"/>
+          </p:cNvPicPr>
+          <p:nvPr/>
+        </p:nvPicPr>
+        <p:blipFill>
+          <a:blip r:embed="rId4"/>
+          <a:stretch>
+            <a:fillRect/>
+          </a:stretch>
+        </p:blipFill>
+        <p:spPr>
+          <a:xfrm>
+            <a:off x="2552700" y="4432300"/>
+            <a:ext cx="3619500" cy="1384300"/>
+          </a:xfrm>
+          <a:prstGeom prst="rect">
+            <a:avLst/>
+          </a:prstGeom>
+        </p:spPr>
+      </p:pic>
+    </p:spTree>
+    <p:extLst>
+      <p:ext uri="{BB962C8B-B14F-4D97-AF65-F5344CB8AC3E}">
+        <p14:creationId xmlns:p14="http://schemas.microsoft.com/office/powerpoint/2010/main" val="3782598442"/>
+      </p:ext>
+    </p:extLst>
+  </p:cSld>
+  <p:clrMapOvr>
+    <a:masterClrMapping/>
+  </p:clrMapOvr>
+</p:sld>
+</file>
+
+<file path=ppt/slides/slide16.xml><?xml version="1.0" encoding="utf-8"?>
+<p:sld xmlns:a="http://schemas.openxmlformats.org/drawingml/2006/main" xmlns:r="http://schemas.openxmlformats.org/officeDocument/2006/relationships" xmlns:p="http://schemas.openxmlformats.org/presentationml/2006/main">
+  <p:cSld>
+    <p:spTree>
+      <p:nvGrpSpPr>
+        <p:cNvPr id="1" name=""/>
+        <p:cNvGrpSpPr/>
+        <p:nvPr/>
+      </p:nvGrpSpPr>
+      <p:grpSpPr>
+        <a:xfrm>
+          <a:off x="0" y="0"/>
+          <a:ext cx="0" cy="0"/>
+          <a:chOff x="0" y="0"/>
+          <a:chExt cx="0" cy="0"/>
+        </a:xfrm>
+      </p:grpSpPr>
+      <p:pic>
+        <p:nvPicPr>
+          <p:cNvPr id="4" name="Picture 2"/>
+          <p:cNvPicPr>
+            <a:picLocks noChangeAspect="1" noChangeArrowheads="1"/>
+          </p:cNvPicPr>
+          <p:nvPr/>
+        </p:nvPicPr>
+        <p:blipFill>
+          <a:blip r:embed="rId2" cstate="print"/>
+          <a:srcRect/>
+          <a:stretch>
+            <a:fillRect/>
+          </a:stretch>
+        </p:blipFill>
+        <p:spPr bwMode="auto">
+          <a:xfrm>
+            <a:off x="484188" y="76200"/>
+            <a:ext cx="8202612" cy="239712"/>
+          </a:xfrm>
+          <a:prstGeom prst="rect">
+            <a:avLst/>
+          </a:prstGeom>
+          <a:noFill/>
+          <a:ln w="9525">
+            <a:noFill/>
+            <a:round/>
+            <a:headEnd/>
+            <a:tailEnd/>
+          </a:ln>
+        </p:spPr>
+      </p:pic>
+      <p:sp>
+        <p:nvSpPr>
+          <p:cNvPr id="5" name="Rectangle 4"/>
+          <p:cNvSpPr>
+            <a:spLocks noChangeArrowheads="1"/>
+          </p:cNvSpPr>
+          <p:nvPr/>
+        </p:nvSpPr>
+        <p:spPr bwMode="auto">
+          <a:xfrm>
+            <a:off x="135468" y="84667"/>
+            <a:ext cx="8991601" cy="1127125"/>
+          </a:xfrm>
+          <a:prstGeom prst="rect">
+            <a:avLst/>
+          </a:prstGeom>
+          <a:noFill/>
+          <a:ln w="9525">
+            <a:noFill/>
+            <a:round/>
+            <a:headEnd/>
+            <a:tailEnd/>
+          </a:ln>
+        </p:spPr>
+        <p:txBody>
+          <a:bodyPr lIns="0" tIns="0" rIns="0" bIns="0" anchor="ctr"/>
+          <a:lstStyle/>
+          <a:p>
+            <a:pPr algn="ctr">
+              <a:buClr>
+                <a:srgbClr val="000000"/>
+              </a:buClr>
+              <a:buSzPct val="100000"/>
+              <a:buFont typeface="Times New Roman" pitchFamily="18" charset="0"/>
+              <a:buNone/>
+              <a:tabLst>
+                <a:tab pos="0" algn="l"/>
+                <a:tab pos="914400" algn="l"/>
+                <a:tab pos="1828800" algn="l"/>
+                <a:tab pos="2743200" algn="l"/>
+                <a:tab pos="3657600" algn="l"/>
+                <a:tab pos="4572000" algn="l"/>
+                <a:tab pos="5486400" algn="l"/>
+                <a:tab pos="6400800" algn="l"/>
+                <a:tab pos="7315200" algn="l"/>
+                <a:tab pos="8229600" algn="l"/>
+                <a:tab pos="9144000" algn="l"/>
+                <a:tab pos="10058400" algn="l"/>
+              </a:tabLst>
+            </a:pPr>
+            <a:r>
+              <a:rPr lang="en-GB" sz="4000" dirty="0">
+                <a:solidFill>
+                  <a:srgbClr val="000000"/>
+                </a:solidFill>
+                <a:latin typeface="Times New Roman" pitchFamily="18" charset="0"/>
+              </a:rPr>
+              <a:t>Classical Wave Equation</a:t>
+            </a:r>
+          </a:p>
+        </p:txBody>
+      </p:sp>
+      <p:sp>
+        <p:nvSpPr>
+          <p:cNvPr id="8" name="Rectangle 5"/>
+          <p:cNvSpPr>
+            <a:spLocks noChangeArrowheads="1"/>
+          </p:cNvSpPr>
+          <p:nvPr/>
+        </p:nvSpPr>
+        <p:spPr bwMode="auto">
+          <a:xfrm>
+            <a:off x="228600" y="1219199"/>
+            <a:ext cx="8686800" cy="2066926"/>
+          </a:xfrm>
+          <a:prstGeom prst="rect">
+            <a:avLst/>
+          </a:prstGeom>
+          <a:noFill/>
+          <a:ln w="9525">
+            <a:noFill/>
+            <a:round/>
+            <a:headEnd/>
+            <a:tailEnd/>
+          </a:ln>
+        </p:spPr>
+        <p:txBody>
+          <a:bodyPr lIns="0" tIns="0" rIns="0" bIns="0"/>
+          <a:lstStyle/>
+          <a:p>
+            <a:pPr marL="430213" indent="-323850">
+              <a:lnSpc>
+                <a:spcPct val="100000"/>
+              </a:lnSpc>
+              <a:spcBef>
+                <a:spcPts val="800"/>
+              </a:spcBef>
+              <a:buFont typeface="Times New Roman" pitchFamily="18" charset="0"/>
+              <a:buChar char="•"/>
+              <a:tabLst>
+                <a:tab pos="430213" algn="l"/>
+                <a:tab pos="1344613" algn="l"/>
+                <a:tab pos="2259013" algn="l"/>
+                <a:tab pos="3173413" algn="l"/>
+                <a:tab pos="4087813" algn="l"/>
+                <a:tab pos="5002213" algn="l"/>
+                <a:tab pos="5916613" algn="l"/>
+                <a:tab pos="6831013" algn="l"/>
+                <a:tab pos="7745413" algn="l"/>
+                <a:tab pos="8659813" algn="l"/>
+                <a:tab pos="9574213" algn="l"/>
+                <a:tab pos="10488613" algn="l"/>
+              </a:tabLst>
+            </a:pPr>
+            <a:r>
+              <a:rPr lang="en-GB" sz="3200" dirty="0">
+                <a:solidFill>
+                  <a:srgbClr val="000000"/>
+                </a:solidFill>
+                <a:latin typeface="Times New Roman" pitchFamily="18" charset="0"/>
+              </a:rPr>
+              <a:t>These are just (the same!) standard differential equations with known solutions</a:t>
+            </a:r>
+          </a:p>
+          <a:p>
+            <a:pPr marL="887413" lvl="1" indent="-323850">
+              <a:spcBef>
+                <a:spcPts val="800"/>
+              </a:spcBef>
+              <a:buFont typeface="Times New Roman" pitchFamily="18" charset="0"/>
+              <a:buChar char="•"/>
+              <a:tabLst>
+                <a:tab pos="430213" algn="l"/>
+                <a:tab pos="1344613" algn="l"/>
+                <a:tab pos="2259013" algn="l"/>
+                <a:tab pos="3173413" algn="l"/>
+                <a:tab pos="4087813" algn="l"/>
+                <a:tab pos="5002213" algn="l"/>
+                <a:tab pos="5916613" algn="l"/>
+                <a:tab pos="6831013" algn="l"/>
+                <a:tab pos="7745413" algn="l"/>
+                <a:tab pos="8659813" algn="l"/>
+                <a:tab pos="9574213" algn="l"/>
+                <a:tab pos="10488613" algn="l"/>
+              </a:tabLst>
+            </a:pPr>
+            <a:r>
+              <a:rPr lang="en-GB" sz="2800" dirty="0">
+                <a:solidFill>
+                  <a:srgbClr val="000000"/>
+                </a:solidFill>
+                <a:latin typeface="Times New Roman" pitchFamily="18" charset="0"/>
+              </a:rPr>
               <a:t>Second order linear homogenous diff. eq. with constant coefficients</a:t>
             </a:r>
           </a:p>
@@ -6946,9 +7271,76 @@
           </a:p>
         </p:txBody>
       </p:sp>
+      <p:sp>
+        <p:nvSpPr>
+          <p:cNvPr id="7" name="Rectangle 6"/>
+          <p:cNvSpPr/>
+          <p:nvPr/>
+        </p:nvSpPr>
+        <p:spPr>
+          <a:xfrm>
+            <a:off x="6049928" y="4932551"/>
+            <a:ext cx="1797349" cy="523220"/>
+          </a:xfrm>
+          <a:prstGeom prst="rect">
+            <a:avLst/>
+          </a:prstGeom>
+        </p:spPr>
+        <p:txBody>
+          <a:bodyPr wrap="none">
+            <a:spAutoFit/>
+          </a:bodyPr>
+          <a:lstStyle/>
+          <a:p>
+            <a:r>
+              <a:rPr lang="en-GB" sz="2800" dirty="0">
+                <a:solidFill>
+                  <a:srgbClr val="000000"/>
+                </a:solidFill>
+                <a:latin typeface="Times New Roman" pitchFamily="18" charset="0"/>
+              </a:rPr>
+              <a:t>with </a:t>
+            </a:r>
+            <a:r>
+              <a:rPr lang="en-GB" sz="2800" i="1" dirty="0">
+                <a:solidFill>
+                  <a:srgbClr val="000000"/>
+                </a:solidFill>
+                <a:latin typeface="Times New Roman" pitchFamily="18" charset="0"/>
+              </a:rPr>
+              <a:t>c</a:t>
+            </a:r>
+            <a:r>
+              <a:rPr lang="en-GB" sz="2800" dirty="0">
+                <a:solidFill>
+                  <a:srgbClr val="000000"/>
+                </a:solidFill>
+                <a:latin typeface="Times New Roman" pitchFamily="18" charset="0"/>
+              </a:rPr>
+              <a:t> = -</a:t>
+            </a:r>
+            <a:r>
+              <a:rPr lang="en-GB" sz="2800" i="1" dirty="0">
+                <a:solidFill>
+                  <a:srgbClr val="000000"/>
+                </a:solidFill>
+                <a:latin typeface="Times New Roman" pitchFamily="18" charset="0"/>
+              </a:rPr>
+              <a:t>k</a:t>
+            </a:r>
+            <a:endParaRPr lang="en-US" sz="2800" i="1" dirty="0"/>
+          </a:p>
+        </p:txBody>
+      </p:sp>
       <p:pic>
         <p:nvPicPr>
-          <p:cNvPr id="3" name="Picture 2"/>
+          <p:cNvPr id="10" name="Picture 9">
+            <a:extLst>
+              <a:ext uri="{FF2B5EF4-FFF2-40B4-BE49-F238E27FC236}">
+                <a16:creationId xmlns:a16="http://schemas.microsoft.com/office/drawing/2014/main" id="{E02E6593-7CDC-829C-C884-AD9019BFB16A}"/>
+              </a:ext>
+            </a:extLst>
+          </p:cNvPr>
           <p:cNvPicPr>
             <a:picLocks noChangeAspect="1"/>
           </p:cNvPicPr>
@@ -6962,8 +7354,8 @@
         </p:blipFill>
         <p:spPr>
           <a:xfrm>
-            <a:off x="2530475" y="3570764"/>
-            <a:ext cx="4368800" cy="660400"/>
+            <a:off x="2457450" y="3685064"/>
+            <a:ext cx="5397500" cy="495300"/>
           </a:xfrm>
           <a:prstGeom prst="rect">
             <a:avLst/>
@@ -6972,7 +7364,13 @@
       </p:pic>
       <p:pic>
         <p:nvPicPr>
-          <p:cNvPr id="6" name="Picture 5"/>
+          <p:cNvPr id="11" name="Picture 10">
+            <a:extLst>
+              <a:ext uri="{FF2B5EF4-FFF2-40B4-BE49-F238E27FC236}">
+                <a16:creationId xmlns:a16="http://schemas.microsoft.com/office/drawing/2014/main" id="{08971FB6-F8AF-058A-D446-32E2AB191E9B}"/>
+              </a:ext>
+            </a:extLst>
+          </p:cNvPr>
           <p:cNvPicPr>
             <a:picLocks noChangeAspect="1"/>
           </p:cNvPicPr>
@@ -6986,75 +7384,14 @@
         </p:blipFill>
         <p:spPr>
           <a:xfrm>
-            <a:off x="2606675" y="4950946"/>
-            <a:ext cx="2679700" cy="596900"/>
+            <a:off x="2290728" y="4994106"/>
+            <a:ext cx="3454400" cy="495300"/>
           </a:xfrm>
           <a:prstGeom prst="rect">
             <a:avLst/>
           </a:prstGeom>
         </p:spPr>
       </p:pic>
-      <p:sp>
-        <p:nvSpPr>
-          <p:cNvPr id="7" name="Rectangle 6"/>
-          <p:cNvSpPr/>
-          <p:nvPr/>
-        </p:nvSpPr>
-        <p:spPr>
-          <a:xfrm>
-            <a:off x="5656228" y="4932551"/>
-            <a:ext cx="1797349" cy="523220"/>
-          </a:xfrm>
-          <a:prstGeom prst="rect">
-            <a:avLst/>
-          </a:prstGeom>
-        </p:spPr>
-        <p:txBody>
-          <a:bodyPr wrap="none">
-            <a:spAutoFit/>
-          </a:bodyPr>
-          <a:lstStyle/>
-          <a:p>
-            <a:r>
-              <a:rPr lang="en-GB" sz="2800" dirty="0">
-                <a:solidFill>
-                  <a:srgbClr val="000000"/>
-                </a:solidFill>
-                <a:latin typeface="Times New Roman" pitchFamily="18" charset="0"/>
-              </a:rPr>
-              <a:t>with </a:t>
-            </a:r>
-            <a:r>
-              <a:rPr lang="en-GB" sz="2800" i="1" dirty="0">
-                <a:solidFill>
-                  <a:srgbClr val="000000"/>
-                </a:solidFill>
-                <a:latin typeface="Times New Roman" pitchFamily="18" charset="0"/>
-              </a:rPr>
-              <a:t>c</a:t>
-            </a:r>
-            <a:r>
-              <a:rPr lang="en-GB" sz="2800" dirty="0">
-                <a:solidFill>
-                  <a:srgbClr val="000000"/>
-                </a:solidFill>
-                <a:latin typeface="Times New Roman" pitchFamily="18" charset="0"/>
-              </a:rPr>
-              <a:t> = -</a:t>
-            </a:r>
-            <a:r>
-              <a:rPr lang="en-GB" sz="2800" i="1" dirty="0">
-                <a:solidFill>
-                  <a:srgbClr val="000000"/>
-                </a:solidFill>
-                <a:latin typeface="Times New Roman" pitchFamily="18" charset="0"/>
-              </a:rPr>
-              <a:t>k</a:t>
-            </a:r>
-            <a:endParaRPr lang="en-US" sz="2800" i="1" dirty="0"/>
-          </a:p>
-        </p:txBody>
-      </p:sp>
     </p:spTree>
     <p:extLst>
       <p:ext uri="{BB962C8B-B14F-4D97-AF65-F5344CB8AC3E}">
@@ -7172,7 +7509,7 @@
                                           </p:stCondLst>
                                         </p:cTn>
                                         <p:tgtEl>
-                                          <p:spTgt spid="3"/>
+                                          <p:spTgt spid="10"/>
                                         </p:tgtEl>
                                         <p:attrNameLst>
                                           <p:attrName>style.visibility</p:attrName>
@@ -7186,7 +7523,7 @@
                                       <p:cBhvr additive="base">
                                         <p:cTn id="11" dur="500" fill="hold"/>
                                         <p:tgtEl>
-                                          <p:spTgt spid="3"/>
+                                          <p:spTgt spid="10"/>
                                         </p:tgtEl>
                                         <p:attrNameLst>
                                           <p:attrName>ppt_x</p:attrName>
@@ -7209,7 +7546,7 @@
                                       <p:cBhvr additive="base">
                                         <p:cTn id="12" dur="500" fill="hold"/>
                                         <p:tgtEl>
-                                          <p:spTgt spid="3"/>
+                                          <p:spTgt spid="10"/>
                                         </p:tgtEl>
                                         <p:attrNameLst>
                                           <p:attrName>ppt_y</p:attrName>
@@ -7336,7 +7673,7 @@
                                           </p:stCondLst>
                                         </p:cTn>
                                         <p:tgtEl>
-                                          <p:spTgt spid="6"/>
+                                          <p:spTgt spid="11"/>
                                         </p:tgtEl>
                                         <p:attrNameLst>
                                           <p:attrName>style.visibility</p:attrName>
@@ -7350,7 +7687,7 @@
                                       <p:cBhvr additive="base">
                                         <p:cTn id="21" dur="500" fill="hold"/>
                                         <p:tgtEl>
-                                          <p:spTgt spid="6"/>
+                                          <p:spTgt spid="11"/>
                                         </p:tgtEl>
                                         <p:attrNameLst>
                                           <p:attrName>ppt_x</p:attrName>
@@ -7373,7 +7710,7 @@
                                       <p:cBhvr additive="base">
                                         <p:cTn id="22" dur="500" fill="hold"/>
                                         <p:tgtEl>
-                                          <p:spTgt spid="6"/>
+                                          <p:spTgt spid="11"/>
                                         </p:tgtEl>
                                         <p:attrNameLst>
                                           <p:attrName>ppt_y</p:attrName>
@@ -7513,7 +7850,7 @@
 </p:sld>
 </file>
 
-<file path=ppt/slides/slide16.xml><?xml version="1.0" encoding="utf-8"?>
+<file path=ppt/slides/slide17.xml><?xml version="1.0" encoding="utf-8"?>
 <p:sld xmlns:a="http://schemas.openxmlformats.org/drawingml/2006/main" xmlns:r="http://schemas.openxmlformats.org/officeDocument/2006/relationships" xmlns:p="http://schemas.openxmlformats.org/presentationml/2006/main">
   <p:cSld>
     <p:spTree>
@@ -7720,30 +8057,6 @@
           </a:p>
         </p:txBody>
       </p:sp>
-      <p:pic>
-        <p:nvPicPr>
-          <p:cNvPr id="7" name="Picture 6"/>
-          <p:cNvPicPr>
-            <a:picLocks noChangeAspect="1"/>
-          </p:cNvPicPr>
-          <p:nvPr/>
-        </p:nvPicPr>
-        <p:blipFill>
-          <a:blip r:embed="rId3"/>
-          <a:stretch>
-            <a:fillRect/>
-          </a:stretch>
-        </p:blipFill>
-        <p:spPr>
-          <a:xfrm>
-            <a:off x="2149475" y="2491264"/>
-            <a:ext cx="4368800" cy="660400"/>
-          </a:xfrm>
-          <a:prstGeom prst="rect">
-            <a:avLst/>
-          </a:prstGeom>
-        </p:spPr>
-      </p:pic>
       <p:sp>
         <p:nvSpPr>
           <p:cNvPr id="2" name="Rectangle 1"/>
@@ -7874,7 +8187,7 @@
           <p:nvPr/>
         </p:nvPicPr>
         <p:blipFill>
-          <a:blip r:embed="rId4"/>
+          <a:blip r:embed="rId3"/>
           <a:stretch>
             <a:fillRect/>
           </a:stretch>
@@ -7892,6 +8205,36 @@
       <p:pic>
         <p:nvPicPr>
           <p:cNvPr id="6" name="Picture 5"/>
+          <p:cNvPicPr>
+            <a:picLocks noChangeAspect="1"/>
+          </p:cNvPicPr>
+          <p:nvPr/>
+        </p:nvPicPr>
+        <p:blipFill>
+          <a:blip r:embed="rId4"/>
+          <a:stretch>
+            <a:fillRect/>
+          </a:stretch>
+        </p:blipFill>
+        <p:spPr>
+          <a:xfrm>
+            <a:off x="2149475" y="5283200"/>
+            <a:ext cx="4610100" cy="1574800"/>
+          </a:xfrm>
+          <a:prstGeom prst="rect">
+            <a:avLst/>
+          </a:prstGeom>
+        </p:spPr>
+      </p:pic>
+      <p:pic>
+        <p:nvPicPr>
+          <p:cNvPr id="10" name="Picture 9">
+            <a:extLst>
+              <a:ext uri="{FF2B5EF4-FFF2-40B4-BE49-F238E27FC236}">
+                <a16:creationId xmlns:a16="http://schemas.microsoft.com/office/drawing/2014/main" id="{38FA5AE2-8301-2139-AD99-5D2C9F5524F0}"/>
+              </a:ext>
+            </a:extLst>
+          </p:cNvPr>
           <p:cNvPicPr>
             <a:picLocks noChangeAspect="1"/>
           </p:cNvPicPr>
@@ -7905,8 +8248,8 @@
         </p:blipFill>
         <p:spPr>
           <a:xfrm>
-            <a:off x="2149475" y="5283200"/>
-            <a:ext cx="4610100" cy="1574800"/>
+            <a:off x="2622549" y="2515284"/>
+            <a:ext cx="3794125" cy="490848"/>
           </a:xfrm>
           <a:prstGeom prst="rect">
             <a:avLst/>
@@ -8288,7 +8631,7 @@
 </p:sld>
 </file>
 
-<file path=ppt/slides/slide17.xml><?xml version="1.0" encoding="utf-8"?>
+<file path=ppt/slides/slide18.xml><?xml version="1.0" encoding="utf-8"?>
 <p:sld xmlns:a="http://schemas.openxmlformats.org/drawingml/2006/main" xmlns:r="http://schemas.openxmlformats.org/officeDocument/2006/relationships" xmlns:p="http://schemas.openxmlformats.org/presentationml/2006/main">
   <p:cSld>
     <p:spTree>
@@ -8522,7 +8865,7 @@
         </p:nvSpPr>
         <p:spPr>
           <a:xfrm>
-            <a:off x="848533" y="3854708"/>
+            <a:off x="734233" y="3778508"/>
             <a:ext cx="1313430" cy="461665"/>
           </a:xfrm>
           <a:prstGeom prst="rect">
@@ -8572,30 +8915,6 @@
           </a:prstGeom>
         </p:spPr>
       </p:pic>
-      <p:pic>
-        <p:nvPicPr>
-          <p:cNvPr id="6" name="Picture 5"/>
-          <p:cNvPicPr>
-            <a:picLocks noChangeAspect="1"/>
-          </p:cNvPicPr>
-          <p:nvPr/>
-        </p:nvPicPr>
-        <p:blipFill>
-          <a:blip r:embed="rId4"/>
-          <a:stretch>
-            <a:fillRect/>
-          </a:stretch>
-        </p:blipFill>
-        <p:spPr>
-          <a:xfrm>
-            <a:off x="2311400" y="3692525"/>
-            <a:ext cx="4508500" cy="698500"/>
-          </a:xfrm>
-          <a:prstGeom prst="rect">
-            <a:avLst/>
-          </a:prstGeom>
-        </p:spPr>
-      </p:pic>
       <p:sp>
         <p:nvSpPr>
           <p:cNvPr id="12" name="Rectangle 11"/>
@@ -8604,7 +8923,7 @@
         </p:nvSpPr>
         <p:spPr>
           <a:xfrm>
-            <a:off x="3935851" y="4913352"/>
+            <a:off x="3935851" y="4894302"/>
             <a:ext cx="1330112" cy="461665"/>
           </a:xfrm>
           <a:prstGeom prst="rect">
@@ -8638,7 +8957,7 @@
         </p:nvSpPr>
         <p:spPr>
           <a:xfrm>
-            <a:off x="5038529" y="2618084"/>
+            <a:off x="5038529" y="2599034"/>
             <a:ext cx="800219" cy="461665"/>
           </a:xfrm>
           <a:prstGeom prst="rect">
@@ -8674,7 +8993,7 @@
         </p:nvCxnSpPr>
         <p:spPr>
           <a:xfrm flipH="1">
-            <a:off x="4391629" y="3079749"/>
+            <a:off x="4391629" y="3060699"/>
             <a:ext cx="1047010" cy="612776"/>
           </a:xfrm>
           <a:prstGeom prst="straightConnector1">
@@ -8709,7 +9028,7 @@
         </p:nvCxnSpPr>
         <p:spPr>
           <a:xfrm>
-            <a:off x="5402122" y="3079749"/>
+            <a:off x="5402122" y="3060699"/>
             <a:ext cx="803371" cy="612776"/>
           </a:xfrm>
           <a:prstGeom prst="straightConnector1">
@@ -8738,13 +9057,13 @@
         <p:nvCxnSpPr>
           <p:cNvPr id="19" name="Straight Arrow Connector 18"/>
           <p:cNvCxnSpPr>
-            <a:stCxn id="12" idx="0"/>
+            <a:cxnSpLocks/>
           </p:cNvCxnSpPr>
           <p:nvPr/>
         </p:nvCxnSpPr>
         <p:spPr>
           <a:xfrm flipH="1" flipV="1">
-            <a:off x="3714750" y="4316373"/>
+            <a:off x="3714750" y="4297323"/>
             <a:ext cx="886157" cy="596979"/>
           </a:xfrm>
           <a:prstGeom prst="straightConnector1">
@@ -8777,7 +9096,7 @@
         </p:nvCxnSpPr>
         <p:spPr>
           <a:xfrm flipV="1">
-            <a:off x="4597536" y="4316373"/>
+            <a:off x="4597536" y="4297323"/>
             <a:ext cx="825228" cy="596979"/>
           </a:xfrm>
           <a:prstGeom prst="straightConnector1">
@@ -8802,6 +9121,36 @@
           </a:fontRef>
         </p:style>
       </p:cxnSp>
+      <p:pic>
+        <p:nvPicPr>
+          <p:cNvPr id="7" name="Picture 6">
+            <a:extLst>
+              <a:ext uri="{FF2B5EF4-FFF2-40B4-BE49-F238E27FC236}">
+                <a16:creationId xmlns:a16="http://schemas.microsoft.com/office/drawing/2014/main" id="{856EB7A8-3322-0CF9-8E8A-8726D3D130B9}"/>
+              </a:ext>
+            </a:extLst>
+          </p:cNvPr>
+          <p:cNvPicPr>
+            <a:picLocks noChangeAspect="1"/>
+          </p:cNvPicPr>
+          <p:nvPr/>
+        </p:nvPicPr>
+        <p:blipFill>
+          <a:blip r:embed="rId4"/>
+          <a:stretch>
+            <a:fillRect/>
+          </a:stretch>
+        </p:blipFill>
+        <p:spPr>
+          <a:xfrm>
+            <a:off x="2063750" y="3714750"/>
+            <a:ext cx="4635500" cy="533400"/>
+          </a:xfrm>
+          <a:prstGeom prst="rect">
+            <a:avLst/>
+          </a:prstGeom>
+        </p:spPr>
+      </p:pic>
     </p:spTree>
     <p:extLst>
       <p:ext uri="{BB962C8B-B14F-4D97-AF65-F5344CB8AC3E}">
@@ -8919,7 +9268,7 @@
                                           </p:stCondLst>
                                         </p:cTn>
                                         <p:tgtEl>
-                                          <p:spTgt spid="6"/>
+                                          <p:spTgt spid="7"/>
                                         </p:tgtEl>
                                         <p:attrNameLst>
                                           <p:attrName>style.visibility</p:attrName>
@@ -8933,7 +9282,7 @@
                                       <p:cBhvr additive="base">
                                         <p:cTn id="11" dur="500" fill="hold"/>
                                         <p:tgtEl>
-                                          <p:spTgt spid="6"/>
+                                          <p:spTgt spid="7"/>
                                         </p:tgtEl>
                                         <p:attrNameLst>
                                           <p:attrName>ppt_x</p:attrName>
@@ -8956,7 +9305,7 @@
                                       <p:cBhvr additive="base">
                                         <p:cTn id="12" dur="500" fill="hold"/>
                                         <p:tgtEl>
-                                          <p:spTgt spid="6"/>
+                                          <p:spTgt spid="7"/>
                                         </p:tgtEl>
                                         <p:attrNameLst>
                                           <p:attrName>ppt_y</p:attrName>
@@ -9470,7 +9819,7 @@
 </p:sld>
 </file>
 
-<file path=ppt/slides/slide18.xml><?xml version="1.0" encoding="utf-8"?>
+<file path=ppt/slides/slide19.xml><?xml version="1.0" encoding="utf-8"?>
 <p:sld xmlns:a="http://schemas.openxmlformats.org/drawingml/2006/main" xmlns:r="http://schemas.openxmlformats.org/officeDocument/2006/relationships" xmlns:p="http://schemas.openxmlformats.org/presentationml/2006/main">
   <p:cSld>
     <p:spTree>
@@ -9756,7 +10105,13 @@
       </p:pic>
       <p:pic>
         <p:nvPicPr>
-          <p:cNvPr id="7" name="Picture 6"/>
+          <p:cNvPr id="3" name="Picture 2">
+            <a:extLst>
+              <a:ext uri="{FF2B5EF4-FFF2-40B4-BE49-F238E27FC236}">
+                <a16:creationId xmlns:a16="http://schemas.microsoft.com/office/drawing/2014/main" id="{433A0A14-11B9-CE16-5D1E-DCDBFA0E3151}"/>
+              </a:ext>
+            </a:extLst>
+          </p:cNvPr>
           <p:cNvPicPr>
             <a:picLocks noChangeAspect="1"/>
           </p:cNvPicPr>
@@ -9770,8 +10125,8 @@
         </p:blipFill>
         <p:spPr>
           <a:xfrm>
-            <a:off x="2387600" y="3619500"/>
-            <a:ext cx="4368800" cy="876300"/>
+            <a:off x="2308437" y="3822700"/>
+            <a:ext cx="4508500" cy="533400"/>
           </a:xfrm>
           <a:prstGeom prst="rect">
             <a:avLst/>
@@ -9895,7 +10250,7 @@
                                           </p:stCondLst>
                                         </p:cTn>
                                         <p:tgtEl>
-                                          <p:spTgt spid="7"/>
+                                          <p:spTgt spid="3"/>
                                         </p:tgtEl>
                                         <p:attrNameLst>
                                           <p:attrName>style.visibility</p:attrName>
@@ -9909,7 +10264,7 @@
                                       <p:cBhvr additive="base">
                                         <p:cTn id="11" dur="500" fill="hold"/>
                                         <p:tgtEl>
-                                          <p:spTgt spid="7"/>
+                                          <p:spTgt spid="3"/>
                                         </p:tgtEl>
                                         <p:attrNameLst>
                                           <p:attrName>ppt_x</p:attrName>
@@ -9932,7 +10287,7 @@
                                       <p:cBhvr additive="base">
                                         <p:cTn id="12" dur="500" fill="hold"/>
                                         <p:tgtEl>
-                                          <p:spTgt spid="7"/>
+                                          <p:spTgt spid="3"/>
                                         </p:tgtEl>
                                         <p:attrNameLst>
                                           <p:attrName>ppt_y</p:attrName>
@@ -9988,7 +10343,335 @@
 </p:sld>
 </file>
 
-<file path=ppt/slides/slide19.xml><?xml version="1.0" encoding="utf-8"?>
+<file path=ppt/slides/slide2.xml><?xml version="1.0" encoding="utf-8"?>
+<p:sld xmlns:a="http://schemas.openxmlformats.org/drawingml/2006/main" xmlns:r="http://schemas.openxmlformats.org/officeDocument/2006/relationships" xmlns:p="http://schemas.openxmlformats.org/presentationml/2006/main">
+  <p:cSld>
+    <p:spTree>
+      <p:nvGrpSpPr>
+        <p:cNvPr id="1" name=""/>
+        <p:cNvGrpSpPr/>
+        <p:nvPr/>
+      </p:nvGrpSpPr>
+      <p:grpSpPr>
+        <a:xfrm>
+          <a:off x="0" y="0"/>
+          <a:ext cx="0" cy="0"/>
+          <a:chOff x="0" y="0"/>
+          <a:chExt cx="0" cy="0"/>
+        </a:xfrm>
+      </p:grpSpPr>
+      <p:pic>
+        <p:nvPicPr>
+          <p:cNvPr id="4" name="Picture 2"/>
+          <p:cNvPicPr>
+            <a:picLocks noChangeAspect="1" noChangeArrowheads="1"/>
+          </p:cNvPicPr>
+          <p:nvPr/>
+        </p:nvPicPr>
+        <p:blipFill>
+          <a:blip r:embed="rId2" cstate="print"/>
+          <a:srcRect/>
+          <a:stretch>
+            <a:fillRect/>
+          </a:stretch>
+        </p:blipFill>
+        <p:spPr bwMode="auto">
+          <a:xfrm>
+            <a:off x="484188" y="76200"/>
+            <a:ext cx="8202612" cy="239712"/>
+          </a:xfrm>
+          <a:prstGeom prst="rect">
+            <a:avLst/>
+          </a:prstGeom>
+          <a:noFill/>
+          <a:ln w="9525">
+            <a:noFill/>
+            <a:round/>
+            <a:headEnd/>
+            <a:tailEnd/>
+          </a:ln>
+        </p:spPr>
+      </p:pic>
+      <p:sp>
+        <p:nvSpPr>
+          <p:cNvPr id="5" name="Rectangle 4"/>
+          <p:cNvSpPr>
+            <a:spLocks noChangeArrowheads="1"/>
+          </p:cNvSpPr>
+          <p:nvPr/>
+        </p:nvSpPr>
+        <p:spPr bwMode="auto">
+          <a:xfrm>
+            <a:off x="135468" y="84667"/>
+            <a:ext cx="8991601" cy="1127125"/>
+          </a:xfrm>
+          <a:prstGeom prst="rect">
+            <a:avLst/>
+          </a:prstGeom>
+          <a:noFill/>
+          <a:ln w="9525">
+            <a:noFill/>
+            <a:round/>
+            <a:headEnd/>
+            <a:tailEnd/>
+          </a:ln>
+        </p:spPr>
+        <p:txBody>
+          <a:bodyPr lIns="0" tIns="0" rIns="0" bIns="0" anchor="ctr"/>
+          <a:lstStyle/>
+          <a:p>
+            <a:pPr algn="ctr">
+              <a:buClr>
+                <a:srgbClr val="000000"/>
+              </a:buClr>
+              <a:buSzPct val="100000"/>
+              <a:buFont typeface="Times New Roman" pitchFamily="18" charset="0"/>
+              <a:buNone/>
+              <a:tabLst>
+                <a:tab pos="0" algn="l"/>
+                <a:tab pos="914400" algn="l"/>
+                <a:tab pos="1828800" algn="l"/>
+                <a:tab pos="2743200" algn="l"/>
+                <a:tab pos="3657600" algn="l"/>
+                <a:tab pos="4572000" algn="l"/>
+                <a:tab pos="5486400" algn="l"/>
+                <a:tab pos="6400800" algn="l"/>
+                <a:tab pos="7315200" algn="l"/>
+                <a:tab pos="8229600" algn="l"/>
+                <a:tab pos="9144000" algn="l"/>
+                <a:tab pos="10058400" algn="l"/>
+              </a:tabLst>
+            </a:pPr>
+            <a:r>
+              <a:rPr lang="en-GB" sz="4000" dirty="0">
+                <a:solidFill>
+                  <a:srgbClr val="000000"/>
+                </a:solidFill>
+                <a:latin typeface="Times New Roman" pitchFamily="18" charset="0"/>
+              </a:rPr>
+              <a:t>Introduction</a:t>
+            </a:r>
+          </a:p>
+        </p:txBody>
+      </p:sp>
+      <p:sp>
+        <p:nvSpPr>
+          <p:cNvPr id="8" name="Rectangle 5"/>
+          <p:cNvSpPr>
+            <a:spLocks noChangeArrowheads="1"/>
+          </p:cNvSpPr>
+          <p:nvPr/>
+        </p:nvSpPr>
+        <p:spPr bwMode="auto">
+          <a:xfrm>
+            <a:off x="228600" y="1219199"/>
+            <a:ext cx="8686800" cy="4959119"/>
+          </a:xfrm>
+          <a:prstGeom prst="rect">
+            <a:avLst/>
+          </a:prstGeom>
+          <a:noFill/>
+          <a:ln w="9525">
+            <a:noFill/>
+            <a:round/>
+            <a:headEnd/>
+            <a:tailEnd/>
+          </a:ln>
+        </p:spPr>
+        <p:txBody>
+          <a:bodyPr lIns="0" tIns="0" rIns="0" bIns="0"/>
+          <a:lstStyle/>
+          <a:p>
+            <a:pPr marL="430213" indent="-323850">
+              <a:lnSpc>
+                <a:spcPct val="100000"/>
+              </a:lnSpc>
+              <a:spcBef>
+                <a:spcPts val="800"/>
+              </a:spcBef>
+              <a:buFont typeface="Times New Roman" pitchFamily="18" charset="0"/>
+              <a:buChar char="•"/>
+              <a:tabLst>
+                <a:tab pos="430213" algn="l"/>
+                <a:tab pos="1344613" algn="l"/>
+                <a:tab pos="2259013" algn="l"/>
+                <a:tab pos="3173413" algn="l"/>
+                <a:tab pos="4087813" algn="l"/>
+                <a:tab pos="5002213" algn="l"/>
+                <a:tab pos="5916613" algn="l"/>
+                <a:tab pos="6831013" algn="l"/>
+                <a:tab pos="7745413" algn="l"/>
+                <a:tab pos="8659813" algn="l"/>
+                <a:tab pos="9574213" algn="l"/>
+                <a:tab pos="10488613" algn="l"/>
+              </a:tabLst>
+            </a:pPr>
+            <a:r>
+              <a:rPr lang="en-GB" sz="3200" b="1" dirty="0">
+                <a:solidFill>
+                  <a:srgbClr val="000000"/>
+                </a:solidFill>
+                <a:latin typeface="Times New Roman" pitchFamily="18" charset="0"/>
+              </a:rPr>
+              <a:t>Quantum Mechanics</a:t>
+            </a:r>
+            <a:r>
+              <a:rPr lang="en-GB" sz="3200" dirty="0">
+                <a:solidFill>
+                  <a:srgbClr val="000000"/>
+                </a:solidFill>
+                <a:latin typeface="Times New Roman" pitchFamily="18" charset="0"/>
+              </a:rPr>
+              <a:t> is the basis of ALL spectroscopies we use in forensic science</a:t>
+            </a:r>
+          </a:p>
+          <a:p>
+            <a:pPr marL="887413" lvl="1" indent="-323850">
+              <a:spcBef>
+                <a:spcPts val="800"/>
+              </a:spcBef>
+              <a:buFont typeface="Times New Roman" pitchFamily="18" charset="0"/>
+              <a:buChar char="•"/>
+              <a:tabLst>
+                <a:tab pos="430213" algn="l"/>
+                <a:tab pos="1344613" algn="l"/>
+                <a:tab pos="2259013" algn="l"/>
+                <a:tab pos="3173413" algn="l"/>
+                <a:tab pos="4087813" algn="l"/>
+                <a:tab pos="5002213" algn="l"/>
+                <a:tab pos="5916613" algn="l"/>
+                <a:tab pos="6831013" algn="l"/>
+                <a:tab pos="7745413" algn="l"/>
+                <a:tab pos="8659813" algn="l"/>
+                <a:tab pos="9574213" algn="l"/>
+                <a:tab pos="10488613" algn="l"/>
+              </a:tabLst>
+            </a:pPr>
+            <a:endParaRPr lang="en-GB" sz="2800" dirty="0">
+              <a:solidFill>
+                <a:srgbClr val="000000"/>
+              </a:solidFill>
+              <a:latin typeface="Times New Roman" pitchFamily="18" charset="0"/>
+            </a:endParaRPr>
+          </a:p>
+          <a:p>
+            <a:pPr marL="887413" lvl="1" indent="-323850">
+              <a:spcBef>
+                <a:spcPts val="800"/>
+              </a:spcBef>
+              <a:buFont typeface="Times New Roman" pitchFamily="18" charset="0"/>
+              <a:buChar char="•"/>
+              <a:tabLst>
+                <a:tab pos="430213" algn="l"/>
+                <a:tab pos="1344613" algn="l"/>
+                <a:tab pos="2259013" algn="l"/>
+                <a:tab pos="3173413" algn="l"/>
+                <a:tab pos="4087813" algn="l"/>
+                <a:tab pos="5002213" algn="l"/>
+                <a:tab pos="5916613" algn="l"/>
+                <a:tab pos="6831013" algn="l"/>
+                <a:tab pos="7745413" algn="l"/>
+                <a:tab pos="8659813" algn="l"/>
+                <a:tab pos="9574213" algn="l"/>
+                <a:tab pos="10488613" algn="l"/>
+              </a:tabLst>
+            </a:pPr>
+            <a:r>
+              <a:rPr lang="en-GB" sz="2800" dirty="0">
+                <a:solidFill>
+                  <a:srgbClr val="000000"/>
+                </a:solidFill>
+                <a:latin typeface="Times New Roman" pitchFamily="18" charset="0"/>
+              </a:rPr>
+              <a:t>QM build on idea that matter has both wave AND particle properties</a:t>
+            </a:r>
+          </a:p>
+          <a:p>
+            <a:pPr marL="887413" lvl="1" indent="-323850">
+              <a:spcBef>
+                <a:spcPts val="800"/>
+              </a:spcBef>
+              <a:buFont typeface="Times New Roman" pitchFamily="18" charset="0"/>
+              <a:buChar char="•"/>
+              <a:tabLst>
+                <a:tab pos="430213" algn="l"/>
+                <a:tab pos="1344613" algn="l"/>
+                <a:tab pos="2259013" algn="l"/>
+                <a:tab pos="3173413" algn="l"/>
+                <a:tab pos="4087813" algn="l"/>
+                <a:tab pos="5002213" algn="l"/>
+                <a:tab pos="5916613" algn="l"/>
+                <a:tab pos="6831013" algn="l"/>
+                <a:tab pos="7745413" algn="l"/>
+                <a:tab pos="8659813" algn="l"/>
+                <a:tab pos="9574213" algn="l"/>
+                <a:tab pos="10488613" algn="l"/>
+              </a:tabLst>
+            </a:pPr>
+            <a:endParaRPr lang="en-GB" sz="2800" dirty="0">
+              <a:solidFill>
+                <a:srgbClr val="000000"/>
+              </a:solidFill>
+              <a:latin typeface="Times New Roman" pitchFamily="18" charset="0"/>
+            </a:endParaRPr>
+          </a:p>
+          <a:p>
+            <a:pPr marL="887413" lvl="1" indent="-323850">
+              <a:spcBef>
+                <a:spcPts val="800"/>
+              </a:spcBef>
+              <a:buFont typeface="Times New Roman" pitchFamily="18" charset="0"/>
+              <a:buChar char="•"/>
+              <a:tabLst>
+                <a:tab pos="430213" algn="l"/>
+                <a:tab pos="1344613" algn="l"/>
+                <a:tab pos="2259013" algn="l"/>
+                <a:tab pos="3173413" algn="l"/>
+                <a:tab pos="4087813" algn="l"/>
+                <a:tab pos="5002213" algn="l"/>
+                <a:tab pos="5916613" algn="l"/>
+                <a:tab pos="6831013" algn="l"/>
+                <a:tab pos="7745413" algn="l"/>
+                <a:tab pos="8659813" algn="l"/>
+                <a:tab pos="9574213" algn="l"/>
+                <a:tab pos="10488613" algn="l"/>
+              </a:tabLst>
+            </a:pPr>
+            <a:r>
+              <a:rPr lang="en-GB" sz="2800" dirty="0">
+                <a:solidFill>
+                  <a:srgbClr val="000000"/>
+                </a:solidFill>
+                <a:latin typeface="Times New Roman" pitchFamily="18" charset="0"/>
+              </a:rPr>
+              <a:t>Most of the math we use in this course is from the language of </a:t>
+            </a:r>
+            <a:r>
+              <a:rPr lang="en-GB" sz="2800" b="1" dirty="0">
+                <a:solidFill>
+                  <a:srgbClr val="000000"/>
+                </a:solidFill>
+                <a:latin typeface="Times New Roman" pitchFamily="18" charset="0"/>
+              </a:rPr>
+              <a:t>waves</a:t>
+            </a:r>
+          </a:p>
+        </p:txBody>
+      </p:sp>
+    </p:spTree>
+    <p:extLst>
+      <p:ext uri="{BB962C8B-B14F-4D97-AF65-F5344CB8AC3E}">
+        <p14:creationId xmlns:p14="http://schemas.microsoft.com/office/powerpoint/2010/main" val="3273103297"/>
+      </p:ext>
+    </p:extLst>
+  </p:cSld>
+  <p:clrMapOvr>
+    <a:masterClrMapping/>
+  </p:clrMapOvr>
+</p:sld>
+</file>
+
+<file path=ppt/slides/slide20.xml><?xml version="1.0" encoding="utf-8"?>
 <p:sld xmlns:a="http://schemas.openxmlformats.org/drawingml/2006/main" xmlns:r="http://schemas.openxmlformats.org/officeDocument/2006/relationships" xmlns:p="http://schemas.openxmlformats.org/presentationml/2006/main">
   <p:cSld>
     <p:spTree>
@@ -10869,7 +11552,7 @@
 </p:sld>
 </file>
 
-<file path=ppt/slides/slide2.xml><?xml version="1.0" encoding="utf-8"?>
+<file path=ppt/slides/slide21.xml><?xml version="1.0" encoding="utf-8"?>
 <p:sld xmlns:a="http://schemas.openxmlformats.org/drawingml/2006/main" xmlns:r="http://schemas.openxmlformats.org/officeDocument/2006/relationships" xmlns:p="http://schemas.openxmlformats.org/presentationml/2006/main">
   <p:cSld>
     <p:spTree>
@@ -10888,7 +11571,13 @@
       </p:grpSpPr>
       <p:pic>
         <p:nvPicPr>
-          <p:cNvPr id="4" name="Picture 2"/>
+          <p:cNvPr id="4" name="Picture 2">
+            <a:extLst>
+              <a:ext uri="{FF2B5EF4-FFF2-40B4-BE49-F238E27FC236}">
+                <a16:creationId xmlns:a16="http://schemas.microsoft.com/office/drawing/2014/main" id="{49D9B8D6-DFAC-B368-4455-D101E29F9D3A}"/>
+              </a:ext>
+            </a:extLst>
+          </p:cNvPr>
           <p:cNvPicPr>
             <a:picLocks noChangeAspect="1" noChangeArrowheads="1"/>
           </p:cNvPicPr>
@@ -10920,7 +11609,13 @@
       </p:pic>
       <p:sp>
         <p:nvSpPr>
-          <p:cNvPr id="5" name="Rectangle 4"/>
+          <p:cNvPr id="5" name="Rectangle 4">
+            <a:extLst>
+              <a:ext uri="{FF2B5EF4-FFF2-40B4-BE49-F238E27FC236}">
+                <a16:creationId xmlns:a16="http://schemas.microsoft.com/office/drawing/2014/main" id="{7D4439A4-9533-C460-6194-590D224025AA}"/>
+              </a:ext>
+            </a:extLst>
+          </p:cNvPr>
           <p:cNvSpPr>
             <a:spLocks noChangeArrowheads="1"/>
           </p:cNvSpPr>
@@ -10975,14 +11670,20 @@
                 </a:solidFill>
                 <a:latin typeface="Times New Roman" pitchFamily="18" charset="0"/>
               </a:rPr>
-              <a:t>Introduction</a:t>
+              <a:t>Classical Wave Equation</a:t>
             </a:r>
           </a:p>
         </p:txBody>
       </p:sp>
       <p:sp>
         <p:nvSpPr>
-          <p:cNvPr id="8" name="Rectangle 5"/>
+          <p:cNvPr id="6" name="Rectangle 5">
+            <a:extLst>
+              <a:ext uri="{FF2B5EF4-FFF2-40B4-BE49-F238E27FC236}">
+                <a16:creationId xmlns:a16="http://schemas.microsoft.com/office/drawing/2014/main" id="{D312AAF9-067A-20E7-0AA9-8928B9FC086B}"/>
+              </a:ext>
+            </a:extLst>
+          </p:cNvPr>
           <p:cNvSpPr>
             <a:spLocks noChangeArrowheads="1"/>
           </p:cNvSpPr>
@@ -10991,7 +11692,7 @@
         <p:spPr bwMode="auto">
           <a:xfrm>
             <a:off x="228600" y="1219199"/>
-            <a:ext cx="8686800" cy="4959119"/>
+            <a:ext cx="8686800" cy="1431926"/>
           </a:xfrm>
           <a:prstGeom prst="rect">
             <a:avLst/>
@@ -11033,22 +11734,22 @@
               </a:tabLst>
             </a:pPr>
             <a:r>
+              <a:rPr lang="en-GB" sz="3200" dirty="0">
+                <a:solidFill>
+                  <a:srgbClr val="000000"/>
+                </a:solidFill>
+                <a:latin typeface="Times New Roman" pitchFamily="18" charset="0"/>
+              </a:rPr>
+              <a:t>Case 3: The </a:t>
+            </a:r>
+            <a:r>
               <a:rPr lang="en-GB" sz="3200" b="1" dirty="0">
                 <a:solidFill>
                   <a:srgbClr val="000000"/>
                 </a:solidFill>
                 <a:latin typeface="Times New Roman" pitchFamily="18" charset="0"/>
               </a:rPr>
-              <a:t>Quantum Mechanics</a:t>
-            </a:r>
-            <a:r>
-              <a:rPr lang="en-GB" sz="3200" dirty="0">
-                <a:solidFill>
-                  <a:srgbClr val="000000"/>
-                </a:solidFill>
-                <a:latin typeface="Times New Roman" pitchFamily="18" charset="0"/>
-              </a:rPr>
-              <a:t> is the basis of ALL spectroscopies we use in forensic science</a:t>
+              <a:t>discriminant</a:t>
             </a:r>
           </a:p>
           <a:p>
@@ -11073,334 +11774,6 @@
                 <a:tab pos="10488613" algn="l"/>
               </a:tabLst>
             </a:pPr>
-            <a:endParaRPr lang="en-GB" sz="2800" dirty="0">
-              <a:solidFill>
-                <a:srgbClr val="000000"/>
-              </a:solidFill>
-              <a:latin typeface="Times New Roman" pitchFamily="18" charset="0"/>
-            </a:endParaRPr>
-          </a:p>
-          <a:p>
-            <a:pPr marL="887413" lvl="1" indent="-323850">
-              <a:spcBef>
-                <a:spcPts val="800"/>
-              </a:spcBef>
-              <a:buFont typeface="Times New Roman" pitchFamily="18" charset="0"/>
-              <a:buChar char="•"/>
-              <a:tabLst>
-                <a:tab pos="430213" algn="l"/>
-                <a:tab pos="1344613" algn="l"/>
-                <a:tab pos="2259013" algn="l"/>
-                <a:tab pos="3173413" algn="l"/>
-                <a:tab pos="4087813" algn="l"/>
-                <a:tab pos="5002213" algn="l"/>
-                <a:tab pos="5916613" algn="l"/>
-                <a:tab pos="6831013" algn="l"/>
-                <a:tab pos="7745413" algn="l"/>
-                <a:tab pos="8659813" algn="l"/>
-                <a:tab pos="9574213" algn="l"/>
-                <a:tab pos="10488613" algn="l"/>
-              </a:tabLst>
-            </a:pPr>
-            <a:r>
-              <a:rPr lang="en-GB" sz="2800" dirty="0">
-                <a:solidFill>
-                  <a:srgbClr val="000000"/>
-                </a:solidFill>
-                <a:latin typeface="Times New Roman" pitchFamily="18" charset="0"/>
-              </a:rPr>
-              <a:t>QM build on idea that matter has both wave AND particle properties</a:t>
-            </a:r>
-          </a:p>
-          <a:p>
-            <a:pPr marL="887413" lvl="1" indent="-323850">
-              <a:spcBef>
-                <a:spcPts val="800"/>
-              </a:spcBef>
-              <a:buFont typeface="Times New Roman" pitchFamily="18" charset="0"/>
-              <a:buChar char="•"/>
-              <a:tabLst>
-                <a:tab pos="430213" algn="l"/>
-                <a:tab pos="1344613" algn="l"/>
-                <a:tab pos="2259013" algn="l"/>
-                <a:tab pos="3173413" algn="l"/>
-                <a:tab pos="4087813" algn="l"/>
-                <a:tab pos="5002213" algn="l"/>
-                <a:tab pos="5916613" algn="l"/>
-                <a:tab pos="6831013" algn="l"/>
-                <a:tab pos="7745413" algn="l"/>
-                <a:tab pos="8659813" algn="l"/>
-                <a:tab pos="9574213" algn="l"/>
-                <a:tab pos="10488613" algn="l"/>
-              </a:tabLst>
-            </a:pPr>
-            <a:endParaRPr lang="en-GB" sz="2800" dirty="0">
-              <a:solidFill>
-                <a:srgbClr val="000000"/>
-              </a:solidFill>
-              <a:latin typeface="Times New Roman" pitchFamily="18" charset="0"/>
-            </a:endParaRPr>
-          </a:p>
-          <a:p>
-            <a:pPr marL="887413" lvl="1" indent="-323850">
-              <a:spcBef>
-                <a:spcPts val="800"/>
-              </a:spcBef>
-              <a:buFont typeface="Times New Roman" pitchFamily="18" charset="0"/>
-              <a:buChar char="•"/>
-              <a:tabLst>
-                <a:tab pos="430213" algn="l"/>
-                <a:tab pos="1344613" algn="l"/>
-                <a:tab pos="2259013" algn="l"/>
-                <a:tab pos="3173413" algn="l"/>
-                <a:tab pos="4087813" algn="l"/>
-                <a:tab pos="5002213" algn="l"/>
-                <a:tab pos="5916613" algn="l"/>
-                <a:tab pos="6831013" algn="l"/>
-                <a:tab pos="7745413" algn="l"/>
-                <a:tab pos="8659813" algn="l"/>
-                <a:tab pos="9574213" algn="l"/>
-                <a:tab pos="10488613" algn="l"/>
-              </a:tabLst>
-            </a:pPr>
-            <a:r>
-              <a:rPr lang="en-GB" sz="2800" dirty="0">
-                <a:solidFill>
-                  <a:srgbClr val="000000"/>
-                </a:solidFill>
-                <a:latin typeface="Times New Roman" pitchFamily="18" charset="0"/>
-              </a:rPr>
-              <a:t>Most of the math we use in this course is from the language of </a:t>
-            </a:r>
-            <a:r>
-              <a:rPr lang="en-GB" sz="2800" b="1" dirty="0">
-                <a:solidFill>
-                  <a:srgbClr val="000000"/>
-                </a:solidFill>
-                <a:latin typeface="Times New Roman" pitchFamily="18" charset="0"/>
-              </a:rPr>
-              <a:t>waves</a:t>
-            </a:r>
-          </a:p>
-        </p:txBody>
-      </p:sp>
-    </p:spTree>
-    <p:extLst>
-      <p:ext uri="{BB962C8B-B14F-4D97-AF65-F5344CB8AC3E}">
-        <p14:creationId xmlns:p14="http://schemas.microsoft.com/office/powerpoint/2010/main" val="3273103297"/>
-      </p:ext>
-    </p:extLst>
-  </p:cSld>
-  <p:clrMapOvr>
-    <a:masterClrMapping/>
-  </p:clrMapOvr>
-</p:sld>
-</file>
-
-<file path=ppt/slides/slide20.xml><?xml version="1.0" encoding="utf-8"?>
-<p:sld xmlns:a="http://schemas.openxmlformats.org/drawingml/2006/main" xmlns:r="http://schemas.openxmlformats.org/officeDocument/2006/relationships" xmlns:p="http://schemas.openxmlformats.org/presentationml/2006/main">
-  <p:cSld>
-    <p:spTree>
-      <p:nvGrpSpPr>
-        <p:cNvPr id="1" name=""/>
-        <p:cNvGrpSpPr/>
-        <p:nvPr/>
-      </p:nvGrpSpPr>
-      <p:grpSpPr>
-        <a:xfrm>
-          <a:off x="0" y="0"/>
-          <a:ext cx="0" cy="0"/>
-          <a:chOff x="0" y="0"/>
-          <a:chExt cx="0" cy="0"/>
-        </a:xfrm>
-      </p:grpSpPr>
-      <p:pic>
-        <p:nvPicPr>
-          <p:cNvPr id="4" name="Picture 2"/>
-          <p:cNvPicPr>
-            <a:picLocks noChangeAspect="1" noChangeArrowheads="1"/>
-          </p:cNvPicPr>
-          <p:nvPr/>
-        </p:nvPicPr>
-        <p:blipFill>
-          <a:blip r:embed="rId2" cstate="print"/>
-          <a:srcRect/>
-          <a:stretch>
-            <a:fillRect/>
-          </a:stretch>
-        </p:blipFill>
-        <p:spPr bwMode="auto">
-          <a:xfrm>
-            <a:off x="484188" y="76200"/>
-            <a:ext cx="8202612" cy="239712"/>
-          </a:xfrm>
-          <a:prstGeom prst="rect">
-            <a:avLst/>
-          </a:prstGeom>
-          <a:noFill/>
-          <a:ln w="9525">
-            <a:noFill/>
-            <a:round/>
-            <a:headEnd/>
-            <a:tailEnd/>
-          </a:ln>
-        </p:spPr>
-      </p:pic>
-      <p:sp>
-        <p:nvSpPr>
-          <p:cNvPr id="5" name="Rectangle 4"/>
-          <p:cNvSpPr>
-            <a:spLocks noChangeArrowheads="1"/>
-          </p:cNvSpPr>
-          <p:nvPr/>
-        </p:nvSpPr>
-        <p:spPr bwMode="auto">
-          <a:xfrm>
-            <a:off x="135468" y="84667"/>
-            <a:ext cx="8991601" cy="1127125"/>
-          </a:xfrm>
-          <a:prstGeom prst="rect">
-            <a:avLst/>
-          </a:prstGeom>
-          <a:noFill/>
-          <a:ln w="9525">
-            <a:noFill/>
-            <a:round/>
-            <a:headEnd/>
-            <a:tailEnd/>
-          </a:ln>
-        </p:spPr>
-        <p:txBody>
-          <a:bodyPr lIns="0" tIns="0" rIns="0" bIns="0" anchor="ctr"/>
-          <a:lstStyle/>
-          <a:p>
-            <a:pPr algn="ctr">
-              <a:buClr>
-                <a:srgbClr val="000000"/>
-              </a:buClr>
-              <a:buSzPct val="100000"/>
-              <a:buFont typeface="Times New Roman" pitchFamily="18" charset="0"/>
-              <a:buNone/>
-              <a:tabLst>
-                <a:tab pos="0" algn="l"/>
-                <a:tab pos="914400" algn="l"/>
-                <a:tab pos="1828800" algn="l"/>
-                <a:tab pos="2743200" algn="l"/>
-                <a:tab pos="3657600" algn="l"/>
-                <a:tab pos="4572000" algn="l"/>
-                <a:tab pos="5486400" algn="l"/>
-                <a:tab pos="6400800" algn="l"/>
-                <a:tab pos="7315200" algn="l"/>
-                <a:tab pos="8229600" algn="l"/>
-                <a:tab pos="9144000" algn="l"/>
-                <a:tab pos="10058400" algn="l"/>
-              </a:tabLst>
-            </a:pPr>
-            <a:r>
-              <a:rPr lang="en-GB" sz="4000" dirty="0">
-                <a:solidFill>
-                  <a:srgbClr val="000000"/>
-                </a:solidFill>
-                <a:latin typeface="Times New Roman" pitchFamily="18" charset="0"/>
-              </a:rPr>
-              <a:t>Classical Wave Equation</a:t>
-            </a:r>
-          </a:p>
-        </p:txBody>
-      </p:sp>
-      <p:sp>
-        <p:nvSpPr>
-          <p:cNvPr id="8" name="Rectangle 5"/>
-          <p:cNvSpPr>
-            <a:spLocks noChangeArrowheads="1"/>
-          </p:cNvSpPr>
-          <p:nvPr/>
-        </p:nvSpPr>
-        <p:spPr bwMode="auto">
-          <a:xfrm>
-            <a:off x="228600" y="1219199"/>
-            <a:ext cx="8686800" cy="1431926"/>
-          </a:xfrm>
-          <a:prstGeom prst="rect">
-            <a:avLst/>
-          </a:prstGeom>
-          <a:noFill/>
-          <a:ln w="9525">
-            <a:noFill/>
-            <a:round/>
-            <a:headEnd/>
-            <a:tailEnd/>
-          </a:ln>
-        </p:spPr>
-        <p:txBody>
-          <a:bodyPr lIns="0" tIns="0" rIns="0" bIns="0"/>
-          <a:lstStyle/>
-          <a:p>
-            <a:pPr marL="430213" indent="-323850">
-              <a:lnSpc>
-                <a:spcPct val="100000"/>
-              </a:lnSpc>
-              <a:spcBef>
-                <a:spcPts val="800"/>
-              </a:spcBef>
-              <a:buFont typeface="Times New Roman" pitchFamily="18" charset="0"/>
-              <a:buChar char="•"/>
-              <a:tabLst>
-                <a:tab pos="430213" algn="l"/>
-                <a:tab pos="1344613" algn="l"/>
-                <a:tab pos="2259013" algn="l"/>
-                <a:tab pos="3173413" algn="l"/>
-                <a:tab pos="4087813" algn="l"/>
-                <a:tab pos="5002213" algn="l"/>
-                <a:tab pos="5916613" algn="l"/>
-                <a:tab pos="6831013" algn="l"/>
-                <a:tab pos="7745413" algn="l"/>
-                <a:tab pos="8659813" algn="l"/>
-                <a:tab pos="9574213" algn="l"/>
-                <a:tab pos="10488613" algn="l"/>
-              </a:tabLst>
-            </a:pPr>
-            <a:r>
-              <a:rPr lang="en-GB" sz="3200" dirty="0">
-                <a:solidFill>
-                  <a:srgbClr val="000000"/>
-                </a:solidFill>
-                <a:latin typeface="Times New Roman" pitchFamily="18" charset="0"/>
-              </a:rPr>
-              <a:t>Case 3: The </a:t>
-            </a:r>
-            <a:r>
-              <a:rPr lang="en-GB" sz="3200" b="1" dirty="0">
-                <a:solidFill>
-                  <a:srgbClr val="000000"/>
-                </a:solidFill>
-                <a:latin typeface="Times New Roman" pitchFamily="18" charset="0"/>
-              </a:rPr>
-              <a:t>discriminant</a:t>
-            </a:r>
-          </a:p>
-          <a:p>
-            <a:pPr marL="887413" lvl="1" indent="-323850">
-              <a:spcBef>
-                <a:spcPts val="800"/>
-              </a:spcBef>
-              <a:buFont typeface="Times New Roman" pitchFamily="18" charset="0"/>
-              <a:buChar char="•"/>
-              <a:tabLst>
-                <a:tab pos="430213" algn="l"/>
-                <a:tab pos="1344613" algn="l"/>
-                <a:tab pos="2259013" algn="l"/>
-                <a:tab pos="3173413" algn="l"/>
-                <a:tab pos="4087813" algn="l"/>
-                <a:tab pos="5002213" algn="l"/>
-                <a:tab pos="5916613" algn="l"/>
-                <a:tab pos="6831013" algn="l"/>
-                <a:tab pos="7745413" algn="l"/>
-                <a:tab pos="8659813" algn="l"/>
-                <a:tab pos="9574213" algn="l"/>
-                <a:tab pos="10488613" algn="l"/>
-              </a:tabLst>
-            </a:pPr>
             <a:r>
               <a:rPr lang="en-GB" sz="2800" dirty="0">
                 <a:solidFill>
@@ -11432,9 +11805,55 @@
           </a:p>
         </p:txBody>
       </p:sp>
+      <p:sp>
+        <p:nvSpPr>
+          <p:cNvPr id="7" name="Rectangle 6">
+            <a:extLst>
+              <a:ext uri="{FF2B5EF4-FFF2-40B4-BE49-F238E27FC236}">
+                <a16:creationId xmlns:a16="http://schemas.microsoft.com/office/drawing/2014/main" id="{9C9D602F-E452-4EC4-2B65-0361C72DF54F}"/>
+              </a:ext>
+            </a:extLst>
+          </p:cNvPr>
+          <p:cNvSpPr/>
+          <p:nvPr/>
+        </p:nvSpPr>
+        <p:spPr>
+          <a:xfrm>
+            <a:off x="848533" y="3029208"/>
+            <a:ext cx="1313430" cy="461665"/>
+          </a:xfrm>
+          <a:prstGeom prst="rect">
+            <a:avLst/>
+          </a:prstGeom>
+        </p:spPr>
+        <p:txBody>
+          <a:bodyPr wrap="none">
+            <a:spAutoFit/>
+          </a:bodyPr>
+          <a:lstStyle/>
+          <a:p>
+            <a:r>
+              <a:rPr lang="en-GB" sz="2400" dirty="0">
+                <a:solidFill>
+                  <a:srgbClr val="000000"/>
+                </a:solidFill>
+                <a:latin typeface="Times New Roman" pitchFamily="18" charset="0"/>
+              </a:rPr>
+              <a:t>Solution:</a:t>
+            </a:r>
+            <a:endParaRPr lang="en-US" sz="2400" dirty="0"/>
+          </a:p>
+        </p:txBody>
+      </p:sp>
       <p:pic>
         <p:nvPicPr>
-          <p:cNvPr id="3" name="Picture 2"/>
+          <p:cNvPr id="8" name="Picture 7">
+            <a:extLst>
+              <a:ext uri="{FF2B5EF4-FFF2-40B4-BE49-F238E27FC236}">
+                <a16:creationId xmlns:a16="http://schemas.microsoft.com/office/drawing/2014/main" id="{285F9FFF-16CA-A787-5234-A8B3D19225C3}"/>
+              </a:ext>
+            </a:extLst>
+          </p:cNvPr>
           <p:cNvPicPr>
             <a:picLocks noChangeAspect="1"/>
           </p:cNvPicPr>
@@ -11448,8 +11867,8 @@
         </p:blipFill>
         <p:spPr>
           <a:xfrm>
-            <a:off x="4997450" y="1076325"/>
-            <a:ext cx="2895600" cy="736600"/>
+            <a:off x="2286000" y="2944773"/>
+            <a:ext cx="6400800" cy="546100"/>
           </a:xfrm>
           <a:prstGeom prst="rect">
             <a:avLst/>
@@ -11458,7 +11877,13 @@
       </p:pic>
       <p:pic>
         <p:nvPicPr>
-          <p:cNvPr id="22" name="Picture 21"/>
+          <p:cNvPr id="9" name="Picture 8">
+            <a:extLst>
+              <a:ext uri="{FF2B5EF4-FFF2-40B4-BE49-F238E27FC236}">
+                <a16:creationId xmlns:a16="http://schemas.microsoft.com/office/drawing/2014/main" id="{724BB529-D9CD-7601-F119-F02EAC1E7E04}"/>
+              </a:ext>
+            </a:extLst>
+          </p:cNvPr>
           <p:cNvPicPr>
             <a:picLocks noChangeAspect="1"/>
           </p:cNvPicPr>
@@ -11472,51 +11897,23 @@
         </p:blipFill>
         <p:spPr>
           <a:xfrm>
-            <a:off x="2416967" y="2733675"/>
-            <a:ext cx="6108700" cy="1028700"/>
+            <a:off x="4997450" y="1076325"/>
+            <a:ext cx="2895600" cy="736600"/>
           </a:xfrm>
           <a:prstGeom prst="rect">
             <a:avLst/>
           </a:prstGeom>
         </p:spPr>
       </p:pic>
-      <p:sp>
-        <p:nvSpPr>
-          <p:cNvPr id="15" name="Rectangle 14"/>
-          <p:cNvSpPr/>
-          <p:nvPr/>
-        </p:nvSpPr>
-        <p:spPr>
-          <a:xfrm>
-            <a:off x="848533" y="3029208"/>
-            <a:ext cx="1313430" cy="461665"/>
-          </a:xfrm>
-          <a:prstGeom prst="rect">
-            <a:avLst/>
-          </a:prstGeom>
-        </p:spPr>
-        <p:txBody>
-          <a:bodyPr wrap="none">
-            <a:spAutoFit/>
-          </a:bodyPr>
-          <a:lstStyle/>
-          <a:p>
-            <a:r>
-              <a:rPr lang="en-GB" sz="2400" dirty="0">
-                <a:solidFill>
-                  <a:srgbClr val="000000"/>
-                </a:solidFill>
-                <a:latin typeface="Times New Roman" pitchFamily="18" charset="0"/>
-              </a:rPr>
-              <a:t>Solution:</a:t>
-            </a:r>
-            <a:endParaRPr lang="en-US" sz="2400" dirty="0"/>
-          </a:p>
-        </p:txBody>
-      </p:sp>
       <p:pic>
         <p:nvPicPr>
-          <p:cNvPr id="7" name="Picture 6"/>
+          <p:cNvPr id="10" name="Picture 9">
+            <a:extLst>
+              <a:ext uri="{FF2B5EF4-FFF2-40B4-BE49-F238E27FC236}">
+                <a16:creationId xmlns:a16="http://schemas.microsoft.com/office/drawing/2014/main" id="{347CBE9D-2870-6F2C-01BB-08625192007A}"/>
+              </a:ext>
+            </a:extLst>
+          </p:cNvPr>
           <p:cNvPicPr>
             <a:picLocks noChangeAspect="1"/>
           </p:cNvPicPr>
@@ -11524,72 +11921,13 @@
         </p:nvPicPr>
         <p:blipFill>
           <a:blip r:embed="rId5"/>
-          <a:stretch>
-            <a:fillRect/>
-          </a:stretch>
+          <a:srcRect l="14108" b="6521"/>
+          <a:stretch/>
         </p:blipFill>
         <p:spPr>
           <a:xfrm>
-            <a:off x="1041400" y="5149850"/>
-            <a:ext cx="7048500" cy="812800"/>
-          </a:xfrm>
-          <a:prstGeom prst="rect">
-            <a:avLst/>
-          </a:prstGeom>
-        </p:spPr>
-      </p:pic>
-      <p:sp>
-        <p:nvSpPr>
-          <p:cNvPr id="17" name="Rectangle 16"/>
-          <p:cNvSpPr/>
-          <p:nvPr/>
-        </p:nvSpPr>
-        <p:spPr>
-          <a:xfrm>
-            <a:off x="3969770" y="6052761"/>
-            <a:ext cx="2358639" cy="461665"/>
-          </a:xfrm>
-          <a:prstGeom prst="rect">
-            <a:avLst/>
-          </a:prstGeom>
-        </p:spPr>
-        <p:txBody>
-          <a:bodyPr wrap="none">
-            <a:spAutoFit/>
-          </a:bodyPr>
-          <a:lstStyle/>
-          <a:p>
-            <a:r>
-              <a:rPr lang="en-GB" sz="2400" b="1" dirty="0">
-                <a:solidFill>
-                  <a:srgbClr val="000000"/>
-                </a:solidFill>
-                <a:latin typeface="Times New Roman" pitchFamily="18" charset="0"/>
-              </a:rPr>
-              <a:t>Euler’s Formula</a:t>
-            </a:r>
-            <a:endParaRPr lang="en-US" sz="2400" b="1" dirty="0"/>
-          </a:p>
-        </p:txBody>
-      </p:sp>
-      <p:pic>
-        <p:nvPicPr>
-          <p:cNvPr id="9" name="Picture 8"/>
-          <p:cNvPicPr>
-            <a:picLocks noChangeAspect="1"/>
-          </p:cNvPicPr>
-          <p:nvPr/>
-        </p:nvPicPr>
-        <p:blipFill>
-          <a:blip r:embed="rId6"/>
-          <a:stretch>
-            <a:fillRect/>
-          </a:stretch>
-        </p:blipFill>
-        <p:spPr>
-          <a:xfrm>
-            <a:off x="1590675" y="3857625"/>
-            <a:ext cx="5867400" cy="1041400"/>
+            <a:off x="3251200" y="4102100"/>
+            <a:ext cx="5257800" cy="546100"/>
           </a:xfrm>
           <a:prstGeom prst="rect">
             <a:avLst/>
@@ -11598,14 +11936,22 @@
       </p:pic>
       <p:cxnSp>
         <p:nvCxnSpPr>
-          <p:cNvPr id="18" name="Straight Arrow Connector 17"/>
-          <p:cNvCxnSpPr/>
+          <p:cNvPr id="12" name="Straight Arrow Connector 11">
+            <a:extLst>
+              <a:ext uri="{FF2B5EF4-FFF2-40B4-BE49-F238E27FC236}">
+                <a16:creationId xmlns:a16="http://schemas.microsoft.com/office/drawing/2014/main" id="{5F2D26B8-F5D3-0CE7-77BE-E15DB9C52C20}"/>
+              </a:ext>
+            </a:extLst>
+          </p:cNvPr>
+          <p:cNvCxnSpPr>
+            <a:cxnSpLocks/>
+          </p:cNvCxnSpPr>
           <p:nvPr/>
         </p:nvCxnSpPr>
         <p:spPr>
           <a:xfrm flipV="1">
-            <a:off x="2540000" y="4619625"/>
-            <a:ext cx="1651000" cy="530225"/>
+            <a:off x="4318000" y="4642455"/>
+            <a:ext cx="901700" cy="688975"/>
           </a:xfrm>
           <a:prstGeom prst="straightConnector1">
             <a:avLst/>
@@ -11631,14 +11977,22 @@
       </p:cxnSp>
       <p:cxnSp>
         <p:nvCxnSpPr>
-          <p:cNvPr id="20" name="Straight Arrow Connector 19"/>
-          <p:cNvCxnSpPr/>
+          <p:cNvPr id="13" name="Straight Arrow Connector 12">
+            <a:extLst>
+              <a:ext uri="{FF2B5EF4-FFF2-40B4-BE49-F238E27FC236}">
+                <a16:creationId xmlns:a16="http://schemas.microsoft.com/office/drawing/2014/main" id="{43B90EA2-51A8-2BB6-50A9-7DF4FF5BEE82}"/>
+              </a:ext>
+            </a:extLst>
+          </p:cNvPr>
+          <p:cNvCxnSpPr>
+            <a:cxnSpLocks/>
+          </p:cNvCxnSpPr>
           <p:nvPr/>
         </p:nvCxnSpPr>
         <p:spPr>
           <a:xfrm flipV="1">
-            <a:off x="2540000" y="4619625"/>
-            <a:ext cx="3788409" cy="530225"/>
+            <a:off x="4318000" y="4655155"/>
+            <a:ext cx="3039109" cy="688975"/>
           </a:xfrm>
           <a:prstGeom prst="straightConnector1">
             <a:avLst/>
@@ -11662,10 +12016,80 @@
           </a:fontRef>
         </p:style>
       </p:cxnSp>
+      <p:sp>
+        <p:nvSpPr>
+          <p:cNvPr id="19" name="Rectangle 18">
+            <a:extLst>
+              <a:ext uri="{FF2B5EF4-FFF2-40B4-BE49-F238E27FC236}">
+                <a16:creationId xmlns:a16="http://schemas.microsoft.com/office/drawing/2014/main" id="{2BAD7E45-CADE-FF91-B7C2-36ED9875264A}"/>
+              </a:ext>
+            </a:extLst>
+          </p:cNvPr>
+          <p:cNvSpPr/>
+          <p:nvPr/>
+        </p:nvSpPr>
+        <p:spPr>
+          <a:xfrm>
+            <a:off x="5574697" y="5988992"/>
+            <a:ext cx="2358639" cy="461665"/>
+          </a:xfrm>
+          <a:prstGeom prst="rect">
+            <a:avLst/>
+          </a:prstGeom>
+        </p:spPr>
+        <p:txBody>
+          <a:bodyPr wrap="none">
+            <a:spAutoFit/>
+          </a:bodyPr>
+          <a:lstStyle/>
+          <a:p>
+            <a:r>
+              <a:rPr lang="en-GB" sz="2400" b="1" dirty="0">
+                <a:solidFill>
+                  <a:srgbClr val="000000"/>
+                </a:solidFill>
+                <a:latin typeface="Times New Roman" pitchFamily="18" charset="0"/>
+              </a:rPr>
+              <a:t>Euler’s Formula</a:t>
+            </a:r>
+            <a:endParaRPr lang="en-US" sz="2400" b="1" dirty="0"/>
+          </a:p>
+        </p:txBody>
+      </p:sp>
+      <p:pic>
+        <p:nvPicPr>
+          <p:cNvPr id="20" name="Picture 19">
+            <a:extLst>
+              <a:ext uri="{FF2B5EF4-FFF2-40B4-BE49-F238E27FC236}">
+                <a16:creationId xmlns:a16="http://schemas.microsoft.com/office/drawing/2014/main" id="{1C8D0DF7-3216-CC40-786C-F36548491835}"/>
+              </a:ext>
+            </a:extLst>
+          </p:cNvPr>
+          <p:cNvPicPr>
+            <a:picLocks noChangeAspect="1"/>
+          </p:cNvPicPr>
+          <p:nvPr/>
+        </p:nvPicPr>
+        <p:blipFill>
+          <a:blip r:embed="rId6"/>
+          <a:stretch>
+            <a:fillRect/>
+          </a:stretch>
+        </p:blipFill>
+        <p:spPr>
+          <a:xfrm>
+            <a:off x="2628900" y="5260975"/>
+            <a:ext cx="6451600" cy="533400"/>
+          </a:xfrm>
+          <a:prstGeom prst="rect">
+            <a:avLst/>
+          </a:prstGeom>
+        </p:spPr>
+      </p:pic>
     </p:spTree>
     <p:extLst>
       <p:ext uri="{BB962C8B-B14F-4D97-AF65-F5344CB8AC3E}">
-        <p14:creationId xmlns:p14="http://schemas.microsoft.com/office/powerpoint/2010/main" val="536496751"/>
+        <p14:creationId xmlns:p14="http://schemas.microsoft.com/office/powerpoint/2010/main" val="527660011"/>
       </p:ext>
     </p:extLst>
   </p:cSld>
@@ -11693,7 +12117,7 @@
                             </p:stCondLst>
                             <p:childTnLst>
                               <p:par>
-                                <p:cTn id="5" presetID="2" presetClass="entr" presetSubtype="4" fill="hold" nodeType="clickEffect">
+                                <p:cTn id="5" presetID="2" presetClass="entr" presetSubtype="4" fill="hold" grpId="0" nodeType="clickEffect">
                                   <p:stCondLst>
                                     <p:cond delay="0"/>
                                   </p:stCondLst>
@@ -11706,7 +12130,7 @@
                                           </p:stCondLst>
                                         </p:cTn>
                                         <p:tgtEl>
-                                          <p:spTgt spid="22"/>
+                                          <p:spTgt spid="7"/>
                                         </p:tgtEl>
                                         <p:attrNameLst>
                                           <p:attrName>style.visibility</p:attrName>
@@ -11720,7 +12144,7 @@
                                       <p:cBhvr additive="base">
                                         <p:cTn id="7" dur="500" fill="hold"/>
                                         <p:tgtEl>
-                                          <p:spTgt spid="22"/>
+                                          <p:spTgt spid="7"/>
                                         </p:tgtEl>
                                         <p:attrNameLst>
                                           <p:attrName>ppt_x</p:attrName>
@@ -11743,7 +12167,80 @@
                                       <p:cBhvr additive="base">
                                         <p:cTn id="8" dur="500" fill="hold"/>
                                         <p:tgtEl>
-                                          <p:spTgt spid="22"/>
+                                          <p:spTgt spid="7"/>
+                                        </p:tgtEl>
+                                        <p:attrNameLst>
+                                          <p:attrName>ppt_y</p:attrName>
+                                        </p:attrNameLst>
+                                      </p:cBhvr>
+                                      <p:tavLst>
+                                        <p:tav tm="0">
+                                          <p:val>
+                                            <p:strVal val="1+#ppt_h/2"/>
+                                          </p:val>
+                                        </p:tav>
+                                        <p:tav tm="100000">
+                                          <p:val>
+                                            <p:strVal val="#ppt_y"/>
+                                          </p:val>
+                                        </p:tav>
+                                      </p:tavLst>
+                                    </p:anim>
+                                  </p:childTnLst>
+                                </p:cTn>
+                              </p:par>
+                              <p:par>
+                                <p:cTn id="9" presetID="2" presetClass="entr" presetSubtype="4" fill="hold" nodeType="withEffect">
+                                  <p:stCondLst>
+                                    <p:cond delay="0"/>
+                                  </p:stCondLst>
+                                  <p:childTnLst>
+                                    <p:set>
+                                      <p:cBhvr>
+                                        <p:cTn id="10" dur="1" fill="hold">
+                                          <p:stCondLst>
+                                            <p:cond delay="0"/>
+                                          </p:stCondLst>
+                                        </p:cTn>
+                                        <p:tgtEl>
+                                          <p:spTgt spid="8"/>
+                                        </p:tgtEl>
+                                        <p:attrNameLst>
+                                          <p:attrName>style.visibility</p:attrName>
+                                        </p:attrNameLst>
+                                      </p:cBhvr>
+                                      <p:to>
+                                        <p:strVal val="visible"/>
+                                      </p:to>
+                                    </p:set>
+                                    <p:anim calcmode="lin" valueType="num">
+                                      <p:cBhvr additive="base">
+                                        <p:cTn id="11" dur="500" fill="hold"/>
+                                        <p:tgtEl>
+                                          <p:spTgt spid="8"/>
+                                        </p:tgtEl>
+                                        <p:attrNameLst>
+                                          <p:attrName>ppt_x</p:attrName>
+                                        </p:attrNameLst>
+                                      </p:cBhvr>
+                                      <p:tavLst>
+                                        <p:tav tm="0">
+                                          <p:val>
+                                            <p:strVal val="#ppt_x"/>
+                                          </p:val>
+                                        </p:tav>
+                                        <p:tav tm="100000">
+                                          <p:val>
+                                            <p:strVal val="#ppt_x"/>
+                                          </p:val>
+                                        </p:tav>
+                                      </p:tavLst>
+                                    </p:anim>
+                                    <p:anim calcmode="lin" valueType="num">
+                                      <p:cBhvr additive="base">
+                                        <p:cTn id="12" dur="500" fill="hold"/>
+                                        <p:tgtEl>
+                                          <p:spTgt spid="8"/>
                                         </p:tgtEl>
                                         <p:attrNameLst>
                                           <p:attrName>ppt_y</p:attrName>
@@ -11772,32 +12269,32 @@
                     </p:cTn>
                   </p:par>
                   <p:par>
-                    <p:cTn id="9" fill="hold">
+                    <p:cTn id="13" fill="hold">
                       <p:stCondLst>
                         <p:cond delay="indefinite"/>
                       </p:stCondLst>
                       <p:childTnLst>
                         <p:par>
-                          <p:cTn id="10" fill="hold">
+                          <p:cTn id="14" fill="hold">
                             <p:stCondLst>
                               <p:cond delay="0"/>
                             </p:stCondLst>
                             <p:childTnLst>
                               <p:par>
-                                <p:cTn id="11" presetID="2" presetClass="entr" presetSubtype="4" fill="hold" nodeType="clickEffect">
+                                <p:cTn id="15" presetID="2" presetClass="entr" presetSubtype="4" fill="hold" nodeType="clickEffect">
                                   <p:stCondLst>
                                     <p:cond delay="0"/>
                                   </p:stCondLst>
                                   <p:childTnLst>
                                     <p:set>
                                       <p:cBhvr>
-                                        <p:cTn id="12" dur="1" fill="hold">
+                                        <p:cTn id="16" dur="1" fill="hold">
                                           <p:stCondLst>
                                             <p:cond delay="0"/>
                                           </p:stCondLst>
                                         </p:cTn>
                                         <p:tgtEl>
-                                          <p:spTgt spid="9"/>
+                                          <p:spTgt spid="10"/>
                                         </p:tgtEl>
                                         <p:attrNameLst>
                                           <p:attrName>style.visibility</p:attrName>
@@ -11809,9 +12306,9 @@
                                     </p:set>
                                     <p:anim calcmode="lin" valueType="num">
                                       <p:cBhvr additive="base">
-                                        <p:cTn id="13" dur="500" fill="hold"/>
-                                        <p:tgtEl>
-                                          <p:spTgt spid="9"/>
+                                        <p:cTn id="17" dur="500" fill="hold"/>
+                                        <p:tgtEl>
+                                          <p:spTgt spid="10"/>
                                         </p:tgtEl>
                                         <p:attrNameLst>
                                           <p:attrName>ppt_x</p:attrName>
@@ -11832,9 +12329,9 @@
                                     </p:anim>
                                     <p:anim calcmode="lin" valueType="num">
                                       <p:cBhvr additive="base">
-                                        <p:cTn id="14" dur="500" fill="hold"/>
-                                        <p:tgtEl>
-                                          <p:spTgt spid="9"/>
+                                        <p:cTn id="18" dur="500" fill="hold"/>
+                                        <p:tgtEl>
+                                          <p:spTgt spid="10"/>
                                         </p:tgtEl>
                                         <p:attrNameLst>
                                           <p:attrName>ppt_y</p:attrName>
@@ -11863,92 +12360,19 @@
                     </p:cTn>
                   </p:par>
                   <p:par>
-                    <p:cTn id="15" fill="hold">
+                    <p:cTn id="19" fill="hold">
                       <p:stCondLst>
                         <p:cond delay="indefinite"/>
                       </p:stCondLst>
                       <p:childTnLst>
                         <p:par>
-                          <p:cTn id="16" fill="hold">
+                          <p:cTn id="20" fill="hold">
                             <p:stCondLst>
                               <p:cond delay="0"/>
                             </p:stCondLst>
                             <p:childTnLst>
                               <p:par>
-                                <p:cTn id="17" presetID="2" presetClass="entr" presetSubtype="4" fill="hold" nodeType="clickEffect">
-                                  <p:stCondLst>
-                                    <p:cond delay="0"/>
-                                  </p:stCondLst>
-                                  <p:childTnLst>
-                                    <p:set>
-                                      <p:cBhvr>
-                                        <p:cTn id="18" dur="1" fill="hold">
-                                          <p:stCondLst>
-                                            <p:cond delay="0"/>
-                                          </p:stCondLst>
-                                        </p:cTn>
-                                        <p:tgtEl>
-                                          <p:spTgt spid="18"/>
-                                        </p:tgtEl>
-                                        <p:attrNameLst>
-                                          <p:attrName>style.visibility</p:attrName>
-                                        </p:attrNameLst>
-                                      </p:cBhvr>
-                                      <p:to>
-                                        <p:strVal val="visible"/>
-                                      </p:to>
-                                    </p:set>
-                                    <p:anim calcmode="lin" valueType="num">
-                                      <p:cBhvr additive="base">
-                                        <p:cTn id="19" dur="500" fill="hold"/>
-                                        <p:tgtEl>
-                                          <p:spTgt spid="18"/>
-                                        </p:tgtEl>
-                                        <p:attrNameLst>
-                                          <p:attrName>ppt_x</p:attrName>
-                                        </p:attrNameLst>
-                                      </p:cBhvr>
-                                      <p:tavLst>
-                                        <p:tav tm="0">
-                                          <p:val>
-                                            <p:strVal val="#ppt_x"/>
-                                          </p:val>
-                                        </p:tav>
-                                        <p:tav tm="100000">
-                                          <p:val>
-                                            <p:strVal val="#ppt_x"/>
-                                          </p:val>
-                                        </p:tav>
-                                      </p:tavLst>
-                                    </p:anim>
-                                    <p:anim calcmode="lin" valueType="num">
-                                      <p:cBhvr additive="base">
-                                        <p:cTn id="20" dur="500" fill="hold"/>
-                                        <p:tgtEl>
-                                          <p:spTgt spid="18"/>
-                                        </p:tgtEl>
-                                        <p:attrNameLst>
-                                          <p:attrName>ppt_y</p:attrName>
-                                        </p:attrNameLst>
-                                      </p:cBhvr>
-                                      <p:tavLst>
-                                        <p:tav tm="0">
-                                          <p:val>
-                                            <p:strVal val="1+#ppt_h/2"/>
-                                          </p:val>
-                                        </p:tav>
-                                        <p:tav tm="100000">
-                                          <p:val>
-                                            <p:strVal val="#ppt_y"/>
-                                          </p:val>
-                                        </p:tav>
-                                      </p:tavLst>
-                                    </p:anim>
-                                  </p:childTnLst>
-                                </p:cTn>
-                              </p:par>
-                              <p:par>
-                                <p:cTn id="21" presetID="2" presetClass="entr" presetSubtype="4" fill="hold" nodeType="withEffect">
+                                <p:cTn id="21" presetID="2" presetClass="entr" presetSubtype="4" fill="hold" nodeType="clickEffect">
                                   <p:stCondLst>
                                     <p:cond delay="0"/>
                                   </p:stCondLst>
@@ -12034,7 +12458,7 @@
                                           </p:stCondLst>
                                         </p:cTn>
                                         <p:tgtEl>
-                                          <p:spTgt spid="7"/>
+                                          <p:spTgt spid="12"/>
                                         </p:tgtEl>
                                         <p:attrNameLst>
                                           <p:attrName>style.visibility</p:attrName>
@@ -12048,7 +12472,7 @@
                                       <p:cBhvr additive="base">
                                         <p:cTn id="27" dur="500" fill="hold"/>
                                         <p:tgtEl>
-                                          <p:spTgt spid="7"/>
+                                          <p:spTgt spid="12"/>
                                         </p:tgtEl>
                                         <p:attrNameLst>
                                           <p:attrName>ppt_x</p:attrName>
@@ -12071,7 +12495,7 @@
                                       <p:cBhvr additive="base">
                                         <p:cTn id="28" dur="500" fill="hold"/>
                                         <p:tgtEl>
-                                          <p:spTgt spid="7"/>
+                                          <p:spTgt spid="12"/>
                                         </p:tgtEl>
                                         <p:attrNameLst>
                                           <p:attrName>ppt_y</p:attrName>
@@ -12094,7 +12518,7 @@
                                 </p:cTn>
                               </p:par>
                               <p:par>
-                                <p:cTn id="29" presetID="2" presetClass="entr" presetSubtype="4" fill="hold" grpId="0" nodeType="withEffect">
+                                <p:cTn id="29" presetID="2" presetClass="entr" presetSubtype="4" fill="hold" nodeType="withEffect">
                                   <p:stCondLst>
                                     <p:cond delay="0"/>
                                   </p:stCondLst>
@@ -12107,7 +12531,7 @@
                                           </p:stCondLst>
                                         </p:cTn>
                                         <p:tgtEl>
-                                          <p:spTgt spid="17"/>
+                                          <p:spTgt spid="13"/>
                                         </p:tgtEl>
                                         <p:attrNameLst>
                                           <p:attrName>style.visibility</p:attrName>
@@ -12121,7 +12545,7 @@
                                       <p:cBhvr additive="base">
                                         <p:cTn id="31" dur="500" fill="hold"/>
                                         <p:tgtEl>
-                                          <p:spTgt spid="17"/>
+                                          <p:spTgt spid="13"/>
                                         </p:tgtEl>
                                         <p:attrNameLst>
                                           <p:attrName>ppt_x</p:attrName>
@@ -12144,7 +12568,80 @@
                                       <p:cBhvr additive="base">
                                         <p:cTn id="32" dur="500" fill="hold"/>
                                         <p:tgtEl>
-                                          <p:spTgt spid="17"/>
+                                          <p:spTgt spid="13"/>
+                                        </p:tgtEl>
+                                        <p:attrNameLst>
+                                          <p:attrName>ppt_y</p:attrName>
+                                        </p:attrNameLst>
+                                      </p:cBhvr>
+                                      <p:tavLst>
+                                        <p:tav tm="0">
+                                          <p:val>
+                                            <p:strVal val="1+#ppt_h/2"/>
+                                          </p:val>
+                                        </p:tav>
+                                        <p:tav tm="100000">
+                                          <p:val>
+                                            <p:strVal val="#ppt_y"/>
+                                          </p:val>
+                                        </p:tav>
+                                      </p:tavLst>
+                                    </p:anim>
+                                  </p:childTnLst>
+                                </p:cTn>
+                              </p:par>
+                              <p:par>
+                                <p:cTn id="33" presetID="2" presetClass="entr" presetSubtype="4" fill="hold" grpId="0" nodeType="withEffect">
+                                  <p:stCondLst>
+                                    <p:cond delay="0"/>
+                                  </p:stCondLst>
+                                  <p:childTnLst>
+                                    <p:set>
+                                      <p:cBhvr>
+                                        <p:cTn id="34" dur="1" fill="hold">
+                                          <p:stCondLst>
+                                            <p:cond delay="0"/>
+                                          </p:stCondLst>
+                                        </p:cTn>
+                                        <p:tgtEl>
+                                          <p:spTgt spid="19"/>
+                                        </p:tgtEl>
+                                        <p:attrNameLst>
+                                          <p:attrName>style.visibility</p:attrName>
+                                        </p:attrNameLst>
+                                      </p:cBhvr>
+                                      <p:to>
+                                        <p:strVal val="visible"/>
+                                      </p:to>
+                                    </p:set>
+                                    <p:anim calcmode="lin" valueType="num">
+                                      <p:cBhvr additive="base">
+                                        <p:cTn id="35" dur="500" fill="hold"/>
+                                        <p:tgtEl>
+                                          <p:spTgt spid="19"/>
+                                        </p:tgtEl>
+                                        <p:attrNameLst>
+                                          <p:attrName>ppt_x</p:attrName>
+                                        </p:attrNameLst>
+                                      </p:cBhvr>
+                                      <p:tavLst>
+                                        <p:tav tm="0">
+                                          <p:val>
+                                            <p:strVal val="#ppt_x"/>
+                                          </p:val>
+                                        </p:tav>
+                                        <p:tav tm="100000">
+                                          <p:val>
+                                            <p:strVal val="#ppt_x"/>
+                                          </p:val>
+                                        </p:tav>
+                                      </p:tavLst>
+                                    </p:anim>
+                                    <p:anim calcmode="lin" valueType="num">
+                                      <p:cBhvr additive="base">
+                                        <p:cTn id="36" dur="500" fill="hold"/>
+                                        <p:tgtEl>
+                                          <p:spTgt spid="19"/>
                                         </p:tgtEl>
                                         <p:attrNameLst>
                                           <p:attrName>ppt_y</p:attrName>
@@ -12194,13 +12691,14 @@
       </p:par>
     </p:tnLst>
     <p:bldLst>
-      <p:bldP spid="17" grpId="0"/>
+      <p:bldP spid="7" grpId="0"/>
+      <p:bldP spid="19" grpId="0"/>
     </p:bldLst>
   </p:timing>
 </p:sld>
 </file>
 
-<file path=ppt/slides/slide21.xml><?xml version="1.0" encoding="utf-8"?>
+<file path=ppt/slides/slide22.xml><?xml version="1.0" encoding="utf-8"?>
 <p:sld xmlns:a="http://schemas.openxmlformats.org/drawingml/2006/main" xmlns:r="http://schemas.openxmlformats.org/officeDocument/2006/relationships" xmlns:p="http://schemas.openxmlformats.org/presentationml/2006/main">
   <p:cSld>
     <p:spTree>
@@ -13558,7 +14056,1415 @@
 </p:sld>
 </file>
 
-<file path=ppt/slides/slide22.xml><?xml version="1.0" encoding="utf-8"?>
+<file path=ppt/slides/slide23.xml><?xml version="1.0" encoding="utf-8"?>
+<p:sld xmlns:a="http://schemas.openxmlformats.org/drawingml/2006/main" xmlns:r="http://schemas.openxmlformats.org/officeDocument/2006/relationships" xmlns:p="http://schemas.openxmlformats.org/presentationml/2006/main">
+  <p:cSld>
+    <p:spTree>
+      <p:nvGrpSpPr>
+        <p:cNvPr id="1" name=""/>
+        <p:cNvGrpSpPr/>
+        <p:nvPr/>
+      </p:nvGrpSpPr>
+      <p:grpSpPr>
+        <a:xfrm>
+          <a:off x="0" y="0"/>
+          <a:ext cx="0" cy="0"/>
+          <a:chOff x="0" y="0"/>
+          <a:chExt cx="0" cy="0"/>
+        </a:xfrm>
+      </p:grpSpPr>
+      <p:pic>
+        <p:nvPicPr>
+          <p:cNvPr id="4" name="Picture 2">
+            <a:extLst>
+              <a:ext uri="{FF2B5EF4-FFF2-40B4-BE49-F238E27FC236}">
+                <a16:creationId xmlns:a16="http://schemas.microsoft.com/office/drawing/2014/main" id="{2F5682BD-16BA-07A9-0A64-2AC31DFB23B6}"/>
+              </a:ext>
+            </a:extLst>
+          </p:cNvPr>
+          <p:cNvPicPr>
+            <a:picLocks noChangeAspect="1" noChangeArrowheads="1"/>
+          </p:cNvPicPr>
+          <p:nvPr/>
+        </p:nvPicPr>
+        <p:blipFill>
+          <a:blip r:embed="rId2" cstate="print"/>
+          <a:srcRect/>
+          <a:stretch>
+            <a:fillRect/>
+          </a:stretch>
+        </p:blipFill>
+        <p:spPr bwMode="auto">
+          <a:xfrm>
+            <a:off x="484188" y="76200"/>
+            <a:ext cx="8202612" cy="239712"/>
+          </a:xfrm>
+          <a:prstGeom prst="rect">
+            <a:avLst/>
+          </a:prstGeom>
+          <a:noFill/>
+          <a:ln w="9525">
+            <a:noFill/>
+            <a:round/>
+            <a:headEnd/>
+            <a:tailEnd/>
+          </a:ln>
+        </p:spPr>
+      </p:pic>
+      <p:sp>
+        <p:nvSpPr>
+          <p:cNvPr id="5" name="Rectangle 4">
+            <a:extLst>
+              <a:ext uri="{FF2B5EF4-FFF2-40B4-BE49-F238E27FC236}">
+                <a16:creationId xmlns:a16="http://schemas.microsoft.com/office/drawing/2014/main" id="{A52B0908-EBA4-7449-E389-6795131DF2E8}"/>
+              </a:ext>
+            </a:extLst>
+          </p:cNvPr>
+          <p:cNvSpPr>
+            <a:spLocks noChangeArrowheads="1"/>
+          </p:cNvSpPr>
+          <p:nvPr/>
+        </p:nvSpPr>
+        <p:spPr bwMode="auto">
+          <a:xfrm>
+            <a:off x="135468" y="84667"/>
+            <a:ext cx="8991601" cy="1127125"/>
+          </a:xfrm>
+          <a:prstGeom prst="rect">
+            <a:avLst/>
+          </a:prstGeom>
+          <a:noFill/>
+          <a:ln w="9525">
+            <a:noFill/>
+            <a:round/>
+            <a:headEnd/>
+            <a:tailEnd/>
+          </a:ln>
+        </p:spPr>
+        <p:txBody>
+          <a:bodyPr lIns="0" tIns="0" rIns="0" bIns="0" anchor="ctr"/>
+          <a:lstStyle/>
+          <a:p>
+            <a:pPr algn="ctr">
+              <a:buClr>
+                <a:srgbClr val="000000"/>
+              </a:buClr>
+              <a:buSzPct val="100000"/>
+              <a:buFont typeface="Times New Roman" pitchFamily="18" charset="0"/>
+              <a:buNone/>
+              <a:tabLst>
+                <a:tab pos="0" algn="l"/>
+                <a:tab pos="914400" algn="l"/>
+                <a:tab pos="1828800" algn="l"/>
+                <a:tab pos="2743200" algn="l"/>
+                <a:tab pos="3657600" algn="l"/>
+                <a:tab pos="4572000" algn="l"/>
+                <a:tab pos="5486400" algn="l"/>
+                <a:tab pos="6400800" algn="l"/>
+                <a:tab pos="7315200" algn="l"/>
+                <a:tab pos="8229600" algn="l"/>
+                <a:tab pos="9144000" algn="l"/>
+                <a:tab pos="10058400" algn="l"/>
+              </a:tabLst>
+            </a:pPr>
+            <a:r>
+              <a:rPr lang="en-GB" sz="4000" dirty="0">
+                <a:solidFill>
+                  <a:srgbClr val="000000"/>
+                </a:solidFill>
+                <a:latin typeface="Times New Roman" pitchFamily="18" charset="0"/>
+              </a:rPr>
+              <a:t>Classical Wave Equation</a:t>
+            </a:r>
+          </a:p>
+        </p:txBody>
+      </p:sp>
+      <p:sp>
+        <p:nvSpPr>
+          <p:cNvPr id="6" name="Rectangle 5">
+            <a:extLst>
+              <a:ext uri="{FF2B5EF4-FFF2-40B4-BE49-F238E27FC236}">
+                <a16:creationId xmlns:a16="http://schemas.microsoft.com/office/drawing/2014/main" id="{51B51D84-F88D-5CB6-0DA0-551486210168}"/>
+              </a:ext>
+            </a:extLst>
+          </p:cNvPr>
+          <p:cNvSpPr>
+            <a:spLocks noChangeArrowheads="1"/>
+          </p:cNvSpPr>
+          <p:nvPr/>
+        </p:nvSpPr>
+        <p:spPr bwMode="auto">
+          <a:xfrm>
+            <a:off x="228600" y="1219199"/>
+            <a:ext cx="8686800" cy="1431926"/>
+          </a:xfrm>
+          <a:prstGeom prst="rect">
+            <a:avLst/>
+          </a:prstGeom>
+          <a:noFill/>
+          <a:ln w="9525">
+            <a:noFill/>
+            <a:round/>
+            <a:headEnd/>
+            <a:tailEnd/>
+          </a:ln>
+        </p:spPr>
+        <p:txBody>
+          <a:bodyPr lIns="0" tIns="0" rIns="0" bIns="0"/>
+          <a:lstStyle/>
+          <a:p>
+            <a:pPr marL="430213" indent="-323850">
+              <a:lnSpc>
+                <a:spcPct val="100000"/>
+              </a:lnSpc>
+              <a:spcBef>
+                <a:spcPts val="800"/>
+              </a:spcBef>
+              <a:buFont typeface="Times New Roman" pitchFamily="18" charset="0"/>
+              <a:buChar char="•"/>
+              <a:tabLst>
+                <a:tab pos="430213" algn="l"/>
+                <a:tab pos="1344613" algn="l"/>
+                <a:tab pos="2259013" algn="l"/>
+                <a:tab pos="3173413" algn="l"/>
+                <a:tab pos="4087813" algn="l"/>
+                <a:tab pos="5002213" algn="l"/>
+                <a:tab pos="5916613" algn="l"/>
+                <a:tab pos="6831013" algn="l"/>
+                <a:tab pos="7745413" algn="l"/>
+                <a:tab pos="8659813" algn="l"/>
+                <a:tab pos="9574213" algn="l"/>
+                <a:tab pos="10488613" algn="l"/>
+              </a:tabLst>
+            </a:pPr>
+            <a:r>
+              <a:rPr lang="en-GB" sz="3200" dirty="0">
+                <a:solidFill>
+                  <a:srgbClr val="000000"/>
+                </a:solidFill>
+                <a:latin typeface="Times New Roman" pitchFamily="18" charset="0"/>
+              </a:rPr>
+              <a:t>Case 3: The </a:t>
+            </a:r>
+            <a:r>
+              <a:rPr lang="en-GB" sz="3200" b="1" dirty="0">
+                <a:solidFill>
+                  <a:srgbClr val="000000"/>
+                </a:solidFill>
+                <a:latin typeface="Times New Roman" pitchFamily="18" charset="0"/>
+              </a:rPr>
+              <a:t>discriminant</a:t>
+            </a:r>
+          </a:p>
+          <a:p>
+            <a:pPr marL="887413" lvl="1" indent="-323850">
+              <a:spcBef>
+                <a:spcPts val="800"/>
+              </a:spcBef>
+              <a:buFont typeface="Times New Roman" pitchFamily="18" charset="0"/>
+              <a:buChar char="•"/>
+              <a:tabLst>
+                <a:tab pos="430213" algn="l"/>
+                <a:tab pos="1344613" algn="l"/>
+                <a:tab pos="2259013" algn="l"/>
+                <a:tab pos="3173413" algn="l"/>
+                <a:tab pos="4087813" algn="l"/>
+                <a:tab pos="5002213" algn="l"/>
+                <a:tab pos="5916613" algn="l"/>
+                <a:tab pos="6831013" algn="l"/>
+                <a:tab pos="7745413" algn="l"/>
+                <a:tab pos="8659813" algn="l"/>
+                <a:tab pos="9574213" algn="l"/>
+                <a:tab pos="10488613" algn="l"/>
+              </a:tabLst>
+            </a:pPr>
+            <a:r>
+              <a:rPr lang="en-GB" sz="2800" dirty="0">
+                <a:solidFill>
+                  <a:srgbClr val="000000"/>
+                </a:solidFill>
+                <a:latin typeface="Times New Roman"/>
+                <a:cs typeface="Times New Roman"/>
+              </a:rPr>
+              <a:t>Using Euler’s Formula and rearranging:</a:t>
+            </a:r>
+            <a:endParaRPr lang="en-GB" sz="2800" b="1" i="1" u="sng" dirty="0">
+              <a:solidFill>
+                <a:srgbClr val="000000"/>
+              </a:solidFill>
+              <a:latin typeface="Times New Roman"/>
+              <a:cs typeface="Times New Roman"/>
+            </a:endParaRPr>
+          </a:p>
+        </p:txBody>
+      </p:sp>
+      <p:sp>
+        <p:nvSpPr>
+          <p:cNvPr id="7" name="Rectangle 6">
+            <a:extLst>
+              <a:ext uri="{FF2B5EF4-FFF2-40B4-BE49-F238E27FC236}">
+                <a16:creationId xmlns:a16="http://schemas.microsoft.com/office/drawing/2014/main" id="{EB1750D9-3BFF-99B4-A2B4-70787478CCFE}"/>
+              </a:ext>
+            </a:extLst>
+          </p:cNvPr>
+          <p:cNvSpPr/>
+          <p:nvPr/>
+        </p:nvSpPr>
+        <p:spPr>
+          <a:xfrm>
+            <a:off x="848533" y="3235583"/>
+            <a:ext cx="1313430" cy="461665"/>
+          </a:xfrm>
+          <a:prstGeom prst="rect">
+            <a:avLst/>
+          </a:prstGeom>
+        </p:spPr>
+        <p:txBody>
+          <a:bodyPr wrap="none">
+            <a:spAutoFit/>
+          </a:bodyPr>
+          <a:lstStyle/>
+          <a:p>
+            <a:r>
+              <a:rPr lang="en-GB" sz="2400" dirty="0">
+                <a:solidFill>
+                  <a:srgbClr val="000000"/>
+                </a:solidFill>
+                <a:latin typeface="Times New Roman" pitchFamily="18" charset="0"/>
+              </a:rPr>
+              <a:t>Solution:</a:t>
+            </a:r>
+            <a:endParaRPr lang="en-US" sz="2400" dirty="0"/>
+          </a:p>
+        </p:txBody>
+      </p:sp>
+      <p:pic>
+        <p:nvPicPr>
+          <p:cNvPr id="9" name="Picture 8">
+            <a:extLst>
+              <a:ext uri="{FF2B5EF4-FFF2-40B4-BE49-F238E27FC236}">
+                <a16:creationId xmlns:a16="http://schemas.microsoft.com/office/drawing/2014/main" id="{3936318F-2C1A-39A1-18E9-FC0BB6D7D30D}"/>
+              </a:ext>
+            </a:extLst>
+          </p:cNvPr>
+          <p:cNvPicPr>
+            <a:picLocks noChangeAspect="1"/>
+          </p:cNvPicPr>
+          <p:nvPr/>
+        </p:nvPicPr>
+        <p:blipFill>
+          <a:blip r:embed="rId3"/>
+          <a:stretch>
+            <a:fillRect/>
+          </a:stretch>
+        </p:blipFill>
+        <p:spPr>
+          <a:xfrm>
+            <a:off x="6008502" y="4456668"/>
+            <a:ext cx="1663700" cy="330200"/>
+          </a:xfrm>
+          <a:prstGeom prst="rect">
+            <a:avLst/>
+          </a:prstGeom>
+        </p:spPr>
+      </p:pic>
+      <p:cxnSp>
+        <p:nvCxnSpPr>
+          <p:cNvPr id="10" name="Straight Arrow Connector 9">
+            <a:extLst>
+              <a:ext uri="{FF2B5EF4-FFF2-40B4-BE49-F238E27FC236}">
+                <a16:creationId xmlns:a16="http://schemas.microsoft.com/office/drawing/2014/main" id="{F56A8B4A-8D04-2FB1-659F-A495B5131921}"/>
+              </a:ext>
+            </a:extLst>
+          </p:cNvPr>
+          <p:cNvCxnSpPr/>
+          <p:nvPr/>
+        </p:nvCxnSpPr>
+        <p:spPr>
+          <a:xfrm>
+            <a:off x="5381625" y="3697248"/>
+            <a:ext cx="626877" cy="759420"/>
+          </a:xfrm>
+          <a:prstGeom prst="straightConnector1">
+            <a:avLst/>
+          </a:prstGeom>
+          <a:ln>
+            <a:tailEnd type="arrow"/>
+          </a:ln>
+        </p:spPr>
+        <p:style>
+          <a:lnRef idx="2">
+            <a:schemeClr val="accent1"/>
+          </a:lnRef>
+          <a:fillRef idx="0">
+            <a:schemeClr val="accent1"/>
+          </a:fillRef>
+          <a:effectRef idx="1">
+            <a:schemeClr val="accent1"/>
+          </a:effectRef>
+          <a:fontRef idx="minor">
+            <a:schemeClr val="tx1"/>
+          </a:fontRef>
+        </p:style>
+      </p:cxnSp>
+      <p:cxnSp>
+        <p:nvCxnSpPr>
+          <p:cNvPr id="11" name="Straight Arrow Connector 10">
+            <a:extLst>
+              <a:ext uri="{FF2B5EF4-FFF2-40B4-BE49-F238E27FC236}">
+                <a16:creationId xmlns:a16="http://schemas.microsoft.com/office/drawing/2014/main" id="{623C45B1-9C96-1476-EA88-F9B1C8208C13}"/>
+              </a:ext>
+            </a:extLst>
+          </p:cNvPr>
+          <p:cNvCxnSpPr>
+            <a:cxnSpLocks/>
+          </p:cNvCxnSpPr>
+          <p:nvPr/>
+        </p:nvCxnSpPr>
+        <p:spPr>
+          <a:xfrm flipH="1">
+            <a:off x="6286500" y="3697248"/>
+            <a:ext cx="1511300" cy="759420"/>
+          </a:xfrm>
+          <a:prstGeom prst="straightConnector1">
+            <a:avLst/>
+          </a:prstGeom>
+          <a:ln>
+            <a:tailEnd type="arrow"/>
+          </a:ln>
+        </p:spPr>
+        <p:style>
+          <a:lnRef idx="2">
+            <a:schemeClr val="accent1"/>
+          </a:lnRef>
+          <a:fillRef idx="0">
+            <a:schemeClr val="accent1"/>
+          </a:fillRef>
+          <a:effectRef idx="1">
+            <a:schemeClr val="accent1"/>
+          </a:effectRef>
+          <a:fontRef idx="minor">
+            <a:schemeClr val="tx1"/>
+          </a:fontRef>
+        </p:style>
+      </p:cxnSp>
+      <p:sp>
+        <p:nvSpPr>
+          <p:cNvPr id="12" name="TextBox 11">
+            <a:extLst>
+              <a:ext uri="{FF2B5EF4-FFF2-40B4-BE49-F238E27FC236}">
+                <a16:creationId xmlns:a16="http://schemas.microsoft.com/office/drawing/2014/main" id="{D4CBF669-0E80-6F20-238F-460787371878}"/>
+              </a:ext>
+            </a:extLst>
+          </p:cNvPr>
+          <p:cNvSpPr txBox="1"/>
+          <p:nvPr/>
+        </p:nvSpPr>
+        <p:spPr>
+          <a:xfrm>
+            <a:off x="-7407" y="4456668"/>
+            <a:ext cx="5957505" cy="369332"/>
+          </a:xfrm>
+          <a:prstGeom prst="rect">
+            <a:avLst/>
+          </a:prstGeom>
+          <a:noFill/>
+        </p:spPr>
+        <p:txBody>
+          <a:bodyPr wrap="none" rtlCol="0">
+            <a:spAutoFit/>
+          </a:bodyPr>
+          <a:lstStyle/>
+          <a:p>
+            <a:r>
+              <a:rPr lang="en-US" dirty="0">
+                <a:latin typeface="Times New Roman"/>
+                <a:cs typeface="Times New Roman"/>
+              </a:rPr>
+              <a:t>In physics, </a:t>
+            </a:r>
+            <a:r>
+              <a:rPr lang="en-US" i="1" dirty="0">
+                <a:latin typeface="Symbol" charset="2"/>
+                <a:cs typeface="Symbol" charset="2"/>
+              </a:rPr>
+              <a:t>b</a:t>
+            </a:r>
+            <a:r>
+              <a:rPr lang="en-US" dirty="0">
+                <a:latin typeface="Times New Roman"/>
+                <a:cs typeface="Times New Roman"/>
+              </a:rPr>
+              <a:t> is the “</a:t>
+            </a:r>
+            <a:r>
+              <a:rPr lang="en-US" b="1" u="sng" dirty="0">
+                <a:latin typeface="Times New Roman"/>
+                <a:cs typeface="Times New Roman"/>
+              </a:rPr>
+              <a:t>angular frequency</a:t>
+            </a:r>
+            <a:r>
+              <a:rPr lang="en-US" dirty="0">
+                <a:latin typeface="Times New Roman"/>
+                <a:cs typeface="Times New Roman"/>
+              </a:rPr>
+              <a:t>” and usually denoted:</a:t>
+            </a:r>
+          </a:p>
+        </p:txBody>
+      </p:sp>
+      <p:sp>
+        <p:nvSpPr>
+          <p:cNvPr id="13" name="TextBox 12">
+            <a:extLst>
+              <a:ext uri="{FF2B5EF4-FFF2-40B4-BE49-F238E27FC236}">
+                <a16:creationId xmlns:a16="http://schemas.microsoft.com/office/drawing/2014/main" id="{27F3131C-F9AB-E165-24C7-6F08AE64BFE8}"/>
+              </a:ext>
+            </a:extLst>
+          </p:cNvPr>
+          <p:cNvSpPr txBox="1"/>
+          <p:nvPr/>
+        </p:nvSpPr>
+        <p:spPr>
+          <a:xfrm>
+            <a:off x="6572762" y="5171043"/>
+            <a:ext cx="2005677" cy="369332"/>
+          </a:xfrm>
+          <a:prstGeom prst="rect">
+            <a:avLst/>
+          </a:prstGeom>
+          <a:noFill/>
+        </p:spPr>
+        <p:txBody>
+          <a:bodyPr wrap="none" rtlCol="0">
+            <a:spAutoFit/>
+          </a:bodyPr>
+          <a:lstStyle/>
+          <a:p>
+            <a:r>
+              <a:rPr lang="en-US" dirty="0">
+                <a:latin typeface="Times New Roman"/>
+                <a:cs typeface="Times New Roman"/>
+              </a:rPr>
+              <a:t>“</a:t>
+            </a:r>
+            <a:r>
+              <a:rPr lang="en-US" b="1" u="sng" dirty="0">
+                <a:latin typeface="Times New Roman"/>
+                <a:cs typeface="Times New Roman"/>
+              </a:rPr>
+              <a:t>linear frequency</a:t>
+            </a:r>
+            <a:r>
+              <a:rPr lang="en-US" dirty="0">
+                <a:latin typeface="Times New Roman"/>
+                <a:cs typeface="Times New Roman"/>
+              </a:rPr>
+              <a:t>”</a:t>
+            </a:r>
+            <a:endParaRPr lang="en-US" dirty="0"/>
+          </a:p>
+        </p:txBody>
+      </p:sp>
+      <p:sp>
+        <p:nvSpPr>
+          <p:cNvPr id="14" name="Rectangle 13">
+            <a:extLst>
+              <a:ext uri="{FF2B5EF4-FFF2-40B4-BE49-F238E27FC236}">
+                <a16:creationId xmlns:a16="http://schemas.microsoft.com/office/drawing/2014/main" id="{B7D14A77-B943-3BA1-7CB0-A19C0368A043}"/>
+              </a:ext>
+            </a:extLst>
+          </p:cNvPr>
+          <p:cNvSpPr/>
+          <p:nvPr/>
+        </p:nvSpPr>
+        <p:spPr>
+          <a:xfrm>
+            <a:off x="5908462" y="4365625"/>
+            <a:ext cx="1984587" cy="508001"/>
+          </a:xfrm>
+          <a:prstGeom prst="rect">
+            <a:avLst/>
+          </a:prstGeom>
+          <a:noFill/>
+          <a:ln w="38100" cmpd="sng">
+            <a:solidFill>
+              <a:srgbClr val="008000"/>
+            </a:solidFill>
+          </a:ln>
+        </p:spPr>
+        <p:style>
+          <a:lnRef idx="1">
+            <a:schemeClr val="accent1"/>
+          </a:lnRef>
+          <a:fillRef idx="3">
+            <a:schemeClr val="accent1"/>
+          </a:fillRef>
+          <a:effectRef idx="2">
+            <a:schemeClr val="accent1"/>
+          </a:effectRef>
+          <a:fontRef idx="minor">
+            <a:schemeClr val="lt1"/>
+          </a:fontRef>
+        </p:style>
+        <p:txBody>
+          <a:bodyPr rtlCol="0" anchor="ctr"/>
+          <a:lstStyle/>
+          <a:p>
+            <a:pPr algn="ctr"/>
+            <a:endParaRPr lang="en-US"/>
+          </a:p>
+        </p:txBody>
+      </p:sp>
+      <p:cxnSp>
+        <p:nvCxnSpPr>
+          <p:cNvPr id="15" name="Straight Arrow Connector 14">
+            <a:extLst>
+              <a:ext uri="{FF2B5EF4-FFF2-40B4-BE49-F238E27FC236}">
+                <a16:creationId xmlns:a16="http://schemas.microsoft.com/office/drawing/2014/main" id="{947D7AC5-50B1-8C70-15E1-9275A9AC8205}"/>
+              </a:ext>
+            </a:extLst>
+          </p:cNvPr>
+          <p:cNvCxnSpPr/>
+          <p:nvPr/>
+        </p:nvCxnSpPr>
+        <p:spPr>
+          <a:xfrm flipV="1">
+            <a:off x="7493000" y="4841876"/>
+            <a:ext cx="0" cy="345042"/>
+          </a:xfrm>
+          <a:prstGeom prst="straightConnector1">
+            <a:avLst/>
+          </a:prstGeom>
+          <a:ln>
+            <a:tailEnd type="arrow"/>
+          </a:ln>
+        </p:spPr>
+        <p:style>
+          <a:lnRef idx="2">
+            <a:schemeClr val="accent1"/>
+          </a:lnRef>
+          <a:fillRef idx="0">
+            <a:schemeClr val="accent1"/>
+          </a:fillRef>
+          <a:effectRef idx="1">
+            <a:schemeClr val="accent1"/>
+          </a:effectRef>
+          <a:fontRef idx="minor">
+            <a:schemeClr val="tx1"/>
+          </a:fontRef>
+        </p:style>
+      </p:cxnSp>
+      <p:pic>
+        <p:nvPicPr>
+          <p:cNvPr id="16" name="Picture 15">
+            <a:extLst>
+              <a:ext uri="{FF2B5EF4-FFF2-40B4-BE49-F238E27FC236}">
+                <a16:creationId xmlns:a16="http://schemas.microsoft.com/office/drawing/2014/main" id="{27AC4E0B-B55B-33AA-3B31-0AB8313513D3}"/>
+              </a:ext>
+            </a:extLst>
+          </p:cNvPr>
+          <p:cNvPicPr>
+            <a:picLocks noChangeAspect="1"/>
+          </p:cNvPicPr>
+          <p:nvPr/>
+        </p:nvPicPr>
+        <p:blipFill>
+          <a:blip r:embed="rId4"/>
+          <a:stretch>
+            <a:fillRect/>
+          </a:stretch>
+        </p:blipFill>
+        <p:spPr>
+          <a:xfrm>
+            <a:off x="2374900" y="3213100"/>
+            <a:ext cx="6172200" cy="558800"/>
+          </a:xfrm>
+          <a:prstGeom prst="rect">
+            <a:avLst/>
+          </a:prstGeom>
+        </p:spPr>
+      </p:pic>
+    </p:spTree>
+    <p:extLst>
+      <p:ext uri="{BB962C8B-B14F-4D97-AF65-F5344CB8AC3E}">
+        <p14:creationId xmlns:p14="http://schemas.microsoft.com/office/powerpoint/2010/main" val="1790449477"/>
+      </p:ext>
+    </p:extLst>
+  </p:cSld>
+  <p:clrMapOvr>
+    <a:masterClrMapping/>
+  </p:clrMapOvr>
+  <p:timing>
+    <p:tnLst>
+      <p:par>
+        <p:cTn id="1" dur="indefinite" restart="never" nodeType="tmRoot">
+          <p:childTnLst>
+            <p:seq concurrent="1" nextAc="seek">
+              <p:cTn id="2" dur="indefinite" nodeType="mainSeq">
+                <p:childTnLst>
+                  <p:par>
+                    <p:cTn id="3" fill="hold">
+                      <p:stCondLst>
+                        <p:cond delay="indefinite"/>
+                      </p:stCondLst>
+                      <p:childTnLst>
+                        <p:par>
+                          <p:cTn id="4" fill="hold">
+                            <p:stCondLst>
+                              <p:cond delay="0"/>
+                            </p:stCondLst>
+                            <p:childTnLst>
+                              <p:par>
+                                <p:cTn id="5" presetID="2" presetClass="entr" presetSubtype="4" fill="hold" grpId="0" nodeType="clickEffect">
+                                  <p:stCondLst>
+                                    <p:cond delay="0"/>
+                                  </p:stCondLst>
+                                  <p:childTnLst>
+                                    <p:set>
+                                      <p:cBhvr>
+                                        <p:cTn id="6" dur="1" fill="hold">
+                                          <p:stCondLst>
+                                            <p:cond delay="0"/>
+                                          </p:stCondLst>
+                                        </p:cTn>
+                                        <p:tgtEl>
+                                          <p:spTgt spid="7"/>
+                                        </p:tgtEl>
+                                        <p:attrNameLst>
+                                          <p:attrName>style.visibility</p:attrName>
+                                        </p:attrNameLst>
+                                      </p:cBhvr>
+                                      <p:to>
+                                        <p:strVal val="visible"/>
+                                      </p:to>
+                                    </p:set>
+                                    <p:anim calcmode="lin" valueType="num">
+                                      <p:cBhvr additive="base">
+                                        <p:cTn id="7" dur="500" fill="hold"/>
+                                        <p:tgtEl>
+                                          <p:spTgt spid="7"/>
+                                        </p:tgtEl>
+                                        <p:attrNameLst>
+                                          <p:attrName>ppt_x</p:attrName>
+                                        </p:attrNameLst>
+                                      </p:cBhvr>
+                                      <p:tavLst>
+                                        <p:tav tm="0">
+                                          <p:val>
+                                            <p:strVal val="#ppt_x"/>
+                                          </p:val>
+                                        </p:tav>
+                                        <p:tav tm="100000">
+                                          <p:val>
+                                            <p:strVal val="#ppt_x"/>
+                                          </p:val>
+                                        </p:tav>
+                                      </p:tavLst>
+                                    </p:anim>
+                                    <p:anim calcmode="lin" valueType="num">
+                                      <p:cBhvr additive="base">
+                                        <p:cTn id="8" dur="500" fill="hold"/>
+                                        <p:tgtEl>
+                                          <p:spTgt spid="7"/>
+                                        </p:tgtEl>
+                                        <p:attrNameLst>
+                                          <p:attrName>ppt_y</p:attrName>
+                                        </p:attrNameLst>
+                                      </p:cBhvr>
+                                      <p:tavLst>
+                                        <p:tav tm="0">
+                                          <p:val>
+                                            <p:strVal val="1+#ppt_h/2"/>
+                                          </p:val>
+                                        </p:tav>
+                                        <p:tav tm="100000">
+                                          <p:val>
+                                            <p:strVal val="#ppt_y"/>
+                                          </p:val>
+                                        </p:tav>
+                                      </p:tavLst>
+                                    </p:anim>
+                                  </p:childTnLst>
+                                </p:cTn>
+                              </p:par>
+                              <p:par>
+                                <p:cTn id="9" presetID="2" presetClass="entr" presetSubtype="4" fill="hold" nodeType="withEffect">
+                                  <p:stCondLst>
+                                    <p:cond delay="0"/>
+                                  </p:stCondLst>
+                                  <p:childTnLst>
+                                    <p:set>
+                                      <p:cBhvr>
+                                        <p:cTn id="10" dur="1" fill="hold">
+                                          <p:stCondLst>
+                                            <p:cond delay="0"/>
+                                          </p:stCondLst>
+                                        </p:cTn>
+                                        <p:tgtEl>
+                                          <p:spTgt spid="16"/>
+                                        </p:tgtEl>
+                                        <p:attrNameLst>
+                                          <p:attrName>style.visibility</p:attrName>
+                                        </p:attrNameLst>
+                                      </p:cBhvr>
+                                      <p:to>
+                                        <p:strVal val="visible"/>
+                                      </p:to>
+                                    </p:set>
+                                    <p:anim calcmode="lin" valueType="num">
+                                      <p:cBhvr additive="base">
+                                        <p:cTn id="11" dur="500" fill="hold"/>
+                                        <p:tgtEl>
+                                          <p:spTgt spid="16"/>
+                                        </p:tgtEl>
+                                        <p:attrNameLst>
+                                          <p:attrName>ppt_x</p:attrName>
+                                        </p:attrNameLst>
+                                      </p:cBhvr>
+                                      <p:tavLst>
+                                        <p:tav tm="0">
+                                          <p:val>
+                                            <p:strVal val="#ppt_x"/>
+                                          </p:val>
+                                        </p:tav>
+                                        <p:tav tm="100000">
+                                          <p:val>
+                                            <p:strVal val="#ppt_x"/>
+                                          </p:val>
+                                        </p:tav>
+                                      </p:tavLst>
+                                    </p:anim>
+                                    <p:anim calcmode="lin" valueType="num">
+                                      <p:cBhvr additive="base">
+                                        <p:cTn id="12" dur="500" fill="hold"/>
+                                        <p:tgtEl>
+                                          <p:spTgt spid="16"/>
+                                        </p:tgtEl>
+                                        <p:attrNameLst>
+                                          <p:attrName>ppt_y</p:attrName>
+                                        </p:attrNameLst>
+                                      </p:cBhvr>
+                                      <p:tavLst>
+                                        <p:tav tm="0">
+                                          <p:val>
+                                            <p:strVal val="1+#ppt_h/2"/>
+                                          </p:val>
+                                        </p:tav>
+                                        <p:tav tm="100000">
+                                          <p:val>
+                                            <p:strVal val="#ppt_y"/>
+                                          </p:val>
+                                        </p:tav>
+                                      </p:tavLst>
+                                    </p:anim>
+                                  </p:childTnLst>
+                                </p:cTn>
+                              </p:par>
+                            </p:childTnLst>
+                          </p:cTn>
+                        </p:par>
+                      </p:childTnLst>
+                    </p:cTn>
+                  </p:par>
+                  <p:par>
+                    <p:cTn id="13" fill="hold">
+                      <p:stCondLst>
+                        <p:cond delay="indefinite"/>
+                      </p:stCondLst>
+                      <p:childTnLst>
+                        <p:par>
+                          <p:cTn id="14" fill="hold">
+                            <p:stCondLst>
+                              <p:cond delay="0"/>
+                            </p:stCondLst>
+                            <p:childTnLst>
+                              <p:par>
+                                <p:cTn id="15" presetID="2" presetClass="entr" presetSubtype="4" fill="hold" grpId="0" nodeType="clickEffect">
+                                  <p:stCondLst>
+                                    <p:cond delay="0"/>
+                                  </p:stCondLst>
+                                  <p:childTnLst>
+                                    <p:set>
+                                      <p:cBhvr>
+                                        <p:cTn id="16" dur="1" fill="hold">
+                                          <p:stCondLst>
+                                            <p:cond delay="0"/>
+                                          </p:stCondLst>
+                                        </p:cTn>
+                                        <p:tgtEl>
+                                          <p:spTgt spid="12"/>
+                                        </p:tgtEl>
+                                        <p:attrNameLst>
+                                          <p:attrName>style.visibility</p:attrName>
+                                        </p:attrNameLst>
+                                      </p:cBhvr>
+                                      <p:to>
+                                        <p:strVal val="visible"/>
+                                      </p:to>
+                                    </p:set>
+                                    <p:anim calcmode="lin" valueType="num">
+                                      <p:cBhvr additive="base">
+                                        <p:cTn id="17" dur="500" fill="hold"/>
+                                        <p:tgtEl>
+                                          <p:spTgt spid="12"/>
+                                        </p:tgtEl>
+                                        <p:attrNameLst>
+                                          <p:attrName>ppt_x</p:attrName>
+                                        </p:attrNameLst>
+                                      </p:cBhvr>
+                                      <p:tavLst>
+                                        <p:tav tm="0">
+                                          <p:val>
+                                            <p:strVal val="#ppt_x"/>
+                                          </p:val>
+                                        </p:tav>
+                                        <p:tav tm="100000">
+                                          <p:val>
+                                            <p:strVal val="#ppt_x"/>
+                                          </p:val>
+                                        </p:tav>
+                                      </p:tavLst>
+                                    </p:anim>
+                                    <p:anim calcmode="lin" valueType="num">
+                                      <p:cBhvr additive="base">
+                                        <p:cTn id="18" dur="500" fill="hold"/>
+                                        <p:tgtEl>
+                                          <p:spTgt spid="12"/>
+                                        </p:tgtEl>
+                                        <p:attrNameLst>
+                                          <p:attrName>ppt_y</p:attrName>
+                                        </p:attrNameLst>
+                                      </p:cBhvr>
+                                      <p:tavLst>
+                                        <p:tav tm="0">
+                                          <p:val>
+                                            <p:strVal val="1+#ppt_h/2"/>
+                                          </p:val>
+                                        </p:tav>
+                                        <p:tav tm="100000">
+                                          <p:val>
+                                            <p:strVal val="#ppt_y"/>
+                                          </p:val>
+                                        </p:tav>
+                                      </p:tavLst>
+                                    </p:anim>
+                                  </p:childTnLst>
+                                </p:cTn>
+                              </p:par>
+                              <p:par>
+                                <p:cTn id="19" presetID="2" presetClass="entr" presetSubtype="4" fill="hold" nodeType="withEffect">
+                                  <p:stCondLst>
+                                    <p:cond delay="0"/>
+                                  </p:stCondLst>
+                                  <p:childTnLst>
+                                    <p:set>
+                                      <p:cBhvr>
+                                        <p:cTn id="20" dur="1" fill="hold">
+                                          <p:stCondLst>
+                                            <p:cond delay="0"/>
+                                          </p:stCondLst>
+                                        </p:cTn>
+                                        <p:tgtEl>
+                                          <p:spTgt spid="10"/>
+                                        </p:tgtEl>
+                                        <p:attrNameLst>
+                                          <p:attrName>style.visibility</p:attrName>
+                                        </p:attrNameLst>
+                                      </p:cBhvr>
+                                      <p:to>
+                                        <p:strVal val="visible"/>
+                                      </p:to>
+                                    </p:set>
+                                    <p:anim calcmode="lin" valueType="num">
+                                      <p:cBhvr additive="base">
+                                        <p:cTn id="21" dur="500" fill="hold"/>
+                                        <p:tgtEl>
+                                          <p:spTgt spid="10"/>
+                                        </p:tgtEl>
+                                        <p:attrNameLst>
+                                          <p:attrName>ppt_x</p:attrName>
+                                        </p:attrNameLst>
+                                      </p:cBhvr>
+                                      <p:tavLst>
+                                        <p:tav tm="0">
+                                          <p:val>
+                                            <p:strVal val="#ppt_x"/>
+                                          </p:val>
+                                        </p:tav>
+                                        <p:tav tm="100000">
+                                          <p:val>
+                                            <p:strVal val="#ppt_x"/>
+                                          </p:val>
+                                        </p:tav>
+                                      </p:tavLst>
+                                    </p:anim>
+                                    <p:anim calcmode="lin" valueType="num">
+                                      <p:cBhvr additive="base">
+                                        <p:cTn id="22" dur="500" fill="hold"/>
+                                        <p:tgtEl>
+                                          <p:spTgt spid="10"/>
+                                        </p:tgtEl>
+                                        <p:attrNameLst>
+                                          <p:attrName>ppt_y</p:attrName>
+                                        </p:attrNameLst>
+                                      </p:cBhvr>
+                                      <p:tavLst>
+                                        <p:tav tm="0">
+                                          <p:val>
+                                            <p:strVal val="1+#ppt_h/2"/>
+                                          </p:val>
+                                        </p:tav>
+                                        <p:tav tm="100000">
+                                          <p:val>
+                                            <p:strVal val="#ppt_y"/>
+                                          </p:val>
+                                        </p:tav>
+                                      </p:tavLst>
+                                    </p:anim>
+                                  </p:childTnLst>
+                                </p:cTn>
+                              </p:par>
+                              <p:par>
+                                <p:cTn id="23" presetID="2" presetClass="entr" presetSubtype="4" fill="hold" nodeType="withEffect">
+                                  <p:stCondLst>
+                                    <p:cond delay="0"/>
+                                  </p:stCondLst>
+                                  <p:childTnLst>
+                                    <p:set>
+                                      <p:cBhvr>
+                                        <p:cTn id="24" dur="1" fill="hold">
+                                          <p:stCondLst>
+                                            <p:cond delay="0"/>
+                                          </p:stCondLst>
+                                        </p:cTn>
+                                        <p:tgtEl>
+                                          <p:spTgt spid="11"/>
+                                        </p:tgtEl>
+                                        <p:attrNameLst>
+                                          <p:attrName>style.visibility</p:attrName>
+                                        </p:attrNameLst>
+                                      </p:cBhvr>
+                                      <p:to>
+                                        <p:strVal val="visible"/>
+                                      </p:to>
+                                    </p:set>
+                                    <p:anim calcmode="lin" valueType="num">
+                                      <p:cBhvr additive="base">
+                                        <p:cTn id="25" dur="500" fill="hold"/>
+                                        <p:tgtEl>
+                                          <p:spTgt spid="11"/>
+                                        </p:tgtEl>
+                                        <p:attrNameLst>
+                                          <p:attrName>ppt_x</p:attrName>
+                                        </p:attrNameLst>
+                                      </p:cBhvr>
+                                      <p:tavLst>
+                                        <p:tav tm="0">
+                                          <p:val>
+                                            <p:strVal val="#ppt_x"/>
+                                          </p:val>
+                                        </p:tav>
+                                        <p:tav tm="100000">
+                                          <p:val>
+                                            <p:strVal val="#ppt_x"/>
+                                          </p:val>
+                                        </p:tav>
+                                      </p:tavLst>
+                                    </p:anim>
+                                    <p:anim calcmode="lin" valueType="num">
+                                      <p:cBhvr additive="base">
+                                        <p:cTn id="26" dur="500" fill="hold"/>
+                                        <p:tgtEl>
+                                          <p:spTgt spid="11"/>
+                                        </p:tgtEl>
+                                        <p:attrNameLst>
+                                          <p:attrName>ppt_y</p:attrName>
+                                        </p:attrNameLst>
+                                      </p:cBhvr>
+                                      <p:tavLst>
+                                        <p:tav tm="0">
+                                          <p:val>
+                                            <p:strVal val="1+#ppt_h/2"/>
+                                          </p:val>
+                                        </p:tav>
+                                        <p:tav tm="100000">
+                                          <p:val>
+                                            <p:strVal val="#ppt_y"/>
+                                          </p:val>
+                                        </p:tav>
+                                      </p:tavLst>
+                                    </p:anim>
+                                  </p:childTnLst>
+                                </p:cTn>
+                              </p:par>
+                              <p:par>
+                                <p:cTn id="27" presetID="2" presetClass="entr" presetSubtype="4" fill="hold" nodeType="withEffect">
+                                  <p:stCondLst>
+                                    <p:cond delay="0"/>
+                                  </p:stCondLst>
+                                  <p:childTnLst>
+                                    <p:set>
+                                      <p:cBhvr>
+                                        <p:cTn id="28" dur="1" fill="hold">
+                                          <p:stCondLst>
+                                            <p:cond delay="0"/>
+                                          </p:stCondLst>
+                                        </p:cTn>
+                                        <p:tgtEl>
+                                          <p:spTgt spid="9"/>
+                                        </p:tgtEl>
+                                        <p:attrNameLst>
+                                          <p:attrName>style.visibility</p:attrName>
+                                        </p:attrNameLst>
+                                      </p:cBhvr>
+                                      <p:to>
+                                        <p:strVal val="visible"/>
+                                      </p:to>
+                                    </p:set>
+                                    <p:anim calcmode="lin" valueType="num">
+                                      <p:cBhvr additive="base">
+                                        <p:cTn id="29" dur="500" fill="hold"/>
+                                        <p:tgtEl>
+                                          <p:spTgt spid="9"/>
+                                        </p:tgtEl>
+                                        <p:attrNameLst>
+                                          <p:attrName>ppt_x</p:attrName>
+                                        </p:attrNameLst>
+                                      </p:cBhvr>
+                                      <p:tavLst>
+                                        <p:tav tm="0">
+                                          <p:val>
+                                            <p:strVal val="#ppt_x"/>
+                                          </p:val>
+                                        </p:tav>
+                                        <p:tav tm="100000">
+                                          <p:val>
+                                            <p:strVal val="#ppt_x"/>
+                                          </p:val>
+                                        </p:tav>
+                                      </p:tavLst>
+                                    </p:anim>
+                                    <p:anim calcmode="lin" valueType="num">
+                                      <p:cBhvr additive="base">
+                                        <p:cTn id="30" dur="500" fill="hold"/>
+                                        <p:tgtEl>
+                                          <p:spTgt spid="9"/>
+                                        </p:tgtEl>
+                                        <p:attrNameLst>
+                                          <p:attrName>ppt_y</p:attrName>
+                                        </p:attrNameLst>
+                                      </p:cBhvr>
+                                      <p:tavLst>
+                                        <p:tav tm="0">
+                                          <p:val>
+                                            <p:strVal val="1+#ppt_h/2"/>
+                                          </p:val>
+                                        </p:tav>
+                                        <p:tav tm="100000">
+                                          <p:val>
+                                            <p:strVal val="#ppt_y"/>
+                                          </p:val>
+                                        </p:tav>
+                                      </p:tavLst>
+                                    </p:anim>
+                                  </p:childTnLst>
+                                </p:cTn>
+                              </p:par>
+                            </p:childTnLst>
+                          </p:cTn>
+                        </p:par>
+                      </p:childTnLst>
+                    </p:cTn>
+                  </p:par>
+                  <p:par>
+                    <p:cTn id="31" fill="hold">
+                      <p:stCondLst>
+                        <p:cond delay="indefinite"/>
+                      </p:stCondLst>
+                      <p:childTnLst>
+                        <p:par>
+                          <p:cTn id="32" fill="hold">
+                            <p:stCondLst>
+                              <p:cond delay="0"/>
+                            </p:stCondLst>
+                            <p:childTnLst>
+                              <p:par>
+                                <p:cTn id="33" presetID="2" presetClass="entr" presetSubtype="4" fill="hold" nodeType="clickEffect">
+                                  <p:stCondLst>
+                                    <p:cond delay="0"/>
+                                  </p:stCondLst>
+                                  <p:childTnLst>
+                                    <p:set>
+                                      <p:cBhvr>
+                                        <p:cTn id="34" dur="1" fill="hold">
+                                          <p:stCondLst>
+                                            <p:cond delay="0"/>
+                                          </p:stCondLst>
+                                        </p:cTn>
+                                        <p:tgtEl>
+                                          <p:spTgt spid="15"/>
+                                        </p:tgtEl>
+                                        <p:attrNameLst>
+                                          <p:attrName>style.visibility</p:attrName>
+                                        </p:attrNameLst>
+                                      </p:cBhvr>
+                                      <p:to>
+                                        <p:strVal val="visible"/>
+                                      </p:to>
+                                    </p:set>
+                                    <p:anim calcmode="lin" valueType="num">
+                                      <p:cBhvr additive="base">
+                                        <p:cTn id="35" dur="500" fill="hold"/>
+                                        <p:tgtEl>
+                                          <p:spTgt spid="15"/>
+                                        </p:tgtEl>
+                                        <p:attrNameLst>
+                                          <p:attrName>ppt_x</p:attrName>
+                                        </p:attrNameLst>
+                                      </p:cBhvr>
+                                      <p:tavLst>
+                                        <p:tav tm="0">
+                                          <p:val>
+                                            <p:strVal val="#ppt_x"/>
+                                          </p:val>
+                                        </p:tav>
+                                        <p:tav tm="100000">
+                                          <p:val>
+                                            <p:strVal val="#ppt_x"/>
+                                          </p:val>
+                                        </p:tav>
+                                      </p:tavLst>
+                                    </p:anim>
+                                    <p:anim calcmode="lin" valueType="num">
+                                      <p:cBhvr additive="base">
+                                        <p:cTn id="36" dur="500" fill="hold"/>
+                                        <p:tgtEl>
+                                          <p:spTgt spid="15"/>
+                                        </p:tgtEl>
+                                        <p:attrNameLst>
+                                          <p:attrName>ppt_y</p:attrName>
+                                        </p:attrNameLst>
+                                      </p:cBhvr>
+                                      <p:tavLst>
+                                        <p:tav tm="0">
+                                          <p:val>
+                                            <p:strVal val="1+#ppt_h/2"/>
+                                          </p:val>
+                                        </p:tav>
+                                        <p:tav tm="100000">
+                                          <p:val>
+                                            <p:strVal val="#ppt_y"/>
+                                          </p:val>
+                                        </p:tav>
+                                      </p:tavLst>
+                                    </p:anim>
+                                  </p:childTnLst>
+                                </p:cTn>
+                              </p:par>
+                              <p:par>
+                                <p:cTn id="37" presetID="2" presetClass="entr" presetSubtype="4" fill="hold" grpId="0" nodeType="withEffect">
+                                  <p:stCondLst>
+                                    <p:cond delay="0"/>
+                                  </p:stCondLst>
+                                  <p:childTnLst>
+                                    <p:set>
+                                      <p:cBhvr>
+                                        <p:cTn id="38" dur="1" fill="hold">
+                                          <p:stCondLst>
+                                            <p:cond delay="0"/>
+                                          </p:stCondLst>
+                                        </p:cTn>
+                                        <p:tgtEl>
+                                          <p:spTgt spid="13"/>
+                                        </p:tgtEl>
+                                        <p:attrNameLst>
+                                          <p:attrName>style.visibility</p:attrName>
+                                        </p:attrNameLst>
+                                      </p:cBhvr>
+                                      <p:to>
+                                        <p:strVal val="visible"/>
+                                      </p:to>
+                                    </p:set>
+                                    <p:anim calcmode="lin" valueType="num">
+                                      <p:cBhvr additive="base">
+                                        <p:cTn id="39" dur="500" fill="hold"/>
+                                        <p:tgtEl>
+                                          <p:spTgt spid="13"/>
+                                        </p:tgtEl>
+                                        <p:attrNameLst>
+                                          <p:attrName>ppt_x</p:attrName>
+                                        </p:attrNameLst>
+                                      </p:cBhvr>
+                                      <p:tavLst>
+                                        <p:tav tm="0">
+                                          <p:val>
+                                            <p:strVal val="#ppt_x"/>
+                                          </p:val>
+                                        </p:tav>
+                                        <p:tav tm="100000">
+                                          <p:val>
+                                            <p:strVal val="#ppt_x"/>
+                                          </p:val>
+                                        </p:tav>
+                                      </p:tavLst>
+                                    </p:anim>
+                                    <p:anim calcmode="lin" valueType="num">
+                                      <p:cBhvr additive="base">
+                                        <p:cTn id="40" dur="500" fill="hold"/>
+                                        <p:tgtEl>
+                                          <p:spTgt spid="13"/>
+                                        </p:tgtEl>
+                                        <p:attrNameLst>
+                                          <p:attrName>ppt_y</p:attrName>
+                                        </p:attrNameLst>
+                                      </p:cBhvr>
+                                      <p:tavLst>
+                                        <p:tav tm="0">
+                                          <p:val>
+                                            <p:strVal val="1+#ppt_h/2"/>
+                                          </p:val>
+                                        </p:tav>
+                                        <p:tav tm="100000">
+                                          <p:val>
+                                            <p:strVal val="#ppt_y"/>
+                                          </p:val>
+                                        </p:tav>
+                                      </p:tavLst>
+                                    </p:anim>
+                                  </p:childTnLst>
+                                </p:cTn>
+                              </p:par>
+                            </p:childTnLst>
+                          </p:cTn>
+                        </p:par>
+                      </p:childTnLst>
+                    </p:cTn>
+                  </p:par>
+                  <p:par>
+                    <p:cTn id="41" fill="hold">
+                      <p:stCondLst>
+                        <p:cond delay="indefinite"/>
+                      </p:stCondLst>
+                      <p:childTnLst>
+                        <p:par>
+                          <p:cTn id="42" fill="hold">
+                            <p:stCondLst>
+                              <p:cond delay="0"/>
+                            </p:stCondLst>
+                            <p:childTnLst>
+                              <p:par>
+                                <p:cTn id="43" presetID="2" presetClass="entr" presetSubtype="4" fill="hold" grpId="0" nodeType="clickEffect">
+                                  <p:stCondLst>
+                                    <p:cond delay="0"/>
+                                  </p:stCondLst>
+                                  <p:childTnLst>
+                                    <p:set>
+                                      <p:cBhvr>
+                                        <p:cTn id="44" dur="1" fill="hold">
+                                          <p:stCondLst>
+                                            <p:cond delay="0"/>
+                                          </p:stCondLst>
+                                        </p:cTn>
+                                        <p:tgtEl>
+                                          <p:spTgt spid="14"/>
+                                        </p:tgtEl>
+                                        <p:attrNameLst>
+                                          <p:attrName>style.visibility</p:attrName>
+                                        </p:attrNameLst>
+                                      </p:cBhvr>
+                                      <p:to>
+                                        <p:strVal val="visible"/>
+                                      </p:to>
+                                    </p:set>
+                                    <p:anim calcmode="lin" valueType="num">
+                                      <p:cBhvr additive="base">
+                                        <p:cTn id="45" dur="500" fill="hold"/>
+                                        <p:tgtEl>
+                                          <p:spTgt spid="14"/>
+                                        </p:tgtEl>
+                                        <p:attrNameLst>
+                                          <p:attrName>ppt_x</p:attrName>
+                                        </p:attrNameLst>
+                                      </p:cBhvr>
+                                      <p:tavLst>
+                                        <p:tav tm="0">
+                                          <p:val>
+                                            <p:strVal val="#ppt_x"/>
+                                          </p:val>
+                                        </p:tav>
+                                        <p:tav tm="100000">
+                                          <p:val>
+                                            <p:strVal val="#ppt_x"/>
+                                          </p:val>
+                                        </p:tav>
+                                      </p:tavLst>
+                                    </p:anim>
+                                    <p:anim calcmode="lin" valueType="num">
+                                      <p:cBhvr additive="base">
+                                        <p:cTn id="46" dur="500" fill="hold"/>
+                                        <p:tgtEl>
+                                          <p:spTgt spid="14"/>
+                                        </p:tgtEl>
+                                        <p:attrNameLst>
+                                          <p:attrName>ppt_y</p:attrName>
+                                        </p:attrNameLst>
+                                      </p:cBhvr>
+                                      <p:tavLst>
+                                        <p:tav tm="0">
+                                          <p:val>
+                                            <p:strVal val="1+#ppt_h/2"/>
+                                          </p:val>
+                                        </p:tav>
+                                        <p:tav tm="100000">
+                                          <p:val>
+                                            <p:strVal val="#ppt_y"/>
+                                          </p:val>
+                                        </p:tav>
+                                      </p:tavLst>
+                                    </p:anim>
+                                  </p:childTnLst>
+                                </p:cTn>
+                              </p:par>
+                            </p:childTnLst>
+                          </p:cTn>
+                        </p:par>
+                      </p:childTnLst>
+                    </p:cTn>
+                  </p:par>
+                </p:childTnLst>
+              </p:cTn>
+              <p:prevCondLst>
+                <p:cond evt="onPrev" delay="0">
+                  <p:tgtEl>
+                    <p:sldTgt/>
+                  </p:tgtEl>
+                </p:cond>
+              </p:prevCondLst>
+              <p:nextCondLst>
+                <p:cond evt="onNext" delay="0">
+                  <p:tgtEl>
+                    <p:sldTgt/>
+                  </p:tgtEl>
+                </p:cond>
+              </p:nextCondLst>
+            </p:seq>
+          </p:childTnLst>
+        </p:cTn>
+      </p:par>
+    </p:tnLst>
+    <p:bldLst>
+      <p:bldP spid="7" grpId="0"/>
+      <p:bldP spid="12" grpId="0"/>
+      <p:bldP spid="13" grpId="0"/>
+      <p:bldP spid="14" grpId="0" animBg="1"/>
+    </p:bldLst>
+  </p:timing>
+</p:sld>
+</file>
+
+<file path=ppt/slides/slide24.xml><?xml version="1.0" encoding="utf-8"?>
 <p:sld xmlns:a="http://schemas.openxmlformats.org/drawingml/2006/main" xmlns:r="http://schemas.openxmlformats.org/officeDocument/2006/relationships" xmlns:p="http://schemas.openxmlformats.org/presentationml/2006/main">
   <p:cSld>
     <p:spTree>
@@ -15104,7 +17010,7 @@
 </p:sld>
 </file>
 
-<file path=ppt/slides/slide23.xml><?xml version="1.0" encoding="utf-8"?>
+<file path=ppt/slides/slide25.xml><?xml version="1.0" encoding="utf-8"?>
 <p:sld xmlns:a="http://schemas.openxmlformats.org/drawingml/2006/main" xmlns:r="http://schemas.openxmlformats.org/officeDocument/2006/relationships" xmlns:p="http://schemas.openxmlformats.org/presentationml/2006/main">
   <p:cSld>
     <p:spTree>
@@ -15332,14 +17238,13 @@
         </p:nvPicPr>
         <p:blipFill>
           <a:blip r:embed="rId3"/>
-          <a:stretch>
-            <a:fillRect/>
-          </a:stretch>
+          <a:srcRect r="88889"/>
+          <a:stretch/>
         </p:blipFill>
         <p:spPr>
           <a:xfrm>
-            <a:off x="0" y="2955925"/>
-            <a:ext cx="8686800" cy="1706767"/>
+            <a:off x="203200" y="3222625"/>
+            <a:ext cx="965200" cy="1706767"/>
           </a:xfrm>
           <a:prstGeom prst="rect">
             <a:avLst/>
@@ -15384,10 +17289,552 @@
           </a:p>
         </p:txBody>
       </p:sp>
+      <p:sp>
+        <p:nvSpPr>
+          <p:cNvPr id="3" name="TextBox 2">
+            <a:extLst>
+              <a:ext uri="{FF2B5EF4-FFF2-40B4-BE49-F238E27FC236}">
+                <a16:creationId xmlns:a16="http://schemas.microsoft.com/office/drawing/2014/main" id="{B124A052-34F8-2DA4-64AD-A33A23939FDE}"/>
+              </a:ext>
+            </a:extLst>
+          </p:cNvPr>
+          <p:cNvSpPr txBox="1"/>
+          <p:nvPr/>
+        </p:nvSpPr>
+        <p:spPr>
+          <a:xfrm>
+            <a:off x="1465224" y="3108325"/>
+            <a:ext cx="7013652" cy="738664"/>
+          </a:xfrm>
+          <a:prstGeom prst="rect">
+            <a:avLst/>
+          </a:prstGeom>
+          <a:solidFill>
+            <a:schemeClr val="accent1">
+              <a:lumMod val="20000"/>
+              <a:lumOff val="80000"/>
+            </a:schemeClr>
+          </a:solidFill>
+        </p:spPr>
+        <p:txBody>
+          <a:bodyPr wrap="square" rtlCol="0">
+            <a:spAutoFit/>
+          </a:bodyPr>
+          <a:lstStyle/>
+          <a:p>
+            <a:r>
+              <a:rPr lang="en-US" sz="2400" b="1" dirty="0" err="1">
+                <a:latin typeface="Courier" pitchFamily="2" charset="0"/>
+              </a:rPr>
+              <a:t>DSolve</a:t>
+            </a:r>
+            <a:r>
+              <a:rPr lang="en-US" sz="2400" b="1" dirty="0">
+                <a:latin typeface="Courier" pitchFamily="2" charset="0"/>
+              </a:rPr>
+              <a:t>[X''[</a:t>
+            </a:r>
+            <a:r>
+              <a:rPr lang="en-US" sz="2400" b="1" dirty="0">
+                <a:solidFill>
+                  <a:srgbClr val="00B050"/>
+                </a:solidFill>
+                <a:latin typeface="Courier" pitchFamily="2" charset="0"/>
+              </a:rPr>
+              <a:t>x</a:t>
+            </a:r>
+            <a:r>
+              <a:rPr lang="en-US" sz="2400" b="1" dirty="0">
+                <a:latin typeface="Courier" pitchFamily="2" charset="0"/>
+              </a:rPr>
+              <a:t>] + c X[</a:t>
+            </a:r>
+            <a:r>
+              <a:rPr lang="en-US" sz="2400" b="1" dirty="0">
+                <a:solidFill>
+                  <a:srgbClr val="00B050"/>
+                </a:solidFill>
+                <a:latin typeface="Courier" pitchFamily="2" charset="0"/>
+              </a:rPr>
+              <a:t>x</a:t>
+            </a:r>
+            <a:r>
+              <a:rPr lang="en-US" sz="2400" b="1" dirty="0">
+                <a:latin typeface="Courier" pitchFamily="2" charset="0"/>
+              </a:rPr>
+              <a:t>] == 0, X[</a:t>
+            </a:r>
+            <a:r>
+              <a:rPr lang="en-US" sz="2400" b="1" dirty="0">
+                <a:solidFill>
+                  <a:srgbClr val="00B050"/>
+                </a:solidFill>
+                <a:latin typeface="Courier" pitchFamily="2" charset="0"/>
+              </a:rPr>
+              <a:t>x</a:t>
+            </a:r>
+            <a:r>
+              <a:rPr lang="en-US" sz="2400" b="1" dirty="0">
+                <a:latin typeface="Courier" pitchFamily="2" charset="0"/>
+              </a:rPr>
+              <a:t>], x]</a:t>
+            </a:r>
+          </a:p>
+          <a:p>
+            <a:endParaRPr lang="en-US" dirty="0">
+              <a:latin typeface="Courier" pitchFamily="2" charset="0"/>
+            </a:endParaRPr>
+          </a:p>
+        </p:txBody>
+      </p:sp>
+      <p:pic>
+        <p:nvPicPr>
+          <p:cNvPr id="10" name="Picture 9">
+            <a:extLst>
+              <a:ext uri="{FF2B5EF4-FFF2-40B4-BE49-F238E27FC236}">
+                <a16:creationId xmlns:a16="http://schemas.microsoft.com/office/drawing/2014/main" id="{5A208DBE-2581-3FDF-5BC2-7B8C4ACE468A}"/>
+              </a:ext>
+            </a:extLst>
+          </p:cNvPr>
+          <p:cNvPicPr>
+            <a:picLocks noChangeAspect="1"/>
+          </p:cNvPicPr>
+          <p:nvPr/>
+        </p:nvPicPr>
+        <p:blipFill>
+          <a:blip r:embed="rId4"/>
+          <a:stretch>
+            <a:fillRect/>
+          </a:stretch>
+        </p:blipFill>
+        <p:spPr>
+          <a:xfrm>
+            <a:off x="1395980" y="3992693"/>
+            <a:ext cx="7108296" cy="546792"/>
+          </a:xfrm>
+          <a:prstGeom prst="rect">
+            <a:avLst/>
+          </a:prstGeom>
+        </p:spPr>
+      </p:pic>
     </p:spTree>
     <p:extLst>
       <p:ext uri="{BB962C8B-B14F-4D97-AF65-F5344CB8AC3E}">
         <p14:creationId xmlns:p14="http://schemas.microsoft.com/office/powerpoint/2010/main" val="3098095067"/>
+      </p:ext>
+    </p:extLst>
+  </p:cSld>
+  <p:clrMapOvr>
+    <a:masterClrMapping/>
+  </p:clrMapOvr>
+</p:sld>
+</file>
+
+<file path=ppt/slides/slide26.xml><?xml version="1.0" encoding="utf-8"?>
+<p:sld xmlns:a="http://schemas.openxmlformats.org/drawingml/2006/main" xmlns:r="http://schemas.openxmlformats.org/officeDocument/2006/relationships" xmlns:p="http://schemas.openxmlformats.org/presentationml/2006/main">
+  <p:cSld>
+    <p:spTree>
+      <p:nvGrpSpPr>
+        <p:cNvPr id="1" name=""/>
+        <p:cNvGrpSpPr/>
+        <p:nvPr/>
+      </p:nvGrpSpPr>
+      <p:grpSpPr>
+        <a:xfrm>
+          <a:off x="0" y="0"/>
+          <a:ext cx="0" cy="0"/>
+          <a:chOff x="0" y="0"/>
+          <a:chExt cx="0" cy="0"/>
+        </a:xfrm>
+      </p:grpSpPr>
+      <p:pic>
+        <p:nvPicPr>
+          <p:cNvPr id="4" name="Picture 2">
+            <a:extLst>
+              <a:ext uri="{FF2B5EF4-FFF2-40B4-BE49-F238E27FC236}">
+                <a16:creationId xmlns:a16="http://schemas.microsoft.com/office/drawing/2014/main" id="{8F15EF9E-7CB8-A751-13D3-92004063E742}"/>
+              </a:ext>
+            </a:extLst>
+          </p:cNvPr>
+          <p:cNvPicPr>
+            <a:picLocks noChangeAspect="1" noChangeArrowheads="1"/>
+          </p:cNvPicPr>
+          <p:nvPr/>
+        </p:nvPicPr>
+        <p:blipFill>
+          <a:blip r:embed="rId2" cstate="print"/>
+          <a:srcRect/>
+          <a:stretch>
+            <a:fillRect/>
+          </a:stretch>
+        </p:blipFill>
+        <p:spPr bwMode="auto">
+          <a:xfrm>
+            <a:off x="484188" y="76200"/>
+            <a:ext cx="8202612" cy="239712"/>
+          </a:xfrm>
+          <a:prstGeom prst="rect">
+            <a:avLst/>
+          </a:prstGeom>
+          <a:noFill/>
+          <a:ln w="9525">
+            <a:noFill/>
+            <a:round/>
+            <a:headEnd/>
+            <a:tailEnd/>
+          </a:ln>
+        </p:spPr>
+      </p:pic>
+      <p:sp>
+        <p:nvSpPr>
+          <p:cNvPr id="5" name="Rectangle 4">
+            <a:extLst>
+              <a:ext uri="{FF2B5EF4-FFF2-40B4-BE49-F238E27FC236}">
+                <a16:creationId xmlns:a16="http://schemas.microsoft.com/office/drawing/2014/main" id="{3CFB8D06-16EE-B14E-9F75-63D63F09BF64}"/>
+              </a:ext>
+            </a:extLst>
+          </p:cNvPr>
+          <p:cNvSpPr>
+            <a:spLocks noChangeArrowheads="1"/>
+          </p:cNvSpPr>
+          <p:nvPr/>
+        </p:nvSpPr>
+        <p:spPr bwMode="auto">
+          <a:xfrm>
+            <a:off x="135468" y="84667"/>
+            <a:ext cx="8991601" cy="1127125"/>
+          </a:xfrm>
+          <a:prstGeom prst="rect">
+            <a:avLst/>
+          </a:prstGeom>
+          <a:noFill/>
+          <a:ln w="9525">
+            <a:noFill/>
+            <a:round/>
+            <a:headEnd/>
+            <a:tailEnd/>
+          </a:ln>
+        </p:spPr>
+        <p:txBody>
+          <a:bodyPr lIns="0" tIns="0" rIns="0" bIns="0" anchor="ctr"/>
+          <a:lstStyle/>
+          <a:p>
+            <a:pPr algn="ctr">
+              <a:buClr>
+                <a:srgbClr val="000000"/>
+              </a:buClr>
+              <a:buSzPct val="100000"/>
+              <a:buFont typeface="Times New Roman" pitchFamily="18" charset="0"/>
+              <a:buNone/>
+              <a:tabLst>
+                <a:tab pos="0" algn="l"/>
+                <a:tab pos="914400" algn="l"/>
+                <a:tab pos="1828800" algn="l"/>
+                <a:tab pos="2743200" algn="l"/>
+                <a:tab pos="3657600" algn="l"/>
+                <a:tab pos="4572000" algn="l"/>
+                <a:tab pos="5486400" algn="l"/>
+                <a:tab pos="6400800" algn="l"/>
+                <a:tab pos="7315200" algn="l"/>
+                <a:tab pos="8229600" algn="l"/>
+                <a:tab pos="9144000" algn="l"/>
+                <a:tab pos="10058400" algn="l"/>
+              </a:tabLst>
+            </a:pPr>
+            <a:r>
+              <a:rPr lang="en-GB" sz="4000" dirty="0">
+                <a:solidFill>
+                  <a:srgbClr val="000000"/>
+                </a:solidFill>
+                <a:latin typeface="Times New Roman" pitchFamily="18" charset="0"/>
+              </a:rPr>
+              <a:t>Classical Wave Equation</a:t>
+            </a:r>
+          </a:p>
+        </p:txBody>
+      </p:sp>
+      <p:sp>
+        <p:nvSpPr>
+          <p:cNvPr id="6" name="Rectangle 5">
+            <a:extLst>
+              <a:ext uri="{FF2B5EF4-FFF2-40B4-BE49-F238E27FC236}">
+                <a16:creationId xmlns:a16="http://schemas.microsoft.com/office/drawing/2014/main" id="{EEA4EBBF-55B0-6403-48A9-BD4BF173114C}"/>
+              </a:ext>
+            </a:extLst>
+          </p:cNvPr>
+          <p:cNvSpPr>
+            <a:spLocks noChangeArrowheads="1"/>
+          </p:cNvSpPr>
+          <p:nvPr/>
+        </p:nvSpPr>
+        <p:spPr bwMode="auto">
+          <a:xfrm>
+            <a:off x="228600" y="1219199"/>
+            <a:ext cx="8686800" cy="1431926"/>
+          </a:xfrm>
+          <a:prstGeom prst="rect">
+            <a:avLst/>
+          </a:prstGeom>
+          <a:noFill/>
+          <a:ln w="9525">
+            <a:noFill/>
+            <a:round/>
+            <a:headEnd/>
+            <a:tailEnd/>
+          </a:ln>
+        </p:spPr>
+        <p:txBody>
+          <a:bodyPr lIns="0" tIns="0" rIns="0" bIns="0"/>
+          <a:lstStyle/>
+          <a:p>
+            <a:pPr marL="430213" indent="-323850">
+              <a:lnSpc>
+                <a:spcPct val="100000"/>
+              </a:lnSpc>
+              <a:spcBef>
+                <a:spcPts val="800"/>
+              </a:spcBef>
+              <a:buFont typeface="Times New Roman" pitchFamily="18" charset="0"/>
+              <a:buChar char="•"/>
+              <a:tabLst>
+                <a:tab pos="430213" algn="l"/>
+                <a:tab pos="1344613" algn="l"/>
+                <a:tab pos="2259013" algn="l"/>
+                <a:tab pos="3173413" algn="l"/>
+                <a:tab pos="4087813" algn="l"/>
+                <a:tab pos="5002213" algn="l"/>
+                <a:tab pos="5916613" algn="l"/>
+                <a:tab pos="6831013" algn="l"/>
+                <a:tab pos="7745413" algn="l"/>
+                <a:tab pos="8659813" algn="l"/>
+                <a:tab pos="9574213" algn="l"/>
+                <a:tab pos="10488613" algn="l"/>
+              </a:tabLst>
+            </a:pPr>
+            <a:r>
+              <a:rPr lang="en-GB" sz="3200" dirty="0">
+                <a:solidFill>
+                  <a:srgbClr val="000000"/>
+                </a:solidFill>
+                <a:latin typeface="Times New Roman" pitchFamily="18" charset="0"/>
+              </a:rPr>
+              <a:t>We can also check the solution with computer algebra systems:</a:t>
+            </a:r>
+            <a:endParaRPr lang="en-GB" sz="2800" b="1" i="1" u="sng" dirty="0">
+              <a:solidFill>
+                <a:srgbClr val="000000"/>
+              </a:solidFill>
+              <a:latin typeface="Times New Roman"/>
+              <a:cs typeface="Times New Roman"/>
+            </a:endParaRPr>
+          </a:p>
+        </p:txBody>
+      </p:sp>
+      <p:sp>
+        <p:nvSpPr>
+          <p:cNvPr id="10" name="TextBox 9">
+            <a:extLst>
+              <a:ext uri="{FF2B5EF4-FFF2-40B4-BE49-F238E27FC236}">
+                <a16:creationId xmlns:a16="http://schemas.microsoft.com/office/drawing/2014/main" id="{E5594B57-BFC1-AB5A-212D-F64BDC64A723}"/>
+              </a:ext>
+            </a:extLst>
+          </p:cNvPr>
+          <p:cNvSpPr txBox="1"/>
+          <p:nvPr/>
+        </p:nvSpPr>
+        <p:spPr>
+          <a:xfrm>
+            <a:off x="1041400" y="4022725"/>
+            <a:ext cx="7962900" cy="1477328"/>
+          </a:xfrm>
+          <a:prstGeom prst="rect">
+            <a:avLst/>
+          </a:prstGeom>
+          <a:solidFill>
+            <a:schemeClr val="accent1">
+              <a:lumMod val="20000"/>
+              <a:lumOff val="80000"/>
+            </a:schemeClr>
+          </a:solidFill>
+        </p:spPr>
+        <p:txBody>
+          <a:bodyPr wrap="square" rtlCol="0">
+            <a:spAutoFit/>
+          </a:bodyPr>
+          <a:lstStyle/>
+          <a:p>
+            <a:r>
+              <a:rPr lang="en-US" sz="2400" b="1" dirty="0">
+                <a:latin typeface="Courier" pitchFamily="2" charset="0"/>
+              </a:rPr>
+              <a:t>X = c1 Cos[Sqrt[c] x] + c2 Sin[Sqrt[c] x];</a:t>
+            </a:r>
+          </a:p>
+          <a:p>
+            <a:endParaRPr lang="en-US" sz="2400" b="1" dirty="0">
+              <a:latin typeface="Courier" pitchFamily="2" charset="0"/>
+            </a:endParaRPr>
+          </a:p>
+          <a:p>
+            <a:r>
+              <a:rPr lang="en-US" sz="2400" b="1" dirty="0">
+                <a:latin typeface="Courier" pitchFamily="2" charset="0"/>
+              </a:rPr>
+              <a:t>D[X, {x, 2}] + c X // </a:t>
+            </a:r>
+            <a:r>
+              <a:rPr lang="en-US" sz="2400" b="1" dirty="0" err="1">
+                <a:latin typeface="Courier" pitchFamily="2" charset="0"/>
+              </a:rPr>
+              <a:t>FullSimplify</a:t>
+            </a:r>
+            <a:endParaRPr lang="en-US" sz="2400" b="1" dirty="0">
+              <a:latin typeface="Courier" pitchFamily="2" charset="0"/>
+            </a:endParaRPr>
+          </a:p>
+          <a:p>
+            <a:endParaRPr lang="en-US" dirty="0">
+              <a:latin typeface="Courier" pitchFamily="2" charset="0"/>
+            </a:endParaRPr>
+          </a:p>
+        </p:txBody>
+      </p:sp>
+      <p:pic>
+        <p:nvPicPr>
+          <p:cNvPr id="11" name="Picture 10">
+            <a:extLst>
+              <a:ext uri="{FF2B5EF4-FFF2-40B4-BE49-F238E27FC236}">
+                <a16:creationId xmlns:a16="http://schemas.microsoft.com/office/drawing/2014/main" id="{F77CF499-57DE-8DC4-A763-E285FB8AF23B}"/>
+              </a:ext>
+            </a:extLst>
+          </p:cNvPr>
+          <p:cNvPicPr>
+            <a:picLocks noChangeAspect="1"/>
+          </p:cNvPicPr>
+          <p:nvPr/>
+        </p:nvPicPr>
+        <p:blipFill>
+          <a:blip r:embed="rId3"/>
+          <a:stretch>
+            <a:fillRect/>
+          </a:stretch>
+        </p:blipFill>
+        <p:spPr>
+          <a:xfrm>
+            <a:off x="135468" y="5906453"/>
+            <a:ext cx="1444214" cy="621348"/>
+          </a:xfrm>
+          <a:prstGeom prst="rect">
+            <a:avLst/>
+          </a:prstGeom>
+        </p:spPr>
+      </p:pic>
+      <p:pic>
+        <p:nvPicPr>
+          <p:cNvPr id="12" name="Picture 11">
+            <a:extLst>
+              <a:ext uri="{FF2B5EF4-FFF2-40B4-BE49-F238E27FC236}">
+                <a16:creationId xmlns:a16="http://schemas.microsoft.com/office/drawing/2014/main" id="{31F3AC53-3EBE-0A9D-6B4D-C9A583A87168}"/>
+              </a:ext>
+            </a:extLst>
+          </p:cNvPr>
+          <p:cNvPicPr>
+            <a:picLocks noChangeAspect="1"/>
+          </p:cNvPicPr>
+          <p:nvPr/>
+        </p:nvPicPr>
+        <p:blipFill>
+          <a:blip r:embed="rId4"/>
+          <a:stretch>
+            <a:fillRect/>
+          </a:stretch>
+        </p:blipFill>
+        <p:spPr>
+          <a:xfrm>
+            <a:off x="0" y="3909464"/>
+            <a:ext cx="1041400" cy="1717396"/>
+          </a:xfrm>
+          <a:prstGeom prst="rect">
+            <a:avLst/>
+          </a:prstGeom>
+        </p:spPr>
+      </p:pic>
+      <p:pic>
+        <p:nvPicPr>
+          <p:cNvPr id="13" name="Picture 12">
+            <a:extLst>
+              <a:ext uri="{FF2B5EF4-FFF2-40B4-BE49-F238E27FC236}">
+                <a16:creationId xmlns:a16="http://schemas.microsoft.com/office/drawing/2014/main" id="{777C4D66-7A60-89A4-A9FA-D9CC34FD89E6}"/>
+              </a:ext>
+            </a:extLst>
+          </p:cNvPr>
+          <p:cNvPicPr>
+            <a:picLocks noChangeAspect="1"/>
+          </p:cNvPicPr>
+          <p:nvPr/>
+        </p:nvPicPr>
+        <p:blipFill>
+          <a:blip r:embed="rId5"/>
+          <a:stretch>
+            <a:fillRect/>
+          </a:stretch>
+        </p:blipFill>
+        <p:spPr>
+          <a:xfrm>
+            <a:off x="2800350" y="2476500"/>
+            <a:ext cx="3568700" cy="1016000"/>
+          </a:xfrm>
+          <a:prstGeom prst="rect">
+            <a:avLst/>
+          </a:prstGeom>
+        </p:spPr>
+      </p:pic>
+      <p:sp>
+        <p:nvSpPr>
+          <p:cNvPr id="14" name="TextBox 13">
+            <a:extLst>
+              <a:ext uri="{FF2B5EF4-FFF2-40B4-BE49-F238E27FC236}">
+                <a16:creationId xmlns:a16="http://schemas.microsoft.com/office/drawing/2014/main" id="{7D3FCD2B-F7F1-3D74-BA6F-D4560401F3D1}"/>
+              </a:ext>
+            </a:extLst>
+          </p:cNvPr>
+          <p:cNvSpPr txBox="1"/>
+          <p:nvPr/>
+        </p:nvSpPr>
+        <p:spPr>
+          <a:xfrm>
+            <a:off x="5638800" y="2282885"/>
+            <a:ext cx="412292" cy="707886"/>
+          </a:xfrm>
+          <a:prstGeom prst="rect">
+            <a:avLst/>
+          </a:prstGeom>
+          <a:noFill/>
+        </p:spPr>
+        <p:txBody>
+          <a:bodyPr wrap="none" rtlCol="0">
+            <a:spAutoFit/>
+          </a:bodyPr>
+          <a:lstStyle/>
+          <a:p>
+            <a:r>
+              <a:rPr lang="en-US" sz="4000" dirty="0">
+                <a:latin typeface="Times New Roman" panose="02020603050405020304" pitchFamily="18" charset="0"/>
+                <a:cs typeface="Times New Roman" panose="02020603050405020304" pitchFamily="18" charset="0"/>
+              </a:rPr>
+              <a:t>?</a:t>
+            </a:r>
+            <a:endParaRPr lang="en-US" dirty="0">
+              <a:latin typeface="Times New Roman" panose="02020603050405020304" pitchFamily="18" charset="0"/>
+              <a:cs typeface="Times New Roman" panose="02020603050405020304" pitchFamily="18" charset="0"/>
+            </a:endParaRPr>
+          </a:p>
+        </p:txBody>
+      </p:sp>
+    </p:spTree>
+    <p:extLst>
+      <p:ext uri="{BB962C8B-B14F-4D97-AF65-F5344CB8AC3E}">
+        <p14:creationId xmlns:p14="http://schemas.microsoft.com/office/powerpoint/2010/main" val="2181513142"/>
       </p:ext>
     </p:extLst>
   </p:cSld>
@@ -17357,6 +19804,2057 @@
       </p:grpSpPr>
       <p:pic>
         <p:nvPicPr>
+          <p:cNvPr id="4" name="Picture 2">
+            <a:extLst>
+              <a:ext uri="{FF2B5EF4-FFF2-40B4-BE49-F238E27FC236}">
+                <a16:creationId xmlns:a16="http://schemas.microsoft.com/office/drawing/2014/main" id="{21927049-711C-2D81-ADDC-7E3087643CE1}"/>
+              </a:ext>
+            </a:extLst>
+          </p:cNvPr>
+          <p:cNvPicPr>
+            <a:picLocks noChangeAspect="1" noChangeArrowheads="1"/>
+          </p:cNvPicPr>
+          <p:nvPr/>
+        </p:nvPicPr>
+        <p:blipFill>
+          <a:blip r:embed="rId2" cstate="print"/>
+          <a:srcRect/>
+          <a:stretch>
+            <a:fillRect/>
+          </a:stretch>
+        </p:blipFill>
+        <p:spPr bwMode="auto">
+          <a:xfrm>
+            <a:off x="484188" y="76200"/>
+            <a:ext cx="8202612" cy="239712"/>
+          </a:xfrm>
+          <a:prstGeom prst="rect">
+            <a:avLst/>
+          </a:prstGeom>
+          <a:noFill/>
+          <a:ln w="9525">
+            <a:noFill/>
+            <a:round/>
+            <a:headEnd/>
+            <a:tailEnd/>
+          </a:ln>
+        </p:spPr>
+      </p:pic>
+      <p:sp>
+        <p:nvSpPr>
+          <p:cNvPr id="5" name="Rectangle 4">
+            <a:extLst>
+              <a:ext uri="{FF2B5EF4-FFF2-40B4-BE49-F238E27FC236}">
+                <a16:creationId xmlns:a16="http://schemas.microsoft.com/office/drawing/2014/main" id="{22A66157-699D-2A4D-F12D-39483BF86B3E}"/>
+              </a:ext>
+            </a:extLst>
+          </p:cNvPr>
+          <p:cNvSpPr>
+            <a:spLocks noChangeArrowheads="1"/>
+          </p:cNvSpPr>
+          <p:nvPr/>
+        </p:nvSpPr>
+        <p:spPr bwMode="auto">
+          <a:xfrm>
+            <a:off x="135468" y="84667"/>
+            <a:ext cx="8991601" cy="1127125"/>
+          </a:xfrm>
+          <a:prstGeom prst="rect">
+            <a:avLst/>
+          </a:prstGeom>
+          <a:noFill/>
+          <a:ln w="9525">
+            <a:noFill/>
+            <a:round/>
+            <a:headEnd/>
+            <a:tailEnd/>
+          </a:ln>
+        </p:spPr>
+        <p:txBody>
+          <a:bodyPr lIns="0" tIns="0" rIns="0" bIns="0" anchor="ctr"/>
+          <a:lstStyle/>
+          <a:p>
+            <a:pPr algn="ctr">
+              <a:buClr>
+                <a:srgbClr val="000000"/>
+              </a:buClr>
+              <a:buSzPct val="100000"/>
+              <a:buFont typeface="Times New Roman" pitchFamily="18" charset="0"/>
+              <a:buNone/>
+              <a:tabLst>
+                <a:tab pos="0" algn="l"/>
+                <a:tab pos="914400" algn="l"/>
+                <a:tab pos="1828800" algn="l"/>
+                <a:tab pos="2743200" algn="l"/>
+                <a:tab pos="3657600" algn="l"/>
+                <a:tab pos="4572000" algn="l"/>
+                <a:tab pos="5486400" algn="l"/>
+                <a:tab pos="6400800" algn="l"/>
+                <a:tab pos="7315200" algn="l"/>
+                <a:tab pos="8229600" algn="l"/>
+                <a:tab pos="9144000" algn="l"/>
+                <a:tab pos="10058400" algn="l"/>
+              </a:tabLst>
+            </a:pPr>
+            <a:r>
+              <a:rPr lang="en-GB" sz="4000" dirty="0">
+                <a:solidFill>
+                  <a:srgbClr val="000000"/>
+                </a:solidFill>
+                <a:latin typeface="Times New Roman" pitchFamily="18" charset="0"/>
+              </a:rPr>
+              <a:t>Classical Waves</a:t>
+            </a:r>
+          </a:p>
+        </p:txBody>
+      </p:sp>
+      <p:sp>
+        <p:nvSpPr>
+          <p:cNvPr id="6" name="TextBox 5">
+            <a:extLst>
+              <a:ext uri="{FF2B5EF4-FFF2-40B4-BE49-F238E27FC236}">
+                <a16:creationId xmlns:a16="http://schemas.microsoft.com/office/drawing/2014/main" id="{1809D99D-04B8-D346-03CB-BE4715A99430}"/>
+              </a:ext>
+            </a:extLst>
+          </p:cNvPr>
+          <p:cNvSpPr txBox="1"/>
+          <p:nvPr/>
+        </p:nvSpPr>
+        <p:spPr>
+          <a:xfrm>
+            <a:off x="484188" y="1117600"/>
+            <a:ext cx="7123104" cy="461665"/>
+          </a:xfrm>
+          <a:prstGeom prst="rect">
+            <a:avLst/>
+          </a:prstGeom>
+          <a:noFill/>
+        </p:spPr>
+        <p:txBody>
+          <a:bodyPr wrap="none" rtlCol="0">
+            <a:spAutoFit/>
+          </a:bodyPr>
+          <a:lstStyle/>
+          <a:p>
+            <a:pPr marL="285750" indent="-285750">
+              <a:buFont typeface="Arial" panose="020B0604020202020204" pitchFamily="34" charset="0"/>
+              <a:buChar char="•"/>
+            </a:pPr>
+            <a:r>
+              <a:rPr lang="en-US" sz="2400" b="1" dirty="0">
+                <a:latin typeface="Times New Roman" panose="02020603050405020304" pitchFamily="18" charset="0"/>
+                <a:cs typeface="Times New Roman" panose="02020603050405020304" pitchFamily="18" charset="0"/>
+              </a:rPr>
+              <a:t>Wavelength</a:t>
+            </a:r>
+            <a:r>
+              <a:rPr lang="en-US" sz="2400" dirty="0">
+                <a:latin typeface="Times New Roman" panose="02020603050405020304" pitchFamily="18" charset="0"/>
+                <a:cs typeface="Times New Roman" panose="02020603050405020304" pitchFamily="18" charset="0"/>
+              </a:rPr>
+              <a:t>: distance for one wave cycle to complete</a:t>
+            </a:r>
+          </a:p>
+        </p:txBody>
+      </p:sp>
+      <p:pic>
+        <p:nvPicPr>
+          <p:cNvPr id="7" name="Picture 6">
+            <a:extLst>
+              <a:ext uri="{FF2B5EF4-FFF2-40B4-BE49-F238E27FC236}">
+                <a16:creationId xmlns:a16="http://schemas.microsoft.com/office/drawing/2014/main" id="{FFABD0FB-9732-0EAA-6CB6-5A0A0669BDA0}"/>
+              </a:ext>
+            </a:extLst>
+          </p:cNvPr>
+          <p:cNvPicPr>
+            <a:picLocks noChangeAspect="1"/>
+          </p:cNvPicPr>
+          <p:nvPr/>
+        </p:nvPicPr>
+        <p:blipFill>
+          <a:blip r:embed="rId3"/>
+          <a:srcRect l="1797" t="2212" r="3104"/>
+          <a:stretch/>
+        </p:blipFill>
+        <p:spPr>
+          <a:xfrm>
+            <a:off x="1047196" y="2674354"/>
+            <a:ext cx="6248400" cy="4107446"/>
+          </a:xfrm>
+          <a:prstGeom prst="rect">
+            <a:avLst/>
+          </a:prstGeom>
+        </p:spPr>
+      </p:pic>
+      <p:pic>
+        <p:nvPicPr>
+          <p:cNvPr id="8" name="Picture 7">
+            <a:extLst>
+              <a:ext uri="{FF2B5EF4-FFF2-40B4-BE49-F238E27FC236}">
+                <a16:creationId xmlns:a16="http://schemas.microsoft.com/office/drawing/2014/main" id="{A47D2368-36CA-F92F-914E-401AA9733334}"/>
+              </a:ext>
+            </a:extLst>
+          </p:cNvPr>
+          <p:cNvPicPr>
+            <a:picLocks noChangeAspect="1"/>
+          </p:cNvPicPr>
+          <p:nvPr/>
+        </p:nvPicPr>
+        <p:blipFill>
+          <a:blip r:embed="rId4"/>
+          <a:stretch>
+            <a:fillRect/>
+          </a:stretch>
+        </p:blipFill>
+        <p:spPr>
+          <a:xfrm>
+            <a:off x="6699258" y="4893113"/>
+            <a:ext cx="1693284" cy="351975"/>
+          </a:xfrm>
+          <a:prstGeom prst="rect">
+            <a:avLst/>
+          </a:prstGeom>
+        </p:spPr>
+      </p:pic>
+      <p:pic>
+        <p:nvPicPr>
+          <p:cNvPr id="9" name="Picture 8">
+            <a:extLst>
+              <a:ext uri="{FF2B5EF4-FFF2-40B4-BE49-F238E27FC236}">
+                <a16:creationId xmlns:a16="http://schemas.microsoft.com/office/drawing/2014/main" id="{74BCB7DF-84E3-F722-5752-4A26158C62DB}"/>
+              </a:ext>
+            </a:extLst>
+          </p:cNvPr>
+          <p:cNvPicPr>
+            <a:picLocks noChangeAspect="1"/>
+          </p:cNvPicPr>
+          <p:nvPr/>
+        </p:nvPicPr>
+        <p:blipFill>
+          <a:blip r:embed="rId5"/>
+          <a:stretch>
+            <a:fillRect/>
+          </a:stretch>
+        </p:blipFill>
+        <p:spPr>
+          <a:xfrm>
+            <a:off x="7077072" y="5397345"/>
+            <a:ext cx="1315462" cy="169589"/>
+          </a:xfrm>
+          <a:prstGeom prst="rect">
+            <a:avLst/>
+          </a:prstGeom>
+        </p:spPr>
+      </p:pic>
+      <p:sp>
+        <p:nvSpPr>
+          <p:cNvPr id="10" name="TextBox 9">
+            <a:extLst>
+              <a:ext uri="{FF2B5EF4-FFF2-40B4-BE49-F238E27FC236}">
+                <a16:creationId xmlns:a16="http://schemas.microsoft.com/office/drawing/2014/main" id="{FE05E93C-9159-33E9-C140-5472BD4B555D}"/>
+              </a:ext>
+            </a:extLst>
+          </p:cNvPr>
+          <p:cNvSpPr txBox="1"/>
+          <p:nvPr/>
+        </p:nvSpPr>
+        <p:spPr>
+          <a:xfrm>
+            <a:off x="484188" y="1551815"/>
+            <a:ext cx="8662179" cy="461665"/>
+          </a:xfrm>
+          <a:prstGeom prst="rect">
+            <a:avLst/>
+          </a:prstGeom>
+          <a:noFill/>
+        </p:spPr>
+        <p:txBody>
+          <a:bodyPr wrap="none" rtlCol="0">
+            <a:spAutoFit/>
+          </a:bodyPr>
+          <a:lstStyle/>
+          <a:p>
+            <a:pPr marL="285750" indent="-285750">
+              <a:buFont typeface="Arial" panose="020B0604020202020204" pitchFamily="34" charset="0"/>
+              <a:buChar char="•"/>
+            </a:pPr>
+            <a:r>
+              <a:rPr lang="en-US" sz="2400" b="1" dirty="0">
+                <a:latin typeface="Times New Roman" panose="02020603050405020304" pitchFamily="18" charset="0"/>
+                <a:cs typeface="Times New Roman" panose="02020603050405020304" pitchFamily="18" charset="0"/>
+              </a:rPr>
+              <a:t>Frequency</a:t>
+            </a:r>
+            <a:r>
+              <a:rPr lang="en-US" sz="2400" dirty="0">
+                <a:latin typeface="Times New Roman" panose="02020603050405020304" pitchFamily="18" charset="0"/>
+                <a:cs typeface="Times New Roman" panose="02020603050405020304" pitchFamily="18" charset="0"/>
+              </a:rPr>
+              <a:t>: number of wave cycles in a reference time or distance</a:t>
+            </a:r>
+          </a:p>
+        </p:txBody>
+      </p:sp>
+      <p:cxnSp>
+        <p:nvCxnSpPr>
+          <p:cNvPr id="11" name="Straight Connector 10">
+            <a:extLst>
+              <a:ext uri="{FF2B5EF4-FFF2-40B4-BE49-F238E27FC236}">
+                <a16:creationId xmlns:a16="http://schemas.microsoft.com/office/drawing/2014/main" id="{B01C5D0D-2189-5BE4-3B1A-60260A7B5DB0}"/>
+              </a:ext>
+            </a:extLst>
+          </p:cNvPr>
+          <p:cNvCxnSpPr>
+            <a:cxnSpLocks/>
+          </p:cNvCxnSpPr>
+          <p:nvPr/>
+        </p:nvCxnSpPr>
+        <p:spPr>
+          <a:xfrm>
+            <a:off x="914400" y="4267200"/>
+            <a:ext cx="7632700" cy="0"/>
+          </a:xfrm>
+          <a:prstGeom prst="line">
+            <a:avLst/>
+          </a:prstGeom>
+          <a:ln>
+            <a:solidFill>
+              <a:schemeClr val="tx1"/>
+            </a:solidFill>
+          </a:ln>
+        </p:spPr>
+        <p:style>
+          <a:lnRef idx="2">
+            <a:schemeClr val="accent1"/>
+          </a:lnRef>
+          <a:fillRef idx="0">
+            <a:schemeClr val="accent1"/>
+          </a:fillRef>
+          <a:effectRef idx="1">
+            <a:schemeClr val="accent1"/>
+          </a:effectRef>
+          <a:fontRef idx="minor">
+            <a:schemeClr val="tx1"/>
+          </a:fontRef>
+        </p:style>
+      </p:cxnSp>
+      <p:cxnSp>
+        <p:nvCxnSpPr>
+          <p:cNvPr id="12" name="Straight Connector 11">
+            <a:extLst>
+              <a:ext uri="{FF2B5EF4-FFF2-40B4-BE49-F238E27FC236}">
+                <a16:creationId xmlns:a16="http://schemas.microsoft.com/office/drawing/2014/main" id="{D3358E0C-500A-962E-DFF1-B81750FED062}"/>
+              </a:ext>
+            </a:extLst>
+          </p:cNvPr>
+          <p:cNvCxnSpPr>
+            <a:cxnSpLocks/>
+          </p:cNvCxnSpPr>
+          <p:nvPr/>
+        </p:nvCxnSpPr>
+        <p:spPr>
+          <a:xfrm flipV="1">
+            <a:off x="1212850" y="2209800"/>
+            <a:ext cx="0" cy="3759200"/>
+          </a:xfrm>
+          <a:prstGeom prst="line">
+            <a:avLst/>
+          </a:prstGeom>
+          <a:ln>
+            <a:solidFill>
+              <a:schemeClr val="tx1"/>
+            </a:solidFill>
+          </a:ln>
+        </p:spPr>
+        <p:style>
+          <a:lnRef idx="2">
+            <a:schemeClr val="accent1"/>
+          </a:lnRef>
+          <a:fillRef idx="0">
+            <a:schemeClr val="accent1"/>
+          </a:fillRef>
+          <a:effectRef idx="1">
+            <a:schemeClr val="accent1"/>
+          </a:effectRef>
+          <a:fontRef idx="minor">
+            <a:schemeClr val="tx1"/>
+          </a:fontRef>
+        </p:style>
+      </p:cxnSp>
+      <p:sp>
+        <p:nvSpPr>
+          <p:cNvPr id="14" name="Left Brace 13">
+            <a:extLst>
+              <a:ext uri="{FF2B5EF4-FFF2-40B4-BE49-F238E27FC236}">
+                <a16:creationId xmlns:a16="http://schemas.microsoft.com/office/drawing/2014/main" id="{C08F42A1-8672-D2D9-2904-D672FBE26FFA}"/>
+              </a:ext>
+            </a:extLst>
+          </p:cNvPr>
+          <p:cNvSpPr/>
+          <p:nvPr/>
+        </p:nvSpPr>
+        <p:spPr>
+          <a:xfrm rot="5400000">
+            <a:off x="2084833" y="1607819"/>
+            <a:ext cx="221485" cy="1984248"/>
+          </a:xfrm>
+          <a:prstGeom prst="leftBrace">
+            <a:avLst/>
+          </a:prstGeom>
+          <a:ln>
+            <a:solidFill>
+              <a:srgbClr val="00B050"/>
+            </a:solidFill>
+          </a:ln>
+        </p:spPr>
+        <p:style>
+          <a:lnRef idx="2">
+            <a:schemeClr val="accent1"/>
+          </a:lnRef>
+          <a:fillRef idx="0">
+            <a:schemeClr val="accent1"/>
+          </a:fillRef>
+          <a:effectRef idx="1">
+            <a:schemeClr val="accent1"/>
+          </a:effectRef>
+          <a:fontRef idx="minor">
+            <a:schemeClr val="tx1"/>
+          </a:fontRef>
+        </p:style>
+        <p:txBody>
+          <a:bodyPr rtlCol="0" anchor="ctr"/>
+          <a:lstStyle/>
+          <a:p>
+            <a:pPr algn="ctr"/>
+            <a:endParaRPr lang="en-US" dirty="0"/>
+          </a:p>
+        </p:txBody>
+      </p:sp>
+      <p:cxnSp>
+        <p:nvCxnSpPr>
+          <p:cNvPr id="15" name="Straight Connector 14">
+            <a:extLst>
+              <a:ext uri="{FF2B5EF4-FFF2-40B4-BE49-F238E27FC236}">
+                <a16:creationId xmlns:a16="http://schemas.microsoft.com/office/drawing/2014/main" id="{455B588F-7F29-F58A-13FB-192CCBB3368C}"/>
+              </a:ext>
+            </a:extLst>
+          </p:cNvPr>
+          <p:cNvCxnSpPr>
+            <a:cxnSpLocks/>
+          </p:cNvCxnSpPr>
+          <p:nvPr/>
+        </p:nvCxnSpPr>
+        <p:spPr>
+          <a:xfrm flipH="1">
+            <a:off x="1206500" y="2775153"/>
+            <a:ext cx="6350" cy="1504747"/>
+          </a:xfrm>
+          <a:prstGeom prst="line">
+            <a:avLst/>
+          </a:prstGeom>
+          <a:ln>
+            <a:solidFill>
+              <a:srgbClr val="00B050"/>
+            </a:solidFill>
+            <a:prstDash val="dash"/>
+            <a:tailEnd type="arrow"/>
+          </a:ln>
+        </p:spPr>
+        <p:style>
+          <a:lnRef idx="2">
+            <a:schemeClr val="accent1"/>
+          </a:lnRef>
+          <a:fillRef idx="0">
+            <a:schemeClr val="accent1"/>
+          </a:fillRef>
+          <a:effectRef idx="1">
+            <a:schemeClr val="accent1"/>
+          </a:effectRef>
+          <a:fontRef idx="minor">
+            <a:schemeClr val="tx1"/>
+          </a:fontRef>
+        </p:style>
+      </p:cxnSp>
+      <p:cxnSp>
+        <p:nvCxnSpPr>
+          <p:cNvPr id="16" name="Straight Connector 15">
+            <a:extLst>
+              <a:ext uri="{FF2B5EF4-FFF2-40B4-BE49-F238E27FC236}">
+                <a16:creationId xmlns:a16="http://schemas.microsoft.com/office/drawing/2014/main" id="{037F27F8-FC11-77BE-2751-5CDF56EE7B60}"/>
+              </a:ext>
+            </a:extLst>
+          </p:cNvPr>
+          <p:cNvCxnSpPr>
+            <a:cxnSpLocks/>
+          </p:cNvCxnSpPr>
+          <p:nvPr/>
+        </p:nvCxnSpPr>
+        <p:spPr>
+          <a:xfrm>
+            <a:off x="3200400" y="2775153"/>
+            <a:ext cx="0" cy="1504747"/>
+          </a:xfrm>
+          <a:prstGeom prst="line">
+            <a:avLst/>
+          </a:prstGeom>
+          <a:ln>
+            <a:solidFill>
+              <a:srgbClr val="00B050"/>
+            </a:solidFill>
+            <a:prstDash val="dash"/>
+            <a:tailEnd type="arrow"/>
+          </a:ln>
+        </p:spPr>
+        <p:style>
+          <a:lnRef idx="2">
+            <a:schemeClr val="accent1"/>
+          </a:lnRef>
+          <a:fillRef idx="0">
+            <a:schemeClr val="accent1"/>
+          </a:fillRef>
+          <a:effectRef idx="1">
+            <a:schemeClr val="accent1"/>
+          </a:effectRef>
+          <a:fontRef idx="minor">
+            <a:schemeClr val="tx1"/>
+          </a:fontRef>
+        </p:style>
+      </p:cxnSp>
+      <p:sp>
+        <p:nvSpPr>
+          <p:cNvPr id="18" name="TextBox 17">
+            <a:extLst>
+              <a:ext uri="{FF2B5EF4-FFF2-40B4-BE49-F238E27FC236}">
+                <a16:creationId xmlns:a16="http://schemas.microsoft.com/office/drawing/2014/main" id="{FF822E3A-AD3B-77FF-2701-277E0806A064}"/>
+              </a:ext>
+            </a:extLst>
+          </p:cNvPr>
+          <p:cNvSpPr txBox="1"/>
+          <p:nvPr/>
+        </p:nvSpPr>
+        <p:spPr>
+          <a:xfrm>
+            <a:off x="1580069" y="2583621"/>
+            <a:ext cx="1265796" cy="369332"/>
+          </a:xfrm>
+          <a:prstGeom prst="rect">
+            <a:avLst/>
+          </a:prstGeom>
+          <a:noFill/>
+        </p:spPr>
+        <p:txBody>
+          <a:bodyPr wrap="none" rtlCol="0">
+            <a:spAutoFit/>
+          </a:bodyPr>
+          <a:lstStyle/>
+          <a:p>
+            <a:r>
+              <a:rPr lang="en-US" dirty="0">
+                <a:latin typeface="Times New Roman" panose="02020603050405020304" pitchFamily="18" charset="0"/>
+                <a:cs typeface="Times New Roman" panose="02020603050405020304" pitchFamily="18" charset="0"/>
+              </a:rPr>
+              <a:t>wavelength</a:t>
+            </a:r>
+          </a:p>
+        </p:txBody>
+      </p:sp>
+      <p:sp>
+        <p:nvSpPr>
+          <p:cNvPr id="21" name="TextBox 20">
+            <a:extLst>
+              <a:ext uri="{FF2B5EF4-FFF2-40B4-BE49-F238E27FC236}">
+                <a16:creationId xmlns:a16="http://schemas.microsoft.com/office/drawing/2014/main" id="{D91A3C4A-D3F3-9DB8-2DB2-2830E0580D56}"/>
+              </a:ext>
+            </a:extLst>
+          </p:cNvPr>
+          <p:cNvSpPr txBox="1"/>
+          <p:nvPr/>
+        </p:nvSpPr>
+        <p:spPr>
+          <a:xfrm>
+            <a:off x="2057952" y="2153448"/>
+            <a:ext cx="2084225" cy="400110"/>
+          </a:xfrm>
+          <a:prstGeom prst="rect">
+            <a:avLst/>
+          </a:prstGeom>
+          <a:noFill/>
+        </p:spPr>
+        <p:txBody>
+          <a:bodyPr wrap="none" rtlCol="0">
+            <a:spAutoFit/>
+          </a:bodyPr>
+          <a:lstStyle/>
+          <a:p>
+            <a:r>
+              <a:rPr lang="en-US" sz="2000" dirty="0">
+                <a:latin typeface="Symbol" pitchFamily="2" charset="2"/>
+                <a:cs typeface="Times New Roman" panose="02020603050405020304" pitchFamily="18" charset="0"/>
+              </a:rPr>
+              <a:t>l</a:t>
+            </a:r>
+            <a:r>
+              <a:rPr lang="en-US" sz="2000" dirty="0">
+                <a:latin typeface="Times New Roman" panose="02020603050405020304" pitchFamily="18" charset="0"/>
+                <a:cs typeface="Times New Roman" panose="02020603050405020304" pitchFamily="18" charset="0"/>
+              </a:rPr>
+              <a:t> = 0.5 length unit</a:t>
+            </a:r>
+          </a:p>
+        </p:txBody>
+      </p:sp>
+      <p:cxnSp>
+        <p:nvCxnSpPr>
+          <p:cNvPr id="22" name="Straight Connector 21">
+            <a:extLst>
+              <a:ext uri="{FF2B5EF4-FFF2-40B4-BE49-F238E27FC236}">
+                <a16:creationId xmlns:a16="http://schemas.microsoft.com/office/drawing/2014/main" id="{0706D74A-6B02-4172-DC94-F2BBEE6B2BF6}"/>
+              </a:ext>
+            </a:extLst>
+          </p:cNvPr>
+          <p:cNvCxnSpPr>
+            <a:cxnSpLocks/>
+          </p:cNvCxnSpPr>
+          <p:nvPr/>
+        </p:nvCxnSpPr>
+        <p:spPr>
+          <a:xfrm>
+            <a:off x="5181598" y="2775153"/>
+            <a:ext cx="0" cy="2419146"/>
+          </a:xfrm>
+          <a:prstGeom prst="line">
+            <a:avLst/>
+          </a:prstGeom>
+          <a:ln>
+            <a:solidFill>
+              <a:srgbClr val="FF0000"/>
+            </a:solidFill>
+          </a:ln>
+        </p:spPr>
+        <p:style>
+          <a:lnRef idx="2">
+            <a:schemeClr val="accent1"/>
+          </a:lnRef>
+          <a:fillRef idx="0">
+            <a:schemeClr val="accent1"/>
+          </a:fillRef>
+          <a:effectRef idx="1">
+            <a:schemeClr val="accent1"/>
+          </a:effectRef>
+          <a:fontRef idx="minor">
+            <a:schemeClr val="tx1"/>
+          </a:fontRef>
+        </p:style>
+      </p:cxnSp>
+      <p:cxnSp>
+        <p:nvCxnSpPr>
+          <p:cNvPr id="23" name="Straight Arrow Connector 22">
+            <a:extLst>
+              <a:ext uri="{FF2B5EF4-FFF2-40B4-BE49-F238E27FC236}">
+                <a16:creationId xmlns:a16="http://schemas.microsoft.com/office/drawing/2014/main" id="{90D103F4-811B-1704-0B72-B6B5B8106FE0}"/>
+              </a:ext>
+            </a:extLst>
+          </p:cNvPr>
+          <p:cNvCxnSpPr>
+            <a:cxnSpLocks/>
+          </p:cNvCxnSpPr>
+          <p:nvPr/>
+        </p:nvCxnSpPr>
+        <p:spPr>
+          <a:xfrm flipH="1">
+            <a:off x="1212850" y="4635500"/>
+            <a:ext cx="3968748" cy="0"/>
+          </a:xfrm>
+          <a:prstGeom prst="straightConnector1">
+            <a:avLst/>
+          </a:prstGeom>
+          <a:ln>
+            <a:solidFill>
+              <a:srgbClr val="FF0000"/>
+            </a:solidFill>
+            <a:prstDash val="dash"/>
+            <a:headEnd type="arrow"/>
+            <a:tailEnd type="arrow"/>
+          </a:ln>
+        </p:spPr>
+        <p:style>
+          <a:lnRef idx="2">
+            <a:schemeClr val="accent1"/>
+          </a:lnRef>
+          <a:fillRef idx="0">
+            <a:schemeClr val="accent1"/>
+          </a:fillRef>
+          <a:effectRef idx="1">
+            <a:schemeClr val="accent1"/>
+          </a:effectRef>
+          <a:fontRef idx="minor">
+            <a:schemeClr val="tx1"/>
+          </a:fontRef>
+        </p:style>
+      </p:cxnSp>
+      <p:sp>
+        <p:nvSpPr>
+          <p:cNvPr id="24" name="TextBox 23">
+            <a:extLst>
+              <a:ext uri="{FF2B5EF4-FFF2-40B4-BE49-F238E27FC236}">
+                <a16:creationId xmlns:a16="http://schemas.microsoft.com/office/drawing/2014/main" id="{B6C7719C-5A19-AD20-2768-CB0B0278CB2D}"/>
+              </a:ext>
+            </a:extLst>
+          </p:cNvPr>
+          <p:cNvSpPr txBox="1"/>
+          <p:nvPr/>
+        </p:nvSpPr>
+        <p:spPr>
+          <a:xfrm>
+            <a:off x="4314213" y="5174948"/>
+            <a:ext cx="1734770" cy="584775"/>
+          </a:xfrm>
+          <a:prstGeom prst="rect">
+            <a:avLst/>
+          </a:prstGeom>
+          <a:noFill/>
+        </p:spPr>
+        <p:txBody>
+          <a:bodyPr wrap="none" rtlCol="0">
+            <a:spAutoFit/>
+          </a:bodyPr>
+          <a:lstStyle/>
+          <a:p>
+            <a:pPr algn="ctr"/>
+            <a:r>
+              <a:rPr lang="en-US" sz="1600" dirty="0">
+                <a:latin typeface="Times New Roman" panose="02020603050405020304" pitchFamily="18" charset="0"/>
+                <a:cs typeface="Times New Roman" panose="02020603050405020304" pitchFamily="18" charset="0"/>
+              </a:rPr>
+              <a:t>(spatial) frequency</a:t>
+            </a:r>
+          </a:p>
+          <a:p>
+            <a:pPr algn="ctr"/>
+            <a:r>
+              <a:rPr lang="en-US" sz="1600" dirty="0">
+                <a:latin typeface="Times New Roman" panose="02020603050405020304" pitchFamily="18" charset="0"/>
+                <a:cs typeface="Times New Roman" panose="02020603050405020304" pitchFamily="18" charset="0"/>
+              </a:rPr>
+              <a:t>(wavenumber)</a:t>
+            </a:r>
+          </a:p>
+        </p:txBody>
+      </p:sp>
+      <p:pic>
+        <p:nvPicPr>
+          <p:cNvPr id="27" name="Picture 26">
+            <a:extLst>
+              <a:ext uri="{FF2B5EF4-FFF2-40B4-BE49-F238E27FC236}">
+                <a16:creationId xmlns:a16="http://schemas.microsoft.com/office/drawing/2014/main" id="{938FE7B0-63D6-5E68-F6E6-2EB47FEF1A3D}"/>
+              </a:ext>
+            </a:extLst>
+          </p:cNvPr>
+          <p:cNvPicPr>
+            <a:picLocks noChangeAspect="1"/>
+          </p:cNvPicPr>
+          <p:nvPr/>
+        </p:nvPicPr>
+        <p:blipFill>
+          <a:blip r:embed="rId6"/>
+          <a:stretch>
+            <a:fillRect/>
+          </a:stretch>
+        </p:blipFill>
+        <p:spPr>
+          <a:xfrm>
+            <a:off x="5286247" y="4540251"/>
+            <a:ext cx="137160" cy="190499"/>
+          </a:xfrm>
+          <a:prstGeom prst="rect">
+            <a:avLst/>
+          </a:prstGeom>
+        </p:spPr>
+      </p:pic>
+      <p:pic>
+        <p:nvPicPr>
+          <p:cNvPr id="3" name="Picture 2">
+            <a:extLst>
+              <a:ext uri="{FF2B5EF4-FFF2-40B4-BE49-F238E27FC236}">
+                <a16:creationId xmlns:a16="http://schemas.microsoft.com/office/drawing/2014/main" id="{58004000-AF2C-83B7-1097-192A59274AA0}"/>
+              </a:ext>
+            </a:extLst>
+          </p:cNvPr>
+          <p:cNvPicPr>
+            <a:picLocks noChangeAspect="1"/>
+          </p:cNvPicPr>
+          <p:nvPr/>
+        </p:nvPicPr>
+        <p:blipFill>
+          <a:blip r:embed="rId7"/>
+          <a:stretch>
+            <a:fillRect/>
+          </a:stretch>
+        </p:blipFill>
+        <p:spPr>
+          <a:xfrm>
+            <a:off x="5295005" y="6236629"/>
+            <a:ext cx="661954" cy="532441"/>
+          </a:xfrm>
+          <a:prstGeom prst="rect">
+            <a:avLst/>
+          </a:prstGeom>
+        </p:spPr>
+      </p:pic>
+      <p:sp>
+        <p:nvSpPr>
+          <p:cNvPr id="13" name="TextBox 12">
+            <a:extLst>
+              <a:ext uri="{FF2B5EF4-FFF2-40B4-BE49-F238E27FC236}">
+                <a16:creationId xmlns:a16="http://schemas.microsoft.com/office/drawing/2014/main" id="{A296DE3C-6F9A-148B-B552-706D3F12AE03}"/>
+              </a:ext>
+            </a:extLst>
+          </p:cNvPr>
+          <p:cNvSpPr txBox="1"/>
+          <p:nvPr/>
+        </p:nvSpPr>
+        <p:spPr>
+          <a:xfrm>
+            <a:off x="5932388" y="6278773"/>
+            <a:ext cx="2438488" cy="461665"/>
+          </a:xfrm>
+          <a:prstGeom prst="rect">
+            <a:avLst/>
+          </a:prstGeom>
+          <a:noFill/>
+        </p:spPr>
+        <p:txBody>
+          <a:bodyPr wrap="none" rtlCol="0">
+            <a:spAutoFit/>
+          </a:bodyPr>
+          <a:lstStyle/>
+          <a:p>
+            <a:r>
+              <a:rPr lang="en-US" sz="2400" dirty="0">
+                <a:latin typeface="Times New Roman" panose="02020603050405020304" pitchFamily="18" charset="0"/>
+                <a:cs typeface="Times New Roman" panose="02020603050405020304" pitchFamily="18" charset="0"/>
+              </a:rPr>
+              <a:t>= </a:t>
+            </a:r>
+            <a:r>
+              <a:rPr lang="en-US" sz="2000" dirty="0">
+                <a:latin typeface="Times New Roman" panose="02020603050405020304" pitchFamily="18" charset="0"/>
+                <a:cs typeface="Times New Roman" panose="02020603050405020304" pitchFamily="18" charset="0"/>
+              </a:rPr>
+              <a:t>2 cycles/length unit</a:t>
+            </a:r>
+          </a:p>
+        </p:txBody>
+      </p:sp>
+      <p:cxnSp>
+        <p:nvCxnSpPr>
+          <p:cNvPr id="17" name="Straight Connector 16">
+            <a:extLst>
+              <a:ext uri="{FF2B5EF4-FFF2-40B4-BE49-F238E27FC236}">
+                <a16:creationId xmlns:a16="http://schemas.microsoft.com/office/drawing/2014/main" id="{3F6E1E7A-4C5F-37D7-05E3-4B91A017A9AE}"/>
+              </a:ext>
+            </a:extLst>
+          </p:cNvPr>
+          <p:cNvCxnSpPr>
+            <a:cxnSpLocks/>
+          </p:cNvCxnSpPr>
+          <p:nvPr/>
+        </p:nvCxnSpPr>
+        <p:spPr>
+          <a:xfrm>
+            <a:off x="5168898" y="5702299"/>
+            <a:ext cx="0" cy="91440"/>
+          </a:xfrm>
+          <a:prstGeom prst="line">
+            <a:avLst/>
+          </a:prstGeom>
+          <a:ln>
+            <a:solidFill>
+              <a:srgbClr val="FF0000"/>
+            </a:solidFill>
+            <a:tailEnd type="arrow"/>
+          </a:ln>
+        </p:spPr>
+        <p:style>
+          <a:lnRef idx="2">
+            <a:schemeClr val="accent1"/>
+          </a:lnRef>
+          <a:fillRef idx="0">
+            <a:schemeClr val="accent1"/>
+          </a:fillRef>
+          <a:effectRef idx="1">
+            <a:schemeClr val="accent1"/>
+          </a:effectRef>
+          <a:fontRef idx="minor">
+            <a:schemeClr val="tx1"/>
+          </a:fontRef>
+        </p:style>
+      </p:cxnSp>
+    </p:spTree>
+    <p:extLst>
+      <p:ext uri="{BB962C8B-B14F-4D97-AF65-F5344CB8AC3E}">
+        <p14:creationId xmlns:p14="http://schemas.microsoft.com/office/powerpoint/2010/main" val="595442910"/>
+      </p:ext>
+    </p:extLst>
+  </p:cSld>
+  <p:clrMapOvr>
+    <a:masterClrMapping/>
+  </p:clrMapOvr>
+  <p:timing>
+    <p:tnLst>
+      <p:par>
+        <p:cTn id="1" dur="indefinite" restart="never" nodeType="tmRoot">
+          <p:childTnLst>
+            <p:seq concurrent="1" nextAc="seek">
+              <p:cTn id="2" dur="indefinite" nodeType="mainSeq">
+                <p:childTnLst>
+                  <p:par>
+                    <p:cTn id="3" fill="hold">
+                      <p:stCondLst>
+                        <p:cond delay="indefinite"/>
+                      </p:stCondLst>
+                      <p:childTnLst>
+                        <p:par>
+                          <p:cTn id="4" fill="hold">
+                            <p:stCondLst>
+                              <p:cond delay="0"/>
+                            </p:stCondLst>
+                            <p:childTnLst>
+                              <p:par>
+                                <p:cTn id="5" presetID="2" presetClass="entr" presetSubtype="4" fill="hold" grpId="0" nodeType="clickEffect">
+                                  <p:stCondLst>
+                                    <p:cond delay="0"/>
+                                  </p:stCondLst>
+                                  <p:childTnLst>
+                                    <p:set>
+                                      <p:cBhvr>
+                                        <p:cTn id="6" dur="1" fill="hold">
+                                          <p:stCondLst>
+                                            <p:cond delay="0"/>
+                                          </p:stCondLst>
+                                        </p:cTn>
+                                        <p:tgtEl>
+                                          <p:spTgt spid="6"/>
+                                        </p:tgtEl>
+                                        <p:attrNameLst>
+                                          <p:attrName>style.visibility</p:attrName>
+                                        </p:attrNameLst>
+                                      </p:cBhvr>
+                                      <p:to>
+                                        <p:strVal val="visible"/>
+                                      </p:to>
+                                    </p:set>
+                                    <p:anim calcmode="lin" valueType="num">
+                                      <p:cBhvr additive="base">
+                                        <p:cTn id="7" dur="500" fill="hold"/>
+                                        <p:tgtEl>
+                                          <p:spTgt spid="6"/>
+                                        </p:tgtEl>
+                                        <p:attrNameLst>
+                                          <p:attrName>ppt_x</p:attrName>
+                                        </p:attrNameLst>
+                                      </p:cBhvr>
+                                      <p:tavLst>
+                                        <p:tav tm="0">
+                                          <p:val>
+                                            <p:strVal val="#ppt_x"/>
+                                          </p:val>
+                                        </p:tav>
+                                        <p:tav tm="100000">
+                                          <p:val>
+                                            <p:strVal val="#ppt_x"/>
+                                          </p:val>
+                                        </p:tav>
+                                      </p:tavLst>
+                                    </p:anim>
+                                    <p:anim calcmode="lin" valueType="num">
+                                      <p:cBhvr additive="base">
+                                        <p:cTn id="8" dur="500" fill="hold"/>
+                                        <p:tgtEl>
+                                          <p:spTgt spid="6"/>
+                                        </p:tgtEl>
+                                        <p:attrNameLst>
+                                          <p:attrName>ppt_y</p:attrName>
+                                        </p:attrNameLst>
+                                      </p:cBhvr>
+                                      <p:tavLst>
+                                        <p:tav tm="0">
+                                          <p:val>
+                                            <p:strVal val="1+#ppt_h/2"/>
+                                          </p:val>
+                                        </p:tav>
+                                        <p:tav tm="100000">
+                                          <p:val>
+                                            <p:strVal val="#ppt_y"/>
+                                          </p:val>
+                                        </p:tav>
+                                      </p:tavLst>
+                                    </p:anim>
+                                  </p:childTnLst>
+                                </p:cTn>
+                              </p:par>
+                            </p:childTnLst>
+                          </p:cTn>
+                        </p:par>
+                      </p:childTnLst>
+                    </p:cTn>
+                  </p:par>
+                  <p:par>
+                    <p:cTn id="9" fill="hold">
+                      <p:stCondLst>
+                        <p:cond delay="indefinite"/>
+                      </p:stCondLst>
+                      <p:childTnLst>
+                        <p:par>
+                          <p:cTn id="10" fill="hold">
+                            <p:stCondLst>
+                              <p:cond delay="0"/>
+                            </p:stCondLst>
+                            <p:childTnLst>
+                              <p:par>
+                                <p:cTn id="11" presetID="2" presetClass="entr" presetSubtype="4" fill="hold" grpId="0" nodeType="clickEffect">
+                                  <p:stCondLst>
+                                    <p:cond delay="0"/>
+                                  </p:stCondLst>
+                                  <p:childTnLst>
+                                    <p:set>
+                                      <p:cBhvr>
+                                        <p:cTn id="12" dur="1" fill="hold">
+                                          <p:stCondLst>
+                                            <p:cond delay="0"/>
+                                          </p:stCondLst>
+                                        </p:cTn>
+                                        <p:tgtEl>
+                                          <p:spTgt spid="18"/>
+                                        </p:tgtEl>
+                                        <p:attrNameLst>
+                                          <p:attrName>style.visibility</p:attrName>
+                                        </p:attrNameLst>
+                                      </p:cBhvr>
+                                      <p:to>
+                                        <p:strVal val="visible"/>
+                                      </p:to>
+                                    </p:set>
+                                    <p:anim calcmode="lin" valueType="num">
+                                      <p:cBhvr additive="base">
+                                        <p:cTn id="13" dur="500" fill="hold"/>
+                                        <p:tgtEl>
+                                          <p:spTgt spid="18"/>
+                                        </p:tgtEl>
+                                        <p:attrNameLst>
+                                          <p:attrName>ppt_x</p:attrName>
+                                        </p:attrNameLst>
+                                      </p:cBhvr>
+                                      <p:tavLst>
+                                        <p:tav tm="0">
+                                          <p:val>
+                                            <p:strVal val="#ppt_x"/>
+                                          </p:val>
+                                        </p:tav>
+                                        <p:tav tm="100000">
+                                          <p:val>
+                                            <p:strVal val="#ppt_x"/>
+                                          </p:val>
+                                        </p:tav>
+                                      </p:tavLst>
+                                    </p:anim>
+                                    <p:anim calcmode="lin" valueType="num">
+                                      <p:cBhvr additive="base">
+                                        <p:cTn id="14" dur="500" fill="hold"/>
+                                        <p:tgtEl>
+                                          <p:spTgt spid="18"/>
+                                        </p:tgtEl>
+                                        <p:attrNameLst>
+                                          <p:attrName>ppt_y</p:attrName>
+                                        </p:attrNameLst>
+                                      </p:cBhvr>
+                                      <p:tavLst>
+                                        <p:tav tm="0">
+                                          <p:val>
+                                            <p:strVal val="1+#ppt_h/2"/>
+                                          </p:val>
+                                        </p:tav>
+                                        <p:tav tm="100000">
+                                          <p:val>
+                                            <p:strVal val="#ppt_y"/>
+                                          </p:val>
+                                        </p:tav>
+                                      </p:tavLst>
+                                    </p:anim>
+                                  </p:childTnLst>
+                                </p:cTn>
+                              </p:par>
+                              <p:par>
+                                <p:cTn id="15" presetID="2" presetClass="entr" presetSubtype="4" fill="hold" grpId="0" nodeType="withEffect">
+                                  <p:stCondLst>
+                                    <p:cond delay="0"/>
+                                  </p:stCondLst>
+                                  <p:childTnLst>
+                                    <p:set>
+                                      <p:cBhvr>
+                                        <p:cTn id="16" dur="1" fill="hold">
+                                          <p:stCondLst>
+                                            <p:cond delay="0"/>
+                                          </p:stCondLst>
+                                        </p:cTn>
+                                        <p:tgtEl>
+                                          <p:spTgt spid="14"/>
+                                        </p:tgtEl>
+                                        <p:attrNameLst>
+                                          <p:attrName>style.visibility</p:attrName>
+                                        </p:attrNameLst>
+                                      </p:cBhvr>
+                                      <p:to>
+                                        <p:strVal val="visible"/>
+                                      </p:to>
+                                    </p:set>
+                                    <p:anim calcmode="lin" valueType="num">
+                                      <p:cBhvr additive="base">
+                                        <p:cTn id="17" dur="500" fill="hold"/>
+                                        <p:tgtEl>
+                                          <p:spTgt spid="14"/>
+                                        </p:tgtEl>
+                                        <p:attrNameLst>
+                                          <p:attrName>ppt_x</p:attrName>
+                                        </p:attrNameLst>
+                                      </p:cBhvr>
+                                      <p:tavLst>
+                                        <p:tav tm="0">
+                                          <p:val>
+                                            <p:strVal val="#ppt_x"/>
+                                          </p:val>
+                                        </p:tav>
+                                        <p:tav tm="100000">
+                                          <p:val>
+                                            <p:strVal val="#ppt_x"/>
+                                          </p:val>
+                                        </p:tav>
+                                      </p:tavLst>
+                                    </p:anim>
+                                    <p:anim calcmode="lin" valueType="num">
+                                      <p:cBhvr additive="base">
+                                        <p:cTn id="18" dur="500" fill="hold"/>
+                                        <p:tgtEl>
+                                          <p:spTgt spid="14"/>
+                                        </p:tgtEl>
+                                        <p:attrNameLst>
+                                          <p:attrName>ppt_y</p:attrName>
+                                        </p:attrNameLst>
+                                      </p:cBhvr>
+                                      <p:tavLst>
+                                        <p:tav tm="0">
+                                          <p:val>
+                                            <p:strVal val="1+#ppt_h/2"/>
+                                          </p:val>
+                                        </p:tav>
+                                        <p:tav tm="100000">
+                                          <p:val>
+                                            <p:strVal val="#ppt_y"/>
+                                          </p:val>
+                                        </p:tav>
+                                      </p:tavLst>
+                                    </p:anim>
+                                  </p:childTnLst>
+                                </p:cTn>
+                              </p:par>
+                              <p:par>
+                                <p:cTn id="19" presetID="2" presetClass="entr" presetSubtype="4" fill="hold" nodeType="withEffect">
+                                  <p:stCondLst>
+                                    <p:cond delay="0"/>
+                                  </p:stCondLst>
+                                  <p:childTnLst>
+                                    <p:set>
+                                      <p:cBhvr>
+                                        <p:cTn id="20" dur="1" fill="hold">
+                                          <p:stCondLst>
+                                            <p:cond delay="0"/>
+                                          </p:stCondLst>
+                                        </p:cTn>
+                                        <p:tgtEl>
+                                          <p:spTgt spid="16"/>
+                                        </p:tgtEl>
+                                        <p:attrNameLst>
+                                          <p:attrName>style.visibility</p:attrName>
+                                        </p:attrNameLst>
+                                      </p:cBhvr>
+                                      <p:to>
+                                        <p:strVal val="visible"/>
+                                      </p:to>
+                                    </p:set>
+                                    <p:anim calcmode="lin" valueType="num">
+                                      <p:cBhvr additive="base">
+                                        <p:cTn id="21" dur="500" fill="hold"/>
+                                        <p:tgtEl>
+                                          <p:spTgt spid="16"/>
+                                        </p:tgtEl>
+                                        <p:attrNameLst>
+                                          <p:attrName>ppt_x</p:attrName>
+                                        </p:attrNameLst>
+                                      </p:cBhvr>
+                                      <p:tavLst>
+                                        <p:tav tm="0">
+                                          <p:val>
+                                            <p:strVal val="#ppt_x"/>
+                                          </p:val>
+                                        </p:tav>
+                                        <p:tav tm="100000">
+                                          <p:val>
+                                            <p:strVal val="#ppt_x"/>
+                                          </p:val>
+                                        </p:tav>
+                                      </p:tavLst>
+                                    </p:anim>
+                                    <p:anim calcmode="lin" valueType="num">
+                                      <p:cBhvr additive="base">
+                                        <p:cTn id="22" dur="500" fill="hold"/>
+                                        <p:tgtEl>
+                                          <p:spTgt spid="16"/>
+                                        </p:tgtEl>
+                                        <p:attrNameLst>
+                                          <p:attrName>ppt_y</p:attrName>
+                                        </p:attrNameLst>
+                                      </p:cBhvr>
+                                      <p:tavLst>
+                                        <p:tav tm="0">
+                                          <p:val>
+                                            <p:strVal val="1+#ppt_h/2"/>
+                                          </p:val>
+                                        </p:tav>
+                                        <p:tav tm="100000">
+                                          <p:val>
+                                            <p:strVal val="#ppt_y"/>
+                                          </p:val>
+                                        </p:tav>
+                                      </p:tavLst>
+                                    </p:anim>
+                                  </p:childTnLst>
+                                </p:cTn>
+                              </p:par>
+                              <p:par>
+                                <p:cTn id="23" presetID="2" presetClass="entr" presetSubtype="4" fill="hold" nodeType="withEffect">
+                                  <p:stCondLst>
+                                    <p:cond delay="0"/>
+                                  </p:stCondLst>
+                                  <p:childTnLst>
+                                    <p:set>
+                                      <p:cBhvr>
+                                        <p:cTn id="24" dur="1" fill="hold">
+                                          <p:stCondLst>
+                                            <p:cond delay="0"/>
+                                          </p:stCondLst>
+                                        </p:cTn>
+                                        <p:tgtEl>
+                                          <p:spTgt spid="15"/>
+                                        </p:tgtEl>
+                                        <p:attrNameLst>
+                                          <p:attrName>style.visibility</p:attrName>
+                                        </p:attrNameLst>
+                                      </p:cBhvr>
+                                      <p:to>
+                                        <p:strVal val="visible"/>
+                                      </p:to>
+                                    </p:set>
+                                    <p:anim calcmode="lin" valueType="num">
+                                      <p:cBhvr additive="base">
+                                        <p:cTn id="25" dur="500" fill="hold"/>
+                                        <p:tgtEl>
+                                          <p:spTgt spid="15"/>
+                                        </p:tgtEl>
+                                        <p:attrNameLst>
+                                          <p:attrName>ppt_x</p:attrName>
+                                        </p:attrNameLst>
+                                      </p:cBhvr>
+                                      <p:tavLst>
+                                        <p:tav tm="0">
+                                          <p:val>
+                                            <p:strVal val="#ppt_x"/>
+                                          </p:val>
+                                        </p:tav>
+                                        <p:tav tm="100000">
+                                          <p:val>
+                                            <p:strVal val="#ppt_x"/>
+                                          </p:val>
+                                        </p:tav>
+                                      </p:tavLst>
+                                    </p:anim>
+                                    <p:anim calcmode="lin" valueType="num">
+                                      <p:cBhvr additive="base">
+                                        <p:cTn id="26" dur="500" fill="hold"/>
+                                        <p:tgtEl>
+                                          <p:spTgt spid="15"/>
+                                        </p:tgtEl>
+                                        <p:attrNameLst>
+                                          <p:attrName>ppt_y</p:attrName>
+                                        </p:attrNameLst>
+                                      </p:cBhvr>
+                                      <p:tavLst>
+                                        <p:tav tm="0">
+                                          <p:val>
+                                            <p:strVal val="1+#ppt_h/2"/>
+                                          </p:val>
+                                        </p:tav>
+                                        <p:tav tm="100000">
+                                          <p:val>
+                                            <p:strVal val="#ppt_y"/>
+                                          </p:val>
+                                        </p:tav>
+                                      </p:tavLst>
+                                    </p:anim>
+                                  </p:childTnLst>
+                                </p:cTn>
+                              </p:par>
+                              <p:par>
+                                <p:cTn id="27" presetID="2" presetClass="entr" presetSubtype="4" fill="hold" grpId="0" nodeType="withEffect">
+                                  <p:stCondLst>
+                                    <p:cond delay="0"/>
+                                  </p:stCondLst>
+                                  <p:childTnLst>
+                                    <p:set>
+                                      <p:cBhvr>
+                                        <p:cTn id="28" dur="1" fill="hold">
+                                          <p:stCondLst>
+                                            <p:cond delay="0"/>
+                                          </p:stCondLst>
+                                        </p:cTn>
+                                        <p:tgtEl>
+                                          <p:spTgt spid="21"/>
+                                        </p:tgtEl>
+                                        <p:attrNameLst>
+                                          <p:attrName>style.visibility</p:attrName>
+                                        </p:attrNameLst>
+                                      </p:cBhvr>
+                                      <p:to>
+                                        <p:strVal val="visible"/>
+                                      </p:to>
+                                    </p:set>
+                                    <p:anim calcmode="lin" valueType="num">
+                                      <p:cBhvr additive="base">
+                                        <p:cTn id="29" dur="500" fill="hold"/>
+                                        <p:tgtEl>
+                                          <p:spTgt spid="21"/>
+                                        </p:tgtEl>
+                                        <p:attrNameLst>
+                                          <p:attrName>ppt_x</p:attrName>
+                                        </p:attrNameLst>
+                                      </p:cBhvr>
+                                      <p:tavLst>
+                                        <p:tav tm="0">
+                                          <p:val>
+                                            <p:strVal val="#ppt_x"/>
+                                          </p:val>
+                                        </p:tav>
+                                        <p:tav tm="100000">
+                                          <p:val>
+                                            <p:strVal val="#ppt_x"/>
+                                          </p:val>
+                                        </p:tav>
+                                      </p:tavLst>
+                                    </p:anim>
+                                    <p:anim calcmode="lin" valueType="num">
+                                      <p:cBhvr additive="base">
+                                        <p:cTn id="30" dur="500" fill="hold"/>
+                                        <p:tgtEl>
+                                          <p:spTgt spid="21"/>
+                                        </p:tgtEl>
+                                        <p:attrNameLst>
+                                          <p:attrName>ppt_y</p:attrName>
+                                        </p:attrNameLst>
+                                      </p:cBhvr>
+                                      <p:tavLst>
+                                        <p:tav tm="0">
+                                          <p:val>
+                                            <p:strVal val="1+#ppt_h/2"/>
+                                          </p:val>
+                                        </p:tav>
+                                        <p:tav tm="100000">
+                                          <p:val>
+                                            <p:strVal val="#ppt_y"/>
+                                          </p:val>
+                                        </p:tav>
+                                      </p:tavLst>
+                                    </p:anim>
+                                  </p:childTnLst>
+                                </p:cTn>
+                              </p:par>
+                            </p:childTnLst>
+                          </p:cTn>
+                        </p:par>
+                      </p:childTnLst>
+                    </p:cTn>
+                  </p:par>
+                  <p:par>
+                    <p:cTn id="31" fill="hold">
+                      <p:stCondLst>
+                        <p:cond delay="indefinite"/>
+                      </p:stCondLst>
+                      <p:childTnLst>
+                        <p:par>
+                          <p:cTn id="32" fill="hold">
+                            <p:stCondLst>
+                              <p:cond delay="0"/>
+                            </p:stCondLst>
+                            <p:childTnLst>
+                              <p:par>
+                                <p:cTn id="33" presetID="2" presetClass="entr" presetSubtype="4" fill="hold" grpId="0" nodeType="clickEffect">
+                                  <p:stCondLst>
+                                    <p:cond delay="0"/>
+                                  </p:stCondLst>
+                                  <p:childTnLst>
+                                    <p:set>
+                                      <p:cBhvr>
+                                        <p:cTn id="34" dur="1" fill="hold">
+                                          <p:stCondLst>
+                                            <p:cond delay="0"/>
+                                          </p:stCondLst>
+                                        </p:cTn>
+                                        <p:tgtEl>
+                                          <p:spTgt spid="10"/>
+                                        </p:tgtEl>
+                                        <p:attrNameLst>
+                                          <p:attrName>style.visibility</p:attrName>
+                                        </p:attrNameLst>
+                                      </p:cBhvr>
+                                      <p:to>
+                                        <p:strVal val="visible"/>
+                                      </p:to>
+                                    </p:set>
+                                    <p:anim calcmode="lin" valueType="num">
+                                      <p:cBhvr additive="base">
+                                        <p:cTn id="35" dur="500" fill="hold"/>
+                                        <p:tgtEl>
+                                          <p:spTgt spid="10"/>
+                                        </p:tgtEl>
+                                        <p:attrNameLst>
+                                          <p:attrName>ppt_x</p:attrName>
+                                        </p:attrNameLst>
+                                      </p:cBhvr>
+                                      <p:tavLst>
+                                        <p:tav tm="0">
+                                          <p:val>
+                                            <p:strVal val="#ppt_x"/>
+                                          </p:val>
+                                        </p:tav>
+                                        <p:tav tm="100000">
+                                          <p:val>
+                                            <p:strVal val="#ppt_x"/>
+                                          </p:val>
+                                        </p:tav>
+                                      </p:tavLst>
+                                    </p:anim>
+                                    <p:anim calcmode="lin" valueType="num">
+                                      <p:cBhvr additive="base">
+                                        <p:cTn id="36" dur="500" fill="hold"/>
+                                        <p:tgtEl>
+                                          <p:spTgt spid="10"/>
+                                        </p:tgtEl>
+                                        <p:attrNameLst>
+                                          <p:attrName>ppt_y</p:attrName>
+                                        </p:attrNameLst>
+                                      </p:cBhvr>
+                                      <p:tavLst>
+                                        <p:tav tm="0">
+                                          <p:val>
+                                            <p:strVal val="1+#ppt_h/2"/>
+                                          </p:val>
+                                        </p:tav>
+                                        <p:tav tm="100000">
+                                          <p:val>
+                                            <p:strVal val="#ppt_y"/>
+                                          </p:val>
+                                        </p:tav>
+                                      </p:tavLst>
+                                    </p:anim>
+                                  </p:childTnLst>
+                                </p:cTn>
+                              </p:par>
+                            </p:childTnLst>
+                          </p:cTn>
+                        </p:par>
+                      </p:childTnLst>
+                    </p:cTn>
+                  </p:par>
+                  <p:par>
+                    <p:cTn id="37" fill="hold">
+                      <p:stCondLst>
+                        <p:cond delay="indefinite"/>
+                      </p:stCondLst>
+                      <p:childTnLst>
+                        <p:par>
+                          <p:cTn id="38" fill="hold">
+                            <p:stCondLst>
+                              <p:cond delay="0"/>
+                            </p:stCondLst>
+                            <p:childTnLst>
+                              <p:par>
+                                <p:cTn id="39" presetID="2" presetClass="entr" presetSubtype="4" fill="hold" nodeType="clickEffect">
+                                  <p:stCondLst>
+                                    <p:cond delay="0"/>
+                                  </p:stCondLst>
+                                  <p:childTnLst>
+                                    <p:set>
+                                      <p:cBhvr>
+                                        <p:cTn id="40" dur="1" fill="hold">
+                                          <p:stCondLst>
+                                            <p:cond delay="0"/>
+                                          </p:stCondLst>
+                                        </p:cTn>
+                                        <p:tgtEl>
+                                          <p:spTgt spid="23"/>
+                                        </p:tgtEl>
+                                        <p:attrNameLst>
+                                          <p:attrName>style.visibility</p:attrName>
+                                        </p:attrNameLst>
+                                      </p:cBhvr>
+                                      <p:to>
+                                        <p:strVal val="visible"/>
+                                      </p:to>
+                                    </p:set>
+                                    <p:anim calcmode="lin" valueType="num">
+                                      <p:cBhvr additive="base">
+                                        <p:cTn id="41" dur="500" fill="hold"/>
+                                        <p:tgtEl>
+                                          <p:spTgt spid="23"/>
+                                        </p:tgtEl>
+                                        <p:attrNameLst>
+                                          <p:attrName>ppt_x</p:attrName>
+                                        </p:attrNameLst>
+                                      </p:cBhvr>
+                                      <p:tavLst>
+                                        <p:tav tm="0">
+                                          <p:val>
+                                            <p:strVal val="#ppt_x"/>
+                                          </p:val>
+                                        </p:tav>
+                                        <p:tav tm="100000">
+                                          <p:val>
+                                            <p:strVal val="#ppt_x"/>
+                                          </p:val>
+                                        </p:tav>
+                                      </p:tavLst>
+                                    </p:anim>
+                                    <p:anim calcmode="lin" valueType="num">
+                                      <p:cBhvr additive="base">
+                                        <p:cTn id="42" dur="500" fill="hold"/>
+                                        <p:tgtEl>
+                                          <p:spTgt spid="23"/>
+                                        </p:tgtEl>
+                                        <p:attrNameLst>
+                                          <p:attrName>ppt_y</p:attrName>
+                                        </p:attrNameLst>
+                                      </p:cBhvr>
+                                      <p:tavLst>
+                                        <p:tav tm="0">
+                                          <p:val>
+                                            <p:strVal val="1+#ppt_h/2"/>
+                                          </p:val>
+                                        </p:tav>
+                                        <p:tav tm="100000">
+                                          <p:val>
+                                            <p:strVal val="#ppt_y"/>
+                                          </p:val>
+                                        </p:tav>
+                                      </p:tavLst>
+                                    </p:anim>
+                                  </p:childTnLst>
+                                </p:cTn>
+                              </p:par>
+                              <p:par>
+                                <p:cTn id="43" presetID="2" presetClass="entr" presetSubtype="4" fill="hold" nodeType="withEffect">
+                                  <p:stCondLst>
+                                    <p:cond delay="0"/>
+                                  </p:stCondLst>
+                                  <p:childTnLst>
+                                    <p:set>
+                                      <p:cBhvr>
+                                        <p:cTn id="44" dur="1" fill="hold">
+                                          <p:stCondLst>
+                                            <p:cond delay="0"/>
+                                          </p:stCondLst>
+                                        </p:cTn>
+                                        <p:tgtEl>
+                                          <p:spTgt spid="22"/>
+                                        </p:tgtEl>
+                                        <p:attrNameLst>
+                                          <p:attrName>style.visibility</p:attrName>
+                                        </p:attrNameLst>
+                                      </p:cBhvr>
+                                      <p:to>
+                                        <p:strVal val="visible"/>
+                                      </p:to>
+                                    </p:set>
+                                    <p:anim calcmode="lin" valueType="num">
+                                      <p:cBhvr additive="base">
+                                        <p:cTn id="45" dur="500" fill="hold"/>
+                                        <p:tgtEl>
+                                          <p:spTgt spid="22"/>
+                                        </p:tgtEl>
+                                        <p:attrNameLst>
+                                          <p:attrName>ppt_x</p:attrName>
+                                        </p:attrNameLst>
+                                      </p:cBhvr>
+                                      <p:tavLst>
+                                        <p:tav tm="0">
+                                          <p:val>
+                                            <p:strVal val="#ppt_x"/>
+                                          </p:val>
+                                        </p:tav>
+                                        <p:tav tm="100000">
+                                          <p:val>
+                                            <p:strVal val="#ppt_x"/>
+                                          </p:val>
+                                        </p:tav>
+                                      </p:tavLst>
+                                    </p:anim>
+                                    <p:anim calcmode="lin" valueType="num">
+                                      <p:cBhvr additive="base">
+                                        <p:cTn id="46" dur="500" fill="hold"/>
+                                        <p:tgtEl>
+                                          <p:spTgt spid="22"/>
+                                        </p:tgtEl>
+                                        <p:attrNameLst>
+                                          <p:attrName>ppt_y</p:attrName>
+                                        </p:attrNameLst>
+                                      </p:cBhvr>
+                                      <p:tavLst>
+                                        <p:tav tm="0">
+                                          <p:val>
+                                            <p:strVal val="1+#ppt_h/2"/>
+                                          </p:val>
+                                        </p:tav>
+                                        <p:tav tm="100000">
+                                          <p:val>
+                                            <p:strVal val="#ppt_y"/>
+                                          </p:val>
+                                        </p:tav>
+                                      </p:tavLst>
+                                    </p:anim>
+                                  </p:childTnLst>
+                                </p:cTn>
+                              </p:par>
+                              <p:par>
+                                <p:cTn id="47" presetID="2" presetClass="entr" presetSubtype="4" fill="hold" grpId="0" nodeType="withEffect">
+                                  <p:stCondLst>
+                                    <p:cond delay="0"/>
+                                  </p:stCondLst>
+                                  <p:childTnLst>
+                                    <p:set>
+                                      <p:cBhvr>
+                                        <p:cTn id="48" dur="1" fill="hold">
+                                          <p:stCondLst>
+                                            <p:cond delay="0"/>
+                                          </p:stCondLst>
+                                        </p:cTn>
+                                        <p:tgtEl>
+                                          <p:spTgt spid="24"/>
+                                        </p:tgtEl>
+                                        <p:attrNameLst>
+                                          <p:attrName>style.visibility</p:attrName>
+                                        </p:attrNameLst>
+                                      </p:cBhvr>
+                                      <p:to>
+                                        <p:strVal val="visible"/>
+                                      </p:to>
+                                    </p:set>
+                                    <p:anim calcmode="lin" valueType="num">
+                                      <p:cBhvr additive="base">
+                                        <p:cTn id="49" dur="500" fill="hold"/>
+                                        <p:tgtEl>
+                                          <p:spTgt spid="24"/>
+                                        </p:tgtEl>
+                                        <p:attrNameLst>
+                                          <p:attrName>ppt_x</p:attrName>
+                                        </p:attrNameLst>
+                                      </p:cBhvr>
+                                      <p:tavLst>
+                                        <p:tav tm="0">
+                                          <p:val>
+                                            <p:strVal val="#ppt_x"/>
+                                          </p:val>
+                                        </p:tav>
+                                        <p:tav tm="100000">
+                                          <p:val>
+                                            <p:strVal val="#ppt_x"/>
+                                          </p:val>
+                                        </p:tav>
+                                      </p:tavLst>
+                                    </p:anim>
+                                    <p:anim calcmode="lin" valueType="num">
+                                      <p:cBhvr additive="base">
+                                        <p:cTn id="50" dur="500" fill="hold"/>
+                                        <p:tgtEl>
+                                          <p:spTgt spid="24"/>
+                                        </p:tgtEl>
+                                        <p:attrNameLst>
+                                          <p:attrName>ppt_y</p:attrName>
+                                        </p:attrNameLst>
+                                      </p:cBhvr>
+                                      <p:tavLst>
+                                        <p:tav tm="0">
+                                          <p:val>
+                                            <p:strVal val="1+#ppt_h/2"/>
+                                          </p:val>
+                                        </p:tav>
+                                        <p:tav tm="100000">
+                                          <p:val>
+                                            <p:strVal val="#ppt_y"/>
+                                          </p:val>
+                                        </p:tav>
+                                      </p:tavLst>
+                                    </p:anim>
+                                  </p:childTnLst>
+                                </p:cTn>
+                              </p:par>
+                              <p:par>
+                                <p:cTn id="51" presetID="2" presetClass="entr" presetSubtype="4" fill="hold" grpId="0" nodeType="withEffect">
+                                  <p:stCondLst>
+                                    <p:cond delay="0"/>
+                                  </p:stCondLst>
+                                  <p:childTnLst>
+                                    <p:set>
+                                      <p:cBhvr>
+                                        <p:cTn id="52" dur="1" fill="hold">
+                                          <p:stCondLst>
+                                            <p:cond delay="0"/>
+                                          </p:stCondLst>
+                                        </p:cTn>
+                                        <p:tgtEl>
+                                          <p:spTgt spid="13"/>
+                                        </p:tgtEl>
+                                        <p:attrNameLst>
+                                          <p:attrName>style.visibility</p:attrName>
+                                        </p:attrNameLst>
+                                      </p:cBhvr>
+                                      <p:to>
+                                        <p:strVal val="visible"/>
+                                      </p:to>
+                                    </p:set>
+                                    <p:anim calcmode="lin" valueType="num">
+                                      <p:cBhvr additive="base">
+                                        <p:cTn id="53" dur="500" fill="hold"/>
+                                        <p:tgtEl>
+                                          <p:spTgt spid="13"/>
+                                        </p:tgtEl>
+                                        <p:attrNameLst>
+                                          <p:attrName>ppt_x</p:attrName>
+                                        </p:attrNameLst>
+                                      </p:cBhvr>
+                                      <p:tavLst>
+                                        <p:tav tm="0">
+                                          <p:val>
+                                            <p:strVal val="#ppt_x"/>
+                                          </p:val>
+                                        </p:tav>
+                                        <p:tav tm="100000">
+                                          <p:val>
+                                            <p:strVal val="#ppt_x"/>
+                                          </p:val>
+                                        </p:tav>
+                                      </p:tavLst>
+                                    </p:anim>
+                                    <p:anim calcmode="lin" valueType="num">
+                                      <p:cBhvr additive="base">
+                                        <p:cTn id="54" dur="500" fill="hold"/>
+                                        <p:tgtEl>
+                                          <p:spTgt spid="13"/>
+                                        </p:tgtEl>
+                                        <p:attrNameLst>
+                                          <p:attrName>ppt_y</p:attrName>
+                                        </p:attrNameLst>
+                                      </p:cBhvr>
+                                      <p:tavLst>
+                                        <p:tav tm="0">
+                                          <p:val>
+                                            <p:strVal val="1+#ppt_h/2"/>
+                                          </p:val>
+                                        </p:tav>
+                                        <p:tav tm="100000">
+                                          <p:val>
+                                            <p:strVal val="#ppt_y"/>
+                                          </p:val>
+                                        </p:tav>
+                                      </p:tavLst>
+                                    </p:anim>
+                                  </p:childTnLst>
+                                </p:cTn>
+                              </p:par>
+                              <p:par>
+                                <p:cTn id="55" presetID="2" presetClass="entr" presetSubtype="4" fill="hold" nodeType="withEffect">
+                                  <p:stCondLst>
+                                    <p:cond delay="0"/>
+                                  </p:stCondLst>
+                                  <p:childTnLst>
+                                    <p:set>
+                                      <p:cBhvr>
+                                        <p:cTn id="56" dur="1" fill="hold">
+                                          <p:stCondLst>
+                                            <p:cond delay="0"/>
+                                          </p:stCondLst>
+                                        </p:cTn>
+                                        <p:tgtEl>
+                                          <p:spTgt spid="3"/>
+                                        </p:tgtEl>
+                                        <p:attrNameLst>
+                                          <p:attrName>style.visibility</p:attrName>
+                                        </p:attrNameLst>
+                                      </p:cBhvr>
+                                      <p:to>
+                                        <p:strVal val="visible"/>
+                                      </p:to>
+                                    </p:set>
+                                    <p:anim calcmode="lin" valueType="num">
+                                      <p:cBhvr additive="base">
+                                        <p:cTn id="57" dur="500" fill="hold"/>
+                                        <p:tgtEl>
+                                          <p:spTgt spid="3"/>
+                                        </p:tgtEl>
+                                        <p:attrNameLst>
+                                          <p:attrName>ppt_x</p:attrName>
+                                        </p:attrNameLst>
+                                      </p:cBhvr>
+                                      <p:tavLst>
+                                        <p:tav tm="0">
+                                          <p:val>
+                                            <p:strVal val="#ppt_x"/>
+                                          </p:val>
+                                        </p:tav>
+                                        <p:tav tm="100000">
+                                          <p:val>
+                                            <p:strVal val="#ppt_x"/>
+                                          </p:val>
+                                        </p:tav>
+                                      </p:tavLst>
+                                    </p:anim>
+                                    <p:anim calcmode="lin" valueType="num">
+                                      <p:cBhvr additive="base">
+                                        <p:cTn id="58" dur="500" fill="hold"/>
+                                        <p:tgtEl>
+                                          <p:spTgt spid="3"/>
+                                        </p:tgtEl>
+                                        <p:attrNameLst>
+                                          <p:attrName>ppt_y</p:attrName>
+                                        </p:attrNameLst>
+                                      </p:cBhvr>
+                                      <p:tavLst>
+                                        <p:tav tm="0">
+                                          <p:val>
+                                            <p:strVal val="1+#ppt_h/2"/>
+                                          </p:val>
+                                        </p:tav>
+                                        <p:tav tm="100000">
+                                          <p:val>
+                                            <p:strVal val="#ppt_y"/>
+                                          </p:val>
+                                        </p:tav>
+                                      </p:tavLst>
+                                    </p:anim>
+                                  </p:childTnLst>
+                                </p:cTn>
+                              </p:par>
+                              <p:par>
+                                <p:cTn id="59" presetID="2" presetClass="entr" presetSubtype="4" fill="hold" nodeType="withEffect">
+                                  <p:stCondLst>
+                                    <p:cond delay="0"/>
+                                  </p:stCondLst>
+                                  <p:childTnLst>
+                                    <p:set>
+                                      <p:cBhvr>
+                                        <p:cTn id="60" dur="1" fill="hold">
+                                          <p:stCondLst>
+                                            <p:cond delay="0"/>
+                                          </p:stCondLst>
+                                        </p:cTn>
+                                        <p:tgtEl>
+                                          <p:spTgt spid="17"/>
+                                        </p:tgtEl>
+                                        <p:attrNameLst>
+                                          <p:attrName>style.visibility</p:attrName>
+                                        </p:attrNameLst>
+                                      </p:cBhvr>
+                                      <p:to>
+                                        <p:strVal val="visible"/>
+                                      </p:to>
+                                    </p:set>
+                                    <p:anim calcmode="lin" valueType="num">
+                                      <p:cBhvr additive="base">
+                                        <p:cTn id="61" dur="500" fill="hold"/>
+                                        <p:tgtEl>
+                                          <p:spTgt spid="17"/>
+                                        </p:tgtEl>
+                                        <p:attrNameLst>
+                                          <p:attrName>ppt_x</p:attrName>
+                                        </p:attrNameLst>
+                                      </p:cBhvr>
+                                      <p:tavLst>
+                                        <p:tav tm="0">
+                                          <p:val>
+                                            <p:strVal val="#ppt_x"/>
+                                          </p:val>
+                                        </p:tav>
+                                        <p:tav tm="100000">
+                                          <p:val>
+                                            <p:strVal val="#ppt_x"/>
+                                          </p:val>
+                                        </p:tav>
+                                      </p:tavLst>
+                                    </p:anim>
+                                    <p:anim calcmode="lin" valueType="num">
+                                      <p:cBhvr additive="base">
+                                        <p:cTn id="62" dur="500" fill="hold"/>
+                                        <p:tgtEl>
+                                          <p:spTgt spid="17"/>
+                                        </p:tgtEl>
+                                        <p:attrNameLst>
+                                          <p:attrName>ppt_y</p:attrName>
+                                        </p:attrNameLst>
+                                      </p:cBhvr>
+                                      <p:tavLst>
+                                        <p:tav tm="0">
+                                          <p:val>
+                                            <p:strVal val="1+#ppt_h/2"/>
+                                          </p:val>
+                                        </p:tav>
+                                        <p:tav tm="100000">
+                                          <p:val>
+                                            <p:strVal val="#ppt_y"/>
+                                          </p:val>
+                                        </p:tav>
+                                      </p:tavLst>
+                                    </p:anim>
+                                  </p:childTnLst>
+                                </p:cTn>
+                              </p:par>
+                              <p:par>
+                                <p:cTn id="63" presetID="2" presetClass="entr" presetSubtype="4" fill="hold" nodeType="withEffect">
+                                  <p:stCondLst>
+                                    <p:cond delay="0"/>
+                                  </p:stCondLst>
+                                  <p:childTnLst>
+                                    <p:set>
+                                      <p:cBhvr>
+                                        <p:cTn id="64" dur="1" fill="hold">
+                                          <p:stCondLst>
+                                            <p:cond delay="0"/>
+                                          </p:stCondLst>
+                                        </p:cTn>
+                                        <p:tgtEl>
+                                          <p:spTgt spid="17"/>
+                                        </p:tgtEl>
+                                        <p:attrNameLst>
+                                          <p:attrName>style.visibility</p:attrName>
+                                        </p:attrNameLst>
+                                      </p:cBhvr>
+                                      <p:to>
+                                        <p:strVal val="visible"/>
+                                      </p:to>
+                                    </p:set>
+                                    <p:anim calcmode="lin" valueType="num">
+                                      <p:cBhvr additive="base">
+                                        <p:cTn id="65" dur="500" fill="hold"/>
+                                        <p:tgtEl>
+                                          <p:spTgt spid="17"/>
+                                        </p:tgtEl>
+                                        <p:attrNameLst>
+                                          <p:attrName>ppt_x</p:attrName>
+                                        </p:attrNameLst>
+                                      </p:cBhvr>
+                                      <p:tavLst>
+                                        <p:tav tm="0">
+                                          <p:val>
+                                            <p:strVal val="#ppt_x"/>
+                                          </p:val>
+                                        </p:tav>
+                                        <p:tav tm="100000">
+                                          <p:val>
+                                            <p:strVal val="#ppt_x"/>
+                                          </p:val>
+                                        </p:tav>
+                                      </p:tavLst>
+                                    </p:anim>
+                                    <p:anim calcmode="lin" valueType="num">
+                                      <p:cBhvr additive="base">
+                                        <p:cTn id="66" dur="500" fill="hold"/>
+                                        <p:tgtEl>
+                                          <p:spTgt spid="17"/>
+                                        </p:tgtEl>
+                                        <p:attrNameLst>
+                                          <p:attrName>ppt_y</p:attrName>
+                                        </p:attrNameLst>
+                                      </p:cBhvr>
+                                      <p:tavLst>
+                                        <p:tav tm="0">
+                                          <p:val>
+                                            <p:strVal val="1+#ppt_h/2"/>
+                                          </p:val>
+                                        </p:tav>
+                                        <p:tav tm="100000">
+                                          <p:val>
+                                            <p:strVal val="#ppt_y"/>
+                                          </p:val>
+                                        </p:tav>
+                                      </p:tavLst>
+                                    </p:anim>
+                                  </p:childTnLst>
+                                </p:cTn>
+                              </p:par>
+                            </p:childTnLst>
+                          </p:cTn>
+                        </p:par>
+                      </p:childTnLst>
+                    </p:cTn>
+                  </p:par>
+                </p:childTnLst>
+              </p:cTn>
+              <p:prevCondLst>
+                <p:cond evt="onPrev" delay="0">
+                  <p:tgtEl>
+                    <p:sldTgt/>
+                  </p:tgtEl>
+                </p:cond>
+              </p:prevCondLst>
+              <p:nextCondLst>
+                <p:cond evt="onNext" delay="0">
+                  <p:tgtEl>
+                    <p:sldTgt/>
+                  </p:tgtEl>
+                </p:cond>
+              </p:nextCondLst>
+            </p:seq>
+          </p:childTnLst>
+        </p:cTn>
+      </p:par>
+    </p:tnLst>
+    <p:bldLst>
+      <p:bldP spid="6" grpId="0"/>
+      <p:bldP spid="10" grpId="0"/>
+      <p:bldP spid="14" grpId="0" animBg="1"/>
+      <p:bldP spid="18" grpId="0"/>
+      <p:bldP spid="21" grpId="0"/>
+      <p:bldP spid="24" grpId="0"/>
+      <p:bldP spid="13" grpId="0"/>
+    </p:bldLst>
+  </p:timing>
+</p:sld>
+</file>
+
+<file path=ppt/slides/slide5.xml><?xml version="1.0" encoding="utf-8"?>
+<p:sld xmlns:a="http://schemas.openxmlformats.org/drawingml/2006/main" xmlns:r="http://schemas.openxmlformats.org/officeDocument/2006/relationships" xmlns:p="http://schemas.openxmlformats.org/presentationml/2006/main">
+  <p:cSld>
+    <p:spTree>
+      <p:nvGrpSpPr>
+        <p:cNvPr id="1" name=""/>
+        <p:cNvGrpSpPr/>
+        <p:nvPr/>
+      </p:nvGrpSpPr>
+      <p:grpSpPr>
+        <a:xfrm>
+          <a:off x="0" y="0"/>
+          <a:ext cx="0" cy="0"/>
+          <a:chOff x="0" y="0"/>
+          <a:chExt cx="0" cy="0"/>
+        </a:xfrm>
+      </p:grpSpPr>
+      <p:pic>
+        <p:nvPicPr>
           <p:cNvPr id="4" name="Picture 2"/>
           <p:cNvPicPr>
             <a:picLocks noChangeAspect="1" noChangeArrowheads="1"/>
@@ -18018,7 +22516,7 @@
 </p:sld>
 </file>
 
-<file path=ppt/slides/slide5.xml><?xml version="1.0" encoding="utf-8"?>
+<file path=ppt/slides/slide6.xml><?xml version="1.0" encoding="utf-8"?>
 <p:sld xmlns:a="http://schemas.openxmlformats.org/drawingml/2006/main" xmlns:r="http://schemas.openxmlformats.org/officeDocument/2006/relationships" xmlns:p="http://schemas.openxmlformats.org/presentationml/2006/main">
   <p:cSld>
     <p:spTree>
@@ -18708,7 +23206,7 @@
 </p:sld>
 </file>
 
-<file path=ppt/slides/slide6.xml><?xml version="1.0" encoding="utf-8"?>
+<file path=ppt/slides/slide7.xml><?xml version="1.0" encoding="utf-8"?>
 <p:sld xmlns:a="http://schemas.openxmlformats.org/drawingml/2006/main" xmlns:r="http://schemas.openxmlformats.org/officeDocument/2006/relationships" xmlns:p="http://schemas.openxmlformats.org/presentationml/2006/main">
   <p:cSld>
     <p:spTree>
@@ -19254,290 +23752,6 @@
 </p:sld>
 </file>
 
-<file path=ppt/slides/slide7.xml><?xml version="1.0" encoding="utf-8"?>
-<p:sld xmlns:a="http://schemas.openxmlformats.org/drawingml/2006/main" xmlns:r="http://schemas.openxmlformats.org/officeDocument/2006/relationships" xmlns:p="http://schemas.openxmlformats.org/presentationml/2006/main">
-  <p:cSld>
-    <p:spTree>
-      <p:nvGrpSpPr>
-        <p:cNvPr id="1" name=""/>
-        <p:cNvGrpSpPr/>
-        <p:nvPr/>
-      </p:nvGrpSpPr>
-      <p:grpSpPr>
-        <a:xfrm>
-          <a:off x="0" y="0"/>
-          <a:ext cx="0" cy="0"/>
-          <a:chOff x="0" y="0"/>
-          <a:chExt cx="0" cy="0"/>
-        </a:xfrm>
-      </p:grpSpPr>
-      <p:pic>
-        <p:nvPicPr>
-          <p:cNvPr id="4" name="Picture 2"/>
-          <p:cNvPicPr>
-            <a:picLocks noChangeAspect="1" noChangeArrowheads="1"/>
-          </p:cNvPicPr>
-          <p:nvPr/>
-        </p:nvPicPr>
-        <p:blipFill>
-          <a:blip r:embed="rId2" cstate="print"/>
-          <a:srcRect/>
-          <a:stretch>
-            <a:fillRect/>
-          </a:stretch>
-        </p:blipFill>
-        <p:spPr bwMode="auto">
-          <a:xfrm>
-            <a:off x="484188" y="76200"/>
-            <a:ext cx="8202612" cy="239712"/>
-          </a:xfrm>
-          <a:prstGeom prst="rect">
-            <a:avLst/>
-          </a:prstGeom>
-          <a:noFill/>
-          <a:ln w="9525">
-            <a:noFill/>
-            <a:round/>
-            <a:headEnd/>
-            <a:tailEnd/>
-          </a:ln>
-        </p:spPr>
-      </p:pic>
-      <p:sp>
-        <p:nvSpPr>
-          <p:cNvPr id="5" name="Rectangle 4"/>
-          <p:cNvSpPr>
-            <a:spLocks noChangeArrowheads="1"/>
-          </p:cNvSpPr>
-          <p:nvPr/>
-        </p:nvSpPr>
-        <p:spPr bwMode="auto">
-          <a:xfrm>
-            <a:off x="135468" y="84667"/>
-            <a:ext cx="8991601" cy="1127125"/>
-          </a:xfrm>
-          <a:prstGeom prst="rect">
-            <a:avLst/>
-          </a:prstGeom>
-          <a:noFill/>
-          <a:ln w="9525">
-            <a:noFill/>
-            <a:round/>
-            <a:headEnd/>
-            <a:tailEnd/>
-          </a:ln>
-        </p:spPr>
-        <p:txBody>
-          <a:bodyPr lIns="0" tIns="0" rIns="0" bIns="0" anchor="ctr"/>
-          <a:lstStyle/>
-          <a:p>
-            <a:pPr algn="ctr">
-              <a:buClr>
-                <a:srgbClr val="000000"/>
-              </a:buClr>
-              <a:buSzPct val="100000"/>
-              <a:buFont typeface="Times New Roman" pitchFamily="18" charset="0"/>
-              <a:buNone/>
-              <a:tabLst>
-                <a:tab pos="0" algn="l"/>
-                <a:tab pos="914400" algn="l"/>
-                <a:tab pos="1828800" algn="l"/>
-                <a:tab pos="2743200" algn="l"/>
-                <a:tab pos="3657600" algn="l"/>
-                <a:tab pos="4572000" algn="l"/>
-                <a:tab pos="5486400" algn="l"/>
-                <a:tab pos="6400800" algn="l"/>
-                <a:tab pos="7315200" algn="l"/>
-                <a:tab pos="8229600" algn="l"/>
-                <a:tab pos="9144000" algn="l"/>
-                <a:tab pos="10058400" algn="l"/>
-              </a:tabLst>
-            </a:pPr>
-            <a:r>
-              <a:rPr lang="en-GB" sz="4000" dirty="0">
-                <a:solidFill>
-                  <a:srgbClr val="000000"/>
-                </a:solidFill>
-                <a:latin typeface="Times New Roman" pitchFamily="18" charset="0"/>
-              </a:rPr>
-              <a:t>Classical Wave Equation</a:t>
-            </a:r>
-          </a:p>
-        </p:txBody>
-      </p:sp>
-      <p:sp>
-        <p:nvSpPr>
-          <p:cNvPr id="8" name="Rectangle 5"/>
-          <p:cNvSpPr>
-            <a:spLocks noChangeArrowheads="1"/>
-          </p:cNvSpPr>
-          <p:nvPr/>
-        </p:nvSpPr>
-        <p:spPr bwMode="auto">
-          <a:xfrm>
-            <a:off x="228600" y="1219199"/>
-            <a:ext cx="8686800" cy="876301"/>
-          </a:xfrm>
-          <a:prstGeom prst="rect">
-            <a:avLst/>
-          </a:prstGeom>
-          <a:noFill/>
-          <a:ln w="9525">
-            <a:noFill/>
-            <a:round/>
-            <a:headEnd/>
-            <a:tailEnd/>
-          </a:ln>
-        </p:spPr>
-        <p:txBody>
-          <a:bodyPr lIns="0" tIns="0" rIns="0" bIns="0"/>
-          <a:lstStyle/>
-          <a:p>
-            <a:pPr marL="430213" indent="-323850">
-              <a:lnSpc>
-                <a:spcPct val="100000"/>
-              </a:lnSpc>
-              <a:spcBef>
-                <a:spcPts val="800"/>
-              </a:spcBef>
-              <a:buFont typeface="Times New Roman" pitchFamily="18" charset="0"/>
-              <a:buChar char="•"/>
-              <a:tabLst>
-                <a:tab pos="430213" algn="l"/>
-                <a:tab pos="1344613" algn="l"/>
-                <a:tab pos="2259013" algn="l"/>
-                <a:tab pos="3173413" algn="l"/>
-                <a:tab pos="4087813" algn="l"/>
-                <a:tab pos="5002213" algn="l"/>
-                <a:tab pos="5916613" algn="l"/>
-                <a:tab pos="6831013" algn="l"/>
-                <a:tab pos="7745413" algn="l"/>
-                <a:tab pos="8659813" algn="l"/>
-                <a:tab pos="9574213" algn="l"/>
-                <a:tab pos="10488613" algn="l"/>
-              </a:tabLst>
-            </a:pPr>
-            <a:r>
-              <a:rPr lang="en-GB" sz="3200" dirty="0">
-                <a:solidFill>
-                  <a:srgbClr val="000000"/>
-                </a:solidFill>
-                <a:latin typeface="Times New Roman" pitchFamily="18" charset="0"/>
-              </a:rPr>
-              <a:t>Now let’s just plug and chug:</a:t>
-            </a:r>
-          </a:p>
-        </p:txBody>
-      </p:sp>
-      <p:pic>
-        <p:nvPicPr>
-          <p:cNvPr id="2" name="Picture 1"/>
-          <p:cNvPicPr>
-            <a:picLocks noChangeAspect="1"/>
-          </p:cNvPicPr>
-          <p:nvPr/>
-        </p:nvPicPr>
-        <p:blipFill>
-          <a:blip r:embed="rId3"/>
-          <a:stretch>
-            <a:fillRect/>
-          </a:stretch>
-        </p:blipFill>
-        <p:spPr>
-          <a:xfrm>
-            <a:off x="2501900" y="3117850"/>
-            <a:ext cx="1117600" cy="1384300"/>
-          </a:xfrm>
-          <a:prstGeom prst="rect">
-            <a:avLst/>
-          </a:prstGeom>
-        </p:spPr>
-      </p:pic>
-      <p:pic>
-        <p:nvPicPr>
-          <p:cNvPr id="3" name="Picture 2"/>
-          <p:cNvPicPr>
-            <a:picLocks noChangeAspect="1"/>
-          </p:cNvPicPr>
-          <p:nvPr/>
-        </p:nvPicPr>
-        <p:blipFill>
-          <a:blip r:embed="rId4"/>
-          <a:stretch>
-            <a:fillRect/>
-          </a:stretch>
-        </p:blipFill>
-        <p:spPr>
-          <a:xfrm>
-            <a:off x="3679825" y="3013075"/>
-            <a:ext cx="2247900" cy="1409700"/>
-          </a:xfrm>
-          <a:prstGeom prst="rect">
-            <a:avLst/>
-          </a:prstGeom>
-        </p:spPr>
-      </p:pic>
-      <p:pic>
-        <p:nvPicPr>
-          <p:cNvPr id="6" name="Picture 5"/>
-          <p:cNvPicPr>
-            <a:picLocks noChangeAspect="1"/>
-          </p:cNvPicPr>
-          <p:nvPr/>
-        </p:nvPicPr>
-        <p:blipFill>
-          <a:blip r:embed="rId5"/>
-          <a:stretch>
-            <a:fillRect/>
-          </a:stretch>
-        </p:blipFill>
-        <p:spPr>
-          <a:xfrm>
-            <a:off x="5683250" y="3228975"/>
-            <a:ext cx="342900" cy="381000"/>
-          </a:xfrm>
-          <a:prstGeom prst="rect">
-            <a:avLst/>
-          </a:prstGeom>
-        </p:spPr>
-      </p:pic>
-      <p:pic>
-        <p:nvPicPr>
-          <p:cNvPr id="10" name="Picture 9"/>
-          <p:cNvPicPr>
-            <a:picLocks noChangeAspect="1"/>
-          </p:cNvPicPr>
-          <p:nvPr/>
-        </p:nvPicPr>
-        <p:blipFill>
-          <a:blip r:embed="rId5"/>
-          <a:stretch>
-            <a:fillRect/>
-          </a:stretch>
-        </p:blipFill>
-        <p:spPr>
-          <a:xfrm>
-            <a:off x="3336925" y="3238500"/>
-            <a:ext cx="342900" cy="381000"/>
-          </a:xfrm>
-          <a:prstGeom prst="rect">
-            <a:avLst/>
-          </a:prstGeom>
-        </p:spPr>
-      </p:pic>
-    </p:spTree>
-    <p:extLst>
-      <p:ext uri="{BB962C8B-B14F-4D97-AF65-F5344CB8AC3E}">
-        <p14:creationId xmlns:p14="http://schemas.microsoft.com/office/powerpoint/2010/main" val="1066750209"/>
-      </p:ext>
-    </p:extLst>
-  </p:cSld>
-  <p:clrMapOvr>
-    <a:masterClrMapping/>
-  </p:clrMapOvr>
-</p:sld>
-</file>
-
 <file path=ppt/slides/slide8.xml><?xml version="1.0" encoding="utf-8"?>
 <p:sld xmlns:a="http://schemas.openxmlformats.org/drawingml/2006/main" xmlns:r="http://schemas.openxmlformats.org/officeDocument/2006/relationships" xmlns:p="http://schemas.openxmlformats.org/presentationml/2006/main">
   <p:cSld>
@@ -19660,7 +23874,7 @@
         <p:spPr bwMode="auto">
           <a:xfrm>
             <a:off x="228600" y="1219199"/>
-            <a:ext cx="8686800" cy="1431926"/>
+            <a:ext cx="8686800" cy="876301"/>
           </a:xfrm>
           <a:prstGeom prst="rect">
             <a:avLst/>
@@ -19711,47 +23925,6 @@
               <a:t>Now let’s just plug and chug:</a:t>
             </a:r>
           </a:p>
-          <a:p>
-            <a:pPr marL="887413" lvl="1" indent="-323850">
-              <a:spcBef>
-                <a:spcPts val="800"/>
-              </a:spcBef>
-              <a:buFont typeface="Times New Roman" pitchFamily="18" charset="0"/>
-              <a:buChar char="•"/>
-              <a:tabLst>
-                <a:tab pos="430213" algn="l"/>
-                <a:tab pos="1344613" algn="l"/>
-                <a:tab pos="2259013" algn="l"/>
-                <a:tab pos="3173413" algn="l"/>
-                <a:tab pos="4087813" algn="l"/>
-                <a:tab pos="5002213" algn="l"/>
-                <a:tab pos="5916613" algn="l"/>
-                <a:tab pos="6831013" algn="l"/>
-                <a:tab pos="7745413" algn="l"/>
-                <a:tab pos="8659813" algn="l"/>
-                <a:tab pos="9574213" algn="l"/>
-                <a:tab pos="10488613" algn="l"/>
-              </a:tabLst>
-            </a:pPr>
-            <a:r>
-              <a:rPr lang="en-GB" sz="2800" dirty="0">
-                <a:solidFill>
-                  <a:srgbClr val="000000"/>
-                </a:solidFill>
-                <a:latin typeface="Times New Roman" pitchFamily="18" charset="0"/>
-              </a:rPr>
-              <a:t>Substitute 		   for </a:t>
-            </a:r>
-            <a:r>
-              <a:rPr lang="en-GB" sz="2800" i="1" dirty="0">
-                <a:solidFill>
-                  <a:srgbClr val="000000"/>
-                </a:solidFill>
-                <a:latin typeface="Times New Roman" pitchFamily="18" charset="0"/>
-              </a:rPr>
-              <a:t>u</a:t>
-            </a:r>
-          </a:p>
         </p:txBody>
       </p:sp>
       <p:pic>
@@ -19794,7 +23967,7 @@
         </p:blipFill>
         <p:spPr>
           <a:xfrm>
-            <a:off x="5076825" y="3013075"/>
+            <a:off x="3679825" y="3013075"/>
             <a:ext cx="2247900" cy="1409700"/>
           </a:xfrm>
           <a:prstGeom prst="rect">
@@ -19804,7 +23977,7 @@
       </p:pic>
       <p:pic>
         <p:nvPicPr>
-          <p:cNvPr id="9" name="Picture 8"/>
+          <p:cNvPr id="6" name="Picture 5"/>
           <p:cNvPicPr>
             <a:picLocks noChangeAspect="1"/>
           </p:cNvPicPr>
@@ -19818,8 +23991,8 @@
         </p:blipFill>
         <p:spPr>
           <a:xfrm>
-            <a:off x="3311525" y="3155950"/>
-            <a:ext cx="1854200" cy="673100"/>
+            <a:off x="5683250" y="3228975"/>
+            <a:ext cx="342900" cy="381000"/>
           </a:xfrm>
           <a:prstGeom prst="rect">
             <a:avLst/>
@@ -19828,7 +24001,7 @@
       </p:pic>
       <p:pic>
         <p:nvPicPr>
-          <p:cNvPr id="11" name="Picture 10"/>
+          <p:cNvPr id="10" name="Picture 9"/>
           <p:cNvPicPr>
             <a:picLocks noChangeAspect="1"/>
           </p:cNvPicPr>
@@ -19842,32 +24015,8 @@
         </p:blipFill>
         <p:spPr>
           <a:xfrm>
-            <a:off x="7102475" y="3117850"/>
-            <a:ext cx="1854200" cy="673100"/>
-          </a:xfrm>
-          <a:prstGeom prst="rect">
-            <a:avLst/>
-          </a:prstGeom>
-        </p:spPr>
-      </p:pic>
-      <p:pic>
-        <p:nvPicPr>
-          <p:cNvPr id="12" name="Picture 11"/>
-          <p:cNvPicPr>
-            <a:picLocks noChangeAspect="1"/>
-          </p:cNvPicPr>
-          <p:nvPr/>
-        </p:nvPicPr>
-        <p:blipFill>
-          <a:blip r:embed="rId5"/>
-          <a:stretch>
-            <a:fillRect/>
-          </a:stretch>
-        </p:blipFill>
-        <p:spPr>
-          <a:xfrm>
-            <a:off x="2628900" y="1698625"/>
-            <a:ext cx="1854200" cy="673100"/>
+            <a:off x="3336925" y="3238500"/>
+            <a:ext cx="342900" cy="381000"/>
           </a:xfrm>
           <a:prstGeom prst="rect">
             <a:avLst/>
@@ -19877,7 +24026,7 @@
     </p:spTree>
     <p:extLst>
       <p:ext uri="{BB962C8B-B14F-4D97-AF65-F5344CB8AC3E}">
-        <p14:creationId xmlns:p14="http://schemas.microsoft.com/office/powerpoint/2010/main" val="3995210266"/>
+        <p14:creationId xmlns:p14="http://schemas.microsoft.com/office/powerpoint/2010/main" val="1066750209"/>
       </p:ext>
     </p:extLst>
   </p:cSld>
@@ -20089,14 +24238,17 @@
                 </a:solidFill>
                 <a:latin typeface="Times New Roman" pitchFamily="18" charset="0"/>
               </a:rPr>
-              <a:t>Make a bit easier to look at</a:t>
-            </a:r>
-            <a:endParaRPr lang="en-GB" sz="2800" i="1" dirty="0">
-              <a:solidFill>
-                <a:srgbClr val="000000"/>
-              </a:solidFill>
-              <a:latin typeface="Times New Roman" pitchFamily="18" charset="0"/>
-            </a:endParaRPr>
+              <a:t>Substitute 		   for </a:t>
+            </a:r>
+            <a:r>
+              <a:rPr lang="en-GB" sz="2800" i="1" dirty="0">
+                <a:solidFill>
+                  <a:srgbClr val="000000"/>
+                </a:solidFill>
+                <a:latin typeface="Times New Roman" pitchFamily="18" charset="0"/>
+              </a:rPr>
+              <a:t>u</a:t>
+            </a:r>
           </a:p>
         </p:txBody>
       </p:sp>
@@ -20140,7 +24292,7 @@
         </p:blipFill>
         <p:spPr>
           <a:xfrm>
-            <a:off x="4044950" y="3013075"/>
+            <a:off x="5076825" y="3013075"/>
             <a:ext cx="2247900" cy="1409700"/>
           </a:xfrm>
           <a:prstGeom prst="rect">
@@ -20150,7 +24302,7 @@
       </p:pic>
       <p:pic>
         <p:nvPicPr>
-          <p:cNvPr id="10" name="Picture 9"/>
+          <p:cNvPr id="9" name="Picture 8"/>
           <p:cNvPicPr>
             <a:picLocks noChangeAspect="1"/>
           </p:cNvPicPr>
@@ -20164,8 +24316,8 @@
         </p:blipFill>
         <p:spPr>
           <a:xfrm>
-            <a:off x="3346450" y="3162300"/>
-            <a:ext cx="863600" cy="520700"/>
+            <a:off x="3311525" y="3155950"/>
+            <a:ext cx="1854200" cy="673100"/>
           </a:xfrm>
           <a:prstGeom prst="rect">
             <a:avLst/>
@@ -20174,7 +24326,7 @@
       </p:pic>
       <p:pic>
         <p:nvPicPr>
-          <p:cNvPr id="13" name="Picture 12"/>
+          <p:cNvPr id="11" name="Picture 10"/>
           <p:cNvPicPr>
             <a:picLocks noChangeAspect="1"/>
           </p:cNvPicPr>
@@ -20188,8 +24340,32 @@
         </p:blipFill>
         <p:spPr>
           <a:xfrm>
-            <a:off x="6061075" y="3162300"/>
-            <a:ext cx="863600" cy="520700"/>
+            <a:off x="7102475" y="3117850"/>
+            <a:ext cx="1854200" cy="673100"/>
+          </a:xfrm>
+          <a:prstGeom prst="rect">
+            <a:avLst/>
+          </a:prstGeom>
+        </p:spPr>
+      </p:pic>
+      <p:pic>
+        <p:nvPicPr>
+          <p:cNvPr id="12" name="Picture 11"/>
+          <p:cNvPicPr>
+            <a:picLocks noChangeAspect="1"/>
+          </p:cNvPicPr>
+          <p:nvPr/>
+        </p:nvPicPr>
+        <p:blipFill>
+          <a:blip r:embed="rId5"/>
+          <a:stretch>
+            <a:fillRect/>
+          </a:stretch>
+        </p:blipFill>
+        <p:spPr>
+          <a:xfrm>
+            <a:off x="2628900" y="1698625"/>
+            <a:ext cx="1854200" cy="673100"/>
           </a:xfrm>
           <a:prstGeom prst="rect">
             <a:avLst/>
@@ -20199,7 +24375,7 @@
     </p:spTree>
     <p:extLst>
       <p:ext uri="{BB962C8B-B14F-4D97-AF65-F5344CB8AC3E}">
-        <p14:creationId xmlns:p14="http://schemas.microsoft.com/office/powerpoint/2010/main" val="2501960029"/>
+        <p14:creationId xmlns:p14="http://schemas.microsoft.com/office/powerpoint/2010/main" val="3995210266"/>
       </p:ext>
     </p:extLst>
   </p:cSld>

--- a/Notes/1_Intro_Classical_Waves.pptx
+++ b/Notes/1_Intro_Classical_Waves.pptx
@@ -233,7 +233,7 @@
           <a:p>
             <a:fld id="{47B5508F-B9DA-3A4B-92BF-6A4138802024}" type="datetimeFigureOut">
               <a:rPr lang="en-US" smtClean="0"/>
-              <a:t>9/6/24</a:t>
+              <a:t>1/7/25</a:t>
             </a:fld>
             <a:endParaRPr lang="en-US"/>
           </a:p>
@@ -767,7 +767,7 @@
             <a:fld id="{B2F2B4BC-311C-574E-AB1F-5BCC7E00BDAB}" type="datetimeFigureOut">
               <a:rPr lang="en-US" smtClean="0"/>
               <a:pPr/>
-              <a:t>9/6/24</a:t>
+              <a:t>1/7/25</a:t>
             </a:fld>
             <a:endParaRPr lang="en-US"/>
           </a:p>
@@ -932,7 +932,7 @@
             <a:fld id="{B2F2B4BC-311C-574E-AB1F-5BCC7E00BDAB}" type="datetimeFigureOut">
               <a:rPr lang="en-US" smtClean="0"/>
               <a:pPr/>
-              <a:t>9/6/24</a:t>
+              <a:t>1/7/25</a:t>
             </a:fld>
             <a:endParaRPr lang="en-US"/>
           </a:p>
@@ -1107,7 +1107,7 @@
             <a:fld id="{B2F2B4BC-311C-574E-AB1F-5BCC7E00BDAB}" type="datetimeFigureOut">
               <a:rPr lang="en-US" smtClean="0"/>
               <a:pPr/>
-              <a:t>9/6/24</a:t>
+              <a:t>1/7/25</a:t>
             </a:fld>
             <a:endParaRPr lang="en-US"/>
           </a:p>
@@ -1272,7 +1272,7 @@
             <a:fld id="{B2F2B4BC-311C-574E-AB1F-5BCC7E00BDAB}" type="datetimeFigureOut">
               <a:rPr lang="en-US" smtClean="0"/>
               <a:pPr/>
-              <a:t>9/6/24</a:t>
+              <a:t>1/7/25</a:t>
             </a:fld>
             <a:endParaRPr lang="en-US"/>
           </a:p>
@@ -1514,7 +1514,7 @@
             <a:fld id="{B2F2B4BC-311C-574E-AB1F-5BCC7E00BDAB}" type="datetimeFigureOut">
               <a:rPr lang="en-US" smtClean="0"/>
               <a:pPr/>
-              <a:t>9/6/24</a:t>
+              <a:t>1/7/25</a:t>
             </a:fld>
             <a:endParaRPr lang="en-US"/>
           </a:p>
@@ -1796,7 +1796,7 @@
             <a:fld id="{B2F2B4BC-311C-574E-AB1F-5BCC7E00BDAB}" type="datetimeFigureOut">
               <a:rPr lang="en-US" smtClean="0"/>
               <a:pPr/>
-              <a:t>9/6/24</a:t>
+              <a:t>1/7/25</a:t>
             </a:fld>
             <a:endParaRPr lang="en-US"/>
           </a:p>
@@ -2212,7 +2212,7 @@
             <a:fld id="{B2F2B4BC-311C-574E-AB1F-5BCC7E00BDAB}" type="datetimeFigureOut">
               <a:rPr lang="en-US" smtClean="0"/>
               <a:pPr/>
-              <a:t>9/6/24</a:t>
+              <a:t>1/7/25</a:t>
             </a:fld>
             <a:endParaRPr lang="en-US"/>
           </a:p>
@@ -2326,7 +2326,7 @@
             <a:fld id="{B2F2B4BC-311C-574E-AB1F-5BCC7E00BDAB}" type="datetimeFigureOut">
               <a:rPr lang="en-US" smtClean="0"/>
               <a:pPr/>
-              <a:t>9/6/24</a:t>
+              <a:t>1/7/25</a:t>
             </a:fld>
             <a:endParaRPr lang="en-US"/>
           </a:p>
@@ -2418,7 +2418,7 @@
             <a:fld id="{B2F2B4BC-311C-574E-AB1F-5BCC7E00BDAB}" type="datetimeFigureOut">
               <a:rPr lang="en-US" smtClean="0"/>
               <a:pPr/>
-              <a:t>9/6/24</a:t>
+              <a:t>1/7/25</a:t>
             </a:fld>
             <a:endParaRPr lang="en-US"/>
           </a:p>
@@ -2690,7 +2690,7 @@
             <a:fld id="{B2F2B4BC-311C-574E-AB1F-5BCC7E00BDAB}" type="datetimeFigureOut">
               <a:rPr lang="en-US" smtClean="0"/>
               <a:pPr/>
-              <a:t>9/6/24</a:t>
+              <a:t>1/7/25</a:t>
             </a:fld>
             <a:endParaRPr lang="en-US"/>
           </a:p>
@@ -2939,7 +2939,7 @@
             <a:fld id="{B2F2B4BC-311C-574E-AB1F-5BCC7E00BDAB}" type="datetimeFigureOut">
               <a:rPr lang="en-US" smtClean="0"/>
               <a:pPr/>
-              <a:t>9/6/24</a:t>
+              <a:t>1/7/25</a:t>
             </a:fld>
             <a:endParaRPr lang="en-US"/>
           </a:p>
@@ -3147,7 +3147,7 @@
             <a:fld id="{B2F2B4BC-311C-574E-AB1F-5BCC7E00BDAB}" type="datetimeFigureOut">
               <a:rPr lang="en-US" smtClean="0"/>
               <a:pPr/>
-              <a:t>9/6/24</a:t>
+              <a:t>1/7/25</a:t>
             </a:fld>
             <a:endParaRPr lang="en-US"/>
           </a:p>
@@ -3703,7 +3703,7 @@
                       <a:noFill/>
                       <a:extLst>
                         <a:ext uri="{909E8E84-426E-40dd-AFC4-6F175D3DCCD1}">
-                          <a14:hiddenFill xmlns="" xmlns:a14="http://schemas.microsoft.com/office/drawing/2010/main">
+                          <a14:hiddenFill xmlns:a14="http://schemas.microsoft.com/office/drawing/2010/main" xmlns="">
                             <a:blipFill dpi="0" rotWithShape="0">
                               <a:blip/>
                               <a:srcRect/>
@@ -3783,7 +3783,7 @@
                       <a:noFill/>
                       <a:extLst>
                         <a:ext uri="{909E8E84-426E-40dd-AFC4-6F175D3DCCD1}">
-                          <a14:hiddenFill xmlns="" xmlns:a14="http://schemas.microsoft.com/office/drawing/2010/main">
+                          <a14:hiddenFill xmlns:a14="http://schemas.microsoft.com/office/drawing/2010/main" xmlns="">
                             <a:blipFill dpi="0" rotWithShape="0">
                               <a:blip/>
                               <a:srcRect/>
@@ -19922,8 +19922,8 @@
         </p:nvSpPr>
         <p:spPr>
           <a:xfrm>
-            <a:off x="484188" y="1117600"/>
-            <a:ext cx="7123104" cy="461665"/>
+            <a:off x="484188" y="990600"/>
+            <a:ext cx="8480655" cy="430887"/>
           </a:xfrm>
           <a:prstGeom prst="rect">
             <a:avLst/>
@@ -19941,18 +19941,32 @@
               <a:buChar char="•"/>
             </a:pPr>
             <a:r>
-              <a:rPr lang="en-US" sz="2400" b="1" dirty="0">
+              <a:rPr lang="en-US" sz="2200" b="1" dirty="0">
                 <a:latin typeface="Times New Roman" panose="02020603050405020304" pitchFamily="18" charset="0"/>
                 <a:cs typeface="Times New Roman" panose="02020603050405020304" pitchFamily="18" charset="0"/>
               </a:rPr>
               <a:t>Wavelength</a:t>
             </a:r>
             <a:r>
-              <a:rPr lang="en-US" sz="2400" dirty="0">
+              <a:rPr lang="en-US" sz="2200" dirty="0">
                 <a:latin typeface="Times New Roman" panose="02020603050405020304" pitchFamily="18" charset="0"/>
                 <a:cs typeface="Times New Roman" panose="02020603050405020304" pitchFamily="18" charset="0"/>
               </a:rPr>
-              <a:t>: distance for one wave cycle to complete</a:t>
+              <a:t>: distance for one wave cycle to complete (</a:t>
+            </a:r>
+            <a:r>
+              <a:rPr lang="en-US" sz="2200" dirty="0">
+                <a:latin typeface="Symbol" pitchFamily="2" charset="2"/>
+                <a:cs typeface="Times New Roman" panose="02020603050405020304" pitchFamily="18" charset="0"/>
+              </a:rPr>
+              <a:t>l</a:t>
+            </a:r>
+            <a:r>
+              <a:rPr lang="en-US" sz="2200" dirty="0">
+                <a:latin typeface="Times New Roman" panose="02020603050405020304" pitchFamily="18" charset="0"/>
+                <a:cs typeface="Times New Roman" panose="02020603050405020304" pitchFamily="18" charset="0"/>
+              </a:rPr>
+              <a:t>, length units)</a:t>
             </a:r>
           </a:p>
         </p:txBody>
@@ -19978,7 +19992,7 @@
         </p:blipFill>
         <p:spPr>
           <a:xfrm>
-            <a:off x="1047196" y="2674354"/>
+            <a:off x="1047196" y="2725154"/>
             <a:ext cx="6248400" cy="4107446"/>
           </a:xfrm>
           <a:prstGeom prst="rect">
@@ -20008,7 +20022,7 @@
         </p:blipFill>
         <p:spPr>
           <a:xfrm>
-            <a:off x="6699258" y="4893113"/>
+            <a:off x="6699258" y="4943913"/>
             <a:ext cx="1693284" cy="351975"/>
           </a:xfrm>
           <a:prstGeom prst="rect">
@@ -20038,7 +20052,7 @@
         </p:blipFill>
         <p:spPr>
           <a:xfrm>
-            <a:off x="7077072" y="5397345"/>
+            <a:off x="7077072" y="5448145"/>
             <a:ext cx="1315462" cy="169589"/>
           </a:xfrm>
           <a:prstGeom prst="rect">
@@ -20060,8 +20074,8 @@
         </p:nvSpPr>
         <p:spPr>
           <a:xfrm>
-            <a:off x="484188" y="1551815"/>
-            <a:ext cx="8662179" cy="461665"/>
+            <a:off x="484189" y="1412115"/>
+            <a:ext cx="6925006" cy="769441"/>
           </a:xfrm>
           <a:prstGeom prst="rect">
             <a:avLst/>
@@ -20069,7 +20083,7 @@
           <a:noFill/>
         </p:spPr>
         <p:txBody>
-          <a:bodyPr wrap="none" rtlCol="0">
+          <a:bodyPr wrap="square" rtlCol="0">
             <a:spAutoFit/>
           </a:bodyPr>
           <a:lstStyle/>
@@ -20079,18 +20093,32 @@
               <a:buChar char="•"/>
             </a:pPr>
             <a:r>
-              <a:rPr lang="en-US" sz="2400" b="1" dirty="0">
+              <a:rPr lang="en-US" sz="2200" b="1" dirty="0">
                 <a:latin typeface="Times New Roman" panose="02020603050405020304" pitchFamily="18" charset="0"/>
                 <a:cs typeface="Times New Roman" panose="02020603050405020304" pitchFamily="18" charset="0"/>
               </a:rPr>
               <a:t>Frequency</a:t>
             </a:r>
             <a:r>
-              <a:rPr lang="en-US" sz="2400" dirty="0">
+              <a:rPr lang="en-US" sz="2200" dirty="0">
                 <a:latin typeface="Times New Roman" panose="02020603050405020304" pitchFamily="18" charset="0"/>
                 <a:cs typeface="Times New Roman" panose="02020603050405020304" pitchFamily="18" charset="0"/>
               </a:rPr>
-              <a:t>: number of wave cycles in a reference time or distance</a:t>
+              <a:t>: number of wave cycles in a reference time or distance (</a:t>
+            </a:r>
+            <a:r>
+              <a:rPr lang="en-US" sz="2200" dirty="0">
+                <a:latin typeface="Symbol" pitchFamily="2" charset="2"/>
+                <a:cs typeface="Times New Roman" panose="02020603050405020304" pitchFamily="18" charset="0"/>
+              </a:rPr>
+              <a:t>n</a:t>
+            </a:r>
+            <a:r>
+              <a:rPr lang="en-US" sz="2200" dirty="0">
+                <a:latin typeface="Times New Roman" panose="02020603050405020304" pitchFamily="18" charset="0"/>
+                <a:cs typeface="Times New Roman" panose="02020603050405020304" pitchFamily="18" charset="0"/>
+              </a:rPr>
+              <a:t>, cycles/time unit;   , cycles/length unit)</a:t>
             </a:r>
           </a:p>
         </p:txBody>
@@ -20111,7 +20139,7 @@
         </p:nvCxnSpPr>
         <p:spPr>
           <a:xfrm>
-            <a:off x="914400" y="4267200"/>
+            <a:off x="914400" y="4318000"/>
             <a:ext cx="7632700" cy="0"/>
           </a:xfrm>
           <a:prstGeom prst="line">
@@ -20154,7 +20182,7 @@
         </p:nvCxnSpPr>
         <p:spPr>
           <a:xfrm flipV="1">
-            <a:off x="1212850" y="2209800"/>
+            <a:off x="1212850" y="2260600"/>
             <a:ext cx="0" cy="3759200"/>
           </a:xfrm>
           <a:prstGeom prst="line">
@@ -20195,7 +20223,7 @@
         </p:nvSpPr>
         <p:spPr>
           <a:xfrm rot="5400000">
-            <a:off x="2084833" y="1607819"/>
+            <a:off x="2084833" y="1658619"/>
             <a:ext cx="221485" cy="1984248"/>
           </a:xfrm>
           <a:prstGeom prst="leftBrace">
@@ -20246,7 +20274,7 @@
         </p:nvCxnSpPr>
         <p:spPr>
           <a:xfrm flipH="1">
-            <a:off x="1206500" y="2775153"/>
+            <a:off x="1206500" y="2825953"/>
             <a:ext cx="6350" cy="1504747"/>
           </a:xfrm>
           <a:prstGeom prst="line">
@@ -20291,7 +20319,7 @@
         </p:nvCxnSpPr>
         <p:spPr>
           <a:xfrm>
-            <a:off x="3200400" y="2775153"/>
+            <a:off x="3200400" y="2825953"/>
             <a:ext cx="0" cy="1504747"/>
           </a:xfrm>
           <a:prstGeom prst="line">
@@ -20334,7 +20362,7 @@
         </p:nvSpPr>
         <p:spPr>
           <a:xfrm>
-            <a:off x="1580069" y="2583621"/>
+            <a:off x="1580069" y="2634421"/>
             <a:ext cx="1265796" cy="369332"/>
           </a:xfrm>
           <a:prstGeom prst="rect">
@@ -20372,7 +20400,7 @@
         </p:nvSpPr>
         <p:spPr>
           <a:xfrm>
-            <a:off x="2057952" y="2153448"/>
+            <a:off x="2057952" y="2204248"/>
             <a:ext cx="2084225" cy="400110"/>
           </a:xfrm>
           <a:prstGeom prst="rect">
@@ -20419,7 +20447,7 @@
         </p:nvCxnSpPr>
         <p:spPr>
           <a:xfrm>
-            <a:off x="5181598" y="2775153"/>
+            <a:off x="5181598" y="2825953"/>
             <a:ext cx="0" cy="2419146"/>
           </a:xfrm>
           <a:prstGeom prst="line">
@@ -20462,7 +20490,7 @@
         </p:nvCxnSpPr>
         <p:spPr>
           <a:xfrm flipH="1">
-            <a:off x="1212850" y="4635500"/>
+            <a:off x="1212850" y="4686300"/>
             <a:ext cx="3968748" cy="0"/>
           </a:xfrm>
           <a:prstGeom prst="straightConnector1">
@@ -20506,7 +20534,7 @@
         </p:nvSpPr>
         <p:spPr>
           <a:xfrm>
-            <a:off x="4314213" y="5174948"/>
+            <a:off x="4314213" y="5225748"/>
             <a:ext cx="1734770" cy="584775"/>
           </a:xfrm>
           <a:prstGeom prst="rect">
@@ -20563,7 +20591,7 @@
         </p:blipFill>
         <p:spPr>
           <a:xfrm>
-            <a:off x="5286247" y="4540251"/>
+            <a:off x="5286247" y="4591051"/>
             <a:ext cx="137160" cy="190499"/>
           </a:xfrm>
           <a:prstGeom prst="rect">
@@ -20593,7 +20621,7 @@
         </p:blipFill>
         <p:spPr>
           <a:xfrm>
-            <a:off x="5295005" y="6236629"/>
+            <a:off x="5295005" y="6287429"/>
             <a:ext cx="661954" cy="532441"/>
           </a:xfrm>
           <a:prstGeom prst="rect">
@@ -20615,7 +20643,7 @@
         </p:nvSpPr>
         <p:spPr>
           <a:xfrm>
-            <a:off x="5932388" y="6278773"/>
+            <a:off x="5932388" y="6329573"/>
             <a:ext cx="2438488" cy="461665"/>
           </a:xfrm>
           <a:prstGeom prst="rect">
@@ -20662,7 +20690,7 @@
         </p:nvCxnSpPr>
         <p:spPr>
           <a:xfrm>
-            <a:off x="5168898" y="5702299"/>
+            <a:off x="5168898" y="5753099"/>
             <a:ext cx="0" cy="91440"/>
           </a:xfrm>
           <a:prstGeom prst="line">
@@ -20690,6 +20718,36 @@
           </a:fontRef>
         </p:style>
       </p:cxnSp>
+      <p:pic>
+        <p:nvPicPr>
+          <p:cNvPr id="19" name="Picture 18">
+            <a:extLst>
+              <a:ext uri="{FF2B5EF4-FFF2-40B4-BE49-F238E27FC236}">
+                <a16:creationId xmlns:a16="http://schemas.microsoft.com/office/drawing/2014/main" id="{02C993F4-3DD0-F18D-2EB3-B57396D9A064}"/>
+              </a:ext>
+            </a:extLst>
+          </p:cNvPr>
+          <p:cNvPicPr>
+            <a:picLocks noChangeAspect="1"/>
+          </p:cNvPicPr>
+          <p:nvPr/>
+        </p:nvPicPr>
+        <p:blipFill>
+          <a:blip r:embed="rId6"/>
+          <a:stretch>
+            <a:fillRect/>
+          </a:stretch>
+        </p:blipFill>
+        <p:spPr>
+          <a:xfrm>
+            <a:off x="4448047" y="1885951"/>
+            <a:ext cx="137160" cy="190499"/>
+          </a:xfrm>
+          <a:prstGeom prst="rect">
+            <a:avLst/>
+          </a:prstGeom>
+        </p:spPr>
+      </p:pic>
     </p:spTree>
     <p:extLst>
       <p:ext uri="{BB962C8B-B14F-4D97-AF65-F5344CB8AC3E}">
@@ -20712,6 +20770,9 @@
                     <p:cTn id="3" fill="hold">
                       <p:stCondLst>
                         <p:cond delay="indefinite"/>
+                        <p:cond evt="onBegin" delay="0">
+                          <p:tn val="2"/>
+                        </p:cond>
                       </p:stCondLst>
                       <p:childTnLst>
                         <p:par>
@@ -20721,7 +20782,7 @@
                             </p:stCondLst>
                             <p:childTnLst>
                               <p:par>
-                                <p:cTn id="5" presetID="2" presetClass="entr" presetSubtype="4" fill="hold" grpId="0" nodeType="clickEffect">
+                                <p:cTn id="5" presetID="2" presetClass="entr" presetSubtype="4" fill="hold" nodeType="withEffect">
                                   <p:stCondLst>
                                     <p:cond delay="0"/>
                                   </p:stCondLst>
@@ -20734,7 +20795,7 @@
                                           </p:stCondLst>
                                         </p:cTn>
                                         <p:tgtEl>
-                                          <p:spTgt spid="6"/>
+                                          <p:spTgt spid="8"/>
                                         </p:tgtEl>
                                         <p:attrNameLst>
                                           <p:attrName>style.visibility</p:attrName>
@@ -20748,7 +20809,7 @@
                                       <p:cBhvr additive="base">
                                         <p:cTn id="7" dur="500" fill="hold"/>
                                         <p:tgtEl>
-                                          <p:spTgt spid="6"/>
+                                          <p:spTgt spid="8"/>
                                         </p:tgtEl>
                                         <p:attrNameLst>
                                           <p:attrName>ppt_x</p:attrName>
@@ -20771,7 +20832,89 @@
                                       <p:cBhvr additive="base">
                                         <p:cTn id="8" dur="500" fill="hold"/>
                                         <p:tgtEl>
-                                          <p:spTgt spid="6"/>
+                                          <p:spTgt spid="8"/>
+                                        </p:tgtEl>
+                                        <p:attrNameLst>
+                                          <p:attrName>ppt_y</p:attrName>
+                                        </p:attrNameLst>
+                                      </p:cBhvr>
+                                      <p:tavLst>
+                                        <p:tav tm="0">
+                                          <p:val>
+                                            <p:strVal val="1+#ppt_h/2"/>
+                                          </p:val>
+                                        </p:tav>
+                                        <p:tav tm="100000">
+                                          <p:val>
+                                            <p:strVal val="#ppt_y"/>
+                                          </p:val>
+                                        </p:tav>
+                                      </p:tavLst>
+                                    </p:anim>
+                                  </p:childTnLst>
+                                </p:cTn>
+                              </p:par>
+                            </p:childTnLst>
+                          </p:cTn>
+                        </p:par>
+                        <p:par>
+                          <p:cTn id="9" fill="hold">
+                            <p:stCondLst>
+                              <p:cond delay="500"/>
+                            </p:stCondLst>
+                            <p:childTnLst>
+                              <p:par>
+                                <p:cTn id="10" presetID="2" presetClass="entr" presetSubtype="4" fill="hold" nodeType="afterEffect">
+                                  <p:stCondLst>
+                                    <p:cond delay="0"/>
+                                  </p:stCondLst>
+                                  <p:childTnLst>
+                                    <p:set>
+                                      <p:cBhvr>
+                                        <p:cTn id="11" dur="1" fill="hold">
+                                          <p:stCondLst>
+                                            <p:cond delay="0"/>
+                                          </p:stCondLst>
+                                        </p:cTn>
+                                        <p:tgtEl>
+                                          <p:spTgt spid="9"/>
+                                        </p:tgtEl>
+                                        <p:attrNameLst>
+                                          <p:attrName>style.visibility</p:attrName>
+                                        </p:attrNameLst>
+                                      </p:cBhvr>
+                                      <p:to>
+                                        <p:strVal val="visible"/>
+                                      </p:to>
+                                    </p:set>
+                                    <p:anim calcmode="lin" valueType="num">
+                                      <p:cBhvr additive="base">
+                                        <p:cTn id="12" dur="500" fill="hold"/>
+                                        <p:tgtEl>
+                                          <p:spTgt spid="9"/>
+                                        </p:tgtEl>
+                                        <p:attrNameLst>
+                                          <p:attrName>ppt_x</p:attrName>
+                                        </p:attrNameLst>
+                                      </p:cBhvr>
+                                      <p:tavLst>
+                                        <p:tav tm="0">
+                                          <p:val>
+                                            <p:strVal val="#ppt_x"/>
+                                          </p:val>
+                                        </p:tav>
+                                        <p:tav tm="100000">
+                                          <p:val>
+                                            <p:strVal val="#ppt_x"/>
+                                          </p:val>
+                                        </p:tav>
+                                      </p:tavLst>
+                                    </p:anim>
+                                    <p:anim calcmode="lin" valueType="num">
+                                      <p:cBhvr additive="base">
+                                        <p:cTn id="13" dur="500" fill="hold"/>
+                                        <p:tgtEl>
+                                          <p:spTgt spid="9"/>
                                         </p:tgtEl>
                                         <p:attrNameLst>
                                           <p:attrName>ppt_y</p:attrName>
@@ -20800,32 +20943,32 @@
                     </p:cTn>
                   </p:par>
                   <p:par>
-                    <p:cTn id="9" fill="hold">
+                    <p:cTn id="14" fill="hold">
                       <p:stCondLst>
                         <p:cond delay="indefinite"/>
                       </p:stCondLst>
                       <p:childTnLst>
                         <p:par>
-                          <p:cTn id="10" fill="hold">
+                          <p:cTn id="15" fill="hold">
                             <p:stCondLst>
                               <p:cond delay="0"/>
                             </p:stCondLst>
                             <p:childTnLst>
                               <p:par>
-                                <p:cTn id="11" presetID="2" presetClass="entr" presetSubtype="4" fill="hold" grpId="0" nodeType="clickEffect">
+                                <p:cTn id="16" presetID="2" presetClass="entr" presetSubtype="1" fill="hold" grpId="0" nodeType="clickEffect">
                                   <p:stCondLst>
                                     <p:cond delay="0"/>
                                   </p:stCondLst>
                                   <p:childTnLst>
                                     <p:set>
                                       <p:cBhvr>
-                                        <p:cTn id="12" dur="1" fill="hold">
+                                        <p:cTn id="17" dur="1" fill="hold">
                                           <p:stCondLst>
                                             <p:cond delay="0"/>
                                           </p:stCondLst>
                                         </p:cTn>
                                         <p:tgtEl>
-                                          <p:spTgt spid="18"/>
+                                          <p:spTgt spid="6"/>
                                         </p:tgtEl>
                                         <p:attrNameLst>
                                           <p:attrName>style.visibility</p:attrName>
@@ -20837,9 +20980,9 @@
                                     </p:set>
                                     <p:anim calcmode="lin" valueType="num">
                                       <p:cBhvr additive="base">
-                                        <p:cTn id="13" dur="500" fill="hold"/>
-                                        <p:tgtEl>
-                                          <p:spTgt spid="18"/>
+                                        <p:cTn id="18" dur="500" fill="hold"/>
+                                        <p:tgtEl>
+                                          <p:spTgt spid="6"/>
                                         </p:tgtEl>
                                         <p:attrNameLst>
                                           <p:attrName>ppt_x</p:attrName>
@@ -20860,9 +21003,9 @@
                                     </p:anim>
                                     <p:anim calcmode="lin" valueType="num">
                                       <p:cBhvr additive="base">
-                                        <p:cTn id="14" dur="500" fill="hold"/>
-                                        <p:tgtEl>
-                                          <p:spTgt spid="18"/>
+                                        <p:cTn id="19" dur="500" fill="hold"/>
+                                        <p:tgtEl>
+                                          <p:spTgt spid="6"/>
                                         </p:tgtEl>
                                         <p:attrNameLst>
                                           <p:attrName>ppt_y</p:attrName>
@@ -20871,299 +21014,7 @@
                                       <p:tavLst>
                                         <p:tav tm="0">
                                           <p:val>
-                                            <p:strVal val="1+#ppt_h/2"/>
-                                          </p:val>
-                                        </p:tav>
-                                        <p:tav tm="100000">
-                                          <p:val>
-                                            <p:strVal val="#ppt_y"/>
-                                          </p:val>
-                                        </p:tav>
-                                      </p:tavLst>
-                                    </p:anim>
-                                  </p:childTnLst>
-                                </p:cTn>
-                              </p:par>
-                              <p:par>
-                                <p:cTn id="15" presetID="2" presetClass="entr" presetSubtype="4" fill="hold" grpId="0" nodeType="withEffect">
-                                  <p:stCondLst>
-                                    <p:cond delay="0"/>
-                                  </p:stCondLst>
-                                  <p:childTnLst>
-                                    <p:set>
-                                      <p:cBhvr>
-                                        <p:cTn id="16" dur="1" fill="hold">
-                                          <p:stCondLst>
-                                            <p:cond delay="0"/>
-                                          </p:stCondLst>
-                                        </p:cTn>
-                                        <p:tgtEl>
-                                          <p:spTgt spid="14"/>
-                                        </p:tgtEl>
-                                        <p:attrNameLst>
-                                          <p:attrName>style.visibility</p:attrName>
-                                        </p:attrNameLst>
-                                      </p:cBhvr>
-                                      <p:to>
-                                        <p:strVal val="visible"/>
-                                      </p:to>
-                                    </p:set>
-                                    <p:anim calcmode="lin" valueType="num">
-                                      <p:cBhvr additive="base">
-                                        <p:cTn id="17" dur="500" fill="hold"/>
-                                        <p:tgtEl>
-                                          <p:spTgt spid="14"/>
-                                        </p:tgtEl>
-                                        <p:attrNameLst>
-                                          <p:attrName>ppt_x</p:attrName>
-                                        </p:attrNameLst>
-                                      </p:cBhvr>
-                                      <p:tavLst>
-                                        <p:tav tm="0">
-                                          <p:val>
-                                            <p:strVal val="#ppt_x"/>
-                                          </p:val>
-                                        </p:tav>
-                                        <p:tav tm="100000">
-                                          <p:val>
-                                            <p:strVal val="#ppt_x"/>
-                                          </p:val>
-                                        </p:tav>
-                                      </p:tavLst>
-                                    </p:anim>
-                                    <p:anim calcmode="lin" valueType="num">
-                                      <p:cBhvr additive="base">
-                                        <p:cTn id="18" dur="500" fill="hold"/>
-                                        <p:tgtEl>
-                                          <p:spTgt spid="14"/>
-                                        </p:tgtEl>
-                                        <p:attrNameLst>
-                                          <p:attrName>ppt_y</p:attrName>
-                                        </p:attrNameLst>
-                                      </p:cBhvr>
-                                      <p:tavLst>
-                                        <p:tav tm="0">
-                                          <p:val>
-                                            <p:strVal val="1+#ppt_h/2"/>
-                                          </p:val>
-                                        </p:tav>
-                                        <p:tav tm="100000">
-                                          <p:val>
-                                            <p:strVal val="#ppt_y"/>
-                                          </p:val>
-                                        </p:tav>
-                                      </p:tavLst>
-                                    </p:anim>
-                                  </p:childTnLst>
-                                </p:cTn>
-                              </p:par>
-                              <p:par>
-                                <p:cTn id="19" presetID="2" presetClass="entr" presetSubtype="4" fill="hold" nodeType="withEffect">
-                                  <p:stCondLst>
-                                    <p:cond delay="0"/>
-                                  </p:stCondLst>
-                                  <p:childTnLst>
-                                    <p:set>
-                                      <p:cBhvr>
-                                        <p:cTn id="20" dur="1" fill="hold">
-                                          <p:stCondLst>
-                                            <p:cond delay="0"/>
-                                          </p:stCondLst>
-                                        </p:cTn>
-                                        <p:tgtEl>
-                                          <p:spTgt spid="16"/>
-                                        </p:tgtEl>
-                                        <p:attrNameLst>
-                                          <p:attrName>style.visibility</p:attrName>
-                                        </p:attrNameLst>
-                                      </p:cBhvr>
-                                      <p:to>
-                                        <p:strVal val="visible"/>
-                                      </p:to>
-                                    </p:set>
-                                    <p:anim calcmode="lin" valueType="num">
-                                      <p:cBhvr additive="base">
-                                        <p:cTn id="21" dur="500" fill="hold"/>
-                                        <p:tgtEl>
-                                          <p:spTgt spid="16"/>
-                                        </p:tgtEl>
-                                        <p:attrNameLst>
-                                          <p:attrName>ppt_x</p:attrName>
-                                        </p:attrNameLst>
-                                      </p:cBhvr>
-                                      <p:tavLst>
-                                        <p:tav tm="0">
-                                          <p:val>
-                                            <p:strVal val="#ppt_x"/>
-                                          </p:val>
-                                        </p:tav>
-                                        <p:tav tm="100000">
-                                          <p:val>
-                                            <p:strVal val="#ppt_x"/>
-                                          </p:val>
-                                        </p:tav>
-                                      </p:tavLst>
-                                    </p:anim>
-                                    <p:anim calcmode="lin" valueType="num">
-                                      <p:cBhvr additive="base">
-                                        <p:cTn id="22" dur="500" fill="hold"/>
-                                        <p:tgtEl>
-                                          <p:spTgt spid="16"/>
-                                        </p:tgtEl>
-                                        <p:attrNameLst>
-                                          <p:attrName>ppt_y</p:attrName>
-                                        </p:attrNameLst>
-                                      </p:cBhvr>
-                                      <p:tavLst>
-                                        <p:tav tm="0">
-                                          <p:val>
-                                            <p:strVal val="1+#ppt_h/2"/>
-                                          </p:val>
-                                        </p:tav>
-                                        <p:tav tm="100000">
-                                          <p:val>
-                                            <p:strVal val="#ppt_y"/>
-                                          </p:val>
-                                        </p:tav>
-                                      </p:tavLst>
-                                    </p:anim>
-                                  </p:childTnLst>
-                                </p:cTn>
-                              </p:par>
-                              <p:par>
-                                <p:cTn id="23" presetID="2" presetClass="entr" presetSubtype="4" fill="hold" nodeType="withEffect">
-                                  <p:stCondLst>
-                                    <p:cond delay="0"/>
-                                  </p:stCondLst>
-                                  <p:childTnLst>
-                                    <p:set>
-                                      <p:cBhvr>
-                                        <p:cTn id="24" dur="1" fill="hold">
-                                          <p:stCondLst>
-                                            <p:cond delay="0"/>
-                                          </p:stCondLst>
-                                        </p:cTn>
-                                        <p:tgtEl>
-                                          <p:spTgt spid="15"/>
-                                        </p:tgtEl>
-                                        <p:attrNameLst>
-                                          <p:attrName>style.visibility</p:attrName>
-                                        </p:attrNameLst>
-                                      </p:cBhvr>
-                                      <p:to>
-                                        <p:strVal val="visible"/>
-                                      </p:to>
-                                    </p:set>
-                                    <p:anim calcmode="lin" valueType="num">
-                                      <p:cBhvr additive="base">
-                                        <p:cTn id="25" dur="500" fill="hold"/>
-                                        <p:tgtEl>
-                                          <p:spTgt spid="15"/>
-                                        </p:tgtEl>
-                                        <p:attrNameLst>
-                                          <p:attrName>ppt_x</p:attrName>
-                                        </p:attrNameLst>
-                                      </p:cBhvr>
-                                      <p:tavLst>
-                                        <p:tav tm="0">
-                                          <p:val>
-                                            <p:strVal val="#ppt_x"/>
-                                          </p:val>
-                                        </p:tav>
-                                        <p:tav tm="100000">
-                                          <p:val>
-                                            <p:strVal val="#ppt_x"/>
-                                          </p:val>
-                                        </p:tav>
-                                      </p:tavLst>
-                                    </p:anim>
-                                    <p:anim calcmode="lin" valueType="num">
-                                      <p:cBhvr additive="base">
-                                        <p:cTn id="26" dur="500" fill="hold"/>
-                                        <p:tgtEl>
-                                          <p:spTgt spid="15"/>
-                                        </p:tgtEl>
-                                        <p:attrNameLst>
-                                          <p:attrName>ppt_y</p:attrName>
-                                        </p:attrNameLst>
-                                      </p:cBhvr>
-                                      <p:tavLst>
-                                        <p:tav tm="0">
-                                          <p:val>
-                                            <p:strVal val="1+#ppt_h/2"/>
-                                          </p:val>
-                                        </p:tav>
-                                        <p:tav tm="100000">
-                                          <p:val>
-                                            <p:strVal val="#ppt_y"/>
-                                          </p:val>
-                                        </p:tav>
-                                      </p:tavLst>
-                                    </p:anim>
-                                  </p:childTnLst>
-                                </p:cTn>
-                              </p:par>
-                              <p:par>
-                                <p:cTn id="27" presetID="2" presetClass="entr" presetSubtype="4" fill="hold" grpId="0" nodeType="withEffect">
-                                  <p:stCondLst>
-                                    <p:cond delay="0"/>
-                                  </p:stCondLst>
-                                  <p:childTnLst>
-                                    <p:set>
-                                      <p:cBhvr>
-                                        <p:cTn id="28" dur="1" fill="hold">
-                                          <p:stCondLst>
-                                            <p:cond delay="0"/>
-                                          </p:stCondLst>
-                                        </p:cTn>
-                                        <p:tgtEl>
-                                          <p:spTgt spid="21"/>
-                                        </p:tgtEl>
-                                        <p:attrNameLst>
-                                          <p:attrName>style.visibility</p:attrName>
-                                        </p:attrNameLst>
-                                      </p:cBhvr>
-                                      <p:to>
-                                        <p:strVal val="visible"/>
-                                      </p:to>
-                                    </p:set>
-                                    <p:anim calcmode="lin" valueType="num">
-                                      <p:cBhvr additive="base">
-                                        <p:cTn id="29" dur="500" fill="hold"/>
-                                        <p:tgtEl>
-                                          <p:spTgt spid="21"/>
-                                        </p:tgtEl>
-                                        <p:attrNameLst>
-                                          <p:attrName>ppt_x</p:attrName>
-                                        </p:attrNameLst>
-                                      </p:cBhvr>
-                                      <p:tavLst>
-                                        <p:tav tm="0">
-                                          <p:val>
-                                            <p:strVal val="#ppt_x"/>
-                                          </p:val>
-                                        </p:tav>
-                                        <p:tav tm="100000">
-                                          <p:val>
-                                            <p:strVal val="#ppt_x"/>
-                                          </p:val>
-                                        </p:tav>
-                                      </p:tavLst>
-                                    </p:anim>
-                                    <p:anim calcmode="lin" valueType="num">
-                                      <p:cBhvr additive="base">
-                                        <p:cTn id="30" dur="500" fill="hold"/>
-                                        <p:tgtEl>
-                                          <p:spTgt spid="21"/>
-                                        </p:tgtEl>
-                                        <p:attrNameLst>
-                                          <p:attrName>ppt_y</p:attrName>
-                                        </p:attrNameLst>
-                                      </p:cBhvr>
-                                      <p:tavLst>
-                                        <p:tav tm="0">
-                                          <p:val>
-                                            <p:strVal val="1+#ppt_h/2"/>
+                                            <p:strVal val="0-#ppt_h/2"/>
                                           </p:val>
                                         </p:tav>
                                         <p:tav tm="100000">
@@ -21183,32 +21034,32 @@
                     </p:cTn>
                   </p:par>
                   <p:par>
-                    <p:cTn id="31" fill="hold">
+                    <p:cTn id="20" fill="hold">
                       <p:stCondLst>
                         <p:cond delay="indefinite"/>
                       </p:stCondLst>
                       <p:childTnLst>
                         <p:par>
-                          <p:cTn id="32" fill="hold">
+                          <p:cTn id="21" fill="hold">
                             <p:stCondLst>
                               <p:cond delay="0"/>
                             </p:stCondLst>
                             <p:childTnLst>
                               <p:par>
-                                <p:cTn id="33" presetID="2" presetClass="entr" presetSubtype="4" fill="hold" grpId="0" nodeType="clickEffect">
+                                <p:cTn id="22" presetID="2" presetClass="entr" presetSubtype="4" fill="hold" grpId="0" nodeType="clickEffect">
                                   <p:stCondLst>
                                     <p:cond delay="0"/>
                                   </p:stCondLst>
                                   <p:childTnLst>
                                     <p:set>
                                       <p:cBhvr>
-                                        <p:cTn id="34" dur="1" fill="hold">
+                                        <p:cTn id="23" dur="1" fill="hold">
                                           <p:stCondLst>
                                             <p:cond delay="0"/>
                                           </p:stCondLst>
                                         </p:cTn>
                                         <p:tgtEl>
-                                          <p:spTgt spid="10"/>
+                                          <p:spTgt spid="18"/>
                                         </p:tgtEl>
                                         <p:attrNameLst>
                                           <p:attrName>style.visibility</p:attrName>
@@ -21220,9 +21071,9 @@
                                     </p:set>
                                     <p:anim calcmode="lin" valueType="num">
                                       <p:cBhvr additive="base">
-                                        <p:cTn id="35" dur="500" fill="hold"/>
-                                        <p:tgtEl>
-                                          <p:spTgt spid="10"/>
+                                        <p:cTn id="24" dur="500" fill="hold"/>
+                                        <p:tgtEl>
+                                          <p:spTgt spid="18"/>
                                         </p:tgtEl>
                                         <p:attrNameLst>
                                           <p:attrName>ppt_x</p:attrName>
@@ -21243,9 +21094,301 @@
                                     </p:anim>
                                     <p:anim calcmode="lin" valueType="num">
                                       <p:cBhvr additive="base">
+                                        <p:cTn id="25" dur="500" fill="hold"/>
+                                        <p:tgtEl>
+                                          <p:spTgt spid="18"/>
+                                        </p:tgtEl>
+                                        <p:attrNameLst>
+                                          <p:attrName>ppt_y</p:attrName>
+                                        </p:attrNameLst>
+                                      </p:cBhvr>
+                                      <p:tavLst>
+                                        <p:tav tm="0">
+                                          <p:val>
+                                            <p:strVal val="1+#ppt_h/2"/>
+                                          </p:val>
+                                        </p:tav>
+                                        <p:tav tm="100000">
+                                          <p:val>
+                                            <p:strVal val="#ppt_y"/>
+                                          </p:val>
+                                        </p:tav>
+                                      </p:tavLst>
+                                    </p:anim>
+                                  </p:childTnLst>
+                                </p:cTn>
+                              </p:par>
+                              <p:par>
+                                <p:cTn id="26" presetID="2" presetClass="entr" presetSubtype="4" fill="hold" grpId="0" nodeType="withEffect">
+                                  <p:stCondLst>
+                                    <p:cond delay="0"/>
+                                  </p:stCondLst>
+                                  <p:childTnLst>
+                                    <p:set>
+                                      <p:cBhvr>
+                                        <p:cTn id="27" dur="1" fill="hold">
+                                          <p:stCondLst>
+                                            <p:cond delay="0"/>
+                                          </p:stCondLst>
+                                        </p:cTn>
+                                        <p:tgtEl>
+                                          <p:spTgt spid="14"/>
+                                        </p:tgtEl>
+                                        <p:attrNameLst>
+                                          <p:attrName>style.visibility</p:attrName>
+                                        </p:attrNameLst>
+                                      </p:cBhvr>
+                                      <p:to>
+                                        <p:strVal val="visible"/>
+                                      </p:to>
+                                    </p:set>
+                                    <p:anim calcmode="lin" valueType="num">
+                                      <p:cBhvr additive="base">
+                                        <p:cTn id="28" dur="500" fill="hold"/>
+                                        <p:tgtEl>
+                                          <p:spTgt spid="14"/>
+                                        </p:tgtEl>
+                                        <p:attrNameLst>
+                                          <p:attrName>ppt_x</p:attrName>
+                                        </p:attrNameLst>
+                                      </p:cBhvr>
+                                      <p:tavLst>
+                                        <p:tav tm="0">
+                                          <p:val>
+                                            <p:strVal val="#ppt_x"/>
+                                          </p:val>
+                                        </p:tav>
+                                        <p:tav tm="100000">
+                                          <p:val>
+                                            <p:strVal val="#ppt_x"/>
+                                          </p:val>
+                                        </p:tav>
+                                      </p:tavLst>
+                                    </p:anim>
+                                    <p:anim calcmode="lin" valueType="num">
+                                      <p:cBhvr additive="base">
+                                        <p:cTn id="29" dur="500" fill="hold"/>
+                                        <p:tgtEl>
+                                          <p:spTgt spid="14"/>
+                                        </p:tgtEl>
+                                        <p:attrNameLst>
+                                          <p:attrName>ppt_y</p:attrName>
+                                        </p:attrNameLst>
+                                      </p:cBhvr>
+                                      <p:tavLst>
+                                        <p:tav tm="0">
+                                          <p:val>
+                                            <p:strVal val="1+#ppt_h/2"/>
+                                          </p:val>
+                                        </p:tav>
+                                        <p:tav tm="100000">
+                                          <p:val>
+                                            <p:strVal val="#ppt_y"/>
+                                          </p:val>
+                                        </p:tav>
+                                      </p:tavLst>
+                                    </p:anim>
+                                  </p:childTnLst>
+                                </p:cTn>
+                              </p:par>
+                              <p:par>
+                                <p:cTn id="30" presetID="2" presetClass="entr" presetSubtype="4" fill="hold" nodeType="withEffect">
+                                  <p:stCondLst>
+                                    <p:cond delay="0"/>
+                                  </p:stCondLst>
+                                  <p:childTnLst>
+                                    <p:set>
+                                      <p:cBhvr>
+                                        <p:cTn id="31" dur="1" fill="hold">
+                                          <p:stCondLst>
+                                            <p:cond delay="0"/>
+                                          </p:stCondLst>
+                                        </p:cTn>
+                                        <p:tgtEl>
+                                          <p:spTgt spid="16"/>
+                                        </p:tgtEl>
+                                        <p:attrNameLst>
+                                          <p:attrName>style.visibility</p:attrName>
+                                        </p:attrNameLst>
+                                      </p:cBhvr>
+                                      <p:to>
+                                        <p:strVal val="visible"/>
+                                      </p:to>
+                                    </p:set>
+                                    <p:anim calcmode="lin" valueType="num">
+                                      <p:cBhvr additive="base">
+                                        <p:cTn id="32" dur="500" fill="hold"/>
+                                        <p:tgtEl>
+                                          <p:spTgt spid="16"/>
+                                        </p:tgtEl>
+                                        <p:attrNameLst>
+                                          <p:attrName>ppt_x</p:attrName>
+                                        </p:attrNameLst>
+                                      </p:cBhvr>
+                                      <p:tavLst>
+                                        <p:tav tm="0">
+                                          <p:val>
+                                            <p:strVal val="#ppt_x"/>
+                                          </p:val>
+                                        </p:tav>
+                                        <p:tav tm="100000">
+                                          <p:val>
+                                            <p:strVal val="#ppt_x"/>
+                                          </p:val>
+                                        </p:tav>
+                                      </p:tavLst>
+                                    </p:anim>
+                                    <p:anim calcmode="lin" valueType="num">
+                                      <p:cBhvr additive="base">
+                                        <p:cTn id="33" dur="500" fill="hold"/>
+                                        <p:tgtEl>
+                                          <p:spTgt spid="16"/>
+                                        </p:tgtEl>
+                                        <p:attrNameLst>
+                                          <p:attrName>ppt_y</p:attrName>
+                                        </p:attrNameLst>
+                                      </p:cBhvr>
+                                      <p:tavLst>
+                                        <p:tav tm="0">
+                                          <p:val>
+                                            <p:strVal val="1+#ppt_h/2"/>
+                                          </p:val>
+                                        </p:tav>
+                                        <p:tav tm="100000">
+                                          <p:val>
+                                            <p:strVal val="#ppt_y"/>
+                                          </p:val>
+                                        </p:tav>
+                                      </p:tavLst>
+                                    </p:anim>
+                                  </p:childTnLst>
+                                </p:cTn>
+                              </p:par>
+                              <p:par>
+                                <p:cTn id="34" presetID="2" presetClass="entr" presetSubtype="4" fill="hold" nodeType="withEffect">
+                                  <p:stCondLst>
+                                    <p:cond delay="0"/>
+                                  </p:stCondLst>
+                                  <p:childTnLst>
+                                    <p:set>
+                                      <p:cBhvr>
+                                        <p:cTn id="35" dur="1" fill="hold">
+                                          <p:stCondLst>
+                                            <p:cond delay="0"/>
+                                          </p:stCondLst>
+                                        </p:cTn>
+                                        <p:tgtEl>
+                                          <p:spTgt spid="15"/>
+                                        </p:tgtEl>
+                                        <p:attrNameLst>
+                                          <p:attrName>style.visibility</p:attrName>
+                                        </p:attrNameLst>
+                                      </p:cBhvr>
+                                      <p:to>
+                                        <p:strVal val="visible"/>
+                                      </p:to>
+                                    </p:set>
+                                    <p:anim calcmode="lin" valueType="num">
+                                      <p:cBhvr additive="base">
                                         <p:cTn id="36" dur="500" fill="hold"/>
                                         <p:tgtEl>
-                                          <p:spTgt spid="10"/>
+                                          <p:spTgt spid="15"/>
+                                        </p:tgtEl>
+                                        <p:attrNameLst>
+                                          <p:attrName>ppt_x</p:attrName>
+                                        </p:attrNameLst>
+                                      </p:cBhvr>
+                                      <p:tavLst>
+                                        <p:tav tm="0">
+                                          <p:val>
+                                            <p:strVal val="#ppt_x"/>
+                                          </p:val>
+                                        </p:tav>
+                                        <p:tav tm="100000">
+                                          <p:val>
+                                            <p:strVal val="#ppt_x"/>
+                                          </p:val>
+                                        </p:tav>
+                                      </p:tavLst>
+                                    </p:anim>
+                                    <p:anim calcmode="lin" valueType="num">
+                                      <p:cBhvr additive="base">
+                                        <p:cTn id="37" dur="500" fill="hold"/>
+                                        <p:tgtEl>
+                                          <p:spTgt spid="15"/>
+                                        </p:tgtEl>
+                                        <p:attrNameLst>
+                                          <p:attrName>ppt_y</p:attrName>
+                                        </p:attrNameLst>
+                                      </p:cBhvr>
+                                      <p:tavLst>
+                                        <p:tav tm="0">
+                                          <p:val>
+                                            <p:strVal val="1+#ppt_h/2"/>
+                                          </p:val>
+                                        </p:tav>
+                                        <p:tav tm="100000">
+                                          <p:val>
+                                            <p:strVal val="#ppt_y"/>
+                                          </p:val>
+                                        </p:tav>
+                                      </p:tavLst>
+                                    </p:anim>
+                                  </p:childTnLst>
+                                </p:cTn>
+                              </p:par>
+                              <p:par>
+                                <p:cTn id="38" presetID="2" presetClass="entr" presetSubtype="4" fill="hold" grpId="0" nodeType="withEffect">
+                                  <p:stCondLst>
+                                    <p:cond delay="0"/>
+                                  </p:stCondLst>
+                                  <p:childTnLst>
+                                    <p:set>
+                                      <p:cBhvr>
+                                        <p:cTn id="39" dur="1" fill="hold">
+                                          <p:stCondLst>
+                                            <p:cond delay="0"/>
+                                          </p:stCondLst>
+                                        </p:cTn>
+                                        <p:tgtEl>
+                                          <p:spTgt spid="21"/>
+                                        </p:tgtEl>
+                                        <p:attrNameLst>
+                                          <p:attrName>style.visibility</p:attrName>
+                                        </p:attrNameLst>
+                                      </p:cBhvr>
+                                      <p:to>
+                                        <p:strVal val="visible"/>
+                                      </p:to>
+                                    </p:set>
+                                    <p:anim calcmode="lin" valueType="num">
+                                      <p:cBhvr additive="base">
+                                        <p:cTn id="40" dur="500" fill="hold"/>
+                                        <p:tgtEl>
+                                          <p:spTgt spid="21"/>
+                                        </p:tgtEl>
+                                        <p:attrNameLst>
+                                          <p:attrName>ppt_x</p:attrName>
+                                        </p:attrNameLst>
+                                      </p:cBhvr>
+                                      <p:tavLst>
+                                        <p:tav tm="0">
+                                          <p:val>
+                                            <p:strVal val="#ppt_x"/>
+                                          </p:val>
+                                        </p:tav>
+                                        <p:tav tm="100000">
+                                          <p:val>
+                                            <p:strVal val="#ppt_x"/>
+                                          </p:val>
+                                        </p:tav>
+                                      </p:tavLst>
+                                    </p:anim>
+                                    <p:anim calcmode="lin" valueType="num">
+                                      <p:cBhvr additive="base">
+                                        <p:cTn id="41" dur="500" fill="hold"/>
+                                        <p:tgtEl>
+                                          <p:spTgt spid="21"/>
                                         </p:tgtEl>
                                         <p:attrNameLst>
                                           <p:attrName>ppt_y</p:attrName>
@@ -21274,32 +21417,32 @@
                     </p:cTn>
                   </p:par>
                   <p:par>
-                    <p:cTn id="37" fill="hold">
+                    <p:cTn id="42" fill="hold">
                       <p:stCondLst>
                         <p:cond delay="indefinite"/>
                       </p:stCondLst>
                       <p:childTnLst>
                         <p:par>
-                          <p:cTn id="38" fill="hold">
+                          <p:cTn id="43" fill="hold">
                             <p:stCondLst>
                               <p:cond delay="0"/>
                             </p:stCondLst>
                             <p:childTnLst>
                               <p:par>
-                                <p:cTn id="39" presetID="2" presetClass="entr" presetSubtype="4" fill="hold" nodeType="clickEffect">
+                                <p:cTn id="44" presetID="2" presetClass="entr" presetSubtype="4" fill="hold" grpId="0" nodeType="clickEffect">
                                   <p:stCondLst>
                                     <p:cond delay="0"/>
                                   </p:stCondLst>
                                   <p:childTnLst>
                                     <p:set>
                                       <p:cBhvr>
-                                        <p:cTn id="40" dur="1" fill="hold">
+                                        <p:cTn id="45" dur="1" fill="hold">
                                           <p:stCondLst>
                                             <p:cond delay="0"/>
                                           </p:stCondLst>
                                         </p:cTn>
                                         <p:tgtEl>
-                                          <p:spTgt spid="23"/>
+                                          <p:spTgt spid="10"/>
                                         </p:tgtEl>
                                         <p:attrNameLst>
                                           <p:attrName>style.visibility</p:attrName>
@@ -21311,9 +21454,9 @@
                                     </p:set>
                                     <p:anim calcmode="lin" valueType="num">
                                       <p:cBhvr additive="base">
-                                        <p:cTn id="41" dur="500" fill="hold"/>
-                                        <p:tgtEl>
-                                          <p:spTgt spid="23"/>
+                                        <p:cTn id="46" dur="500" fill="hold"/>
+                                        <p:tgtEl>
+                                          <p:spTgt spid="10"/>
                                         </p:tgtEl>
                                         <p:attrNameLst>
                                           <p:attrName>ppt_x</p:attrName>
@@ -21334,9 +21477,9 @@
                                     </p:anim>
                                     <p:anim calcmode="lin" valueType="num">
                                       <p:cBhvr additive="base">
-                                        <p:cTn id="42" dur="500" fill="hold"/>
-                                        <p:tgtEl>
-                                          <p:spTgt spid="23"/>
+                                        <p:cTn id="47" dur="500" fill="hold"/>
+                                        <p:tgtEl>
+                                          <p:spTgt spid="10"/>
                                         </p:tgtEl>
                                         <p:attrNameLst>
                                           <p:attrName>ppt_y</p:attrName>
@@ -21359,20 +21502,20 @@
                                 </p:cTn>
                               </p:par>
                               <p:par>
-                                <p:cTn id="43" presetID="2" presetClass="entr" presetSubtype="4" fill="hold" nodeType="withEffect">
+                                <p:cTn id="48" presetID="2" presetClass="entr" presetSubtype="4" fill="hold" nodeType="withEffect">
                                   <p:stCondLst>
                                     <p:cond delay="0"/>
                                   </p:stCondLst>
                                   <p:childTnLst>
                                     <p:set>
                                       <p:cBhvr>
-                                        <p:cTn id="44" dur="1" fill="hold">
+                                        <p:cTn id="49" dur="1" fill="hold">
                                           <p:stCondLst>
                                             <p:cond delay="0"/>
                                           </p:stCondLst>
                                         </p:cTn>
                                         <p:tgtEl>
-                                          <p:spTgt spid="22"/>
+                                          <p:spTgt spid="19"/>
                                         </p:tgtEl>
                                         <p:attrNameLst>
                                           <p:attrName>style.visibility</p:attrName>
@@ -21384,9 +21527,9 @@
                                     </p:set>
                                     <p:anim calcmode="lin" valueType="num">
                                       <p:cBhvr additive="base">
-                                        <p:cTn id="45" dur="500" fill="hold"/>
-                                        <p:tgtEl>
-                                          <p:spTgt spid="22"/>
+                                        <p:cTn id="50" dur="500" fill="hold"/>
+                                        <p:tgtEl>
+                                          <p:spTgt spid="19"/>
                                         </p:tgtEl>
                                         <p:attrNameLst>
                                           <p:attrName>ppt_x</p:attrName>
@@ -21407,9 +21550,100 @@
                                     </p:anim>
                                     <p:anim calcmode="lin" valueType="num">
                                       <p:cBhvr additive="base">
-                                        <p:cTn id="46" dur="500" fill="hold"/>
-                                        <p:tgtEl>
-                                          <p:spTgt spid="22"/>
+                                        <p:cTn id="51" dur="500" fill="hold"/>
+                                        <p:tgtEl>
+                                          <p:spTgt spid="19"/>
+                                        </p:tgtEl>
+                                        <p:attrNameLst>
+                                          <p:attrName>ppt_y</p:attrName>
+                                        </p:attrNameLst>
+                                      </p:cBhvr>
+                                      <p:tavLst>
+                                        <p:tav tm="0">
+                                          <p:val>
+                                            <p:strVal val="1+#ppt_h/2"/>
+                                          </p:val>
+                                        </p:tav>
+                                        <p:tav tm="100000">
+                                          <p:val>
+                                            <p:strVal val="#ppt_y"/>
+                                          </p:val>
+                                        </p:tav>
+                                      </p:tavLst>
+                                    </p:anim>
+                                  </p:childTnLst>
+                                </p:cTn>
+                              </p:par>
+                            </p:childTnLst>
+                          </p:cTn>
+                        </p:par>
+                      </p:childTnLst>
+                    </p:cTn>
+                  </p:par>
+                  <p:par>
+                    <p:cTn id="52" fill="hold">
+                      <p:stCondLst>
+                        <p:cond delay="indefinite"/>
+                      </p:stCondLst>
+                      <p:childTnLst>
+                        <p:par>
+                          <p:cTn id="53" fill="hold">
+                            <p:stCondLst>
+                              <p:cond delay="0"/>
+                            </p:stCondLst>
+                            <p:childTnLst>
+                              <p:par>
+                                <p:cTn id="54" presetID="2" presetClass="entr" presetSubtype="4" fill="hold" nodeType="clickEffect">
+                                  <p:stCondLst>
+                                    <p:cond delay="0"/>
+                                  </p:stCondLst>
+                                  <p:childTnLst>
+                                    <p:set>
+                                      <p:cBhvr>
+                                        <p:cTn id="55" dur="1" fill="hold">
+                                          <p:stCondLst>
+                                            <p:cond delay="0"/>
+                                          </p:stCondLst>
+                                        </p:cTn>
+                                        <p:tgtEl>
+                                          <p:spTgt spid="23"/>
+                                        </p:tgtEl>
+                                        <p:attrNameLst>
+                                          <p:attrName>style.visibility</p:attrName>
+                                        </p:attrNameLst>
+                                      </p:cBhvr>
+                                      <p:to>
+                                        <p:strVal val="visible"/>
+                                      </p:to>
+                                    </p:set>
+                                    <p:anim calcmode="lin" valueType="num">
+                                      <p:cBhvr additive="base">
+                                        <p:cTn id="56" dur="500" fill="hold"/>
+                                        <p:tgtEl>
+                                          <p:spTgt spid="23"/>
+                                        </p:tgtEl>
+                                        <p:attrNameLst>
+                                          <p:attrName>ppt_x</p:attrName>
+                                        </p:attrNameLst>
+                                      </p:cBhvr>
+                                      <p:tavLst>
+                                        <p:tav tm="0">
+                                          <p:val>
+                                            <p:strVal val="#ppt_x"/>
+                                          </p:val>
+                                        </p:tav>
+                                        <p:tav tm="100000">
+                                          <p:val>
+                                            <p:strVal val="#ppt_x"/>
+                                          </p:val>
+                                        </p:tav>
+                                      </p:tavLst>
+                                    </p:anim>
+                                    <p:anim calcmode="lin" valueType="num">
+                                      <p:cBhvr additive="base">
+                                        <p:cTn id="57" dur="500" fill="hold"/>
+                                        <p:tgtEl>
+                                          <p:spTgt spid="23"/>
                                         </p:tgtEl>
                                         <p:attrNameLst>
                                           <p:attrName>ppt_y</p:attrName>
@@ -21432,20 +21666,20 @@
                                 </p:cTn>
                               </p:par>
                               <p:par>
-                                <p:cTn id="47" presetID="2" presetClass="entr" presetSubtype="4" fill="hold" grpId="0" nodeType="withEffect">
+                                <p:cTn id="58" presetID="2" presetClass="entr" presetSubtype="4" fill="hold" nodeType="withEffect">
                                   <p:stCondLst>
                                     <p:cond delay="0"/>
                                   </p:stCondLst>
                                   <p:childTnLst>
                                     <p:set>
                                       <p:cBhvr>
-                                        <p:cTn id="48" dur="1" fill="hold">
+                                        <p:cTn id="59" dur="1" fill="hold">
                                           <p:stCondLst>
                                             <p:cond delay="0"/>
                                           </p:stCondLst>
                                         </p:cTn>
                                         <p:tgtEl>
-                                          <p:spTgt spid="24"/>
+                                          <p:spTgt spid="27"/>
                                         </p:tgtEl>
                                         <p:attrNameLst>
                                           <p:attrName>style.visibility</p:attrName>
@@ -21457,9 +21691,9 @@
                                     </p:set>
                                     <p:anim calcmode="lin" valueType="num">
                                       <p:cBhvr additive="base">
-                                        <p:cTn id="49" dur="500" fill="hold"/>
-                                        <p:tgtEl>
-                                          <p:spTgt spid="24"/>
+                                        <p:cTn id="60" dur="500" fill="hold"/>
+                                        <p:tgtEl>
+                                          <p:spTgt spid="27"/>
                                         </p:tgtEl>
                                         <p:attrNameLst>
                                           <p:attrName>ppt_x</p:attrName>
@@ -21480,9 +21714,9 @@
                                     </p:anim>
                                     <p:anim calcmode="lin" valueType="num">
                                       <p:cBhvr additive="base">
-                                        <p:cTn id="50" dur="500" fill="hold"/>
-                                        <p:tgtEl>
-                                          <p:spTgt spid="24"/>
+                                        <p:cTn id="61" dur="500" fill="hold"/>
+                                        <p:tgtEl>
+                                          <p:spTgt spid="27"/>
                                         </p:tgtEl>
                                         <p:attrNameLst>
                                           <p:attrName>ppt_y</p:attrName>
@@ -21505,20 +21739,20 @@
                                 </p:cTn>
                               </p:par>
                               <p:par>
-                                <p:cTn id="51" presetID="2" presetClass="entr" presetSubtype="4" fill="hold" grpId="0" nodeType="withEffect">
+                                <p:cTn id="62" presetID="2" presetClass="entr" presetSubtype="4" fill="hold" nodeType="withEffect">
                                   <p:stCondLst>
                                     <p:cond delay="0"/>
                                   </p:stCondLst>
                                   <p:childTnLst>
                                     <p:set>
                                       <p:cBhvr>
-                                        <p:cTn id="52" dur="1" fill="hold">
+                                        <p:cTn id="63" dur="1" fill="hold">
                                           <p:stCondLst>
                                             <p:cond delay="0"/>
                                           </p:stCondLst>
                                         </p:cTn>
                                         <p:tgtEl>
-                                          <p:spTgt spid="13"/>
+                                          <p:spTgt spid="22"/>
                                         </p:tgtEl>
                                         <p:attrNameLst>
                                           <p:attrName>style.visibility</p:attrName>
@@ -21530,9 +21764,9 @@
                                     </p:set>
                                     <p:anim calcmode="lin" valueType="num">
                                       <p:cBhvr additive="base">
-                                        <p:cTn id="53" dur="500" fill="hold"/>
-                                        <p:tgtEl>
-                                          <p:spTgt spid="13"/>
+                                        <p:cTn id="64" dur="500" fill="hold"/>
+                                        <p:tgtEl>
+                                          <p:spTgt spid="22"/>
                                         </p:tgtEl>
                                         <p:attrNameLst>
                                           <p:attrName>ppt_x</p:attrName>
@@ -21553,9 +21787,9 @@
                                     </p:anim>
                                     <p:anim calcmode="lin" valueType="num">
                                       <p:cBhvr additive="base">
-                                        <p:cTn id="54" dur="500" fill="hold"/>
-                                        <p:tgtEl>
-                                          <p:spTgt spid="13"/>
+                                        <p:cTn id="65" dur="500" fill="hold"/>
+                                        <p:tgtEl>
+                                          <p:spTgt spid="22"/>
                                         </p:tgtEl>
                                         <p:attrNameLst>
                                           <p:attrName>ppt_y</p:attrName>
@@ -21578,20 +21812,20 @@
                                 </p:cTn>
                               </p:par>
                               <p:par>
-                                <p:cTn id="55" presetID="2" presetClass="entr" presetSubtype="4" fill="hold" nodeType="withEffect">
+                                <p:cTn id="66" presetID="2" presetClass="entr" presetSubtype="4" fill="hold" grpId="0" nodeType="withEffect">
                                   <p:stCondLst>
                                     <p:cond delay="0"/>
                                   </p:stCondLst>
                                   <p:childTnLst>
                                     <p:set>
                                       <p:cBhvr>
-                                        <p:cTn id="56" dur="1" fill="hold">
+                                        <p:cTn id="67" dur="1" fill="hold">
                                           <p:stCondLst>
                                             <p:cond delay="0"/>
                                           </p:stCondLst>
                                         </p:cTn>
                                         <p:tgtEl>
-                                          <p:spTgt spid="3"/>
+                                          <p:spTgt spid="24"/>
                                         </p:tgtEl>
                                         <p:attrNameLst>
                                           <p:attrName>style.visibility</p:attrName>
@@ -21603,9 +21837,9 @@
                                     </p:set>
                                     <p:anim calcmode="lin" valueType="num">
                                       <p:cBhvr additive="base">
-                                        <p:cTn id="57" dur="500" fill="hold"/>
-                                        <p:tgtEl>
-                                          <p:spTgt spid="3"/>
+                                        <p:cTn id="68" dur="500" fill="hold"/>
+                                        <p:tgtEl>
+                                          <p:spTgt spid="24"/>
                                         </p:tgtEl>
                                         <p:attrNameLst>
                                           <p:attrName>ppt_x</p:attrName>
@@ -21626,9 +21860,9 @@
                                     </p:anim>
                                     <p:anim calcmode="lin" valueType="num">
                                       <p:cBhvr additive="base">
-                                        <p:cTn id="58" dur="500" fill="hold"/>
-                                        <p:tgtEl>
-                                          <p:spTgt spid="3"/>
+                                        <p:cTn id="69" dur="500" fill="hold"/>
+                                        <p:tgtEl>
+                                          <p:spTgt spid="24"/>
                                         </p:tgtEl>
                                         <p:attrNameLst>
                                           <p:attrName>ppt_y</p:attrName>
@@ -21651,20 +21885,20 @@
                                 </p:cTn>
                               </p:par>
                               <p:par>
-                                <p:cTn id="59" presetID="2" presetClass="entr" presetSubtype="4" fill="hold" nodeType="withEffect">
+                                <p:cTn id="70" presetID="2" presetClass="entr" presetSubtype="4" fill="hold" grpId="0" nodeType="withEffect">
                                   <p:stCondLst>
                                     <p:cond delay="0"/>
                                   </p:stCondLst>
                                   <p:childTnLst>
                                     <p:set>
                                       <p:cBhvr>
-                                        <p:cTn id="60" dur="1" fill="hold">
+                                        <p:cTn id="71" dur="1" fill="hold">
                                           <p:stCondLst>
                                             <p:cond delay="0"/>
                                           </p:stCondLst>
                                         </p:cTn>
                                         <p:tgtEl>
-                                          <p:spTgt spid="17"/>
+                                          <p:spTgt spid="13"/>
                                         </p:tgtEl>
                                         <p:attrNameLst>
                                           <p:attrName>style.visibility</p:attrName>
@@ -21676,9 +21910,9 @@
                                     </p:set>
                                     <p:anim calcmode="lin" valueType="num">
                                       <p:cBhvr additive="base">
-                                        <p:cTn id="61" dur="500" fill="hold"/>
-                                        <p:tgtEl>
-                                          <p:spTgt spid="17"/>
+                                        <p:cTn id="72" dur="500" fill="hold"/>
+                                        <p:tgtEl>
+                                          <p:spTgt spid="13"/>
                                         </p:tgtEl>
                                         <p:attrNameLst>
                                           <p:attrName>ppt_x</p:attrName>
@@ -21699,9 +21933,9 @@
                                     </p:anim>
                                     <p:anim calcmode="lin" valueType="num">
                                       <p:cBhvr additive="base">
-                                        <p:cTn id="62" dur="500" fill="hold"/>
-                                        <p:tgtEl>
-                                          <p:spTgt spid="17"/>
+                                        <p:cTn id="73" dur="500" fill="hold"/>
+                                        <p:tgtEl>
+                                          <p:spTgt spid="13"/>
                                         </p:tgtEl>
                                         <p:attrNameLst>
                                           <p:attrName>ppt_y</p:attrName>
@@ -21724,20 +21958,20 @@
                                 </p:cTn>
                               </p:par>
                               <p:par>
-                                <p:cTn id="63" presetID="2" presetClass="entr" presetSubtype="4" fill="hold" nodeType="withEffect">
+                                <p:cTn id="74" presetID="2" presetClass="entr" presetSubtype="4" fill="hold" nodeType="withEffect">
                                   <p:stCondLst>
                                     <p:cond delay="0"/>
                                   </p:stCondLst>
                                   <p:childTnLst>
                                     <p:set>
                                       <p:cBhvr>
-                                        <p:cTn id="64" dur="1" fill="hold">
+                                        <p:cTn id="75" dur="1" fill="hold">
                                           <p:stCondLst>
                                             <p:cond delay="0"/>
                                           </p:stCondLst>
                                         </p:cTn>
                                         <p:tgtEl>
-                                          <p:spTgt spid="17"/>
+                                          <p:spTgt spid="3"/>
                                         </p:tgtEl>
                                         <p:attrNameLst>
                                           <p:attrName>style.visibility</p:attrName>
@@ -21749,9 +21983,9 @@
                                     </p:set>
                                     <p:anim calcmode="lin" valueType="num">
                                       <p:cBhvr additive="base">
-                                        <p:cTn id="65" dur="500" fill="hold"/>
-                                        <p:tgtEl>
-                                          <p:spTgt spid="17"/>
+                                        <p:cTn id="76" dur="500" fill="hold"/>
+                                        <p:tgtEl>
+                                          <p:spTgt spid="3"/>
                                         </p:tgtEl>
                                         <p:attrNameLst>
                                           <p:attrName>ppt_x</p:attrName>
@@ -21772,7 +22006,153 @@
                                     </p:anim>
                                     <p:anim calcmode="lin" valueType="num">
                                       <p:cBhvr additive="base">
-                                        <p:cTn id="66" dur="500" fill="hold"/>
+                                        <p:cTn id="77" dur="500" fill="hold"/>
+                                        <p:tgtEl>
+                                          <p:spTgt spid="3"/>
+                                        </p:tgtEl>
+                                        <p:attrNameLst>
+                                          <p:attrName>ppt_y</p:attrName>
+                                        </p:attrNameLst>
+                                      </p:cBhvr>
+                                      <p:tavLst>
+                                        <p:tav tm="0">
+                                          <p:val>
+                                            <p:strVal val="1+#ppt_h/2"/>
+                                          </p:val>
+                                        </p:tav>
+                                        <p:tav tm="100000">
+                                          <p:val>
+                                            <p:strVal val="#ppt_y"/>
+                                          </p:val>
+                                        </p:tav>
+                                      </p:tavLst>
+                                    </p:anim>
+                                  </p:childTnLst>
+                                </p:cTn>
+                              </p:par>
+                              <p:par>
+                                <p:cTn id="78" presetID="2" presetClass="entr" presetSubtype="4" fill="hold" nodeType="withEffect">
+                                  <p:stCondLst>
+                                    <p:cond delay="0"/>
+                                  </p:stCondLst>
+                                  <p:childTnLst>
+                                    <p:set>
+                                      <p:cBhvr>
+                                        <p:cTn id="79" dur="1" fill="hold">
+                                          <p:stCondLst>
+                                            <p:cond delay="0"/>
+                                          </p:stCondLst>
+                                        </p:cTn>
+                                        <p:tgtEl>
+                                          <p:spTgt spid="17"/>
+                                        </p:tgtEl>
+                                        <p:attrNameLst>
+                                          <p:attrName>style.visibility</p:attrName>
+                                        </p:attrNameLst>
+                                      </p:cBhvr>
+                                      <p:to>
+                                        <p:strVal val="visible"/>
+                                      </p:to>
+                                    </p:set>
+                                    <p:anim calcmode="lin" valueType="num">
+                                      <p:cBhvr additive="base">
+                                        <p:cTn id="80" dur="500" fill="hold"/>
+                                        <p:tgtEl>
+                                          <p:spTgt spid="17"/>
+                                        </p:tgtEl>
+                                        <p:attrNameLst>
+                                          <p:attrName>ppt_x</p:attrName>
+                                        </p:attrNameLst>
+                                      </p:cBhvr>
+                                      <p:tavLst>
+                                        <p:tav tm="0">
+                                          <p:val>
+                                            <p:strVal val="#ppt_x"/>
+                                          </p:val>
+                                        </p:tav>
+                                        <p:tav tm="100000">
+                                          <p:val>
+                                            <p:strVal val="#ppt_x"/>
+                                          </p:val>
+                                        </p:tav>
+                                      </p:tavLst>
+                                    </p:anim>
+                                    <p:anim calcmode="lin" valueType="num">
+                                      <p:cBhvr additive="base">
+                                        <p:cTn id="81" dur="500" fill="hold"/>
+                                        <p:tgtEl>
+                                          <p:spTgt spid="17"/>
+                                        </p:tgtEl>
+                                        <p:attrNameLst>
+                                          <p:attrName>ppt_y</p:attrName>
+                                        </p:attrNameLst>
+                                      </p:cBhvr>
+                                      <p:tavLst>
+                                        <p:tav tm="0">
+                                          <p:val>
+                                            <p:strVal val="1+#ppt_h/2"/>
+                                          </p:val>
+                                        </p:tav>
+                                        <p:tav tm="100000">
+                                          <p:val>
+                                            <p:strVal val="#ppt_y"/>
+                                          </p:val>
+                                        </p:tav>
+                                      </p:tavLst>
+                                    </p:anim>
+                                  </p:childTnLst>
+                                </p:cTn>
+                              </p:par>
+                              <p:par>
+                                <p:cTn id="82" presetID="2" presetClass="entr" presetSubtype="4" fill="hold" nodeType="withEffect">
+                                  <p:stCondLst>
+                                    <p:cond delay="0"/>
+                                  </p:stCondLst>
+                                  <p:childTnLst>
+                                    <p:set>
+                                      <p:cBhvr>
+                                        <p:cTn id="83" dur="1" fill="hold">
+                                          <p:stCondLst>
+                                            <p:cond delay="0"/>
+                                          </p:stCondLst>
+                                        </p:cTn>
+                                        <p:tgtEl>
+                                          <p:spTgt spid="17"/>
+                                        </p:tgtEl>
+                                        <p:attrNameLst>
+                                          <p:attrName>style.visibility</p:attrName>
+                                        </p:attrNameLst>
+                                      </p:cBhvr>
+                                      <p:to>
+                                        <p:strVal val="visible"/>
+                                      </p:to>
+                                    </p:set>
+                                    <p:anim calcmode="lin" valueType="num">
+                                      <p:cBhvr additive="base">
+                                        <p:cTn id="84" dur="500" fill="hold"/>
+                                        <p:tgtEl>
+                                          <p:spTgt spid="17"/>
+                                        </p:tgtEl>
+                                        <p:attrNameLst>
+                                          <p:attrName>ppt_x</p:attrName>
+                                        </p:attrNameLst>
+                                      </p:cBhvr>
+                                      <p:tavLst>
+                                        <p:tav tm="0">
+                                          <p:val>
+                                            <p:strVal val="#ppt_x"/>
+                                          </p:val>
+                                        </p:tav>
+                                        <p:tav tm="100000">
+                                          <p:val>
+                                            <p:strVal val="#ppt_x"/>
+                                          </p:val>
+                                        </p:tav>
+                                      </p:tavLst>
+                                    </p:anim>
+                                    <p:anim calcmode="lin" valueType="num">
+                                      <p:cBhvr additive="base">
+                                        <p:cTn id="85" dur="500" fill="hold"/>
                                         <p:tgtEl>
                                           <p:spTgt spid="17"/>
                                         </p:tgtEl>

--- a/Notes/1_Intro_Classical_Waves.pptx
+++ b/Notes/1_Intro_Classical_Waves.pptx
@@ -5,7 +5,7 @@
     <p:sldMasterId id="2147483648" r:id="rId1"/>
   </p:sldMasterIdLst>
   <p:notesMasterIdLst>
-    <p:notesMasterId r:id="rId28"/>
+    <p:notesMasterId r:id="rId27"/>
   </p:notesMasterIdLst>
   <p:sldIdLst>
     <p:sldId id="278" r:id="rId2"/>
@@ -29,11 +29,10 @@
     <p:sldId id="298" r:id="rId20"/>
     <p:sldId id="299" r:id="rId21"/>
     <p:sldId id="307" r:id="rId22"/>
-    <p:sldId id="301" r:id="rId23"/>
-    <p:sldId id="308" r:id="rId24"/>
-    <p:sldId id="302" r:id="rId25"/>
-    <p:sldId id="303" r:id="rId26"/>
-    <p:sldId id="305" r:id="rId27"/>
+    <p:sldId id="308" r:id="rId23"/>
+    <p:sldId id="302" r:id="rId24"/>
+    <p:sldId id="303" r:id="rId25"/>
+    <p:sldId id="305" r:id="rId26"/>
   </p:sldIdLst>
   <p:sldSz cx="9144000" cy="6858000" type="screen4x3"/>
   <p:notesSz cx="6858000" cy="9144000"/>
@@ -233,7 +232,7 @@
           <a:p>
             <a:fld id="{47B5508F-B9DA-3A4B-92BF-6A4138802024}" type="datetimeFigureOut">
               <a:rPr lang="en-US" smtClean="0"/>
-              <a:t>1/7/25</a:t>
+              <a:t>1/29/25</a:t>
             </a:fld>
             <a:endParaRPr lang="en-US"/>
           </a:p>
@@ -767,7 +766,7 @@
             <a:fld id="{B2F2B4BC-311C-574E-AB1F-5BCC7E00BDAB}" type="datetimeFigureOut">
               <a:rPr lang="en-US" smtClean="0"/>
               <a:pPr/>
-              <a:t>1/7/25</a:t>
+              <a:t>1/29/25</a:t>
             </a:fld>
             <a:endParaRPr lang="en-US"/>
           </a:p>
@@ -932,7 +931,7 @@
             <a:fld id="{B2F2B4BC-311C-574E-AB1F-5BCC7E00BDAB}" type="datetimeFigureOut">
               <a:rPr lang="en-US" smtClean="0"/>
               <a:pPr/>
-              <a:t>1/7/25</a:t>
+              <a:t>1/29/25</a:t>
             </a:fld>
             <a:endParaRPr lang="en-US"/>
           </a:p>
@@ -1107,7 +1106,7 @@
             <a:fld id="{B2F2B4BC-311C-574E-AB1F-5BCC7E00BDAB}" type="datetimeFigureOut">
               <a:rPr lang="en-US" smtClean="0"/>
               <a:pPr/>
-              <a:t>1/7/25</a:t>
+              <a:t>1/29/25</a:t>
             </a:fld>
             <a:endParaRPr lang="en-US"/>
           </a:p>
@@ -1272,7 +1271,7 @@
             <a:fld id="{B2F2B4BC-311C-574E-AB1F-5BCC7E00BDAB}" type="datetimeFigureOut">
               <a:rPr lang="en-US" smtClean="0"/>
               <a:pPr/>
-              <a:t>1/7/25</a:t>
+              <a:t>1/29/25</a:t>
             </a:fld>
             <a:endParaRPr lang="en-US"/>
           </a:p>
@@ -1514,7 +1513,7 @@
             <a:fld id="{B2F2B4BC-311C-574E-AB1F-5BCC7E00BDAB}" type="datetimeFigureOut">
               <a:rPr lang="en-US" smtClean="0"/>
               <a:pPr/>
-              <a:t>1/7/25</a:t>
+              <a:t>1/29/25</a:t>
             </a:fld>
             <a:endParaRPr lang="en-US"/>
           </a:p>
@@ -1796,7 +1795,7 @@
             <a:fld id="{B2F2B4BC-311C-574E-AB1F-5BCC7E00BDAB}" type="datetimeFigureOut">
               <a:rPr lang="en-US" smtClean="0"/>
               <a:pPr/>
-              <a:t>1/7/25</a:t>
+              <a:t>1/29/25</a:t>
             </a:fld>
             <a:endParaRPr lang="en-US"/>
           </a:p>
@@ -2212,7 +2211,7 @@
             <a:fld id="{B2F2B4BC-311C-574E-AB1F-5BCC7E00BDAB}" type="datetimeFigureOut">
               <a:rPr lang="en-US" smtClean="0"/>
               <a:pPr/>
-              <a:t>1/7/25</a:t>
+              <a:t>1/29/25</a:t>
             </a:fld>
             <a:endParaRPr lang="en-US"/>
           </a:p>
@@ -2326,7 +2325,7 @@
             <a:fld id="{B2F2B4BC-311C-574E-AB1F-5BCC7E00BDAB}" type="datetimeFigureOut">
               <a:rPr lang="en-US" smtClean="0"/>
               <a:pPr/>
-              <a:t>1/7/25</a:t>
+              <a:t>1/29/25</a:t>
             </a:fld>
             <a:endParaRPr lang="en-US"/>
           </a:p>
@@ -2418,7 +2417,7 @@
             <a:fld id="{B2F2B4BC-311C-574E-AB1F-5BCC7E00BDAB}" type="datetimeFigureOut">
               <a:rPr lang="en-US" smtClean="0"/>
               <a:pPr/>
-              <a:t>1/7/25</a:t>
+              <a:t>1/29/25</a:t>
             </a:fld>
             <a:endParaRPr lang="en-US"/>
           </a:p>
@@ -2690,7 +2689,7 @@
             <a:fld id="{B2F2B4BC-311C-574E-AB1F-5BCC7E00BDAB}" type="datetimeFigureOut">
               <a:rPr lang="en-US" smtClean="0"/>
               <a:pPr/>
-              <a:t>1/7/25</a:t>
+              <a:t>1/29/25</a:t>
             </a:fld>
             <a:endParaRPr lang="en-US"/>
           </a:p>
@@ -2939,7 +2938,7 @@
             <a:fld id="{B2F2B4BC-311C-574E-AB1F-5BCC7E00BDAB}" type="datetimeFigureOut">
               <a:rPr lang="en-US" smtClean="0"/>
               <a:pPr/>
-              <a:t>1/7/25</a:t>
+              <a:t>1/29/25</a:t>
             </a:fld>
             <a:endParaRPr lang="en-US"/>
           </a:p>
@@ -3147,7 +3146,7 @@
             <a:fld id="{B2F2B4BC-311C-574E-AB1F-5BCC7E00BDAB}" type="datetimeFigureOut">
               <a:rPr lang="en-US" smtClean="0"/>
               <a:pPr/>
-              <a:t>1/7/25</a:t>
+              <a:t>1/29/25</a:t>
             </a:fld>
             <a:endParaRPr lang="en-US"/>
           </a:p>
@@ -3703,7 +3702,7 @@
                       <a:noFill/>
                       <a:extLst>
                         <a:ext uri="{909E8E84-426E-40dd-AFC4-6F175D3DCCD1}">
-                          <a14:hiddenFill xmlns:a14="http://schemas.microsoft.com/office/drawing/2010/main" xmlns="">
+                          <a14:hiddenFill xmlns="" xmlns:a14="http://schemas.microsoft.com/office/drawing/2010/main">
                             <a:blipFill dpi="0" rotWithShape="0">
                               <a:blip/>
                               <a:srcRect/>
@@ -3783,7 +3782,7 @@
                       <a:noFill/>
                       <a:extLst>
                         <a:ext uri="{909E8E84-426E-40dd-AFC4-6F175D3DCCD1}">
-                          <a14:hiddenFill xmlns:a14="http://schemas.microsoft.com/office/drawing/2010/main" xmlns="">
+                          <a14:hiddenFill xmlns="" xmlns:a14="http://schemas.microsoft.com/office/drawing/2010/main">
                             <a:blipFill dpi="0" rotWithShape="0">
                               <a:blip/>
                               <a:srcRect/>
@@ -12717,1364 +12716,6 @@
       </p:grpSpPr>
       <p:pic>
         <p:nvPicPr>
-          <p:cNvPr id="4" name="Picture 2"/>
-          <p:cNvPicPr>
-            <a:picLocks noChangeAspect="1" noChangeArrowheads="1"/>
-          </p:cNvPicPr>
-          <p:nvPr/>
-        </p:nvPicPr>
-        <p:blipFill>
-          <a:blip r:embed="rId2" cstate="print"/>
-          <a:srcRect/>
-          <a:stretch>
-            <a:fillRect/>
-          </a:stretch>
-        </p:blipFill>
-        <p:spPr bwMode="auto">
-          <a:xfrm>
-            <a:off x="484188" y="76200"/>
-            <a:ext cx="8202612" cy="239712"/>
-          </a:xfrm>
-          <a:prstGeom prst="rect">
-            <a:avLst/>
-          </a:prstGeom>
-          <a:noFill/>
-          <a:ln w="9525">
-            <a:noFill/>
-            <a:round/>
-            <a:headEnd/>
-            <a:tailEnd/>
-          </a:ln>
-        </p:spPr>
-      </p:pic>
-      <p:sp>
-        <p:nvSpPr>
-          <p:cNvPr id="5" name="Rectangle 4"/>
-          <p:cNvSpPr>
-            <a:spLocks noChangeArrowheads="1"/>
-          </p:cNvSpPr>
-          <p:nvPr/>
-        </p:nvSpPr>
-        <p:spPr bwMode="auto">
-          <a:xfrm>
-            <a:off x="135468" y="84667"/>
-            <a:ext cx="8991601" cy="1127125"/>
-          </a:xfrm>
-          <a:prstGeom prst="rect">
-            <a:avLst/>
-          </a:prstGeom>
-          <a:noFill/>
-          <a:ln w="9525">
-            <a:noFill/>
-            <a:round/>
-            <a:headEnd/>
-            <a:tailEnd/>
-          </a:ln>
-        </p:spPr>
-        <p:txBody>
-          <a:bodyPr lIns="0" tIns="0" rIns="0" bIns="0" anchor="ctr"/>
-          <a:lstStyle/>
-          <a:p>
-            <a:pPr algn="ctr">
-              <a:buClr>
-                <a:srgbClr val="000000"/>
-              </a:buClr>
-              <a:buSzPct val="100000"/>
-              <a:buFont typeface="Times New Roman" pitchFamily="18" charset="0"/>
-              <a:buNone/>
-              <a:tabLst>
-                <a:tab pos="0" algn="l"/>
-                <a:tab pos="914400" algn="l"/>
-                <a:tab pos="1828800" algn="l"/>
-                <a:tab pos="2743200" algn="l"/>
-                <a:tab pos="3657600" algn="l"/>
-                <a:tab pos="4572000" algn="l"/>
-                <a:tab pos="5486400" algn="l"/>
-                <a:tab pos="6400800" algn="l"/>
-                <a:tab pos="7315200" algn="l"/>
-                <a:tab pos="8229600" algn="l"/>
-                <a:tab pos="9144000" algn="l"/>
-                <a:tab pos="10058400" algn="l"/>
-              </a:tabLst>
-            </a:pPr>
-            <a:r>
-              <a:rPr lang="en-GB" sz="4000" dirty="0">
-                <a:solidFill>
-                  <a:srgbClr val="000000"/>
-                </a:solidFill>
-                <a:latin typeface="Times New Roman" pitchFamily="18" charset="0"/>
-              </a:rPr>
-              <a:t>Classical Wave Equation</a:t>
-            </a:r>
-          </a:p>
-        </p:txBody>
-      </p:sp>
-      <p:sp>
-        <p:nvSpPr>
-          <p:cNvPr id="8" name="Rectangle 5"/>
-          <p:cNvSpPr>
-            <a:spLocks noChangeArrowheads="1"/>
-          </p:cNvSpPr>
-          <p:nvPr/>
-        </p:nvSpPr>
-        <p:spPr bwMode="auto">
-          <a:xfrm>
-            <a:off x="228600" y="1219199"/>
-            <a:ext cx="8686800" cy="1431926"/>
-          </a:xfrm>
-          <a:prstGeom prst="rect">
-            <a:avLst/>
-          </a:prstGeom>
-          <a:noFill/>
-          <a:ln w="9525">
-            <a:noFill/>
-            <a:round/>
-            <a:headEnd/>
-            <a:tailEnd/>
-          </a:ln>
-        </p:spPr>
-        <p:txBody>
-          <a:bodyPr lIns="0" tIns="0" rIns="0" bIns="0"/>
-          <a:lstStyle/>
-          <a:p>
-            <a:pPr marL="430213" indent="-323850">
-              <a:lnSpc>
-                <a:spcPct val="100000"/>
-              </a:lnSpc>
-              <a:spcBef>
-                <a:spcPts val="800"/>
-              </a:spcBef>
-              <a:buFont typeface="Times New Roman" pitchFamily="18" charset="0"/>
-              <a:buChar char="•"/>
-              <a:tabLst>
-                <a:tab pos="430213" algn="l"/>
-                <a:tab pos="1344613" algn="l"/>
-                <a:tab pos="2259013" algn="l"/>
-                <a:tab pos="3173413" algn="l"/>
-                <a:tab pos="4087813" algn="l"/>
-                <a:tab pos="5002213" algn="l"/>
-                <a:tab pos="5916613" algn="l"/>
-                <a:tab pos="6831013" algn="l"/>
-                <a:tab pos="7745413" algn="l"/>
-                <a:tab pos="8659813" algn="l"/>
-                <a:tab pos="9574213" algn="l"/>
-                <a:tab pos="10488613" algn="l"/>
-              </a:tabLst>
-            </a:pPr>
-            <a:r>
-              <a:rPr lang="en-GB" sz="3200" dirty="0">
-                <a:solidFill>
-                  <a:srgbClr val="000000"/>
-                </a:solidFill>
-                <a:latin typeface="Times New Roman" pitchFamily="18" charset="0"/>
-              </a:rPr>
-              <a:t>Case 3: The </a:t>
-            </a:r>
-            <a:r>
-              <a:rPr lang="en-GB" sz="3200" b="1" dirty="0">
-                <a:solidFill>
-                  <a:srgbClr val="000000"/>
-                </a:solidFill>
-                <a:latin typeface="Times New Roman" pitchFamily="18" charset="0"/>
-              </a:rPr>
-              <a:t>discriminant</a:t>
-            </a:r>
-          </a:p>
-          <a:p>
-            <a:pPr marL="887413" lvl="1" indent="-323850">
-              <a:spcBef>
-                <a:spcPts val="800"/>
-              </a:spcBef>
-              <a:buFont typeface="Times New Roman" pitchFamily="18" charset="0"/>
-              <a:buChar char="•"/>
-              <a:tabLst>
-                <a:tab pos="430213" algn="l"/>
-                <a:tab pos="1344613" algn="l"/>
-                <a:tab pos="2259013" algn="l"/>
-                <a:tab pos="3173413" algn="l"/>
-                <a:tab pos="4087813" algn="l"/>
-                <a:tab pos="5002213" algn="l"/>
-                <a:tab pos="5916613" algn="l"/>
-                <a:tab pos="6831013" algn="l"/>
-                <a:tab pos="7745413" algn="l"/>
-                <a:tab pos="8659813" algn="l"/>
-                <a:tab pos="9574213" algn="l"/>
-                <a:tab pos="10488613" algn="l"/>
-              </a:tabLst>
-            </a:pPr>
-            <a:r>
-              <a:rPr lang="en-GB" sz="2800" dirty="0">
-                <a:solidFill>
-                  <a:srgbClr val="000000"/>
-                </a:solidFill>
-                <a:latin typeface="Times New Roman"/>
-                <a:cs typeface="Times New Roman"/>
-              </a:rPr>
-              <a:t>Using Euler’s Formula and rearranging:</a:t>
-            </a:r>
-            <a:endParaRPr lang="en-GB" sz="2800" b="1" i="1" u="sng" dirty="0">
-              <a:solidFill>
-                <a:srgbClr val="000000"/>
-              </a:solidFill>
-              <a:latin typeface="Times New Roman"/>
-              <a:cs typeface="Times New Roman"/>
-            </a:endParaRPr>
-          </a:p>
-        </p:txBody>
-      </p:sp>
-      <p:pic>
-        <p:nvPicPr>
-          <p:cNvPr id="3" name="Picture 2"/>
-          <p:cNvPicPr>
-            <a:picLocks noChangeAspect="1"/>
-          </p:cNvPicPr>
-          <p:nvPr/>
-        </p:nvPicPr>
-        <p:blipFill>
-          <a:blip r:embed="rId3"/>
-          <a:stretch>
-            <a:fillRect/>
-          </a:stretch>
-        </p:blipFill>
-        <p:spPr>
-          <a:xfrm>
-            <a:off x="4997450" y="1076325"/>
-            <a:ext cx="2895600" cy="736600"/>
-          </a:xfrm>
-          <a:prstGeom prst="rect">
-            <a:avLst/>
-          </a:prstGeom>
-        </p:spPr>
-      </p:pic>
-      <p:sp>
-        <p:nvSpPr>
-          <p:cNvPr id="15" name="Rectangle 14"/>
-          <p:cNvSpPr/>
-          <p:nvPr/>
-        </p:nvSpPr>
-        <p:spPr>
-          <a:xfrm>
-            <a:off x="848533" y="3235583"/>
-            <a:ext cx="1313430" cy="461665"/>
-          </a:xfrm>
-          <a:prstGeom prst="rect">
-            <a:avLst/>
-          </a:prstGeom>
-        </p:spPr>
-        <p:txBody>
-          <a:bodyPr wrap="none">
-            <a:spAutoFit/>
-          </a:bodyPr>
-          <a:lstStyle/>
-          <a:p>
-            <a:r>
-              <a:rPr lang="en-GB" sz="2400" dirty="0">
-                <a:solidFill>
-                  <a:srgbClr val="000000"/>
-                </a:solidFill>
-                <a:latin typeface="Times New Roman" pitchFamily="18" charset="0"/>
-              </a:rPr>
-              <a:t>Solution:</a:t>
-            </a:r>
-            <a:endParaRPr lang="en-US" sz="2400" dirty="0"/>
-          </a:p>
-        </p:txBody>
-      </p:sp>
-      <p:pic>
-        <p:nvPicPr>
-          <p:cNvPr id="2" name="Picture 1"/>
-          <p:cNvPicPr>
-            <a:picLocks noChangeAspect="1"/>
-          </p:cNvPicPr>
-          <p:nvPr/>
-        </p:nvPicPr>
-        <p:blipFill>
-          <a:blip r:embed="rId4"/>
-          <a:stretch>
-            <a:fillRect/>
-          </a:stretch>
-        </p:blipFill>
-        <p:spPr>
-          <a:xfrm>
-            <a:off x="2130213" y="3092708"/>
-            <a:ext cx="6667500" cy="825500"/>
-          </a:xfrm>
-          <a:prstGeom prst="rect">
-            <a:avLst/>
-          </a:prstGeom>
-        </p:spPr>
-      </p:pic>
-      <p:pic>
-        <p:nvPicPr>
-          <p:cNvPr id="6" name="Picture 5"/>
-          <p:cNvPicPr>
-            <a:picLocks noChangeAspect="1"/>
-          </p:cNvPicPr>
-          <p:nvPr/>
-        </p:nvPicPr>
-        <p:blipFill>
-          <a:blip r:embed="rId5"/>
-          <a:stretch>
-            <a:fillRect/>
-          </a:stretch>
-        </p:blipFill>
-        <p:spPr>
-          <a:xfrm>
-            <a:off x="6008502" y="4456668"/>
-            <a:ext cx="1663700" cy="330200"/>
-          </a:xfrm>
-          <a:prstGeom prst="rect">
-            <a:avLst/>
-          </a:prstGeom>
-        </p:spPr>
-      </p:pic>
-      <p:cxnSp>
-        <p:nvCxnSpPr>
-          <p:cNvPr id="9" name="Straight Arrow Connector 8"/>
-          <p:cNvCxnSpPr/>
-          <p:nvPr/>
-        </p:nvCxnSpPr>
-        <p:spPr>
-          <a:xfrm>
-            <a:off x="5381625" y="3697248"/>
-            <a:ext cx="626877" cy="759420"/>
-          </a:xfrm>
-          <a:prstGeom prst="straightConnector1">
-            <a:avLst/>
-          </a:prstGeom>
-          <a:ln>
-            <a:tailEnd type="arrow"/>
-          </a:ln>
-        </p:spPr>
-        <p:style>
-          <a:lnRef idx="2">
-            <a:schemeClr val="accent1"/>
-          </a:lnRef>
-          <a:fillRef idx="0">
-            <a:schemeClr val="accent1"/>
-          </a:fillRef>
-          <a:effectRef idx="1">
-            <a:schemeClr val="accent1"/>
-          </a:effectRef>
-          <a:fontRef idx="minor">
-            <a:schemeClr val="tx1"/>
-          </a:fontRef>
-        </p:style>
-      </p:cxnSp>
-      <p:cxnSp>
-        <p:nvCxnSpPr>
-          <p:cNvPr id="11" name="Straight Arrow Connector 10"/>
-          <p:cNvCxnSpPr/>
-          <p:nvPr/>
-        </p:nvCxnSpPr>
-        <p:spPr>
-          <a:xfrm flipH="1">
-            <a:off x="6286500" y="3697248"/>
-            <a:ext cx="1606550" cy="759420"/>
-          </a:xfrm>
-          <a:prstGeom prst="straightConnector1">
-            <a:avLst/>
-          </a:prstGeom>
-          <a:ln>
-            <a:tailEnd type="arrow"/>
-          </a:ln>
-        </p:spPr>
-        <p:style>
-          <a:lnRef idx="2">
-            <a:schemeClr val="accent1"/>
-          </a:lnRef>
-          <a:fillRef idx="0">
-            <a:schemeClr val="accent1"/>
-          </a:fillRef>
-          <a:effectRef idx="1">
-            <a:schemeClr val="accent1"/>
-          </a:effectRef>
-          <a:fontRef idx="minor">
-            <a:schemeClr val="tx1"/>
-          </a:fontRef>
-        </p:style>
-      </p:cxnSp>
-      <p:sp>
-        <p:nvSpPr>
-          <p:cNvPr id="12" name="TextBox 11"/>
-          <p:cNvSpPr txBox="1"/>
-          <p:nvPr/>
-        </p:nvSpPr>
-        <p:spPr>
-          <a:xfrm>
-            <a:off x="-7407" y="4456668"/>
-            <a:ext cx="5957505" cy="369332"/>
-          </a:xfrm>
-          <a:prstGeom prst="rect">
-            <a:avLst/>
-          </a:prstGeom>
-          <a:noFill/>
-        </p:spPr>
-        <p:txBody>
-          <a:bodyPr wrap="none" rtlCol="0">
-            <a:spAutoFit/>
-          </a:bodyPr>
-          <a:lstStyle/>
-          <a:p>
-            <a:r>
-              <a:rPr lang="en-US" dirty="0">
-                <a:latin typeface="Times New Roman"/>
-                <a:cs typeface="Times New Roman"/>
-              </a:rPr>
-              <a:t>In physics, </a:t>
-            </a:r>
-            <a:r>
-              <a:rPr lang="en-US" i="1" dirty="0">
-                <a:latin typeface="Symbol" charset="2"/>
-                <a:cs typeface="Symbol" charset="2"/>
-              </a:rPr>
-              <a:t>b</a:t>
-            </a:r>
-            <a:r>
-              <a:rPr lang="en-US" dirty="0">
-                <a:latin typeface="Times New Roman"/>
-                <a:cs typeface="Times New Roman"/>
-              </a:rPr>
-              <a:t> is the “</a:t>
-            </a:r>
-            <a:r>
-              <a:rPr lang="en-US" b="1" u="sng" dirty="0">
-                <a:latin typeface="Times New Roman"/>
-                <a:cs typeface="Times New Roman"/>
-              </a:rPr>
-              <a:t>angular frequency</a:t>
-            </a:r>
-            <a:r>
-              <a:rPr lang="en-US" dirty="0">
-                <a:latin typeface="Times New Roman"/>
-                <a:cs typeface="Times New Roman"/>
-              </a:rPr>
-              <a:t>” and usually denoted:</a:t>
-            </a:r>
-          </a:p>
-        </p:txBody>
-      </p:sp>
-      <p:sp>
-        <p:nvSpPr>
-          <p:cNvPr id="16" name="TextBox 15"/>
-          <p:cNvSpPr txBox="1"/>
-          <p:nvPr/>
-        </p:nvSpPr>
-        <p:spPr>
-          <a:xfrm>
-            <a:off x="6572762" y="5171043"/>
-            <a:ext cx="2005677" cy="369332"/>
-          </a:xfrm>
-          <a:prstGeom prst="rect">
-            <a:avLst/>
-          </a:prstGeom>
-          <a:noFill/>
-        </p:spPr>
-        <p:txBody>
-          <a:bodyPr wrap="none" rtlCol="0">
-            <a:spAutoFit/>
-          </a:bodyPr>
-          <a:lstStyle/>
-          <a:p>
-            <a:r>
-              <a:rPr lang="en-US" dirty="0">
-                <a:latin typeface="Times New Roman"/>
-                <a:cs typeface="Times New Roman"/>
-              </a:rPr>
-              <a:t>“</a:t>
-            </a:r>
-            <a:r>
-              <a:rPr lang="en-US" b="1" u="sng" dirty="0">
-                <a:latin typeface="Times New Roman"/>
-                <a:cs typeface="Times New Roman"/>
-              </a:rPr>
-              <a:t>linear frequency</a:t>
-            </a:r>
-            <a:r>
-              <a:rPr lang="en-US" dirty="0">
-                <a:latin typeface="Times New Roman"/>
-                <a:cs typeface="Times New Roman"/>
-              </a:rPr>
-              <a:t>”</a:t>
-            </a:r>
-            <a:endParaRPr lang="en-US" dirty="0"/>
-          </a:p>
-        </p:txBody>
-      </p:sp>
-      <p:sp>
-        <p:nvSpPr>
-          <p:cNvPr id="22" name="Rectangle 21"/>
-          <p:cNvSpPr/>
-          <p:nvPr/>
-        </p:nvSpPr>
-        <p:spPr>
-          <a:xfrm>
-            <a:off x="5908462" y="4365625"/>
-            <a:ext cx="1984587" cy="508001"/>
-          </a:xfrm>
-          <a:prstGeom prst="rect">
-            <a:avLst/>
-          </a:prstGeom>
-          <a:noFill/>
-          <a:ln w="38100" cmpd="sng">
-            <a:solidFill>
-              <a:srgbClr val="008000"/>
-            </a:solidFill>
-          </a:ln>
-        </p:spPr>
-        <p:style>
-          <a:lnRef idx="1">
-            <a:schemeClr val="accent1"/>
-          </a:lnRef>
-          <a:fillRef idx="3">
-            <a:schemeClr val="accent1"/>
-          </a:fillRef>
-          <a:effectRef idx="2">
-            <a:schemeClr val="accent1"/>
-          </a:effectRef>
-          <a:fontRef idx="minor">
-            <a:schemeClr val="lt1"/>
-          </a:fontRef>
-        </p:style>
-        <p:txBody>
-          <a:bodyPr rtlCol="0" anchor="ctr"/>
-          <a:lstStyle/>
-          <a:p>
-            <a:pPr algn="ctr"/>
-            <a:endParaRPr lang="en-US"/>
-          </a:p>
-        </p:txBody>
-      </p:sp>
-      <p:cxnSp>
-        <p:nvCxnSpPr>
-          <p:cNvPr id="24" name="Straight Arrow Connector 23"/>
-          <p:cNvCxnSpPr/>
-          <p:nvPr/>
-        </p:nvCxnSpPr>
-        <p:spPr>
-          <a:xfrm flipV="1">
-            <a:off x="7493000" y="4841876"/>
-            <a:ext cx="0" cy="345042"/>
-          </a:xfrm>
-          <a:prstGeom prst="straightConnector1">
-            <a:avLst/>
-          </a:prstGeom>
-          <a:ln>
-            <a:tailEnd type="arrow"/>
-          </a:ln>
-        </p:spPr>
-        <p:style>
-          <a:lnRef idx="2">
-            <a:schemeClr val="accent1"/>
-          </a:lnRef>
-          <a:fillRef idx="0">
-            <a:schemeClr val="accent1"/>
-          </a:fillRef>
-          <a:effectRef idx="1">
-            <a:schemeClr val="accent1"/>
-          </a:effectRef>
-          <a:fontRef idx="minor">
-            <a:schemeClr val="tx1"/>
-          </a:fontRef>
-        </p:style>
-      </p:cxnSp>
-    </p:spTree>
-    <p:extLst>
-      <p:ext uri="{BB962C8B-B14F-4D97-AF65-F5344CB8AC3E}">
-        <p14:creationId xmlns:p14="http://schemas.microsoft.com/office/powerpoint/2010/main" val="3507087976"/>
-      </p:ext>
-    </p:extLst>
-  </p:cSld>
-  <p:clrMapOvr>
-    <a:masterClrMapping/>
-  </p:clrMapOvr>
-  <p:timing>
-    <p:tnLst>
-      <p:par>
-        <p:cTn id="1" dur="indefinite" restart="never" nodeType="tmRoot">
-          <p:childTnLst>
-            <p:seq concurrent="1" nextAc="seek">
-              <p:cTn id="2" dur="indefinite" nodeType="mainSeq">
-                <p:childTnLst>
-                  <p:par>
-                    <p:cTn id="3" fill="hold">
-                      <p:stCondLst>
-                        <p:cond delay="indefinite"/>
-                      </p:stCondLst>
-                      <p:childTnLst>
-                        <p:par>
-                          <p:cTn id="4" fill="hold">
-                            <p:stCondLst>
-                              <p:cond delay="0"/>
-                            </p:stCondLst>
-                            <p:childTnLst>
-                              <p:par>
-                                <p:cTn id="5" presetID="2" presetClass="entr" presetSubtype="4" fill="hold" grpId="0" nodeType="clickEffect">
-                                  <p:stCondLst>
-                                    <p:cond delay="0"/>
-                                  </p:stCondLst>
-                                  <p:childTnLst>
-                                    <p:set>
-                                      <p:cBhvr>
-                                        <p:cTn id="6" dur="1" fill="hold">
-                                          <p:stCondLst>
-                                            <p:cond delay="0"/>
-                                          </p:stCondLst>
-                                        </p:cTn>
-                                        <p:tgtEl>
-                                          <p:spTgt spid="15"/>
-                                        </p:tgtEl>
-                                        <p:attrNameLst>
-                                          <p:attrName>style.visibility</p:attrName>
-                                        </p:attrNameLst>
-                                      </p:cBhvr>
-                                      <p:to>
-                                        <p:strVal val="visible"/>
-                                      </p:to>
-                                    </p:set>
-                                    <p:anim calcmode="lin" valueType="num">
-                                      <p:cBhvr additive="base">
-                                        <p:cTn id="7" dur="500" fill="hold"/>
-                                        <p:tgtEl>
-                                          <p:spTgt spid="15"/>
-                                        </p:tgtEl>
-                                        <p:attrNameLst>
-                                          <p:attrName>ppt_x</p:attrName>
-                                        </p:attrNameLst>
-                                      </p:cBhvr>
-                                      <p:tavLst>
-                                        <p:tav tm="0">
-                                          <p:val>
-                                            <p:strVal val="#ppt_x"/>
-                                          </p:val>
-                                        </p:tav>
-                                        <p:tav tm="100000">
-                                          <p:val>
-                                            <p:strVal val="#ppt_x"/>
-                                          </p:val>
-                                        </p:tav>
-                                      </p:tavLst>
-                                    </p:anim>
-                                    <p:anim calcmode="lin" valueType="num">
-                                      <p:cBhvr additive="base">
-                                        <p:cTn id="8" dur="500" fill="hold"/>
-                                        <p:tgtEl>
-                                          <p:spTgt spid="15"/>
-                                        </p:tgtEl>
-                                        <p:attrNameLst>
-                                          <p:attrName>ppt_y</p:attrName>
-                                        </p:attrNameLst>
-                                      </p:cBhvr>
-                                      <p:tavLst>
-                                        <p:tav tm="0">
-                                          <p:val>
-                                            <p:strVal val="1+#ppt_h/2"/>
-                                          </p:val>
-                                        </p:tav>
-                                        <p:tav tm="100000">
-                                          <p:val>
-                                            <p:strVal val="#ppt_y"/>
-                                          </p:val>
-                                        </p:tav>
-                                      </p:tavLst>
-                                    </p:anim>
-                                  </p:childTnLst>
-                                </p:cTn>
-                              </p:par>
-                              <p:par>
-                                <p:cTn id="9" presetID="2" presetClass="entr" presetSubtype="4" fill="hold" nodeType="withEffect">
-                                  <p:stCondLst>
-                                    <p:cond delay="0"/>
-                                  </p:stCondLst>
-                                  <p:childTnLst>
-                                    <p:set>
-                                      <p:cBhvr>
-                                        <p:cTn id="10" dur="1" fill="hold">
-                                          <p:stCondLst>
-                                            <p:cond delay="0"/>
-                                          </p:stCondLst>
-                                        </p:cTn>
-                                        <p:tgtEl>
-                                          <p:spTgt spid="2"/>
-                                        </p:tgtEl>
-                                        <p:attrNameLst>
-                                          <p:attrName>style.visibility</p:attrName>
-                                        </p:attrNameLst>
-                                      </p:cBhvr>
-                                      <p:to>
-                                        <p:strVal val="visible"/>
-                                      </p:to>
-                                    </p:set>
-                                    <p:anim calcmode="lin" valueType="num">
-                                      <p:cBhvr additive="base">
-                                        <p:cTn id="11" dur="500" fill="hold"/>
-                                        <p:tgtEl>
-                                          <p:spTgt spid="2"/>
-                                        </p:tgtEl>
-                                        <p:attrNameLst>
-                                          <p:attrName>ppt_x</p:attrName>
-                                        </p:attrNameLst>
-                                      </p:cBhvr>
-                                      <p:tavLst>
-                                        <p:tav tm="0">
-                                          <p:val>
-                                            <p:strVal val="#ppt_x"/>
-                                          </p:val>
-                                        </p:tav>
-                                        <p:tav tm="100000">
-                                          <p:val>
-                                            <p:strVal val="#ppt_x"/>
-                                          </p:val>
-                                        </p:tav>
-                                      </p:tavLst>
-                                    </p:anim>
-                                    <p:anim calcmode="lin" valueType="num">
-                                      <p:cBhvr additive="base">
-                                        <p:cTn id="12" dur="500" fill="hold"/>
-                                        <p:tgtEl>
-                                          <p:spTgt spid="2"/>
-                                        </p:tgtEl>
-                                        <p:attrNameLst>
-                                          <p:attrName>ppt_y</p:attrName>
-                                        </p:attrNameLst>
-                                      </p:cBhvr>
-                                      <p:tavLst>
-                                        <p:tav tm="0">
-                                          <p:val>
-                                            <p:strVal val="1+#ppt_h/2"/>
-                                          </p:val>
-                                        </p:tav>
-                                        <p:tav tm="100000">
-                                          <p:val>
-                                            <p:strVal val="#ppt_y"/>
-                                          </p:val>
-                                        </p:tav>
-                                      </p:tavLst>
-                                    </p:anim>
-                                  </p:childTnLst>
-                                </p:cTn>
-                              </p:par>
-                            </p:childTnLst>
-                          </p:cTn>
-                        </p:par>
-                      </p:childTnLst>
-                    </p:cTn>
-                  </p:par>
-                  <p:par>
-                    <p:cTn id="13" fill="hold">
-                      <p:stCondLst>
-                        <p:cond delay="indefinite"/>
-                      </p:stCondLst>
-                      <p:childTnLst>
-                        <p:par>
-                          <p:cTn id="14" fill="hold">
-                            <p:stCondLst>
-                              <p:cond delay="0"/>
-                            </p:stCondLst>
-                            <p:childTnLst>
-                              <p:par>
-                                <p:cTn id="15" presetID="2" presetClass="entr" presetSubtype="4" fill="hold" nodeType="clickEffect">
-                                  <p:stCondLst>
-                                    <p:cond delay="0"/>
-                                  </p:stCondLst>
-                                  <p:childTnLst>
-                                    <p:set>
-                                      <p:cBhvr>
-                                        <p:cTn id="16" dur="1" fill="hold">
-                                          <p:stCondLst>
-                                            <p:cond delay="0"/>
-                                          </p:stCondLst>
-                                        </p:cTn>
-                                        <p:tgtEl>
-                                          <p:spTgt spid="9"/>
-                                        </p:tgtEl>
-                                        <p:attrNameLst>
-                                          <p:attrName>style.visibility</p:attrName>
-                                        </p:attrNameLst>
-                                      </p:cBhvr>
-                                      <p:to>
-                                        <p:strVal val="visible"/>
-                                      </p:to>
-                                    </p:set>
-                                    <p:anim calcmode="lin" valueType="num">
-                                      <p:cBhvr additive="base">
-                                        <p:cTn id="17" dur="500" fill="hold"/>
-                                        <p:tgtEl>
-                                          <p:spTgt spid="9"/>
-                                        </p:tgtEl>
-                                        <p:attrNameLst>
-                                          <p:attrName>ppt_x</p:attrName>
-                                        </p:attrNameLst>
-                                      </p:cBhvr>
-                                      <p:tavLst>
-                                        <p:tav tm="0">
-                                          <p:val>
-                                            <p:strVal val="#ppt_x"/>
-                                          </p:val>
-                                        </p:tav>
-                                        <p:tav tm="100000">
-                                          <p:val>
-                                            <p:strVal val="#ppt_x"/>
-                                          </p:val>
-                                        </p:tav>
-                                      </p:tavLst>
-                                    </p:anim>
-                                    <p:anim calcmode="lin" valueType="num">
-                                      <p:cBhvr additive="base">
-                                        <p:cTn id="18" dur="500" fill="hold"/>
-                                        <p:tgtEl>
-                                          <p:spTgt spid="9"/>
-                                        </p:tgtEl>
-                                        <p:attrNameLst>
-                                          <p:attrName>ppt_y</p:attrName>
-                                        </p:attrNameLst>
-                                      </p:cBhvr>
-                                      <p:tavLst>
-                                        <p:tav tm="0">
-                                          <p:val>
-                                            <p:strVal val="1+#ppt_h/2"/>
-                                          </p:val>
-                                        </p:tav>
-                                        <p:tav tm="100000">
-                                          <p:val>
-                                            <p:strVal val="#ppt_y"/>
-                                          </p:val>
-                                        </p:tav>
-                                      </p:tavLst>
-                                    </p:anim>
-                                  </p:childTnLst>
-                                </p:cTn>
-                              </p:par>
-                              <p:par>
-                                <p:cTn id="19" presetID="2" presetClass="entr" presetSubtype="4" fill="hold" nodeType="withEffect">
-                                  <p:stCondLst>
-                                    <p:cond delay="0"/>
-                                  </p:stCondLst>
-                                  <p:childTnLst>
-                                    <p:set>
-                                      <p:cBhvr>
-                                        <p:cTn id="20" dur="1" fill="hold">
-                                          <p:stCondLst>
-                                            <p:cond delay="0"/>
-                                          </p:stCondLst>
-                                        </p:cTn>
-                                        <p:tgtEl>
-                                          <p:spTgt spid="11"/>
-                                        </p:tgtEl>
-                                        <p:attrNameLst>
-                                          <p:attrName>style.visibility</p:attrName>
-                                        </p:attrNameLst>
-                                      </p:cBhvr>
-                                      <p:to>
-                                        <p:strVal val="visible"/>
-                                      </p:to>
-                                    </p:set>
-                                    <p:anim calcmode="lin" valueType="num">
-                                      <p:cBhvr additive="base">
-                                        <p:cTn id="21" dur="500" fill="hold"/>
-                                        <p:tgtEl>
-                                          <p:spTgt spid="11"/>
-                                        </p:tgtEl>
-                                        <p:attrNameLst>
-                                          <p:attrName>ppt_x</p:attrName>
-                                        </p:attrNameLst>
-                                      </p:cBhvr>
-                                      <p:tavLst>
-                                        <p:tav tm="0">
-                                          <p:val>
-                                            <p:strVal val="#ppt_x"/>
-                                          </p:val>
-                                        </p:tav>
-                                        <p:tav tm="100000">
-                                          <p:val>
-                                            <p:strVal val="#ppt_x"/>
-                                          </p:val>
-                                        </p:tav>
-                                      </p:tavLst>
-                                    </p:anim>
-                                    <p:anim calcmode="lin" valueType="num">
-                                      <p:cBhvr additive="base">
-                                        <p:cTn id="22" dur="500" fill="hold"/>
-                                        <p:tgtEl>
-                                          <p:spTgt spid="11"/>
-                                        </p:tgtEl>
-                                        <p:attrNameLst>
-                                          <p:attrName>ppt_y</p:attrName>
-                                        </p:attrNameLst>
-                                      </p:cBhvr>
-                                      <p:tavLst>
-                                        <p:tav tm="0">
-                                          <p:val>
-                                            <p:strVal val="1+#ppt_h/2"/>
-                                          </p:val>
-                                        </p:tav>
-                                        <p:tav tm="100000">
-                                          <p:val>
-                                            <p:strVal val="#ppt_y"/>
-                                          </p:val>
-                                        </p:tav>
-                                      </p:tavLst>
-                                    </p:anim>
-                                  </p:childTnLst>
-                                </p:cTn>
-                              </p:par>
-                              <p:par>
-                                <p:cTn id="23" presetID="2" presetClass="entr" presetSubtype="4" fill="hold" grpId="0" nodeType="withEffect">
-                                  <p:stCondLst>
-                                    <p:cond delay="0"/>
-                                  </p:stCondLst>
-                                  <p:childTnLst>
-                                    <p:set>
-                                      <p:cBhvr>
-                                        <p:cTn id="24" dur="1" fill="hold">
-                                          <p:stCondLst>
-                                            <p:cond delay="0"/>
-                                          </p:stCondLst>
-                                        </p:cTn>
-                                        <p:tgtEl>
-                                          <p:spTgt spid="12"/>
-                                        </p:tgtEl>
-                                        <p:attrNameLst>
-                                          <p:attrName>style.visibility</p:attrName>
-                                        </p:attrNameLst>
-                                      </p:cBhvr>
-                                      <p:to>
-                                        <p:strVal val="visible"/>
-                                      </p:to>
-                                    </p:set>
-                                    <p:anim calcmode="lin" valueType="num">
-                                      <p:cBhvr additive="base">
-                                        <p:cTn id="25" dur="500" fill="hold"/>
-                                        <p:tgtEl>
-                                          <p:spTgt spid="12"/>
-                                        </p:tgtEl>
-                                        <p:attrNameLst>
-                                          <p:attrName>ppt_x</p:attrName>
-                                        </p:attrNameLst>
-                                      </p:cBhvr>
-                                      <p:tavLst>
-                                        <p:tav tm="0">
-                                          <p:val>
-                                            <p:strVal val="#ppt_x"/>
-                                          </p:val>
-                                        </p:tav>
-                                        <p:tav tm="100000">
-                                          <p:val>
-                                            <p:strVal val="#ppt_x"/>
-                                          </p:val>
-                                        </p:tav>
-                                      </p:tavLst>
-                                    </p:anim>
-                                    <p:anim calcmode="lin" valueType="num">
-                                      <p:cBhvr additive="base">
-                                        <p:cTn id="26" dur="500" fill="hold"/>
-                                        <p:tgtEl>
-                                          <p:spTgt spid="12"/>
-                                        </p:tgtEl>
-                                        <p:attrNameLst>
-                                          <p:attrName>ppt_y</p:attrName>
-                                        </p:attrNameLst>
-                                      </p:cBhvr>
-                                      <p:tavLst>
-                                        <p:tav tm="0">
-                                          <p:val>
-                                            <p:strVal val="1+#ppt_h/2"/>
-                                          </p:val>
-                                        </p:tav>
-                                        <p:tav tm="100000">
-                                          <p:val>
-                                            <p:strVal val="#ppt_y"/>
-                                          </p:val>
-                                        </p:tav>
-                                      </p:tavLst>
-                                    </p:anim>
-                                  </p:childTnLst>
-                                </p:cTn>
-                              </p:par>
-                              <p:par>
-                                <p:cTn id="27" presetID="2" presetClass="entr" presetSubtype="4" fill="hold" nodeType="withEffect">
-                                  <p:stCondLst>
-                                    <p:cond delay="0"/>
-                                  </p:stCondLst>
-                                  <p:childTnLst>
-                                    <p:set>
-                                      <p:cBhvr>
-                                        <p:cTn id="28" dur="1" fill="hold">
-                                          <p:stCondLst>
-                                            <p:cond delay="0"/>
-                                          </p:stCondLst>
-                                        </p:cTn>
-                                        <p:tgtEl>
-                                          <p:spTgt spid="6"/>
-                                        </p:tgtEl>
-                                        <p:attrNameLst>
-                                          <p:attrName>style.visibility</p:attrName>
-                                        </p:attrNameLst>
-                                      </p:cBhvr>
-                                      <p:to>
-                                        <p:strVal val="visible"/>
-                                      </p:to>
-                                    </p:set>
-                                    <p:anim calcmode="lin" valueType="num">
-                                      <p:cBhvr additive="base">
-                                        <p:cTn id="29" dur="500" fill="hold"/>
-                                        <p:tgtEl>
-                                          <p:spTgt spid="6"/>
-                                        </p:tgtEl>
-                                        <p:attrNameLst>
-                                          <p:attrName>ppt_x</p:attrName>
-                                        </p:attrNameLst>
-                                      </p:cBhvr>
-                                      <p:tavLst>
-                                        <p:tav tm="0">
-                                          <p:val>
-                                            <p:strVal val="#ppt_x"/>
-                                          </p:val>
-                                        </p:tav>
-                                        <p:tav tm="100000">
-                                          <p:val>
-                                            <p:strVal val="#ppt_x"/>
-                                          </p:val>
-                                        </p:tav>
-                                      </p:tavLst>
-                                    </p:anim>
-                                    <p:anim calcmode="lin" valueType="num">
-                                      <p:cBhvr additive="base">
-                                        <p:cTn id="30" dur="500" fill="hold"/>
-                                        <p:tgtEl>
-                                          <p:spTgt spid="6"/>
-                                        </p:tgtEl>
-                                        <p:attrNameLst>
-                                          <p:attrName>ppt_y</p:attrName>
-                                        </p:attrNameLst>
-                                      </p:cBhvr>
-                                      <p:tavLst>
-                                        <p:tav tm="0">
-                                          <p:val>
-                                            <p:strVal val="1+#ppt_h/2"/>
-                                          </p:val>
-                                        </p:tav>
-                                        <p:tav tm="100000">
-                                          <p:val>
-                                            <p:strVal val="#ppt_y"/>
-                                          </p:val>
-                                        </p:tav>
-                                      </p:tavLst>
-                                    </p:anim>
-                                  </p:childTnLst>
-                                </p:cTn>
-                              </p:par>
-                            </p:childTnLst>
-                          </p:cTn>
-                        </p:par>
-                      </p:childTnLst>
-                    </p:cTn>
-                  </p:par>
-                  <p:par>
-                    <p:cTn id="31" fill="hold">
-                      <p:stCondLst>
-                        <p:cond delay="indefinite"/>
-                      </p:stCondLst>
-                      <p:childTnLst>
-                        <p:par>
-                          <p:cTn id="32" fill="hold">
-                            <p:stCondLst>
-                              <p:cond delay="0"/>
-                            </p:stCondLst>
-                            <p:childTnLst>
-                              <p:par>
-                                <p:cTn id="33" presetID="2" presetClass="entr" presetSubtype="4" fill="hold" nodeType="clickEffect">
-                                  <p:stCondLst>
-                                    <p:cond delay="0"/>
-                                  </p:stCondLst>
-                                  <p:childTnLst>
-                                    <p:set>
-                                      <p:cBhvr>
-                                        <p:cTn id="34" dur="1" fill="hold">
-                                          <p:stCondLst>
-                                            <p:cond delay="0"/>
-                                          </p:stCondLst>
-                                        </p:cTn>
-                                        <p:tgtEl>
-                                          <p:spTgt spid="24"/>
-                                        </p:tgtEl>
-                                        <p:attrNameLst>
-                                          <p:attrName>style.visibility</p:attrName>
-                                        </p:attrNameLst>
-                                      </p:cBhvr>
-                                      <p:to>
-                                        <p:strVal val="visible"/>
-                                      </p:to>
-                                    </p:set>
-                                    <p:anim calcmode="lin" valueType="num">
-                                      <p:cBhvr additive="base">
-                                        <p:cTn id="35" dur="500" fill="hold"/>
-                                        <p:tgtEl>
-                                          <p:spTgt spid="24"/>
-                                        </p:tgtEl>
-                                        <p:attrNameLst>
-                                          <p:attrName>ppt_x</p:attrName>
-                                        </p:attrNameLst>
-                                      </p:cBhvr>
-                                      <p:tavLst>
-                                        <p:tav tm="0">
-                                          <p:val>
-                                            <p:strVal val="#ppt_x"/>
-                                          </p:val>
-                                        </p:tav>
-                                        <p:tav tm="100000">
-                                          <p:val>
-                                            <p:strVal val="#ppt_x"/>
-                                          </p:val>
-                                        </p:tav>
-                                      </p:tavLst>
-                                    </p:anim>
-                                    <p:anim calcmode="lin" valueType="num">
-                                      <p:cBhvr additive="base">
-                                        <p:cTn id="36" dur="500" fill="hold"/>
-                                        <p:tgtEl>
-                                          <p:spTgt spid="24"/>
-                                        </p:tgtEl>
-                                        <p:attrNameLst>
-                                          <p:attrName>ppt_y</p:attrName>
-                                        </p:attrNameLst>
-                                      </p:cBhvr>
-                                      <p:tavLst>
-                                        <p:tav tm="0">
-                                          <p:val>
-                                            <p:strVal val="1+#ppt_h/2"/>
-                                          </p:val>
-                                        </p:tav>
-                                        <p:tav tm="100000">
-                                          <p:val>
-                                            <p:strVal val="#ppt_y"/>
-                                          </p:val>
-                                        </p:tav>
-                                      </p:tavLst>
-                                    </p:anim>
-                                  </p:childTnLst>
-                                </p:cTn>
-                              </p:par>
-                              <p:par>
-                                <p:cTn id="37" presetID="2" presetClass="entr" presetSubtype="4" fill="hold" grpId="1" nodeType="withEffect">
-                                  <p:stCondLst>
-                                    <p:cond delay="0"/>
-                                  </p:stCondLst>
-                                  <p:childTnLst>
-                                    <p:set>
-                                      <p:cBhvr>
-                                        <p:cTn id="38" dur="1" fill="hold">
-                                          <p:stCondLst>
-                                            <p:cond delay="0"/>
-                                          </p:stCondLst>
-                                        </p:cTn>
-                                        <p:tgtEl>
-                                          <p:spTgt spid="16"/>
-                                        </p:tgtEl>
-                                        <p:attrNameLst>
-                                          <p:attrName>style.visibility</p:attrName>
-                                        </p:attrNameLst>
-                                      </p:cBhvr>
-                                      <p:to>
-                                        <p:strVal val="visible"/>
-                                      </p:to>
-                                    </p:set>
-                                    <p:anim calcmode="lin" valueType="num">
-                                      <p:cBhvr additive="base">
-                                        <p:cTn id="39" dur="500" fill="hold"/>
-                                        <p:tgtEl>
-                                          <p:spTgt spid="16"/>
-                                        </p:tgtEl>
-                                        <p:attrNameLst>
-                                          <p:attrName>ppt_x</p:attrName>
-                                        </p:attrNameLst>
-                                      </p:cBhvr>
-                                      <p:tavLst>
-                                        <p:tav tm="0">
-                                          <p:val>
-                                            <p:strVal val="#ppt_x"/>
-                                          </p:val>
-                                        </p:tav>
-                                        <p:tav tm="100000">
-                                          <p:val>
-                                            <p:strVal val="#ppt_x"/>
-                                          </p:val>
-                                        </p:tav>
-                                      </p:tavLst>
-                                    </p:anim>
-                                    <p:anim calcmode="lin" valueType="num">
-                                      <p:cBhvr additive="base">
-                                        <p:cTn id="40" dur="500" fill="hold"/>
-                                        <p:tgtEl>
-                                          <p:spTgt spid="16"/>
-                                        </p:tgtEl>
-                                        <p:attrNameLst>
-                                          <p:attrName>ppt_y</p:attrName>
-                                        </p:attrNameLst>
-                                      </p:cBhvr>
-                                      <p:tavLst>
-                                        <p:tav tm="0">
-                                          <p:val>
-                                            <p:strVal val="1+#ppt_h/2"/>
-                                          </p:val>
-                                        </p:tav>
-                                        <p:tav tm="100000">
-                                          <p:val>
-                                            <p:strVal val="#ppt_y"/>
-                                          </p:val>
-                                        </p:tav>
-                                      </p:tavLst>
-                                    </p:anim>
-                                  </p:childTnLst>
-                                </p:cTn>
-                              </p:par>
-                            </p:childTnLst>
-                          </p:cTn>
-                        </p:par>
-                      </p:childTnLst>
-                    </p:cTn>
-                  </p:par>
-                  <p:par>
-                    <p:cTn id="41" fill="hold">
-                      <p:stCondLst>
-                        <p:cond delay="indefinite"/>
-                      </p:stCondLst>
-                      <p:childTnLst>
-                        <p:par>
-                          <p:cTn id="42" fill="hold">
-                            <p:stCondLst>
-                              <p:cond delay="0"/>
-                            </p:stCondLst>
-                            <p:childTnLst>
-                              <p:par>
-                                <p:cTn id="43" presetID="2" presetClass="entr" presetSubtype="4" fill="hold" grpId="0" nodeType="clickEffect">
-                                  <p:stCondLst>
-                                    <p:cond delay="0"/>
-                                  </p:stCondLst>
-                                  <p:childTnLst>
-                                    <p:set>
-                                      <p:cBhvr>
-                                        <p:cTn id="44" dur="1" fill="hold">
-                                          <p:stCondLst>
-                                            <p:cond delay="0"/>
-                                          </p:stCondLst>
-                                        </p:cTn>
-                                        <p:tgtEl>
-                                          <p:spTgt spid="22"/>
-                                        </p:tgtEl>
-                                        <p:attrNameLst>
-                                          <p:attrName>style.visibility</p:attrName>
-                                        </p:attrNameLst>
-                                      </p:cBhvr>
-                                      <p:to>
-                                        <p:strVal val="visible"/>
-                                      </p:to>
-                                    </p:set>
-                                    <p:anim calcmode="lin" valueType="num">
-                                      <p:cBhvr additive="base">
-                                        <p:cTn id="45" dur="500" fill="hold"/>
-                                        <p:tgtEl>
-                                          <p:spTgt spid="22"/>
-                                        </p:tgtEl>
-                                        <p:attrNameLst>
-                                          <p:attrName>ppt_x</p:attrName>
-                                        </p:attrNameLst>
-                                      </p:cBhvr>
-                                      <p:tavLst>
-                                        <p:tav tm="0">
-                                          <p:val>
-                                            <p:strVal val="#ppt_x"/>
-                                          </p:val>
-                                        </p:tav>
-                                        <p:tav tm="100000">
-                                          <p:val>
-                                            <p:strVal val="#ppt_x"/>
-                                          </p:val>
-                                        </p:tav>
-                                      </p:tavLst>
-                                    </p:anim>
-                                    <p:anim calcmode="lin" valueType="num">
-                                      <p:cBhvr additive="base">
-                                        <p:cTn id="46" dur="500" fill="hold"/>
-                                        <p:tgtEl>
-                                          <p:spTgt spid="22"/>
-                                        </p:tgtEl>
-                                        <p:attrNameLst>
-                                          <p:attrName>ppt_y</p:attrName>
-                                        </p:attrNameLst>
-                                      </p:cBhvr>
-                                      <p:tavLst>
-                                        <p:tav tm="0">
-                                          <p:val>
-                                            <p:strVal val="1+#ppt_h/2"/>
-                                          </p:val>
-                                        </p:tav>
-                                        <p:tav tm="100000">
-                                          <p:val>
-                                            <p:strVal val="#ppt_y"/>
-                                          </p:val>
-                                        </p:tav>
-                                      </p:tavLst>
-                                    </p:anim>
-                                  </p:childTnLst>
-                                </p:cTn>
-                              </p:par>
-                            </p:childTnLst>
-                          </p:cTn>
-                        </p:par>
-                      </p:childTnLst>
-                    </p:cTn>
-                  </p:par>
-                </p:childTnLst>
-              </p:cTn>
-              <p:prevCondLst>
-                <p:cond evt="onPrev" delay="0">
-                  <p:tgtEl>
-                    <p:sldTgt/>
-                  </p:tgtEl>
-                </p:cond>
-              </p:prevCondLst>
-              <p:nextCondLst>
-                <p:cond evt="onNext" delay="0">
-                  <p:tgtEl>
-                    <p:sldTgt/>
-                  </p:tgtEl>
-                </p:cond>
-              </p:nextCondLst>
-            </p:seq>
-          </p:childTnLst>
-        </p:cTn>
-      </p:par>
-    </p:tnLst>
-    <p:bldLst>
-      <p:bldP spid="15" grpId="0"/>
-      <p:bldP spid="12" grpId="0"/>
-      <p:bldP spid="16" grpId="1"/>
-      <p:bldP spid="22" grpId="0" animBg="1"/>
-    </p:bldLst>
-  </p:timing>
-</p:sld>
-</file>
-
-<file path=ppt/slides/slide23.xml><?xml version="1.0" encoding="utf-8"?>
-<p:sld xmlns:a="http://schemas.openxmlformats.org/drawingml/2006/main" xmlns:r="http://schemas.openxmlformats.org/officeDocument/2006/relationships" xmlns:p="http://schemas.openxmlformats.org/presentationml/2006/main">
-  <p:cSld>
-    <p:spTree>
-      <p:nvGrpSpPr>
-        <p:cNvPr id="1" name=""/>
-        <p:cNvGrpSpPr/>
-        <p:nvPr/>
-      </p:nvGrpSpPr>
-      <p:grpSpPr>
-        <a:xfrm>
-          <a:off x="0" y="0"/>
-          <a:ext cx="0" cy="0"/>
-          <a:chOff x="0" y="0"/>
-          <a:chExt cx="0" cy="0"/>
-        </a:xfrm>
-      </p:grpSpPr>
-      <p:pic>
-        <p:nvPicPr>
           <p:cNvPr id="4" name="Picture 2">
             <a:extLst>
               <a:ext uri="{FF2B5EF4-FFF2-40B4-BE49-F238E27FC236}">
@@ -14680,6 +13321,36 @@
           <a:xfrm>
             <a:off x="2374900" y="3213100"/>
             <a:ext cx="6172200" cy="558800"/>
+          </a:xfrm>
+          <a:prstGeom prst="rect">
+            <a:avLst/>
+          </a:prstGeom>
+        </p:spPr>
+      </p:pic>
+      <p:pic>
+        <p:nvPicPr>
+          <p:cNvPr id="2" name="Picture 1">
+            <a:extLst>
+              <a:ext uri="{FF2B5EF4-FFF2-40B4-BE49-F238E27FC236}">
+                <a16:creationId xmlns:a16="http://schemas.microsoft.com/office/drawing/2014/main" id="{0323CE8A-56C1-3B80-2E5F-9C5E79EFF0A0}"/>
+              </a:ext>
+            </a:extLst>
+          </p:cNvPr>
+          <p:cNvPicPr>
+            <a:picLocks noChangeAspect="1"/>
+          </p:cNvPicPr>
+          <p:nvPr/>
+        </p:nvPicPr>
+        <p:blipFill>
+          <a:blip r:embed="rId5"/>
+          <a:stretch>
+            <a:fillRect/>
+          </a:stretch>
+        </p:blipFill>
+        <p:spPr>
+          <a:xfrm>
+            <a:off x="4997450" y="1076325"/>
+            <a:ext cx="2895600" cy="736600"/>
           </a:xfrm>
           <a:prstGeom prst="rect">
             <a:avLst/>
@@ -15464,7 +14135,7 @@
 </p:sld>
 </file>
 
-<file path=ppt/slides/slide24.xml><?xml version="1.0" encoding="utf-8"?>
+<file path=ppt/slides/slide23.xml><?xml version="1.0" encoding="utf-8"?>
 <p:sld xmlns:a="http://schemas.openxmlformats.org/drawingml/2006/main" xmlns:r="http://schemas.openxmlformats.org/officeDocument/2006/relationships" xmlns:p="http://schemas.openxmlformats.org/presentationml/2006/main">
   <p:cSld>
     <p:spTree>
@@ -17010,7 +15681,7 @@
 </p:sld>
 </file>
 
-<file path=ppt/slides/slide25.xml><?xml version="1.0" encoding="utf-8"?>
+<file path=ppt/slides/slide24.xml><?xml version="1.0" encoding="utf-8"?>
 <p:sld xmlns:a="http://schemas.openxmlformats.org/drawingml/2006/main" xmlns:r="http://schemas.openxmlformats.org/officeDocument/2006/relationships" xmlns:p="http://schemas.openxmlformats.org/presentationml/2006/main">
   <p:cSld>
     <p:spTree>
@@ -17427,10 +16098,134 @@
   <p:clrMapOvr>
     <a:masterClrMapping/>
   </p:clrMapOvr>
+  <p:timing>
+    <p:tnLst>
+      <p:par>
+        <p:cTn id="1" dur="indefinite" restart="never" nodeType="tmRoot">
+          <p:childTnLst>
+            <p:seq concurrent="1" nextAc="seek">
+              <p:cTn id="2" dur="indefinite" nodeType="mainSeq">
+                <p:childTnLst>
+                  <p:par>
+                    <p:cTn id="3" fill="hold">
+                      <p:stCondLst>
+                        <p:cond delay="indefinite"/>
+                        <p:cond evt="onBegin" delay="0">
+                          <p:tn val="2"/>
+                        </p:cond>
+                      </p:stCondLst>
+                      <p:childTnLst>
+                        <p:par>
+                          <p:cTn id="4" fill="hold">
+                            <p:stCondLst>
+                              <p:cond delay="0"/>
+                            </p:stCondLst>
+                            <p:childTnLst>
+                              <p:par>
+                                <p:cTn id="5" presetID="2" presetClass="entr" presetSubtype="4" fill="hold" nodeType="afterEffect">
+                                  <p:stCondLst>
+                                    <p:cond delay="0"/>
+                                  </p:stCondLst>
+                                  <p:childTnLst>
+                                    <p:set>
+                                      <p:cBhvr>
+                                        <p:cTn id="6" dur="1" fill="hold">
+                                          <p:stCondLst>
+                                            <p:cond delay="0"/>
+                                          </p:stCondLst>
+                                        </p:cTn>
+                                        <p:tgtEl>
+                                          <p:spTgt spid="10"/>
+                                        </p:tgtEl>
+                                        <p:attrNameLst>
+                                          <p:attrName>style.visibility</p:attrName>
+                                        </p:attrNameLst>
+                                      </p:cBhvr>
+                                      <p:to>
+                                        <p:strVal val="visible"/>
+                                      </p:to>
+                                    </p:set>
+                                    <p:anim calcmode="lin" valueType="num">
+                                      <p:cBhvr additive="base">
+                                        <p:cTn id="7" dur="500" fill="hold"/>
+                                        <p:tgtEl>
+                                          <p:spTgt spid="10"/>
+                                        </p:tgtEl>
+                                        <p:attrNameLst>
+                                          <p:attrName>ppt_x</p:attrName>
+                                        </p:attrNameLst>
+                                      </p:cBhvr>
+                                      <p:tavLst>
+                                        <p:tav tm="0">
+                                          <p:val>
+                                            <p:strVal val="#ppt_x"/>
+                                          </p:val>
+                                        </p:tav>
+                                        <p:tav tm="100000">
+                                          <p:val>
+                                            <p:strVal val="#ppt_x"/>
+                                          </p:val>
+                                        </p:tav>
+                                      </p:tavLst>
+                                    </p:anim>
+                                    <p:anim calcmode="lin" valueType="num">
+                                      <p:cBhvr additive="base">
+                                        <p:cTn id="8" dur="500" fill="hold"/>
+                                        <p:tgtEl>
+                                          <p:spTgt spid="10"/>
+                                        </p:tgtEl>
+                                        <p:attrNameLst>
+                                          <p:attrName>ppt_y</p:attrName>
+                                        </p:attrNameLst>
+                                      </p:cBhvr>
+                                      <p:tavLst>
+                                        <p:tav tm="0">
+                                          <p:val>
+                                            <p:strVal val="1+#ppt_h/2"/>
+                                          </p:val>
+                                        </p:tav>
+                                        <p:tav tm="100000">
+                                          <p:val>
+                                            <p:strVal val="#ppt_y"/>
+                                          </p:val>
+                                        </p:tav>
+                                      </p:tavLst>
+                                    </p:anim>
+                                  </p:childTnLst>
+                                </p:cTn>
+                              </p:par>
+                            </p:childTnLst>
+                          </p:cTn>
+                        </p:par>
+                      </p:childTnLst>
+                    </p:cTn>
+                  </p:par>
+                </p:childTnLst>
+              </p:cTn>
+              <p:prevCondLst>
+                <p:cond evt="onPrev" delay="0">
+                  <p:tgtEl>
+                    <p:sldTgt/>
+                  </p:tgtEl>
+                </p:cond>
+              </p:prevCondLst>
+              <p:nextCondLst>
+                <p:cond evt="onNext" delay="0">
+                  <p:tgtEl>
+                    <p:sldTgt/>
+                  </p:tgtEl>
+                </p:cond>
+              </p:nextCondLst>
+            </p:seq>
+          </p:childTnLst>
+        </p:cTn>
+      </p:par>
+    </p:tnLst>
+  </p:timing>
 </p:sld>
 </file>
 
-<file path=ppt/slides/slide26.xml><?xml version="1.0" encoding="utf-8"?>
+<file path=ppt/slides/slide25.xml><?xml version="1.0" encoding="utf-8"?>
 <p:sld xmlns:a="http://schemas.openxmlformats.org/drawingml/2006/main" xmlns:r="http://schemas.openxmlformats.org/officeDocument/2006/relationships" xmlns:p="http://schemas.openxmlformats.org/presentationml/2006/main">
   <p:cSld>
     <p:spTree>
